--- a/CSE-3104/Slides/Introduction_to_modern_databases.pptx
+++ b/CSE-3104/Slides/Introduction_to_modern_databases.pptx
@@ -32,16 +32,21 @@
     <p:sldId id="277" r:id="rId28"/>
     <p:sldId id="278" r:id="rId29"/>
     <p:sldId id="279" r:id="rId30"/>
+    <p:sldId id="280" r:id="rId31"/>
+    <p:sldId id="281" r:id="rId32"/>
+    <p:sldId id="282" r:id="rId33"/>
+    <p:sldId id="283" r:id="rId34"/>
+    <p:sldId id="284" r:id="rId35"/>
   </p:sldIdLst>
   <p:sldSz cy="6858000" cx="9144000"/>
   <p:notesSz cx="6858000" cy="9144000"/>
   <p:embeddedFontLst>
     <p:embeddedFont>
       <p:font typeface="Roboto Mono"/>
-      <p:regular r:id="rId31"/>
-      <p:bold r:id="rId32"/>
-      <p:italic r:id="rId33"/>
-      <p:boldItalic r:id="rId34"/>
+      <p:regular r:id="rId36"/>
+      <p:bold r:id="rId37"/>
+      <p:italic r:id="rId38"/>
+      <p:boldItalic r:id="rId39"/>
     </p:embeddedFont>
   </p:embeddedFontLst>
   <p:defaultTextStyle>
@@ -289,7 +294,7 @@
       </p15:sldGuideLst>
     </p:ext>
     <p:ext uri="GoogleSlidesCustomDataVersion2">
-      <go:slidesCustomData xmlns:go="http://customooxmlschemas.google.com/" r:id="rId35" roundtripDataSignature="AMtx7mhmnF7FW7UNRsodv7lKeqmYouxZmA=="/>
+      <go:slidesCustomData xmlns:go="http://customooxmlschemas.google.com/" r:id="rId40" roundtripDataSignature="AMtx7miTV5tbeNaqAXnyplHqVLHXZH182Q=="/>
     </p:ext>
   </p:extLst>
 </p:presentation>
@@ -1122,7 +1127,7 @@
   <p:cSld>
     <p:spTree>
       <p:nvGrpSpPr>
-        <p:cNvPr id="167" name="Shape 167"/>
+        <p:cNvPr id="168" name="Shape 168"/>
         <p:cNvGrpSpPr/>
         <p:nvPr/>
       </p:nvGrpSpPr>
@@ -1136,7 +1141,7 @@
       </p:grpSpPr>
       <p:sp>
         <p:nvSpPr>
-          <p:cNvPr id="168" name="Google Shape;168;g369690b03c5_0_189:notes"/>
+          <p:cNvPr id="169" name="Google Shape;169;g369690b03c5_0_189:notes"/>
           <p:cNvSpPr/>
           <p:nvPr>
             <p:ph idx="2" type="sldImg"/>
@@ -1171,7 +1176,7 @@
       </p:sp>
       <p:sp>
         <p:nvSpPr>
-          <p:cNvPr id="169" name="Google Shape;169;g369690b03c5_0_189:notes"/>
+          <p:cNvPr id="170" name="Google Shape;170;g369690b03c5_0_189:notes"/>
           <p:cNvSpPr txBox="1"/>
           <p:nvPr>
             <p:ph idx="1" type="body"/>
@@ -1221,7 +1226,7 @@
   <p:cSld>
     <p:spTree>
       <p:nvGrpSpPr>
-        <p:cNvPr id="178" name="Shape 178"/>
+        <p:cNvPr id="179" name="Shape 179"/>
         <p:cNvGrpSpPr/>
         <p:nvPr/>
       </p:nvGrpSpPr>
@@ -1235,7 +1240,7 @@
       </p:grpSpPr>
       <p:sp>
         <p:nvSpPr>
-          <p:cNvPr id="179" name="Google Shape;179;g369690b03c5_0_206:notes"/>
+          <p:cNvPr id="180" name="Google Shape;180;g369690b03c5_0_206:notes"/>
           <p:cNvSpPr/>
           <p:nvPr>
             <p:ph idx="2" type="sldImg"/>
@@ -1270,7 +1275,7 @@
       </p:sp>
       <p:sp>
         <p:nvSpPr>
-          <p:cNvPr id="180" name="Google Shape;180;g369690b03c5_0_206:notes"/>
+          <p:cNvPr id="181" name="Google Shape;181;g369690b03c5_0_206:notes"/>
           <p:cNvSpPr txBox="1"/>
           <p:nvPr>
             <p:ph idx="1" type="body"/>
@@ -1320,7 +1325,7 @@
   <p:cSld>
     <p:spTree>
       <p:nvGrpSpPr>
-        <p:cNvPr id="185" name="Shape 185"/>
+        <p:cNvPr id="190" name="Shape 190"/>
         <p:cNvGrpSpPr/>
         <p:nvPr/>
       </p:nvGrpSpPr>
@@ -1334,46 +1339,7 @@
       </p:grpSpPr>
       <p:sp>
         <p:nvSpPr>
-          <p:cNvPr id="186" name="Google Shape;186;p5:notes"/>
-          <p:cNvSpPr txBox="1"/>
-          <p:nvPr>
-            <p:ph idx="1" type="body"/>
-          </p:nvPr>
-        </p:nvSpPr>
-        <p:spPr>
-          <a:xfrm>
-            <a:off x="685800" y="4343400"/>
-            <a:ext cx="5486400" cy="4114800"/>
-          </a:xfrm>
-          <a:prstGeom prst="rect">
-            <a:avLst/>
-          </a:prstGeom>
-        </p:spPr>
-        <p:txBody>
-          <a:bodyPr anchorCtr="0" anchor="t" bIns="91425" lIns="91425" spcFirstLastPara="1" rIns="91425" wrap="square" tIns="91425">
-            <a:noAutofit/>
-          </a:bodyPr>
-          <a:lstStyle/>
-          <a:p>
-            <a:pPr indent="0" lvl="0" marL="0" rtl="0" algn="l">
-              <a:spcBef>
-                <a:spcPts val="0"/>
-              </a:spcBef>
-              <a:spcAft>
-                <a:spcPts val="0"/>
-              </a:spcAft>
-              <a:buNone/>
-            </a:pPr>
-            <a:r>
-              <a:t/>
-            </a:r>
-            <a:endParaRPr/>
-          </a:p>
-        </p:txBody>
-      </p:sp>
-      <p:sp>
-        <p:nvSpPr>
-          <p:cNvPr id="187" name="Google Shape;187;p5:notes"/>
+          <p:cNvPr id="191" name="Google Shape;191;g369690b03c5_0_217:notes"/>
           <p:cNvSpPr/>
           <p:nvPr>
             <p:ph idx="2" type="sldImg"/>
@@ -1382,7 +1348,7 @@
         <p:spPr>
           <a:xfrm>
             <a:off x="1143225" y="685800"/>
-            <a:ext cx="4572225" cy="3429000"/>
+            <a:ext cx="4572300" cy="3429000"/>
           </a:xfrm>
           <a:custGeom>
             <a:rect b="b" l="l" r="r" t="t"/>
@@ -1406,34 +1372,9 @@
           </a:custGeom>
         </p:spPr>
       </p:sp>
-    </p:spTree>
-  </p:cSld>
-  <p:clrMapOvr>
-    <a:masterClrMapping/>
-  </p:clrMapOvr>
-</p:notes>
-</file>
-
-<file path=ppt/notesSlides/notesSlide16.xml><?xml version="1.0" encoding="utf-8"?>
-<p:notes xmlns:a="http://schemas.openxmlformats.org/drawingml/2006/main" xmlns:r="http://schemas.openxmlformats.org/officeDocument/2006/relationships" xmlns:mc="http://schemas.openxmlformats.org/markup-compatibility/2006" xmlns:mv="urn:schemas-microsoft-com:mac:vml" xmlns:p="http://schemas.openxmlformats.org/presentationml/2006/main" xmlns:c="http://schemas.openxmlformats.org/drawingml/2006/chart" xmlns:dgm="http://schemas.openxmlformats.org/drawingml/2006/diagram" xmlns:o="urn:schemas-microsoft-com:office:office" xmlns:v="urn:schemas-microsoft-com:vml" xmlns:pvml="urn:schemas-microsoft-com:office:powerpoint" xmlns:com="http://schemas.openxmlformats.org/drawingml/2006/compatibility" xmlns:p14="http://schemas.microsoft.com/office/powerpoint/2010/main" xmlns:p15="http://schemas.microsoft.com/office/powerpoint/2012/main" xmlns:ahyp="http://schemas.microsoft.com/office/drawing/2018/hyperlinkcolor" showMasterPhAnim="0" showMasterSp="0">
-  <p:cSld>
-    <p:spTree>
-      <p:nvGrpSpPr>
-        <p:cNvPr id="192" name="Shape 192"/>
-        <p:cNvGrpSpPr/>
-        <p:nvPr/>
-      </p:nvGrpSpPr>
-      <p:grpSpPr>
-        <a:xfrm>
-          <a:off x="0" y="0"/>
-          <a:ext cx="0" cy="0"/>
-          <a:chOff x="0" y="0"/>
-          <a:chExt cx="0" cy="0"/>
-        </a:xfrm>
-      </p:grpSpPr>
       <p:sp>
         <p:nvSpPr>
-          <p:cNvPr id="193" name="Google Shape;193;p6:notes"/>
+          <p:cNvPr id="192" name="Google Shape;192;g369690b03c5_0_217:notes"/>
           <p:cNvSpPr txBox="1"/>
           <p:nvPr>
             <p:ph idx="1" type="body"/>
@@ -1470,9 +1411,34 @@
           </a:p>
         </p:txBody>
       </p:sp>
+    </p:spTree>
+  </p:cSld>
+  <p:clrMapOvr>
+    <a:masterClrMapping/>
+  </p:clrMapOvr>
+</p:notes>
+</file>
+
+<file path=ppt/notesSlides/notesSlide16.xml><?xml version="1.0" encoding="utf-8"?>
+<p:notes xmlns:a="http://schemas.openxmlformats.org/drawingml/2006/main" xmlns:r="http://schemas.openxmlformats.org/officeDocument/2006/relationships" xmlns:mc="http://schemas.openxmlformats.org/markup-compatibility/2006" xmlns:mv="urn:schemas-microsoft-com:mac:vml" xmlns:p="http://schemas.openxmlformats.org/presentationml/2006/main" xmlns:c="http://schemas.openxmlformats.org/drawingml/2006/chart" xmlns:dgm="http://schemas.openxmlformats.org/drawingml/2006/diagram" xmlns:o="urn:schemas-microsoft-com:office:office" xmlns:v="urn:schemas-microsoft-com:vml" xmlns:pvml="urn:schemas-microsoft-com:office:powerpoint" xmlns:com="http://schemas.openxmlformats.org/drawingml/2006/compatibility" xmlns:p14="http://schemas.microsoft.com/office/powerpoint/2010/main" xmlns:p15="http://schemas.microsoft.com/office/powerpoint/2012/main" xmlns:ahyp="http://schemas.microsoft.com/office/drawing/2018/hyperlinkcolor" showMasterPhAnim="0" showMasterSp="0">
+  <p:cSld>
+    <p:spTree>
+      <p:nvGrpSpPr>
+        <p:cNvPr id="197" name="Shape 197"/>
+        <p:cNvGrpSpPr/>
+        <p:nvPr/>
+      </p:nvGrpSpPr>
+      <p:grpSpPr>
+        <a:xfrm>
+          <a:off x="0" y="0"/>
+          <a:ext cx="0" cy="0"/>
+          <a:chOff x="0" y="0"/>
+          <a:chExt cx="0" cy="0"/>
+        </a:xfrm>
+      </p:grpSpPr>
       <p:sp>
         <p:nvSpPr>
-          <p:cNvPr id="194" name="Google Shape;194;p6:notes"/>
+          <p:cNvPr id="198" name="Google Shape;198;g369690b03c5_0_224:notes"/>
           <p:cNvSpPr/>
           <p:nvPr>
             <p:ph idx="2" type="sldImg"/>
@@ -1481,7 +1447,7 @@
         <p:spPr>
           <a:xfrm>
             <a:off x="1143225" y="685800"/>
-            <a:ext cx="4572225" cy="3429000"/>
+            <a:ext cx="4572300" cy="3429000"/>
           </a:xfrm>
           <a:custGeom>
             <a:rect b="b" l="l" r="r" t="t"/>
@@ -1505,34 +1471,9 @@
           </a:custGeom>
         </p:spPr>
       </p:sp>
-    </p:spTree>
-  </p:cSld>
-  <p:clrMapOvr>
-    <a:masterClrMapping/>
-  </p:clrMapOvr>
-</p:notes>
-</file>
-
-<file path=ppt/notesSlides/notesSlide17.xml><?xml version="1.0" encoding="utf-8"?>
-<p:notes xmlns:a="http://schemas.openxmlformats.org/drawingml/2006/main" xmlns:r="http://schemas.openxmlformats.org/officeDocument/2006/relationships" xmlns:mc="http://schemas.openxmlformats.org/markup-compatibility/2006" xmlns:mv="urn:schemas-microsoft-com:mac:vml" xmlns:p="http://schemas.openxmlformats.org/presentationml/2006/main" xmlns:c="http://schemas.openxmlformats.org/drawingml/2006/chart" xmlns:dgm="http://schemas.openxmlformats.org/drawingml/2006/diagram" xmlns:o="urn:schemas-microsoft-com:office:office" xmlns:v="urn:schemas-microsoft-com:vml" xmlns:pvml="urn:schemas-microsoft-com:office:powerpoint" xmlns:com="http://schemas.openxmlformats.org/drawingml/2006/compatibility" xmlns:p14="http://schemas.microsoft.com/office/powerpoint/2010/main" xmlns:p15="http://schemas.microsoft.com/office/powerpoint/2012/main" xmlns:ahyp="http://schemas.microsoft.com/office/drawing/2018/hyperlinkcolor" showMasterPhAnim="0" showMasterSp="0">
-  <p:cSld>
-    <p:spTree>
-      <p:nvGrpSpPr>
-        <p:cNvPr id="199" name="Shape 199"/>
-        <p:cNvGrpSpPr/>
-        <p:nvPr/>
-      </p:nvGrpSpPr>
-      <p:grpSpPr>
-        <a:xfrm>
-          <a:off x="0" y="0"/>
-          <a:ext cx="0" cy="0"/>
-          <a:chOff x="0" y="0"/>
-          <a:chExt cx="0" cy="0"/>
-        </a:xfrm>
-      </p:grpSpPr>
       <p:sp>
         <p:nvSpPr>
-          <p:cNvPr id="200" name="Google Shape;200;p7:notes"/>
+          <p:cNvPr id="199" name="Google Shape;199;g369690b03c5_0_224:notes"/>
           <p:cNvSpPr txBox="1"/>
           <p:nvPr>
             <p:ph idx="1" type="body"/>
@@ -1569,9 +1510,34 @@
           </a:p>
         </p:txBody>
       </p:sp>
+    </p:spTree>
+  </p:cSld>
+  <p:clrMapOvr>
+    <a:masterClrMapping/>
+  </p:clrMapOvr>
+</p:notes>
+</file>
+
+<file path=ppt/notesSlides/notesSlide17.xml><?xml version="1.0" encoding="utf-8"?>
+<p:notes xmlns:a="http://schemas.openxmlformats.org/drawingml/2006/main" xmlns:r="http://schemas.openxmlformats.org/officeDocument/2006/relationships" xmlns:mc="http://schemas.openxmlformats.org/markup-compatibility/2006" xmlns:mv="urn:schemas-microsoft-com:mac:vml" xmlns:p="http://schemas.openxmlformats.org/presentationml/2006/main" xmlns:c="http://schemas.openxmlformats.org/drawingml/2006/chart" xmlns:dgm="http://schemas.openxmlformats.org/drawingml/2006/diagram" xmlns:o="urn:schemas-microsoft-com:office:office" xmlns:v="urn:schemas-microsoft-com:vml" xmlns:pvml="urn:schemas-microsoft-com:office:powerpoint" xmlns:com="http://schemas.openxmlformats.org/drawingml/2006/compatibility" xmlns:p14="http://schemas.microsoft.com/office/powerpoint/2010/main" xmlns:p15="http://schemas.microsoft.com/office/powerpoint/2012/main" xmlns:ahyp="http://schemas.microsoft.com/office/drawing/2018/hyperlinkcolor" showMasterPhAnim="0" showMasterSp="0">
+  <p:cSld>
+    <p:spTree>
+      <p:nvGrpSpPr>
+        <p:cNvPr id="204" name="Shape 204"/>
+        <p:cNvGrpSpPr/>
+        <p:nvPr/>
+      </p:nvGrpSpPr>
+      <p:grpSpPr>
+        <a:xfrm>
+          <a:off x="0" y="0"/>
+          <a:ext cx="0" cy="0"/>
+          <a:chOff x="0" y="0"/>
+          <a:chExt cx="0" cy="0"/>
+        </a:xfrm>
+      </p:grpSpPr>
       <p:sp>
         <p:nvSpPr>
-          <p:cNvPr id="201" name="Google Shape;201;p7:notes"/>
+          <p:cNvPr id="205" name="Google Shape;205;g369690b03c5_0_235:notes"/>
           <p:cNvSpPr/>
           <p:nvPr>
             <p:ph idx="2" type="sldImg"/>
@@ -1580,7 +1546,7 @@
         <p:spPr>
           <a:xfrm>
             <a:off x="1143225" y="685800"/>
-            <a:ext cx="4572225" cy="3429000"/>
+            <a:ext cx="4572300" cy="3429000"/>
           </a:xfrm>
           <a:custGeom>
             <a:rect b="b" l="l" r="r" t="t"/>
@@ -1604,34 +1570,9 @@
           </a:custGeom>
         </p:spPr>
       </p:sp>
-    </p:spTree>
-  </p:cSld>
-  <p:clrMapOvr>
-    <a:masterClrMapping/>
-  </p:clrMapOvr>
-</p:notes>
-</file>
-
-<file path=ppt/notesSlides/notesSlide18.xml><?xml version="1.0" encoding="utf-8"?>
-<p:notes xmlns:a="http://schemas.openxmlformats.org/drawingml/2006/main" xmlns:r="http://schemas.openxmlformats.org/officeDocument/2006/relationships" xmlns:mc="http://schemas.openxmlformats.org/markup-compatibility/2006" xmlns:mv="urn:schemas-microsoft-com:mac:vml" xmlns:p="http://schemas.openxmlformats.org/presentationml/2006/main" xmlns:c="http://schemas.openxmlformats.org/drawingml/2006/chart" xmlns:dgm="http://schemas.openxmlformats.org/drawingml/2006/diagram" xmlns:o="urn:schemas-microsoft-com:office:office" xmlns:v="urn:schemas-microsoft-com:vml" xmlns:pvml="urn:schemas-microsoft-com:office:powerpoint" xmlns:com="http://schemas.openxmlformats.org/drawingml/2006/compatibility" xmlns:p14="http://schemas.microsoft.com/office/powerpoint/2010/main" xmlns:p15="http://schemas.microsoft.com/office/powerpoint/2012/main" xmlns:ahyp="http://schemas.microsoft.com/office/drawing/2018/hyperlinkcolor" showMasterPhAnim="0" showMasterSp="0">
-  <p:cSld>
-    <p:spTree>
-      <p:nvGrpSpPr>
-        <p:cNvPr id="206" name="Shape 206"/>
-        <p:cNvGrpSpPr/>
-        <p:nvPr/>
-      </p:nvGrpSpPr>
-      <p:grpSpPr>
-        <a:xfrm>
-          <a:off x="0" y="0"/>
-          <a:ext cx="0" cy="0"/>
-          <a:chOff x="0" y="0"/>
-          <a:chExt cx="0" cy="0"/>
-        </a:xfrm>
-      </p:grpSpPr>
       <p:sp>
         <p:nvSpPr>
-          <p:cNvPr id="207" name="Google Shape;207;p8:notes"/>
+          <p:cNvPr id="206" name="Google Shape;206;g369690b03c5_0_235:notes"/>
           <p:cNvSpPr txBox="1"/>
           <p:nvPr>
             <p:ph idx="1" type="body"/>
@@ -1668,9 +1609,34 @@
           </a:p>
         </p:txBody>
       </p:sp>
+    </p:spTree>
+  </p:cSld>
+  <p:clrMapOvr>
+    <a:masterClrMapping/>
+  </p:clrMapOvr>
+</p:notes>
+</file>
+
+<file path=ppt/notesSlides/notesSlide18.xml><?xml version="1.0" encoding="utf-8"?>
+<p:notes xmlns:a="http://schemas.openxmlformats.org/drawingml/2006/main" xmlns:r="http://schemas.openxmlformats.org/officeDocument/2006/relationships" xmlns:mc="http://schemas.openxmlformats.org/markup-compatibility/2006" xmlns:mv="urn:schemas-microsoft-com:mac:vml" xmlns:p="http://schemas.openxmlformats.org/presentationml/2006/main" xmlns:c="http://schemas.openxmlformats.org/drawingml/2006/chart" xmlns:dgm="http://schemas.openxmlformats.org/drawingml/2006/diagram" xmlns:o="urn:schemas-microsoft-com:office:office" xmlns:v="urn:schemas-microsoft-com:vml" xmlns:pvml="urn:schemas-microsoft-com:office:powerpoint" xmlns:com="http://schemas.openxmlformats.org/drawingml/2006/compatibility" xmlns:p14="http://schemas.microsoft.com/office/powerpoint/2010/main" xmlns:p15="http://schemas.microsoft.com/office/powerpoint/2012/main" xmlns:ahyp="http://schemas.microsoft.com/office/drawing/2018/hyperlinkcolor" showMasterPhAnim="0" showMasterSp="0">
+  <p:cSld>
+    <p:spTree>
+      <p:nvGrpSpPr>
+        <p:cNvPr id="211" name="Shape 211"/>
+        <p:cNvGrpSpPr/>
+        <p:nvPr/>
+      </p:nvGrpSpPr>
+      <p:grpSpPr>
+        <a:xfrm>
+          <a:off x="0" y="0"/>
+          <a:ext cx="0" cy="0"/>
+          <a:chOff x="0" y="0"/>
+          <a:chExt cx="0" cy="0"/>
+        </a:xfrm>
+      </p:grpSpPr>
       <p:sp>
         <p:nvSpPr>
-          <p:cNvPr id="208" name="Google Shape;208;p8:notes"/>
+          <p:cNvPr id="212" name="Google Shape;212;g369690b03c5_0_264:notes"/>
           <p:cNvSpPr/>
           <p:nvPr>
             <p:ph idx="2" type="sldImg"/>
@@ -1679,7 +1645,7 @@
         <p:spPr>
           <a:xfrm>
             <a:off x="1143225" y="685800"/>
-            <a:ext cx="4572225" cy="3429000"/>
+            <a:ext cx="4572300" cy="3429000"/>
           </a:xfrm>
           <a:custGeom>
             <a:rect b="b" l="l" r="r" t="t"/>
@@ -1703,34 +1669,9 @@
           </a:custGeom>
         </p:spPr>
       </p:sp>
-    </p:spTree>
-  </p:cSld>
-  <p:clrMapOvr>
-    <a:masterClrMapping/>
-  </p:clrMapOvr>
-</p:notes>
-</file>
-
-<file path=ppt/notesSlides/notesSlide19.xml><?xml version="1.0" encoding="utf-8"?>
-<p:notes xmlns:a="http://schemas.openxmlformats.org/drawingml/2006/main" xmlns:r="http://schemas.openxmlformats.org/officeDocument/2006/relationships" xmlns:mc="http://schemas.openxmlformats.org/markup-compatibility/2006" xmlns:mv="urn:schemas-microsoft-com:mac:vml" xmlns:p="http://schemas.openxmlformats.org/presentationml/2006/main" xmlns:c="http://schemas.openxmlformats.org/drawingml/2006/chart" xmlns:dgm="http://schemas.openxmlformats.org/drawingml/2006/diagram" xmlns:o="urn:schemas-microsoft-com:office:office" xmlns:v="urn:schemas-microsoft-com:vml" xmlns:pvml="urn:schemas-microsoft-com:office:powerpoint" xmlns:com="http://schemas.openxmlformats.org/drawingml/2006/compatibility" xmlns:p14="http://schemas.microsoft.com/office/powerpoint/2010/main" xmlns:p15="http://schemas.microsoft.com/office/powerpoint/2012/main" xmlns:ahyp="http://schemas.microsoft.com/office/drawing/2018/hyperlinkcolor" showMasterPhAnim="0" showMasterSp="0">
-  <p:cSld>
-    <p:spTree>
-      <p:nvGrpSpPr>
-        <p:cNvPr id="213" name="Shape 213"/>
-        <p:cNvGrpSpPr/>
-        <p:nvPr/>
-      </p:nvGrpSpPr>
-      <p:grpSpPr>
-        <a:xfrm>
-          <a:off x="0" y="0"/>
-          <a:ext cx="0" cy="0"/>
-          <a:chOff x="0" y="0"/>
-          <a:chExt cx="0" cy="0"/>
-        </a:xfrm>
-      </p:grpSpPr>
       <p:sp>
         <p:nvSpPr>
-          <p:cNvPr id="214" name="Google Shape;214;p9:notes"/>
+          <p:cNvPr id="213" name="Google Shape;213;g369690b03c5_0_264:notes"/>
           <p:cNvSpPr txBox="1"/>
           <p:nvPr>
             <p:ph idx="1" type="body"/>
@@ -1767,9 +1708,34 @@
           </a:p>
         </p:txBody>
       </p:sp>
+    </p:spTree>
+  </p:cSld>
+  <p:clrMapOvr>
+    <a:masterClrMapping/>
+  </p:clrMapOvr>
+</p:notes>
+</file>
+
+<file path=ppt/notesSlides/notesSlide19.xml><?xml version="1.0" encoding="utf-8"?>
+<p:notes xmlns:a="http://schemas.openxmlformats.org/drawingml/2006/main" xmlns:r="http://schemas.openxmlformats.org/officeDocument/2006/relationships" xmlns:mc="http://schemas.openxmlformats.org/markup-compatibility/2006" xmlns:mv="urn:schemas-microsoft-com:mac:vml" xmlns:p="http://schemas.openxmlformats.org/presentationml/2006/main" xmlns:c="http://schemas.openxmlformats.org/drawingml/2006/chart" xmlns:dgm="http://schemas.openxmlformats.org/drawingml/2006/diagram" xmlns:o="urn:schemas-microsoft-com:office:office" xmlns:v="urn:schemas-microsoft-com:vml" xmlns:pvml="urn:schemas-microsoft-com:office:powerpoint" xmlns:com="http://schemas.openxmlformats.org/drawingml/2006/compatibility" xmlns:p14="http://schemas.microsoft.com/office/powerpoint/2010/main" xmlns:p15="http://schemas.microsoft.com/office/powerpoint/2012/main" xmlns:ahyp="http://schemas.microsoft.com/office/drawing/2018/hyperlinkcolor" showMasterPhAnim="0" showMasterSp="0">
+  <p:cSld>
+    <p:spTree>
+      <p:nvGrpSpPr>
+        <p:cNvPr id="218" name="Shape 218"/>
+        <p:cNvGrpSpPr/>
+        <p:nvPr/>
+      </p:nvGrpSpPr>
+      <p:grpSpPr>
+        <a:xfrm>
+          <a:off x="0" y="0"/>
+          <a:ext cx="0" cy="0"/>
+          <a:chOff x="0" y="0"/>
+          <a:chExt cx="0" cy="0"/>
+        </a:xfrm>
+      </p:grpSpPr>
       <p:sp>
         <p:nvSpPr>
-          <p:cNvPr id="215" name="Google Shape;215;p9:notes"/>
+          <p:cNvPr id="219" name="Google Shape;219;g369690b03c5_0_286:notes"/>
           <p:cNvSpPr/>
           <p:nvPr>
             <p:ph idx="2" type="sldImg"/>
@@ -1778,7 +1744,7 @@
         <p:spPr>
           <a:xfrm>
             <a:off x="1143225" y="685800"/>
-            <a:ext cx="4572225" cy="3429000"/>
+            <a:ext cx="4572300" cy="3429000"/>
           </a:xfrm>
           <a:custGeom>
             <a:rect b="b" l="l" r="r" t="t"/>
@@ -1801,6 +1767,45 @@
             </a:pathLst>
           </a:custGeom>
         </p:spPr>
+      </p:sp>
+      <p:sp>
+        <p:nvSpPr>
+          <p:cNvPr id="220" name="Google Shape;220;g369690b03c5_0_286:notes"/>
+          <p:cNvSpPr txBox="1"/>
+          <p:nvPr>
+            <p:ph idx="1" type="body"/>
+          </p:nvPr>
+        </p:nvSpPr>
+        <p:spPr>
+          <a:xfrm>
+            <a:off x="685800" y="4343400"/>
+            <a:ext cx="5486400" cy="4114800"/>
+          </a:xfrm>
+          <a:prstGeom prst="rect">
+            <a:avLst/>
+          </a:prstGeom>
+        </p:spPr>
+        <p:txBody>
+          <a:bodyPr anchorCtr="0" anchor="t" bIns="91425" lIns="91425" spcFirstLastPara="1" rIns="91425" wrap="square" tIns="91425">
+            <a:noAutofit/>
+          </a:bodyPr>
+          <a:lstStyle/>
+          <a:p>
+            <a:pPr indent="0" lvl="0" marL="0" rtl="0" algn="l">
+              <a:spcBef>
+                <a:spcPts val="0"/>
+              </a:spcBef>
+              <a:spcAft>
+                <a:spcPts val="0"/>
+              </a:spcAft>
+              <a:buNone/>
+            </a:pPr>
+            <a:r>
+              <a:t/>
+            </a:r>
+            <a:endParaRPr/>
+          </a:p>
+        </p:txBody>
       </p:sp>
     </p:spTree>
   </p:cSld>
@@ -1914,7 +1919,7 @@
   <p:cSld>
     <p:spTree>
       <p:nvGrpSpPr>
-        <p:cNvPr id="220" name="Shape 220"/>
+        <p:cNvPr id="225" name="Shape 225"/>
         <p:cNvGrpSpPr/>
         <p:nvPr/>
       </p:nvGrpSpPr>
@@ -1928,7 +1933,7 @@
       </p:grpSpPr>
       <p:sp>
         <p:nvSpPr>
-          <p:cNvPr id="221" name="Google Shape;221;p10:notes"/>
+          <p:cNvPr id="226" name="Google Shape;226;p5:notes"/>
           <p:cNvSpPr txBox="1"/>
           <p:nvPr>
             <p:ph idx="1" type="body"/>
@@ -1967,7 +1972,7 @@
       </p:sp>
       <p:sp>
         <p:nvSpPr>
-          <p:cNvPr id="222" name="Google Shape;222;p10:notes"/>
+          <p:cNvPr id="227" name="Google Shape;227;p5:notes"/>
           <p:cNvSpPr/>
           <p:nvPr>
             <p:ph idx="2" type="sldImg"/>
@@ -2013,7 +2018,7 @@
   <p:cSld>
     <p:spTree>
       <p:nvGrpSpPr>
-        <p:cNvPr id="227" name="Shape 227"/>
+        <p:cNvPr id="232" name="Shape 232"/>
         <p:cNvGrpSpPr/>
         <p:nvPr/>
       </p:nvGrpSpPr>
@@ -2027,7 +2032,7 @@
       </p:grpSpPr>
       <p:sp>
         <p:nvSpPr>
-          <p:cNvPr id="228" name="Google Shape;228;p11:notes"/>
+          <p:cNvPr id="233" name="Google Shape;233;p6:notes"/>
           <p:cNvSpPr txBox="1"/>
           <p:nvPr>
             <p:ph idx="1" type="body"/>
@@ -2066,7 +2071,7 @@
       </p:sp>
       <p:sp>
         <p:nvSpPr>
-          <p:cNvPr id="229" name="Google Shape;229;p11:notes"/>
+          <p:cNvPr id="234" name="Google Shape;234;p6:notes"/>
           <p:cNvSpPr/>
           <p:nvPr>
             <p:ph idx="2" type="sldImg"/>
@@ -2112,7 +2117,7 @@
   <p:cSld>
     <p:spTree>
       <p:nvGrpSpPr>
-        <p:cNvPr id="234" name="Shape 234"/>
+        <p:cNvPr id="239" name="Shape 239"/>
         <p:cNvGrpSpPr/>
         <p:nvPr/>
       </p:nvGrpSpPr>
@@ -2126,7 +2131,7 @@
       </p:grpSpPr>
       <p:sp>
         <p:nvSpPr>
-          <p:cNvPr id="235" name="Google Shape;235;p12:notes"/>
+          <p:cNvPr id="240" name="Google Shape;240;p7:notes"/>
           <p:cNvSpPr txBox="1"/>
           <p:nvPr>
             <p:ph idx="1" type="body"/>
@@ -2165,7 +2170,7 @@
       </p:sp>
       <p:sp>
         <p:nvSpPr>
-          <p:cNvPr id="236" name="Google Shape;236;p12:notes"/>
+          <p:cNvPr id="241" name="Google Shape;241;p7:notes"/>
           <p:cNvSpPr/>
           <p:nvPr>
             <p:ph idx="2" type="sldImg"/>
@@ -2211,7 +2216,7 @@
   <p:cSld>
     <p:spTree>
       <p:nvGrpSpPr>
-        <p:cNvPr id="241" name="Shape 241"/>
+        <p:cNvPr id="246" name="Shape 246"/>
         <p:cNvGrpSpPr/>
         <p:nvPr/>
       </p:nvGrpSpPr>
@@ -2225,7 +2230,7 @@
       </p:grpSpPr>
       <p:sp>
         <p:nvSpPr>
-          <p:cNvPr id="242" name="Google Shape;242;p13:notes"/>
+          <p:cNvPr id="247" name="Google Shape;247;p8:notes"/>
           <p:cNvSpPr txBox="1"/>
           <p:nvPr>
             <p:ph idx="1" type="body"/>
@@ -2264,7 +2269,7 @@
       </p:sp>
       <p:sp>
         <p:nvSpPr>
-          <p:cNvPr id="243" name="Google Shape;243;p13:notes"/>
+          <p:cNvPr id="248" name="Google Shape;248;p8:notes"/>
           <p:cNvSpPr/>
           <p:nvPr>
             <p:ph idx="2" type="sldImg"/>
@@ -2310,7 +2315,7 @@
   <p:cSld>
     <p:spTree>
       <p:nvGrpSpPr>
-        <p:cNvPr id="248" name="Shape 248"/>
+        <p:cNvPr id="253" name="Shape 253"/>
         <p:cNvGrpSpPr/>
         <p:nvPr/>
       </p:nvGrpSpPr>
@@ -2324,7 +2329,7 @@
       </p:grpSpPr>
       <p:sp>
         <p:nvSpPr>
-          <p:cNvPr id="249" name="Google Shape;249;p14:notes"/>
+          <p:cNvPr id="254" name="Google Shape;254;p9:notes"/>
           <p:cNvSpPr txBox="1"/>
           <p:nvPr>
             <p:ph idx="1" type="body"/>
@@ -2363,7 +2368,502 @@
       </p:sp>
       <p:sp>
         <p:nvSpPr>
-          <p:cNvPr id="250" name="Google Shape;250;p14:notes"/>
+          <p:cNvPr id="255" name="Google Shape;255;p9:notes"/>
+          <p:cNvSpPr/>
+          <p:nvPr>
+            <p:ph idx="2" type="sldImg"/>
+          </p:nvPr>
+        </p:nvSpPr>
+        <p:spPr>
+          <a:xfrm>
+            <a:off x="1143225" y="685800"/>
+            <a:ext cx="4572225" cy="3429000"/>
+          </a:xfrm>
+          <a:custGeom>
+            <a:rect b="b" l="l" r="r" t="t"/>
+            <a:pathLst>
+              <a:path extrusionOk="0" h="120000" w="120000">
+                <a:moveTo>
+                  <a:pt x="0" y="0"/>
+                </a:moveTo>
+                <a:lnTo>
+                  <a:pt x="120000" y="0"/>
+                </a:lnTo>
+                <a:lnTo>
+                  <a:pt x="120000" y="120000"/>
+                </a:lnTo>
+                <a:lnTo>
+                  <a:pt x="0" y="120000"/>
+                </a:lnTo>
+                <a:close/>
+              </a:path>
+            </a:pathLst>
+          </a:custGeom>
+        </p:spPr>
+      </p:sp>
+    </p:spTree>
+  </p:cSld>
+  <p:clrMapOvr>
+    <a:masterClrMapping/>
+  </p:clrMapOvr>
+</p:notes>
+</file>
+
+<file path=ppt/notesSlides/notesSlide25.xml><?xml version="1.0" encoding="utf-8"?>
+<p:notes xmlns:a="http://schemas.openxmlformats.org/drawingml/2006/main" xmlns:r="http://schemas.openxmlformats.org/officeDocument/2006/relationships" xmlns:mc="http://schemas.openxmlformats.org/markup-compatibility/2006" xmlns:mv="urn:schemas-microsoft-com:mac:vml" xmlns:p="http://schemas.openxmlformats.org/presentationml/2006/main" xmlns:c="http://schemas.openxmlformats.org/drawingml/2006/chart" xmlns:dgm="http://schemas.openxmlformats.org/drawingml/2006/diagram" xmlns:o="urn:schemas-microsoft-com:office:office" xmlns:v="urn:schemas-microsoft-com:vml" xmlns:pvml="urn:schemas-microsoft-com:office:powerpoint" xmlns:com="http://schemas.openxmlformats.org/drawingml/2006/compatibility" xmlns:p14="http://schemas.microsoft.com/office/powerpoint/2010/main" xmlns:p15="http://schemas.microsoft.com/office/powerpoint/2012/main" xmlns:ahyp="http://schemas.microsoft.com/office/drawing/2018/hyperlinkcolor" showMasterPhAnim="0" showMasterSp="0">
+  <p:cSld>
+    <p:spTree>
+      <p:nvGrpSpPr>
+        <p:cNvPr id="260" name="Shape 260"/>
+        <p:cNvGrpSpPr/>
+        <p:nvPr/>
+      </p:nvGrpSpPr>
+      <p:grpSpPr>
+        <a:xfrm>
+          <a:off x="0" y="0"/>
+          <a:ext cx="0" cy="0"/>
+          <a:chOff x="0" y="0"/>
+          <a:chExt cx="0" cy="0"/>
+        </a:xfrm>
+      </p:grpSpPr>
+      <p:sp>
+        <p:nvSpPr>
+          <p:cNvPr id="261" name="Google Shape;261;p10:notes"/>
+          <p:cNvSpPr txBox="1"/>
+          <p:nvPr>
+            <p:ph idx="1" type="body"/>
+          </p:nvPr>
+        </p:nvSpPr>
+        <p:spPr>
+          <a:xfrm>
+            <a:off x="685800" y="4343400"/>
+            <a:ext cx="5486400" cy="4114800"/>
+          </a:xfrm>
+          <a:prstGeom prst="rect">
+            <a:avLst/>
+          </a:prstGeom>
+        </p:spPr>
+        <p:txBody>
+          <a:bodyPr anchorCtr="0" anchor="t" bIns="91425" lIns="91425" spcFirstLastPara="1" rIns="91425" wrap="square" tIns="91425">
+            <a:noAutofit/>
+          </a:bodyPr>
+          <a:lstStyle/>
+          <a:p>
+            <a:pPr indent="0" lvl="0" marL="0" rtl="0" algn="l">
+              <a:spcBef>
+                <a:spcPts val="0"/>
+              </a:spcBef>
+              <a:spcAft>
+                <a:spcPts val="0"/>
+              </a:spcAft>
+              <a:buNone/>
+            </a:pPr>
+            <a:r>
+              <a:t/>
+            </a:r>
+            <a:endParaRPr/>
+          </a:p>
+        </p:txBody>
+      </p:sp>
+      <p:sp>
+        <p:nvSpPr>
+          <p:cNvPr id="262" name="Google Shape;262;p10:notes"/>
+          <p:cNvSpPr/>
+          <p:nvPr>
+            <p:ph idx="2" type="sldImg"/>
+          </p:nvPr>
+        </p:nvSpPr>
+        <p:spPr>
+          <a:xfrm>
+            <a:off x="1143225" y="685800"/>
+            <a:ext cx="4572225" cy="3429000"/>
+          </a:xfrm>
+          <a:custGeom>
+            <a:rect b="b" l="l" r="r" t="t"/>
+            <a:pathLst>
+              <a:path extrusionOk="0" h="120000" w="120000">
+                <a:moveTo>
+                  <a:pt x="0" y="0"/>
+                </a:moveTo>
+                <a:lnTo>
+                  <a:pt x="120000" y="0"/>
+                </a:lnTo>
+                <a:lnTo>
+                  <a:pt x="120000" y="120000"/>
+                </a:lnTo>
+                <a:lnTo>
+                  <a:pt x="0" y="120000"/>
+                </a:lnTo>
+                <a:close/>
+              </a:path>
+            </a:pathLst>
+          </a:custGeom>
+        </p:spPr>
+      </p:sp>
+    </p:spTree>
+  </p:cSld>
+  <p:clrMapOvr>
+    <a:masterClrMapping/>
+  </p:clrMapOvr>
+</p:notes>
+</file>
+
+<file path=ppt/notesSlides/notesSlide26.xml><?xml version="1.0" encoding="utf-8"?>
+<p:notes xmlns:a="http://schemas.openxmlformats.org/drawingml/2006/main" xmlns:r="http://schemas.openxmlformats.org/officeDocument/2006/relationships" xmlns:mc="http://schemas.openxmlformats.org/markup-compatibility/2006" xmlns:mv="urn:schemas-microsoft-com:mac:vml" xmlns:p="http://schemas.openxmlformats.org/presentationml/2006/main" xmlns:c="http://schemas.openxmlformats.org/drawingml/2006/chart" xmlns:dgm="http://schemas.openxmlformats.org/drawingml/2006/diagram" xmlns:o="urn:schemas-microsoft-com:office:office" xmlns:v="urn:schemas-microsoft-com:vml" xmlns:pvml="urn:schemas-microsoft-com:office:powerpoint" xmlns:com="http://schemas.openxmlformats.org/drawingml/2006/compatibility" xmlns:p14="http://schemas.microsoft.com/office/powerpoint/2010/main" xmlns:p15="http://schemas.microsoft.com/office/powerpoint/2012/main" xmlns:ahyp="http://schemas.microsoft.com/office/drawing/2018/hyperlinkcolor" showMasterPhAnim="0" showMasterSp="0">
+  <p:cSld>
+    <p:spTree>
+      <p:nvGrpSpPr>
+        <p:cNvPr id="267" name="Shape 267"/>
+        <p:cNvGrpSpPr/>
+        <p:nvPr/>
+      </p:nvGrpSpPr>
+      <p:grpSpPr>
+        <a:xfrm>
+          <a:off x="0" y="0"/>
+          <a:ext cx="0" cy="0"/>
+          <a:chOff x="0" y="0"/>
+          <a:chExt cx="0" cy="0"/>
+        </a:xfrm>
+      </p:grpSpPr>
+      <p:sp>
+        <p:nvSpPr>
+          <p:cNvPr id="268" name="Google Shape;268;p11:notes"/>
+          <p:cNvSpPr txBox="1"/>
+          <p:nvPr>
+            <p:ph idx="1" type="body"/>
+          </p:nvPr>
+        </p:nvSpPr>
+        <p:spPr>
+          <a:xfrm>
+            <a:off x="685800" y="4343400"/>
+            <a:ext cx="5486400" cy="4114800"/>
+          </a:xfrm>
+          <a:prstGeom prst="rect">
+            <a:avLst/>
+          </a:prstGeom>
+        </p:spPr>
+        <p:txBody>
+          <a:bodyPr anchorCtr="0" anchor="t" bIns="91425" lIns="91425" spcFirstLastPara="1" rIns="91425" wrap="square" tIns="91425">
+            <a:noAutofit/>
+          </a:bodyPr>
+          <a:lstStyle/>
+          <a:p>
+            <a:pPr indent="0" lvl="0" marL="0" rtl="0" algn="l">
+              <a:spcBef>
+                <a:spcPts val="0"/>
+              </a:spcBef>
+              <a:spcAft>
+                <a:spcPts val="0"/>
+              </a:spcAft>
+              <a:buNone/>
+            </a:pPr>
+            <a:r>
+              <a:t/>
+            </a:r>
+            <a:endParaRPr/>
+          </a:p>
+        </p:txBody>
+      </p:sp>
+      <p:sp>
+        <p:nvSpPr>
+          <p:cNvPr id="269" name="Google Shape;269;p11:notes"/>
+          <p:cNvSpPr/>
+          <p:nvPr>
+            <p:ph idx="2" type="sldImg"/>
+          </p:nvPr>
+        </p:nvSpPr>
+        <p:spPr>
+          <a:xfrm>
+            <a:off x="1143225" y="685800"/>
+            <a:ext cx="4572225" cy="3429000"/>
+          </a:xfrm>
+          <a:custGeom>
+            <a:rect b="b" l="l" r="r" t="t"/>
+            <a:pathLst>
+              <a:path extrusionOk="0" h="120000" w="120000">
+                <a:moveTo>
+                  <a:pt x="0" y="0"/>
+                </a:moveTo>
+                <a:lnTo>
+                  <a:pt x="120000" y="0"/>
+                </a:lnTo>
+                <a:lnTo>
+                  <a:pt x="120000" y="120000"/>
+                </a:lnTo>
+                <a:lnTo>
+                  <a:pt x="0" y="120000"/>
+                </a:lnTo>
+                <a:close/>
+              </a:path>
+            </a:pathLst>
+          </a:custGeom>
+        </p:spPr>
+      </p:sp>
+    </p:spTree>
+  </p:cSld>
+  <p:clrMapOvr>
+    <a:masterClrMapping/>
+  </p:clrMapOvr>
+</p:notes>
+</file>
+
+<file path=ppt/notesSlides/notesSlide27.xml><?xml version="1.0" encoding="utf-8"?>
+<p:notes xmlns:a="http://schemas.openxmlformats.org/drawingml/2006/main" xmlns:r="http://schemas.openxmlformats.org/officeDocument/2006/relationships" xmlns:mc="http://schemas.openxmlformats.org/markup-compatibility/2006" xmlns:mv="urn:schemas-microsoft-com:mac:vml" xmlns:p="http://schemas.openxmlformats.org/presentationml/2006/main" xmlns:c="http://schemas.openxmlformats.org/drawingml/2006/chart" xmlns:dgm="http://schemas.openxmlformats.org/drawingml/2006/diagram" xmlns:o="urn:schemas-microsoft-com:office:office" xmlns:v="urn:schemas-microsoft-com:vml" xmlns:pvml="urn:schemas-microsoft-com:office:powerpoint" xmlns:com="http://schemas.openxmlformats.org/drawingml/2006/compatibility" xmlns:p14="http://schemas.microsoft.com/office/powerpoint/2010/main" xmlns:p15="http://schemas.microsoft.com/office/powerpoint/2012/main" xmlns:ahyp="http://schemas.microsoft.com/office/drawing/2018/hyperlinkcolor" showMasterPhAnim="0" showMasterSp="0">
+  <p:cSld>
+    <p:spTree>
+      <p:nvGrpSpPr>
+        <p:cNvPr id="274" name="Shape 274"/>
+        <p:cNvGrpSpPr/>
+        <p:nvPr/>
+      </p:nvGrpSpPr>
+      <p:grpSpPr>
+        <a:xfrm>
+          <a:off x="0" y="0"/>
+          <a:ext cx="0" cy="0"/>
+          <a:chOff x="0" y="0"/>
+          <a:chExt cx="0" cy="0"/>
+        </a:xfrm>
+      </p:grpSpPr>
+      <p:sp>
+        <p:nvSpPr>
+          <p:cNvPr id="275" name="Google Shape;275;p12:notes"/>
+          <p:cNvSpPr txBox="1"/>
+          <p:nvPr>
+            <p:ph idx="1" type="body"/>
+          </p:nvPr>
+        </p:nvSpPr>
+        <p:spPr>
+          <a:xfrm>
+            <a:off x="685800" y="4343400"/>
+            <a:ext cx="5486400" cy="4114800"/>
+          </a:xfrm>
+          <a:prstGeom prst="rect">
+            <a:avLst/>
+          </a:prstGeom>
+        </p:spPr>
+        <p:txBody>
+          <a:bodyPr anchorCtr="0" anchor="t" bIns="91425" lIns="91425" spcFirstLastPara="1" rIns="91425" wrap="square" tIns="91425">
+            <a:noAutofit/>
+          </a:bodyPr>
+          <a:lstStyle/>
+          <a:p>
+            <a:pPr indent="0" lvl="0" marL="0" rtl="0" algn="l">
+              <a:spcBef>
+                <a:spcPts val="0"/>
+              </a:spcBef>
+              <a:spcAft>
+                <a:spcPts val="0"/>
+              </a:spcAft>
+              <a:buNone/>
+            </a:pPr>
+            <a:r>
+              <a:t/>
+            </a:r>
+            <a:endParaRPr/>
+          </a:p>
+        </p:txBody>
+      </p:sp>
+      <p:sp>
+        <p:nvSpPr>
+          <p:cNvPr id="276" name="Google Shape;276;p12:notes"/>
+          <p:cNvSpPr/>
+          <p:nvPr>
+            <p:ph idx="2" type="sldImg"/>
+          </p:nvPr>
+        </p:nvSpPr>
+        <p:spPr>
+          <a:xfrm>
+            <a:off x="1143225" y="685800"/>
+            <a:ext cx="4572225" cy="3429000"/>
+          </a:xfrm>
+          <a:custGeom>
+            <a:rect b="b" l="l" r="r" t="t"/>
+            <a:pathLst>
+              <a:path extrusionOk="0" h="120000" w="120000">
+                <a:moveTo>
+                  <a:pt x="0" y="0"/>
+                </a:moveTo>
+                <a:lnTo>
+                  <a:pt x="120000" y="0"/>
+                </a:lnTo>
+                <a:lnTo>
+                  <a:pt x="120000" y="120000"/>
+                </a:lnTo>
+                <a:lnTo>
+                  <a:pt x="0" y="120000"/>
+                </a:lnTo>
+                <a:close/>
+              </a:path>
+            </a:pathLst>
+          </a:custGeom>
+        </p:spPr>
+      </p:sp>
+    </p:spTree>
+  </p:cSld>
+  <p:clrMapOvr>
+    <a:masterClrMapping/>
+  </p:clrMapOvr>
+</p:notes>
+</file>
+
+<file path=ppt/notesSlides/notesSlide28.xml><?xml version="1.0" encoding="utf-8"?>
+<p:notes xmlns:a="http://schemas.openxmlformats.org/drawingml/2006/main" xmlns:r="http://schemas.openxmlformats.org/officeDocument/2006/relationships" xmlns:mc="http://schemas.openxmlformats.org/markup-compatibility/2006" xmlns:mv="urn:schemas-microsoft-com:mac:vml" xmlns:p="http://schemas.openxmlformats.org/presentationml/2006/main" xmlns:c="http://schemas.openxmlformats.org/drawingml/2006/chart" xmlns:dgm="http://schemas.openxmlformats.org/drawingml/2006/diagram" xmlns:o="urn:schemas-microsoft-com:office:office" xmlns:v="urn:schemas-microsoft-com:vml" xmlns:pvml="urn:schemas-microsoft-com:office:powerpoint" xmlns:com="http://schemas.openxmlformats.org/drawingml/2006/compatibility" xmlns:p14="http://schemas.microsoft.com/office/powerpoint/2010/main" xmlns:p15="http://schemas.microsoft.com/office/powerpoint/2012/main" xmlns:ahyp="http://schemas.microsoft.com/office/drawing/2018/hyperlinkcolor" showMasterPhAnim="0" showMasterSp="0">
+  <p:cSld>
+    <p:spTree>
+      <p:nvGrpSpPr>
+        <p:cNvPr id="281" name="Shape 281"/>
+        <p:cNvGrpSpPr/>
+        <p:nvPr/>
+      </p:nvGrpSpPr>
+      <p:grpSpPr>
+        <a:xfrm>
+          <a:off x="0" y="0"/>
+          <a:ext cx="0" cy="0"/>
+          <a:chOff x="0" y="0"/>
+          <a:chExt cx="0" cy="0"/>
+        </a:xfrm>
+      </p:grpSpPr>
+      <p:sp>
+        <p:nvSpPr>
+          <p:cNvPr id="282" name="Google Shape;282;p13:notes"/>
+          <p:cNvSpPr txBox="1"/>
+          <p:nvPr>
+            <p:ph idx="1" type="body"/>
+          </p:nvPr>
+        </p:nvSpPr>
+        <p:spPr>
+          <a:xfrm>
+            <a:off x="685800" y="4343400"/>
+            <a:ext cx="5486400" cy="4114800"/>
+          </a:xfrm>
+          <a:prstGeom prst="rect">
+            <a:avLst/>
+          </a:prstGeom>
+        </p:spPr>
+        <p:txBody>
+          <a:bodyPr anchorCtr="0" anchor="t" bIns="91425" lIns="91425" spcFirstLastPara="1" rIns="91425" wrap="square" tIns="91425">
+            <a:noAutofit/>
+          </a:bodyPr>
+          <a:lstStyle/>
+          <a:p>
+            <a:pPr indent="0" lvl="0" marL="0" rtl="0" algn="l">
+              <a:spcBef>
+                <a:spcPts val="0"/>
+              </a:spcBef>
+              <a:spcAft>
+                <a:spcPts val="0"/>
+              </a:spcAft>
+              <a:buNone/>
+            </a:pPr>
+            <a:r>
+              <a:t/>
+            </a:r>
+            <a:endParaRPr/>
+          </a:p>
+        </p:txBody>
+      </p:sp>
+      <p:sp>
+        <p:nvSpPr>
+          <p:cNvPr id="283" name="Google Shape;283;p13:notes"/>
+          <p:cNvSpPr/>
+          <p:nvPr>
+            <p:ph idx="2" type="sldImg"/>
+          </p:nvPr>
+        </p:nvSpPr>
+        <p:spPr>
+          <a:xfrm>
+            <a:off x="1143225" y="685800"/>
+            <a:ext cx="4572225" cy="3429000"/>
+          </a:xfrm>
+          <a:custGeom>
+            <a:rect b="b" l="l" r="r" t="t"/>
+            <a:pathLst>
+              <a:path extrusionOk="0" h="120000" w="120000">
+                <a:moveTo>
+                  <a:pt x="0" y="0"/>
+                </a:moveTo>
+                <a:lnTo>
+                  <a:pt x="120000" y="0"/>
+                </a:lnTo>
+                <a:lnTo>
+                  <a:pt x="120000" y="120000"/>
+                </a:lnTo>
+                <a:lnTo>
+                  <a:pt x="0" y="120000"/>
+                </a:lnTo>
+                <a:close/>
+              </a:path>
+            </a:pathLst>
+          </a:custGeom>
+        </p:spPr>
+      </p:sp>
+    </p:spTree>
+  </p:cSld>
+  <p:clrMapOvr>
+    <a:masterClrMapping/>
+  </p:clrMapOvr>
+</p:notes>
+</file>
+
+<file path=ppt/notesSlides/notesSlide29.xml><?xml version="1.0" encoding="utf-8"?>
+<p:notes xmlns:a="http://schemas.openxmlformats.org/drawingml/2006/main" xmlns:r="http://schemas.openxmlformats.org/officeDocument/2006/relationships" xmlns:mc="http://schemas.openxmlformats.org/markup-compatibility/2006" xmlns:mv="urn:schemas-microsoft-com:mac:vml" xmlns:p="http://schemas.openxmlformats.org/presentationml/2006/main" xmlns:c="http://schemas.openxmlformats.org/drawingml/2006/chart" xmlns:dgm="http://schemas.openxmlformats.org/drawingml/2006/diagram" xmlns:o="urn:schemas-microsoft-com:office:office" xmlns:v="urn:schemas-microsoft-com:vml" xmlns:pvml="urn:schemas-microsoft-com:office:powerpoint" xmlns:com="http://schemas.openxmlformats.org/drawingml/2006/compatibility" xmlns:p14="http://schemas.microsoft.com/office/powerpoint/2010/main" xmlns:p15="http://schemas.microsoft.com/office/powerpoint/2012/main" xmlns:ahyp="http://schemas.microsoft.com/office/drawing/2018/hyperlinkcolor" showMasterPhAnim="0" showMasterSp="0">
+  <p:cSld>
+    <p:spTree>
+      <p:nvGrpSpPr>
+        <p:cNvPr id="288" name="Shape 288"/>
+        <p:cNvGrpSpPr/>
+        <p:nvPr/>
+      </p:nvGrpSpPr>
+      <p:grpSpPr>
+        <a:xfrm>
+          <a:off x="0" y="0"/>
+          <a:ext cx="0" cy="0"/>
+          <a:chOff x="0" y="0"/>
+          <a:chExt cx="0" cy="0"/>
+        </a:xfrm>
+      </p:grpSpPr>
+      <p:sp>
+        <p:nvSpPr>
+          <p:cNvPr id="289" name="Google Shape;289;p14:notes"/>
+          <p:cNvSpPr txBox="1"/>
+          <p:nvPr>
+            <p:ph idx="1" type="body"/>
+          </p:nvPr>
+        </p:nvSpPr>
+        <p:spPr>
+          <a:xfrm>
+            <a:off x="685800" y="4343400"/>
+            <a:ext cx="5486400" cy="4114800"/>
+          </a:xfrm>
+          <a:prstGeom prst="rect">
+            <a:avLst/>
+          </a:prstGeom>
+        </p:spPr>
+        <p:txBody>
+          <a:bodyPr anchorCtr="0" anchor="t" bIns="91425" lIns="91425" spcFirstLastPara="1" rIns="91425" wrap="square" tIns="91425">
+            <a:noAutofit/>
+          </a:bodyPr>
+          <a:lstStyle/>
+          <a:p>
+            <a:pPr indent="0" lvl="0" marL="0" rtl="0" algn="l">
+              <a:spcBef>
+                <a:spcPts val="0"/>
+              </a:spcBef>
+              <a:spcAft>
+                <a:spcPts val="0"/>
+              </a:spcAft>
+              <a:buNone/>
+            </a:pPr>
+            <a:r>
+              <a:t/>
+            </a:r>
+            <a:endParaRPr/>
+          </a:p>
+        </p:txBody>
+      </p:sp>
+      <p:sp>
+        <p:nvSpPr>
+          <p:cNvPr id="290" name="Google Shape;290;p14:notes"/>
           <p:cNvSpPr/>
           <p:nvPr>
             <p:ph idx="2" type="sldImg"/>
@@ -13349,7 +13849,7 @@
             <a:tbl>
               <a:tblPr>
                 <a:noFill/>
-                <a:tableStyleId>{793CFCAF-9A77-42FD-BF7F-5FFDC145A5FE}</a:tableStyleId>
+                <a:tableStyleId>{ABEECC2D-46B7-479A-9ED5-5D4BAB515CA6}</a:tableStyleId>
               </a:tblPr>
               <a:tblGrid>
                 <a:gridCol w="2413000"/>
@@ -14299,7 +14799,31 @@
                 <a:cs typeface="Calibri"/>
                 <a:sym typeface="Calibri"/>
               </a:rPr>
-              <a:t>- Table inheritance</a:t>
+              <a:t>- Table inheritance (subtypes)</a:t>
+            </a:r>
+            <a:endParaRPr>
+              <a:solidFill>
+                <a:schemeClr val="dk1"/>
+              </a:solidFill>
+              <a:latin typeface="Calibri"/>
+              <a:ea typeface="Calibri"/>
+              <a:cs typeface="Calibri"/>
+              <a:sym typeface="Calibri"/>
+            </a:endParaRPr>
+          </a:p>
+          <a:p>
+            <a:pPr indent="0" lvl="0" marL="342900" rtl="0" algn="l">
+              <a:spcBef>
+                <a:spcPts val="640"/>
+              </a:spcBef>
+              <a:spcAft>
+                <a:spcPts val="0"/>
+              </a:spcAft>
+              <a:buNone/>
+            </a:pPr>
+            <a:r>
+              <a:rPr lang="en-US"/>
+              <a:t>- References (Object Pointers) </a:t>
             </a:r>
             <a:endParaRPr/>
           </a:p>
@@ -14417,6 +14941,82 @@
           </a:p>
         </p:txBody>
       </p:sp>
+      <p:sp>
+        <p:nvSpPr>
+          <p:cNvPr id="167" name="Google Shape;167;p4"/>
+          <p:cNvSpPr txBox="1"/>
+          <p:nvPr/>
+        </p:nvSpPr>
+        <p:spPr>
+          <a:xfrm>
+            <a:off x="4649925" y="2974400"/>
+            <a:ext cx="3647100" cy="1108200"/>
+          </a:xfrm>
+          <a:prstGeom prst="rect">
+            <a:avLst/>
+          </a:prstGeom>
+          <a:noFill/>
+          <a:ln cap="flat" cmpd="sng" w="9525">
+            <a:solidFill>
+              <a:srgbClr val="000000"/>
+            </a:solidFill>
+            <a:prstDash val="solid"/>
+            <a:round/>
+            <a:headEnd len="sm" w="sm" type="none"/>
+            <a:tailEnd len="sm" w="sm" type="none"/>
+          </a:ln>
+        </p:spPr>
+        <p:txBody>
+          <a:bodyPr anchorCtr="0" anchor="t" bIns="91425" lIns="91425" spcFirstLastPara="1" rIns="91425" wrap="square" tIns="91425">
+            <a:spAutoFit/>
+          </a:bodyPr>
+          <a:lstStyle/>
+          <a:p>
+            <a:pPr indent="0" lvl="0" marL="0" rtl="0" algn="l">
+              <a:spcBef>
+                <a:spcPts val="0"/>
+              </a:spcBef>
+              <a:spcAft>
+                <a:spcPts val="0"/>
+              </a:spcAft>
+              <a:buNone/>
+            </a:pPr>
+            <a:r>
+              <a:rPr lang="en-US" sz="1500">
+                <a:latin typeface="Cambria"/>
+                <a:ea typeface="Cambria"/>
+                <a:cs typeface="Cambria"/>
+                <a:sym typeface="Cambria"/>
+              </a:rPr>
+              <a:t>Object-Relational Queries allow you to manipulate and retrieve data </a:t>
+            </a:r>
+            <a:r>
+              <a:rPr b="1" lang="en-US" sz="1500">
+                <a:latin typeface="Cambria"/>
+                <a:ea typeface="Cambria"/>
+                <a:cs typeface="Cambria"/>
+                <a:sym typeface="Cambria"/>
+              </a:rPr>
+              <a:t>using these extended features while maintaining compatibility with SQL</a:t>
+            </a:r>
+            <a:r>
+              <a:rPr lang="en-US" sz="1500">
+                <a:latin typeface="Cambria"/>
+                <a:ea typeface="Cambria"/>
+                <a:cs typeface="Cambria"/>
+                <a:sym typeface="Cambria"/>
+              </a:rPr>
+              <a:t>.</a:t>
+            </a:r>
+            <a:endParaRPr sz="1500">
+              <a:latin typeface="Cambria"/>
+              <a:ea typeface="Cambria"/>
+              <a:cs typeface="Cambria"/>
+              <a:sym typeface="Cambria"/>
+            </a:endParaRPr>
+          </a:p>
+        </p:txBody>
+      </p:sp>
     </p:spTree>
   </p:cSld>
   <p:clrMapOvr>
@@ -14430,7 +15030,7 @@
   <p:cSld>
     <p:spTree>
       <p:nvGrpSpPr>
-        <p:cNvPr id="170" name="Shape 170"/>
+        <p:cNvPr id="171" name="Shape 171"/>
         <p:cNvGrpSpPr/>
         <p:nvPr/>
       </p:nvGrpSpPr>
@@ -14444,7 +15044,7 @@
       </p:grpSpPr>
       <p:sp>
         <p:nvSpPr>
-          <p:cNvPr id="171" name="Google Shape;171;g369690b03c5_0_189"/>
+          <p:cNvPr id="172" name="Google Shape;172;g369690b03c5_0_189"/>
           <p:cNvSpPr txBox="1"/>
           <p:nvPr>
             <p:ph type="title"/>
@@ -14484,7 +15084,7 @@
       </p:sp>
       <p:sp>
         <p:nvSpPr>
-          <p:cNvPr id="172" name="Google Shape;172;g369690b03c5_0_189"/>
+          <p:cNvPr id="173" name="Google Shape;173;g369690b03c5_0_189"/>
           <p:cNvSpPr txBox="1"/>
           <p:nvPr>
             <p:ph idx="12" type="sldNum"/>
@@ -14528,7 +15128,7 @@
       </p:sp>
       <p:sp>
         <p:nvSpPr>
-          <p:cNvPr id="173" name="Google Shape;173;g369690b03c5_0_189"/>
+          <p:cNvPr id="174" name="Google Shape;174;g369690b03c5_0_189"/>
           <p:cNvSpPr txBox="1"/>
           <p:nvPr/>
         </p:nvSpPr>
@@ -14728,7 +15328,7 @@
       </p:sp>
       <p:sp>
         <p:nvSpPr>
-          <p:cNvPr id="174" name="Google Shape;174;g369690b03c5_0_189"/>
+          <p:cNvPr id="175" name="Google Shape;175;g369690b03c5_0_189"/>
           <p:cNvSpPr txBox="1"/>
           <p:nvPr/>
         </p:nvSpPr>
@@ -14944,7 +15544,7 @@
       </p:sp>
       <p:sp>
         <p:nvSpPr>
-          <p:cNvPr id="175" name="Google Shape;175;g369690b03c5_0_189"/>
+          <p:cNvPr id="176" name="Google Shape;176;g369690b03c5_0_189"/>
           <p:cNvSpPr txBox="1"/>
           <p:nvPr/>
         </p:nvSpPr>
@@ -15203,7 +15803,7 @@
       </p:sp>
       <p:sp>
         <p:nvSpPr>
-          <p:cNvPr id="176" name="Google Shape;176;g369690b03c5_0_189"/>
+          <p:cNvPr id="177" name="Google Shape;177;g369690b03c5_0_189"/>
           <p:cNvSpPr txBox="1"/>
           <p:nvPr/>
         </p:nvSpPr>
@@ -15395,7 +15995,7 @@
       </p:sp>
       <p:sp>
         <p:nvSpPr>
-          <p:cNvPr id="177" name="Google Shape;177;g369690b03c5_0_189"/>
+          <p:cNvPr id="178" name="Google Shape;178;g369690b03c5_0_189"/>
           <p:cNvSpPr txBox="1"/>
           <p:nvPr/>
         </p:nvSpPr>
@@ -15590,7 +16190,7 @@
   <p:cSld>
     <p:spTree>
       <p:nvGrpSpPr>
-        <p:cNvPr id="181" name="Shape 181"/>
+        <p:cNvPr id="182" name="Shape 182"/>
         <p:cNvGrpSpPr/>
         <p:nvPr/>
       </p:nvGrpSpPr>
@@ -15604,7 +16204,7 @@
       </p:grpSpPr>
       <p:sp>
         <p:nvSpPr>
-          <p:cNvPr id="182" name="Google Shape;182;g369690b03c5_0_206"/>
+          <p:cNvPr id="183" name="Google Shape;183;g369690b03c5_0_206"/>
           <p:cNvSpPr txBox="1"/>
           <p:nvPr>
             <p:ph type="title"/>
@@ -15644,7 +16244,7 @@
       </p:sp>
       <p:sp>
         <p:nvSpPr>
-          <p:cNvPr id="183" name="Google Shape;183;g369690b03c5_0_206"/>
+          <p:cNvPr id="184" name="Google Shape;184;g369690b03c5_0_206"/>
           <p:cNvSpPr txBox="1"/>
           <p:nvPr>
             <p:ph idx="1" type="body"/>
@@ -15988,11 +16588,168 @@
               <a:sym typeface="Courier New"/>
             </a:endParaRPr>
           </a:p>
+          <a:p>
+            <a:pPr indent="0" lvl="0" marL="457200" rtl="0" algn="l">
+              <a:spcBef>
+                <a:spcPts val="360"/>
+              </a:spcBef>
+              <a:spcAft>
+                <a:spcPts val="0"/>
+              </a:spcAft>
+              <a:buNone/>
+            </a:pPr>
+            <a:r>
+              <a:t/>
+            </a:r>
+            <a:endParaRPr sz="1600">
+              <a:solidFill>
+                <a:srgbClr val="188038"/>
+              </a:solidFill>
+              <a:latin typeface="Courier New"/>
+              <a:ea typeface="Courier New"/>
+              <a:cs typeface="Courier New"/>
+              <a:sym typeface="Courier New"/>
+            </a:endParaRPr>
+          </a:p>
+          <a:p>
+            <a:pPr indent="0" lvl="0" marL="2286000" rtl="0" algn="l">
+              <a:spcBef>
+                <a:spcPts val="360"/>
+              </a:spcBef>
+              <a:spcAft>
+                <a:spcPts val="0"/>
+              </a:spcAft>
+              <a:buClr>
+                <a:schemeClr val="dk1"/>
+              </a:buClr>
+              <a:buSzPts val="1100"/>
+              <a:buFont typeface="Arial"/>
+              <a:buNone/>
+            </a:pPr>
+            <a:r>
+              <a:rPr lang="en-US" sz="1600">
+                <a:solidFill>
+                  <a:schemeClr val="accent2"/>
+                </a:solidFill>
+                <a:latin typeface="Courier New"/>
+                <a:ea typeface="Courier New"/>
+                <a:cs typeface="Courier New"/>
+                <a:sym typeface="Courier New"/>
+              </a:rPr>
+              <a:t>SELECT s.name, c.title</a:t>
+            </a:r>
+            <a:endParaRPr sz="1600">
+              <a:solidFill>
+                <a:schemeClr val="accent2"/>
+              </a:solidFill>
+              <a:latin typeface="Courier New"/>
+              <a:ea typeface="Courier New"/>
+              <a:cs typeface="Courier New"/>
+              <a:sym typeface="Courier New"/>
+            </a:endParaRPr>
+          </a:p>
+          <a:p>
+            <a:pPr indent="0" lvl="0" marL="2286000" rtl="0" algn="l">
+              <a:spcBef>
+                <a:spcPts val="360"/>
+              </a:spcBef>
+              <a:spcAft>
+                <a:spcPts val="0"/>
+              </a:spcAft>
+              <a:buClr>
+                <a:schemeClr val="dk1"/>
+              </a:buClr>
+              <a:buSzPts val="1100"/>
+              <a:buFont typeface="Arial"/>
+              <a:buNone/>
+            </a:pPr>
+            <a:r>
+              <a:rPr lang="en-US" sz="1600">
+                <a:solidFill>
+                  <a:schemeClr val="accent2"/>
+                </a:solidFill>
+                <a:latin typeface="Courier New"/>
+                <a:ea typeface="Courier New"/>
+                <a:cs typeface="Courier New"/>
+                <a:sym typeface="Courier New"/>
+              </a:rPr>
+              <a:t>FROM Course c, UNNEST(c.enrolledStudents) AS s</a:t>
+            </a:r>
+            <a:endParaRPr sz="1600">
+              <a:solidFill>
+                <a:schemeClr val="accent2"/>
+              </a:solidFill>
+              <a:latin typeface="Courier New"/>
+              <a:ea typeface="Courier New"/>
+              <a:cs typeface="Courier New"/>
+              <a:sym typeface="Courier New"/>
+            </a:endParaRPr>
+          </a:p>
+          <a:p>
+            <a:pPr indent="0" lvl="0" marL="2286000" rtl="0" algn="l">
+              <a:spcBef>
+                <a:spcPts val="360"/>
+              </a:spcBef>
+              <a:spcAft>
+                <a:spcPts val="0"/>
+              </a:spcAft>
+              <a:buClr>
+                <a:schemeClr val="dk1"/>
+              </a:buClr>
+              <a:buSzPts val="1100"/>
+              <a:buFont typeface="Arial"/>
+              <a:buNone/>
+            </a:pPr>
+            <a:r>
+              <a:rPr lang="en-US" sz="1600">
+                <a:solidFill>
+                  <a:schemeClr val="accent2"/>
+                </a:solidFill>
+                <a:latin typeface="Courier New"/>
+                <a:ea typeface="Courier New"/>
+                <a:cs typeface="Courier New"/>
+                <a:sym typeface="Courier New"/>
+              </a:rPr>
+              <a:t>WHERE c.title = 'Database Systems'; </a:t>
+            </a:r>
+            <a:endParaRPr sz="1600">
+              <a:solidFill>
+                <a:srgbClr val="188038"/>
+              </a:solidFill>
+              <a:latin typeface="Courier New"/>
+              <a:ea typeface="Courier New"/>
+              <a:cs typeface="Courier New"/>
+              <a:sym typeface="Courier New"/>
+            </a:endParaRPr>
+          </a:p>
+          <a:p>
+            <a:pPr indent="0" lvl="0" marL="457200" rtl="0" algn="l">
+              <a:spcBef>
+                <a:spcPts val="360"/>
+              </a:spcBef>
+              <a:spcAft>
+                <a:spcPts val="0"/>
+              </a:spcAft>
+              <a:buNone/>
+            </a:pPr>
+            <a:r>
+              <a:t/>
+            </a:r>
+            <a:endParaRPr sz="1600">
+              <a:solidFill>
+                <a:srgbClr val="188038"/>
+              </a:solidFill>
+              <a:latin typeface="Courier New"/>
+              <a:ea typeface="Courier New"/>
+              <a:cs typeface="Courier New"/>
+              <a:sym typeface="Courier New"/>
+            </a:endParaRPr>
+          </a:p>
         </p:txBody>
       </p:sp>
       <p:sp>
         <p:nvSpPr>
-          <p:cNvPr id="184" name="Google Shape;184;g369690b03c5_0_206"/>
+          <p:cNvPr id="185" name="Google Shape;185;g369690b03c5_0_206"/>
           <p:cNvSpPr txBox="1"/>
           <p:nvPr>
             <p:ph idx="12" type="sldNum"/>
@@ -16034,6 +16791,146 @@
           </a:p>
         </p:txBody>
       </p:sp>
+      <p:sp>
+        <p:nvSpPr>
+          <p:cNvPr id="186" name="Google Shape;186;g369690b03c5_0_206"/>
+          <p:cNvSpPr txBox="1"/>
+          <p:nvPr/>
+        </p:nvSpPr>
+        <p:spPr>
+          <a:xfrm>
+            <a:off x="5766975" y="1200000"/>
+            <a:ext cx="3000000" cy="400200"/>
+          </a:xfrm>
+          <a:prstGeom prst="rect">
+            <a:avLst/>
+          </a:prstGeom>
+          <a:noFill/>
+          <a:ln>
+            <a:noFill/>
+          </a:ln>
+        </p:spPr>
+        <p:txBody>
+          <a:bodyPr anchorCtr="0" anchor="t" bIns="91425" lIns="91425" spcFirstLastPara="1" rIns="91425" wrap="square" tIns="91425">
+            <a:spAutoFit/>
+          </a:bodyPr>
+          <a:lstStyle/>
+          <a:p>
+            <a:pPr indent="0" lvl="0" marL="0" rtl="0" algn="l">
+              <a:spcBef>
+                <a:spcPts val="0"/>
+              </a:spcBef>
+              <a:spcAft>
+                <a:spcPts val="0"/>
+              </a:spcAft>
+              <a:buNone/>
+            </a:pPr>
+            <a:r>
+              <a:rPr lang="en-US"/>
+              <a:t>Relational approach</a:t>
+            </a:r>
+            <a:endParaRPr/>
+          </a:p>
+        </p:txBody>
+      </p:sp>
+      <p:cxnSp>
+        <p:nvCxnSpPr>
+          <p:cNvPr id="187" name="Google Shape;187;g369690b03c5_0_206"/>
+          <p:cNvCxnSpPr>
+            <a:stCxn id="186" idx="1"/>
+          </p:cNvCxnSpPr>
+          <p:nvPr/>
+        </p:nvCxnSpPr>
+        <p:spPr>
+          <a:xfrm flipH="1">
+            <a:off x="4738275" y="1400100"/>
+            <a:ext cx="1028700" cy="667800"/>
+          </a:xfrm>
+          <a:prstGeom prst="straightConnector1">
+            <a:avLst/>
+          </a:prstGeom>
+          <a:noFill/>
+          <a:ln cap="flat" cmpd="sng" w="9525">
+            <a:solidFill>
+              <a:schemeClr val="dk2"/>
+            </a:solidFill>
+            <a:prstDash val="solid"/>
+            <a:round/>
+            <a:headEnd len="med" w="med" type="none"/>
+            <a:tailEnd len="med" w="med" type="triangle"/>
+          </a:ln>
+        </p:spPr>
+      </p:cxnSp>
+      <p:sp>
+        <p:nvSpPr>
+          <p:cNvPr id="188" name="Google Shape;188;g369690b03c5_0_206"/>
+          <p:cNvSpPr txBox="1"/>
+          <p:nvPr/>
+        </p:nvSpPr>
+        <p:spPr>
+          <a:xfrm>
+            <a:off x="389650" y="5844875"/>
+            <a:ext cx="2595300" cy="400200"/>
+          </a:xfrm>
+          <a:prstGeom prst="rect">
+            <a:avLst/>
+          </a:prstGeom>
+          <a:noFill/>
+          <a:ln>
+            <a:noFill/>
+          </a:ln>
+        </p:spPr>
+        <p:txBody>
+          <a:bodyPr anchorCtr="0" anchor="t" bIns="91425" lIns="91425" spcFirstLastPara="1" rIns="91425" wrap="square" tIns="91425">
+            <a:spAutoFit/>
+          </a:bodyPr>
+          <a:lstStyle/>
+          <a:p>
+            <a:pPr indent="0" lvl="0" marL="0" rtl="0" algn="l">
+              <a:spcBef>
+                <a:spcPts val="0"/>
+              </a:spcBef>
+              <a:spcAft>
+                <a:spcPts val="0"/>
+              </a:spcAft>
+              <a:buNone/>
+            </a:pPr>
+            <a:r>
+              <a:rPr lang="en-US"/>
+              <a:t>Object-Relational approach</a:t>
+            </a:r>
+            <a:endParaRPr/>
+          </a:p>
+        </p:txBody>
+      </p:sp>
+      <p:cxnSp>
+        <p:nvCxnSpPr>
+          <p:cNvPr id="189" name="Google Shape;189;g369690b03c5_0_206"/>
+          <p:cNvCxnSpPr>
+            <a:stCxn id="188" idx="0"/>
+          </p:cNvCxnSpPr>
+          <p:nvPr/>
+        </p:nvCxnSpPr>
+        <p:spPr>
+          <a:xfrm flipH="1" rot="10800000">
+            <a:off x="1687300" y="5210975"/>
+            <a:ext cx="1089600" cy="633900"/>
+          </a:xfrm>
+          <a:prstGeom prst="straightConnector1">
+            <a:avLst/>
+          </a:prstGeom>
+          <a:noFill/>
+          <a:ln cap="flat" cmpd="sng" w="9525">
+            <a:solidFill>
+              <a:schemeClr val="dk2"/>
+            </a:solidFill>
+            <a:prstDash val="solid"/>
+            <a:round/>
+            <a:headEnd len="med" w="med" type="none"/>
+            <a:tailEnd len="med" w="med" type="triangle"/>
+          </a:ln>
+        </p:spPr>
+      </p:cxnSp>
     </p:spTree>
   </p:cSld>
   <p:clrMapOvr>
@@ -16047,7 +16944,7 @@
   <p:cSld>
     <p:spTree>
       <p:nvGrpSpPr>
-        <p:cNvPr id="188" name="Shape 188"/>
+        <p:cNvPr id="193" name="Shape 193"/>
         <p:cNvGrpSpPr/>
         <p:nvPr/>
       </p:nvGrpSpPr>
@@ -16061,7 +16958,7 @@
       </p:grpSpPr>
       <p:sp>
         <p:nvSpPr>
-          <p:cNvPr id="189" name="Google Shape;189;p5"/>
+          <p:cNvPr id="194" name="Google Shape;194;g369690b03c5_0_217"/>
           <p:cNvSpPr txBox="1"/>
           <p:nvPr>
             <p:ph type="title"/>
@@ -16069,16 +16966,12 @@
         </p:nvSpPr>
         <p:spPr>
           <a:xfrm>
-            <a:off x="457200" y="274638"/>
-            <a:ext cx="8229600" cy="1143000"/>
+            <a:off x="457200" y="-24254"/>
+            <a:ext cx="8229600" cy="756000"/>
           </a:xfrm>
           <a:prstGeom prst="rect">
             <a:avLst/>
           </a:prstGeom>
-          <a:noFill/>
-          <a:ln>
-            <a:noFill/>
-          </a:ln>
         </p:spPr>
         <p:txBody>
           <a:bodyPr anchorCtr="0" anchor="ctr" bIns="45700" lIns="91425" spcFirstLastPara="1" rIns="91425" wrap="square" tIns="45700">
@@ -16093,24 +16986,11 @@
               <a:spcAft>
                 <a:spcPts val="0"/>
               </a:spcAft>
-              <a:buClr>
-                <a:schemeClr val="dk1"/>
-              </a:buClr>
-              <a:buSzPts val="4400"/>
-              <a:buFont typeface="Calibri"/>
               <a:buNone/>
             </a:pPr>
             <a:r>
-              <a:rPr lang="en-US" sz="4400">
-                <a:solidFill>
-                  <a:schemeClr val="dk1"/>
-                </a:solidFill>
-                <a:latin typeface="Calibri"/>
-                <a:ea typeface="Calibri"/>
-                <a:cs typeface="Calibri"/>
-                <a:sym typeface="Calibri"/>
-              </a:rPr>
-              <a:t>Complex Data Types</a:t>
+              <a:rPr lang="en-US"/>
+              <a:t>Key Features of Object Relational Queries</a:t>
             </a:r>
             <a:endParaRPr/>
           </a:p>
@@ -16118,7 +16998,7 @@
       </p:sp>
       <p:sp>
         <p:nvSpPr>
-          <p:cNvPr id="190" name="Google Shape;190;p5"/>
+          <p:cNvPr id="195" name="Google Shape;195;g369690b03c5_0_217"/>
           <p:cNvSpPr txBox="1"/>
           <p:nvPr>
             <p:ph idx="1" type="body"/>
@@ -16126,139 +17006,613 @@
         </p:nvSpPr>
         <p:spPr>
           <a:xfrm>
-            <a:off x="457200" y="1600200"/>
-            <a:ext cx="8229600" cy="4525963"/>
+            <a:off x="457200" y="678000"/>
+            <a:ext cx="8229600" cy="5678400"/>
           </a:xfrm>
           <a:prstGeom prst="rect">
             <a:avLst/>
           </a:prstGeom>
-          <a:noFill/>
-          <a:ln>
-            <a:noFill/>
-          </a:ln>
         </p:spPr>
         <p:txBody>
           <a:bodyPr anchorCtr="0" anchor="t" bIns="45700" lIns="91425" spcFirstLastPara="1" rIns="91425" wrap="square" tIns="45700">
-            <a:normAutofit/>
+            <a:noAutofit/>
           </a:bodyPr>
           <a:lstStyle/>
           <a:p>
-            <a:pPr indent="-342900" lvl="0" marL="342900" rtl="0" algn="l">
-              <a:spcBef>
-                <a:spcPts val="0"/>
-              </a:spcBef>
-              <a:spcAft>
-                <a:spcPts val="0"/>
-              </a:spcAft>
-              <a:buClr>
-                <a:schemeClr val="dk1"/>
-              </a:buClr>
-              <a:buSzPts val="3200"/>
-              <a:buChar char="•"/>
+            <a:pPr indent="-323850" lvl="0" marL="457200" rtl="0" algn="l">
+              <a:spcBef>
+                <a:spcPts val="360"/>
+              </a:spcBef>
+              <a:spcAft>
+                <a:spcPts val="0"/>
+              </a:spcAft>
+              <a:buSzPts val="1500"/>
+              <a:buFont typeface="Cambria"/>
+              <a:buChar char="-"/>
             </a:pPr>
             <a:r>
-              <a:rPr lang="en-US" sz="3200">
+              <a:rPr b="1" lang="en-US" sz="1500">
+                <a:latin typeface="Cambria"/>
+                <a:ea typeface="Cambria"/>
+                <a:cs typeface="Cambria"/>
+                <a:sym typeface="Cambria"/>
+              </a:rPr>
+              <a:t>Path Expressions:</a:t>
+            </a:r>
+            <a:br>
+              <a:rPr b="1" lang="en-US" sz="1500">
+                <a:latin typeface="Cambria"/>
+                <a:ea typeface="Cambria"/>
+                <a:cs typeface="Cambria"/>
+                <a:sym typeface="Cambria"/>
+              </a:rPr>
+            </a:br>
+            <a:r>
+              <a:rPr lang="en-US" sz="1500">
+                <a:latin typeface="Cambria"/>
+                <a:ea typeface="Cambria"/>
+                <a:cs typeface="Cambria"/>
+                <a:sym typeface="Cambria"/>
+              </a:rPr>
+              <a:t>Navigate through nested attributes or referenced objects using dot notation.</a:t>
+            </a:r>
+            <a:br>
+              <a:rPr lang="en-US" sz="1500">
+                <a:latin typeface="Cambria"/>
+                <a:ea typeface="Cambria"/>
+                <a:cs typeface="Cambria"/>
+                <a:sym typeface="Cambria"/>
+              </a:rPr>
+            </a:br>
+            <a:r>
+              <a:rPr lang="en-US" sz="1500">
+                <a:latin typeface="Cambria"/>
+                <a:ea typeface="Cambria"/>
+                <a:cs typeface="Cambria"/>
+                <a:sym typeface="Cambria"/>
+              </a:rPr>
+              <a:t> E.g., </a:t>
+            </a:r>
+            <a:r>
+              <a:rPr lang="en-US" sz="1500">
                 <a:solidFill>
-                  <a:schemeClr val="dk1"/>
+                  <a:srgbClr val="188038"/>
                 </a:solidFill>
-                <a:latin typeface="Calibri"/>
-                <a:ea typeface="Calibri"/>
-                <a:cs typeface="Calibri"/>
-                <a:sym typeface="Calibri"/>
+                <a:latin typeface="Cambria"/>
+                <a:ea typeface="Cambria"/>
+                <a:cs typeface="Cambria"/>
+                <a:sym typeface="Cambria"/>
               </a:rPr>
-              <a:t>• Structured Types: Nested records/tuples.</a:t>
-            </a:r>
-            <a:endParaRPr/>
+              <a:t>student.address.city</a:t>
+            </a:r>
+            <a:br>
+              <a:rPr lang="en-US" sz="1500">
+                <a:solidFill>
+                  <a:srgbClr val="188038"/>
+                </a:solidFill>
+                <a:latin typeface="Cambria"/>
+                <a:ea typeface="Cambria"/>
+                <a:cs typeface="Cambria"/>
+                <a:sym typeface="Cambria"/>
+              </a:rPr>
+            </a:br>
+            <a:endParaRPr sz="1500">
+              <a:solidFill>
+                <a:srgbClr val="188038"/>
+              </a:solidFill>
+              <a:latin typeface="Cambria"/>
+              <a:ea typeface="Cambria"/>
+              <a:cs typeface="Cambria"/>
+              <a:sym typeface="Cambria"/>
+            </a:endParaRPr>
           </a:p>
           <a:p>
-            <a:pPr indent="-342900" lvl="0" marL="342900" rtl="0" algn="l">
-              <a:spcBef>
-                <a:spcPts val="640"/>
-              </a:spcBef>
-              <a:spcAft>
-                <a:spcPts val="0"/>
-              </a:spcAft>
-              <a:buClr>
-                <a:schemeClr val="dk1"/>
-              </a:buClr>
-              <a:buSzPts val="3200"/>
-              <a:buChar char="•"/>
+            <a:pPr indent="-323850" lvl="0" marL="457200" rtl="0" algn="l">
+              <a:spcBef>
+                <a:spcPts val="0"/>
+              </a:spcBef>
+              <a:spcAft>
+                <a:spcPts val="0"/>
+              </a:spcAft>
+              <a:buSzPts val="1500"/>
+              <a:buFont typeface="Cambria"/>
+              <a:buChar char="-"/>
             </a:pPr>
             <a:r>
-              <a:rPr lang="en-US" sz="3200">
+              <a:rPr b="1" lang="en-US" sz="1500">
+                <a:latin typeface="Cambria"/>
+                <a:ea typeface="Cambria"/>
+                <a:cs typeface="Cambria"/>
+                <a:sym typeface="Cambria"/>
+              </a:rPr>
+              <a:t>Dereferencing References:</a:t>
+            </a:r>
+            <a:br>
+              <a:rPr b="1" lang="en-US" sz="1500">
+                <a:latin typeface="Cambria"/>
+                <a:ea typeface="Cambria"/>
+                <a:cs typeface="Cambria"/>
+                <a:sym typeface="Cambria"/>
+              </a:rPr>
+            </a:br>
+            <a:r>
+              <a:rPr lang="en-US" sz="1500">
+                <a:latin typeface="Cambria"/>
+                <a:ea typeface="Cambria"/>
+                <a:cs typeface="Cambria"/>
+                <a:sym typeface="Cambria"/>
+              </a:rPr>
+              <a:t> Objects can have attributes that are references (</a:t>
+            </a:r>
+            <a:r>
+              <a:rPr lang="en-US" sz="1500">
                 <a:solidFill>
-                  <a:schemeClr val="dk1"/>
+                  <a:srgbClr val="188038"/>
                 </a:solidFill>
-                <a:latin typeface="Calibri"/>
-                <a:ea typeface="Calibri"/>
-                <a:cs typeface="Calibri"/>
-                <a:sym typeface="Calibri"/>
+                <a:latin typeface="Cambria"/>
+                <a:ea typeface="Cambria"/>
+                <a:cs typeface="Cambria"/>
+                <a:sym typeface="Cambria"/>
               </a:rPr>
-              <a:t>• Arrays: Indexed collections.</a:t>
-            </a:r>
-            <a:endParaRPr/>
+              <a:t>REF</a:t>
+            </a:r>
+            <a:r>
+              <a:rPr lang="en-US" sz="1500">
+                <a:latin typeface="Cambria"/>
+                <a:ea typeface="Cambria"/>
+                <a:cs typeface="Cambria"/>
+                <a:sym typeface="Cambria"/>
+              </a:rPr>
+              <a:t>) to other objects. You can dereference these in queries.</a:t>
+            </a:r>
+            <a:br>
+              <a:rPr lang="en-US" sz="1500">
+                <a:latin typeface="Cambria"/>
+                <a:ea typeface="Cambria"/>
+                <a:cs typeface="Cambria"/>
+                <a:sym typeface="Cambria"/>
+              </a:rPr>
+            </a:br>
+            <a:r>
+              <a:rPr lang="en-US" sz="1500">
+                <a:latin typeface="Cambria"/>
+                <a:ea typeface="Cambria"/>
+                <a:cs typeface="Cambria"/>
+                <a:sym typeface="Cambria"/>
+              </a:rPr>
+              <a:t> E.g., </a:t>
+            </a:r>
+            <a:r>
+              <a:rPr lang="en-US" sz="1500">
+                <a:solidFill>
+                  <a:srgbClr val="188038"/>
+                </a:solidFill>
+                <a:latin typeface="Cambria"/>
+                <a:ea typeface="Cambria"/>
+                <a:cs typeface="Cambria"/>
+                <a:sym typeface="Cambria"/>
+              </a:rPr>
+              <a:t>student.advisor.name</a:t>
+            </a:r>
+            <a:r>
+              <a:rPr lang="en-US" sz="1500">
+                <a:latin typeface="Cambria"/>
+                <a:ea typeface="Cambria"/>
+                <a:cs typeface="Cambria"/>
+                <a:sym typeface="Cambria"/>
+              </a:rPr>
+              <a:t> — </a:t>
+            </a:r>
+            <a:r>
+              <a:rPr lang="en-US" sz="1500">
+                <a:solidFill>
+                  <a:srgbClr val="188038"/>
+                </a:solidFill>
+                <a:latin typeface="Cambria"/>
+                <a:ea typeface="Cambria"/>
+                <a:cs typeface="Cambria"/>
+                <a:sym typeface="Cambria"/>
+              </a:rPr>
+              <a:t>advisor</a:t>
+            </a:r>
+            <a:r>
+              <a:rPr lang="en-US" sz="1500">
+                <a:latin typeface="Cambria"/>
+                <a:ea typeface="Cambria"/>
+                <a:cs typeface="Cambria"/>
+                <a:sym typeface="Cambria"/>
+              </a:rPr>
+              <a:t> is a reference to an </a:t>
+            </a:r>
+            <a:r>
+              <a:rPr lang="en-US" sz="1500">
+                <a:solidFill>
+                  <a:srgbClr val="188038"/>
+                </a:solidFill>
+                <a:latin typeface="Cambria"/>
+                <a:ea typeface="Cambria"/>
+                <a:cs typeface="Cambria"/>
+                <a:sym typeface="Cambria"/>
+              </a:rPr>
+              <a:t>Instructor</a:t>
+            </a:r>
+            <a:r>
+              <a:rPr lang="en-US" sz="1500">
+                <a:latin typeface="Cambria"/>
+                <a:ea typeface="Cambria"/>
+                <a:cs typeface="Cambria"/>
+                <a:sym typeface="Cambria"/>
+              </a:rPr>
+              <a:t> object.</a:t>
+            </a:r>
+            <a:br>
+              <a:rPr lang="en-US" sz="1500">
+                <a:latin typeface="Cambria"/>
+                <a:ea typeface="Cambria"/>
+                <a:cs typeface="Cambria"/>
+                <a:sym typeface="Cambria"/>
+              </a:rPr>
+            </a:br>
+            <a:endParaRPr sz="1500">
+              <a:latin typeface="Cambria"/>
+              <a:ea typeface="Cambria"/>
+              <a:cs typeface="Cambria"/>
+              <a:sym typeface="Cambria"/>
+            </a:endParaRPr>
           </a:p>
           <a:p>
-            <a:pPr indent="-342900" lvl="0" marL="342900" rtl="0" algn="l">
-              <a:spcBef>
-                <a:spcPts val="640"/>
-              </a:spcBef>
-              <a:spcAft>
-                <a:spcPts val="0"/>
-              </a:spcAft>
-              <a:buClr>
-                <a:schemeClr val="dk1"/>
-              </a:buClr>
-              <a:buSzPts val="3200"/>
-              <a:buChar char="•"/>
+            <a:pPr indent="-323850" lvl="0" marL="457200" rtl="0" algn="l">
+              <a:spcBef>
+                <a:spcPts val="0"/>
+              </a:spcBef>
+              <a:spcAft>
+                <a:spcPts val="0"/>
+              </a:spcAft>
+              <a:buSzPts val="1500"/>
+              <a:buFont typeface="Cambria"/>
+              <a:buChar char="-"/>
             </a:pPr>
             <a:r>
-              <a:rPr lang="en-US" sz="3200">
+              <a:rPr b="1" lang="en-US" sz="1500">
+                <a:latin typeface="Cambria"/>
+                <a:ea typeface="Cambria"/>
+                <a:cs typeface="Cambria"/>
+                <a:sym typeface="Cambria"/>
+              </a:rPr>
+              <a:t>Table Inheritance Queries:</a:t>
+            </a:r>
+            <a:br>
+              <a:rPr b="1" lang="en-US" sz="1500">
+                <a:latin typeface="Cambria"/>
+                <a:ea typeface="Cambria"/>
+                <a:cs typeface="Cambria"/>
+                <a:sym typeface="Cambria"/>
+              </a:rPr>
+            </a:br>
+            <a:r>
+              <a:rPr lang="en-US" sz="1500">
+                <a:latin typeface="Cambria"/>
+                <a:ea typeface="Cambria"/>
+                <a:cs typeface="Cambria"/>
+                <a:sym typeface="Cambria"/>
+              </a:rPr>
+              <a:t> Queries can exploit inheritance hierarchies in tables.</a:t>
+            </a:r>
+            <a:br>
+              <a:rPr lang="en-US" sz="1500">
+                <a:latin typeface="Cambria"/>
+                <a:ea typeface="Cambria"/>
+                <a:cs typeface="Cambria"/>
+                <a:sym typeface="Cambria"/>
+              </a:rPr>
+            </a:br>
+            <a:r>
+              <a:rPr lang="en-US" sz="1500">
+                <a:latin typeface="Cambria"/>
+                <a:ea typeface="Cambria"/>
+                <a:cs typeface="Cambria"/>
+                <a:sym typeface="Cambria"/>
+              </a:rPr>
+              <a:t> E.g., Querying a base table returns all rows including those in child tables.</a:t>
+            </a:r>
+            <a:br>
+              <a:rPr lang="en-US" sz="1500">
+                <a:latin typeface="Cambria"/>
+                <a:ea typeface="Cambria"/>
+                <a:cs typeface="Cambria"/>
+                <a:sym typeface="Cambria"/>
+              </a:rPr>
+            </a:br>
+            <a:r>
+              <a:rPr lang="en-US" sz="1500">
+                <a:latin typeface="Cambria"/>
+                <a:ea typeface="Cambria"/>
+                <a:cs typeface="Cambria"/>
+                <a:sym typeface="Cambria"/>
+              </a:rPr>
+              <a:t> SQL: </a:t>
+            </a:r>
+            <a:r>
+              <a:rPr lang="en-US" sz="1500">
                 <a:solidFill>
-                  <a:schemeClr val="dk1"/>
+                  <a:srgbClr val="188038"/>
                 </a:solidFill>
-                <a:latin typeface="Calibri"/>
-                <a:ea typeface="Calibri"/>
-                <a:cs typeface="Calibri"/>
-                <a:sym typeface="Calibri"/>
+                <a:latin typeface="Cambria"/>
+                <a:ea typeface="Cambria"/>
+                <a:cs typeface="Cambria"/>
+                <a:sym typeface="Cambria"/>
               </a:rPr>
-              <a:t>• Multisets: Unordered collections with duplicates.</a:t>
-            </a:r>
-            <a:endParaRPr/>
+              <a:t>SELECT * FROM Person</a:t>
+            </a:r>
+            <a:r>
+              <a:rPr lang="en-US" sz="1500">
+                <a:latin typeface="Cambria"/>
+                <a:ea typeface="Cambria"/>
+                <a:cs typeface="Cambria"/>
+                <a:sym typeface="Cambria"/>
+              </a:rPr>
+              <a:t> returns rows from </a:t>
+            </a:r>
+            <a:r>
+              <a:rPr lang="en-US" sz="1500">
+                <a:solidFill>
+                  <a:srgbClr val="188038"/>
+                </a:solidFill>
+                <a:latin typeface="Cambria"/>
+                <a:ea typeface="Cambria"/>
+                <a:cs typeface="Cambria"/>
+                <a:sym typeface="Cambria"/>
+              </a:rPr>
+              <a:t>Person</a:t>
+            </a:r>
+            <a:r>
+              <a:rPr lang="en-US" sz="1500">
+                <a:latin typeface="Cambria"/>
+                <a:ea typeface="Cambria"/>
+                <a:cs typeface="Cambria"/>
+                <a:sym typeface="Cambria"/>
+              </a:rPr>
+              <a:t>, </a:t>
+            </a:r>
+            <a:r>
+              <a:rPr lang="en-US" sz="1500">
+                <a:solidFill>
+                  <a:srgbClr val="188038"/>
+                </a:solidFill>
+                <a:latin typeface="Cambria"/>
+                <a:ea typeface="Cambria"/>
+                <a:cs typeface="Cambria"/>
+                <a:sym typeface="Cambria"/>
+              </a:rPr>
+              <a:t>Student</a:t>
+            </a:r>
+            <a:r>
+              <a:rPr lang="en-US" sz="1500">
+                <a:latin typeface="Cambria"/>
+                <a:ea typeface="Cambria"/>
+                <a:cs typeface="Cambria"/>
+                <a:sym typeface="Cambria"/>
+              </a:rPr>
+              <a:t>, and </a:t>
+            </a:r>
+            <a:r>
+              <a:rPr lang="en-US" sz="1500">
+                <a:solidFill>
+                  <a:srgbClr val="188038"/>
+                </a:solidFill>
+                <a:latin typeface="Cambria"/>
+                <a:ea typeface="Cambria"/>
+                <a:cs typeface="Cambria"/>
+                <a:sym typeface="Cambria"/>
+              </a:rPr>
+              <a:t>Instructor</a:t>
+            </a:r>
+            <a:r>
+              <a:rPr lang="en-US" sz="1500">
+                <a:latin typeface="Cambria"/>
+                <a:ea typeface="Cambria"/>
+                <a:cs typeface="Cambria"/>
+                <a:sym typeface="Cambria"/>
+              </a:rPr>
+              <a:t> tables if they inherit from </a:t>
+            </a:r>
+            <a:r>
+              <a:rPr lang="en-US" sz="1500">
+                <a:solidFill>
+                  <a:srgbClr val="188038"/>
+                </a:solidFill>
+                <a:latin typeface="Cambria"/>
+                <a:ea typeface="Cambria"/>
+                <a:cs typeface="Cambria"/>
+                <a:sym typeface="Cambria"/>
+              </a:rPr>
+              <a:t>Person</a:t>
+            </a:r>
+            <a:r>
+              <a:rPr lang="en-US" sz="1500">
+                <a:latin typeface="Cambria"/>
+                <a:ea typeface="Cambria"/>
+                <a:cs typeface="Cambria"/>
+                <a:sym typeface="Cambria"/>
+              </a:rPr>
+              <a:t>.</a:t>
+            </a:r>
+            <a:br>
+              <a:rPr lang="en-US" sz="1500">
+                <a:latin typeface="Cambria"/>
+                <a:ea typeface="Cambria"/>
+                <a:cs typeface="Cambria"/>
+                <a:sym typeface="Cambria"/>
+              </a:rPr>
+            </a:br>
+            <a:endParaRPr sz="1500">
+              <a:latin typeface="Cambria"/>
+              <a:ea typeface="Cambria"/>
+              <a:cs typeface="Cambria"/>
+              <a:sym typeface="Cambria"/>
+            </a:endParaRPr>
           </a:p>
           <a:p>
-            <a:pPr indent="-342900" lvl="0" marL="342900" rtl="0" algn="l">
-              <a:spcBef>
-                <a:spcPts val="640"/>
-              </a:spcBef>
-              <a:spcAft>
-                <a:spcPts val="0"/>
-              </a:spcAft>
-              <a:buClr>
-                <a:schemeClr val="dk1"/>
-              </a:buClr>
-              <a:buSzPts val="3200"/>
-              <a:buChar char="•"/>
+            <a:pPr indent="-323850" lvl="0" marL="457200" rtl="0" algn="l">
+              <a:spcBef>
+                <a:spcPts val="0"/>
+              </a:spcBef>
+              <a:spcAft>
+                <a:spcPts val="0"/>
+              </a:spcAft>
+              <a:buSzPts val="1500"/>
+              <a:buFont typeface="Cambria"/>
+              <a:buChar char="-"/>
             </a:pPr>
             <a:r>
-              <a:rPr lang="en-US" sz="3200">
+              <a:rPr b="1" lang="en-US" sz="1500">
+                <a:latin typeface="Cambria"/>
+                <a:ea typeface="Cambria"/>
+                <a:cs typeface="Cambria"/>
+                <a:sym typeface="Cambria"/>
+              </a:rPr>
+              <a:t>User-Defined Types and Methods:</a:t>
+            </a:r>
+            <a:br>
+              <a:rPr b="1" lang="en-US" sz="1500">
+                <a:latin typeface="Cambria"/>
+                <a:ea typeface="Cambria"/>
+                <a:cs typeface="Cambria"/>
+                <a:sym typeface="Cambria"/>
+              </a:rPr>
+            </a:br>
+            <a:r>
+              <a:rPr lang="en-US" sz="1500">
+                <a:latin typeface="Cambria"/>
+                <a:ea typeface="Cambria"/>
+                <a:cs typeface="Cambria"/>
+                <a:sym typeface="Cambria"/>
+              </a:rPr>
+              <a:t>You can call methods (functions) on objects in queries.</a:t>
+            </a:r>
+            <a:br>
+              <a:rPr lang="en-US" sz="1500">
+                <a:latin typeface="Cambria"/>
+                <a:ea typeface="Cambria"/>
+                <a:cs typeface="Cambria"/>
+                <a:sym typeface="Cambria"/>
+              </a:rPr>
+            </a:br>
+            <a:r>
+              <a:rPr lang="en-US" sz="1500">
+                <a:latin typeface="Cambria"/>
+                <a:ea typeface="Cambria"/>
+                <a:cs typeface="Cambria"/>
+                <a:sym typeface="Cambria"/>
+              </a:rPr>
+              <a:t> E.g., </a:t>
+            </a:r>
+            <a:r>
+              <a:rPr lang="en-US" sz="1500">
                 <a:solidFill>
-                  <a:schemeClr val="dk1"/>
+                  <a:srgbClr val="188038"/>
                 </a:solidFill>
-                <a:latin typeface="Calibri"/>
-                <a:ea typeface="Calibri"/>
-                <a:cs typeface="Calibri"/>
-                <a:sym typeface="Calibri"/>
+                <a:latin typeface="Cambria"/>
+                <a:ea typeface="Cambria"/>
+                <a:cs typeface="Cambria"/>
+                <a:sym typeface="Cambria"/>
               </a:rPr>
-              <a:t>• Use cases: Scientific data, multimedia, e-commerce catalogs.</a:t>
-            </a:r>
-            <a:endParaRPr/>
+              <a:t>student.getAge()</a:t>
+            </a:r>
+            <a:r>
+              <a:rPr lang="en-US" sz="1500">
+                <a:latin typeface="Cambria"/>
+                <a:ea typeface="Cambria"/>
+                <a:cs typeface="Cambria"/>
+                <a:sym typeface="Cambria"/>
+              </a:rPr>
+              <a:t> to compute the student's age dynamically.</a:t>
+            </a:r>
+            <a:br>
+              <a:rPr lang="en-US" sz="1500">
+                <a:latin typeface="Cambria"/>
+                <a:ea typeface="Cambria"/>
+                <a:cs typeface="Cambria"/>
+                <a:sym typeface="Cambria"/>
+              </a:rPr>
+            </a:br>
+            <a:endParaRPr sz="1500">
+              <a:latin typeface="Cambria"/>
+              <a:ea typeface="Cambria"/>
+              <a:cs typeface="Cambria"/>
+              <a:sym typeface="Cambria"/>
+            </a:endParaRPr>
+          </a:p>
+          <a:p>
+            <a:pPr indent="-323850" lvl="0" marL="457200" rtl="0" algn="l">
+              <a:spcBef>
+                <a:spcPts val="0"/>
+              </a:spcBef>
+              <a:spcAft>
+                <a:spcPts val="0"/>
+              </a:spcAft>
+              <a:buSzPts val="1500"/>
+              <a:buFont typeface="Cambria"/>
+              <a:buChar char="-"/>
+            </a:pPr>
+            <a:r>
+              <a:rPr b="1" lang="en-US" sz="1500">
+                <a:latin typeface="Cambria"/>
+                <a:ea typeface="Cambria"/>
+                <a:cs typeface="Cambria"/>
+                <a:sym typeface="Cambria"/>
+              </a:rPr>
+              <a:t>Polymorphic Queries: </a:t>
+            </a:r>
+            <a:br>
+              <a:rPr b="1" lang="en-US" sz="1500">
+                <a:latin typeface="Cambria"/>
+                <a:ea typeface="Cambria"/>
+                <a:cs typeface="Cambria"/>
+                <a:sym typeface="Cambria"/>
+              </a:rPr>
+            </a:br>
+            <a:r>
+              <a:rPr lang="en-US" sz="1500">
+                <a:latin typeface="Cambria"/>
+                <a:ea typeface="Cambria"/>
+                <a:cs typeface="Cambria"/>
+                <a:sym typeface="Cambria"/>
+              </a:rPr>
+              <a:t>Queries can return results of various subtypes, with the ability to discriminate based on actual type.</a:t>
+            </a:r>
+            <a:endParaRPr sz="1500">
+              <a:latin typeface="Cambria"/>
+              <a:ea typeface="Cambria"/>
+              <a:cs typeface="Cambria"/>
+              <a:sym typeface="Cambria"/>
+            </a:endParaRPr>
+          </a:p>
+          <a:p>
+            <a:pPr indent="0" lvl="0" marL="0" rtl="0" algn="l">
+              <a:spcBef>
+                <a:spcPts val="360"/>
+              </a:spcBef>
+              <a:spcAft>
+                <a:spcPts val="0"/>
+              </a:spcAft>
+              <a:buNone/>
+            </a:pPr>
+            <a:r>
+              <a:t/>
+            </a:r>
+            <a:endParaRPr sz="1500">
+              <a:latin typeface="Cambria"/>
+              <a:ea typeface="Cambria"/>
+              <a:cs typeface="Cambria"/>
+              <a:sym typeface="Cambria"/>
+            </a:endParaRPr>
           </a:p>
         </p:txBody>
       </p:sp>
       <p:sp>
         <p:nvSpPr>
-          <p:cNvPr id="191" name="Google Shape;191;p5"/>
+          <p:cNvPr id="196" name="Google Shape;196;g369690b03c5_0_217"/>
           <p:cNvSpPr txBox="1"/>
           <p:nvPr>
             <p:ph idx="12" type="sldNum"/>
@@ -16286,6 +17640,10 @@
               <a:spcAft>
                 <a:spcPts val="0"/>
               </a:spcAft>
+              <a:buClr>
+                <a:srgbClr val="000000"/>
+              </a:buClr>
+              <a:buFont typeface="Arial"/>
               <a:buNone/>
             </a:pPr>
             <a:fld id="{00000000-1234-1234-1234-123412341234}" type="slidenum">
@@ -16309,7 +17667,7 @@
   <p:cSld>
     <p:spTree>
       <p:nvGrpSpPr>
-        <p:cNvPr id="195" name="Shape 195"/>
+        <p:cNvPr id="200" name="Shape 200"/>
         <p:cNvGrpSpPr/>
         <p:nvPr/>
       </p:nvGrpSpPr>
@@ -16323,7 +17681,7 @@
       </p:grpSpPr>
       <p:sp>
         <p:nvSpPr>
-          <p:cNvPr id="196" name="Google Shape;196;p6"/>
+          <p:cNvPr id="201" name="Google Shape;201;g369690b03c5_0_224"/>
           <p:cNvSpPr txBox="1"/>
           <p:nvPr>
             <p:ph type="title"/>
@@ -16337,10 +17695,6 @@
           <a:prstGeom prst="rect">
             <a:avLst/>
           </a:prstGeom>
-          <a:noFill/>
-          <a:ln>
-            <a:noFill/>
-          </a:ln>
         </p:spPr>
         <p:txBody>
           <a:bodyPr anchorCtr="0" anchor="ctr" bIns="45700" lIns="91425" spcFirstLastPara="1" rIns="91425" wrap="square" tIns="45700">
@@ -16355,24 +17709,11 @@
               <a:spcAft>
                 <a:spcPts val="0"/>
               </a:spcAft>
-              <a:buClr>
-                <a:schemeClr val="dk1"/>
-              </a:buClr>
-              <a:buSzPts val="4400"/>
-              <a:buFont typeface="Calibri"/>
               <a:buNone/>
             </a:pPr>
             <a:r>
-              <a:rPr lang="en-US" sz="4400">
-                <a:solidFill>
-                  <a:schemeClr val="dk1"/>
-                </a:solidFill>
-                <a:latin typeface="Calibri"/>
-                <a:ea typeface="Calibri"/>
-                <a:cs typeface="Calibri"/>
-                <a:sym typeface="Calibri"/>
-              </a:rPr>
-              <a:t>Inheritance and Object Identity</a:t>
+              <a:rPr lang="en-US"/>
+              <a:t>Common Syntax Extensions in ORDB Queries</a:t>
             </a:r>
             <a:endParaRPr/>
           </a:p>
@@ -16380,119 +17721,7 @@
       </p:sp>
       <p:sp>
         <p:nvSpPr>
-          <p:cNvPr id="197" name="Google Shape;197;p6"/>
-          <p:cNvSpPr txBox="1"/>
-          <p:nvPr>
-            <p:ph idx="1" type="body"/>
-          </p:nvPr>
-        </p:nvSpPr>
-        <p:spPr>
-          <a:xfrm>
-            <a:off x="457200" y="1600200"/>
-            <a:ext cx="8229600" cy="4525963"/>
-          </a:xfrm>
-          <a:prstGeom prst="rect">
-            <a:avLst/>
-          </a:prstGeom>
-          <a:noFill/>
-          <a:ln>
-            <a:noFill/>
-          </a:ln>
-        </p:spPr>
-        <p:txBody>
-          <a:bodyPr anchorCtr="0" anchor="t" bIns="45700" lIns="91425" spcFirstLastPara="1" rIns="91425" wrap="square" tIns="45700">
-            <a:normAutofit/>
-          </a:bodyPr>
-          <a:lstStyle/>
-          <a:p>
-            <a:pPr indent="-342900" lvl="0" marL="342900" rtl="0" algn="l">
-              <a:spcBef>
-                <a:spcPts val="0"/>
-              </a:spcBef>
-              <a:spcAft>
-                <a:spcPts val="0"/>
-              </a:spcAft>
-              <a:buClr>
-                <a:schemeClr val="dk1"/>
-              </a:buClr>
-              <a:buSzPts val="3200"/>
-              <a:buChar char="•"/>
-            </a:pPr>
-            <a:r>
-              <a:rPr lang="en-US" sz="3200">
-                <a:solidFill>
-                  <a:schemeClr val="dk1"/>
-                </a:solidFill>
-                <a:latin typeface="Calibri"/>
-                <a:ea typeface="Calibri"/>
-                <a:cs typeface="Calibri"/>
-                <a:sym typeface="Calibri"/>
-              </a:rPr>
-              <a:t>• Inheritance: Enables polymorphism in queries.</a:t>
-            </a:r>
-            <a:endParaRPr/>
-          </a:p>
-          <a:p>
-            <a:pPr indent="-342900" lvl="0" marL="342900" rtl="0" algn="l">
-              <a:spcBef>
-                <a:spcPts val="640"/>
-              </a:spcBef>
-              <a:spcAft>
-                <a:spcPts val="0"/>
-              </a:spcAft>
-              <a:buClr>
-                <a:schemeClr val="dk1"/>
-              </a:buClr>
-              <a:buSzPts val="3200"/>
-              <a:buChar char="•"/>
-            </a:pPr>
-            <a:r>
-              <a:rPr lang="en-US" sz="3200">
-                <a:solidFill>
-                  <a:schemeClr val="dk1"/>
-                </a:solidFill>
-                <a:latin typeface="Calibri"/>
-                <a:ea typeface="Calibri"/>
-                <a:cs typeface="Calibri"/>
-                <a:sym typeface="Calibri"/>
-              </a:rPr>
-              <a:t>• Object Identity (OID): Unique ID for objects.</a:t>
-            </a:r>
-            <a:endParaRPr/>
-          </a:p>
-          <a:p>
-            <a:pPr indent="-342900" lvl="0" marL="342900" rtl="0" algn="l">
-              <a:spcBef>
-                <a:spcPts val="640"/>
-              </a:spcBef>
-              <a:spcAft>
-                <a:spcPts val="0"/>
-              </a:spcAft>
-              <a:buClr>
-                <a:schemeClr val="dk1"/>
-              </a:buClr>
-              <a:buSzPts val="3200"/>
-              <a:buChar char="•"/>
-            </a:pPr>
-            <a:r>
-              <a:rPr lang="en-US" sz="3200">
-                <a:solidFill>
-                  <a:schemeClr val="dk1"/>
-                </a:solidFill>
-                <a:latin typeface="Calibri"/>
-                <a:ea typeface="Calibri"/>
-                <a:cs typeface="Calibri"/>
-                <a:sym typeface="Calibri"/>
-              </a:rPr>
-              <a:t>• Reference Types: Objects pointing to others using REF types in SQL.</a:t>
-            </a:r>
-            <a:endParaRPr/>
-          </a:p>
-        </p:txBody>
-      </p:sp>
-      <p:sp>
-        <p:nvSpPr>
-          <p:cNvPr id="198" name="Google Shape;198;p6"/>
+          <p:cNvPr id="202" name="Google Shape;202;g369690b03c5_0_224"/>
           <p:cNvSpPr txBox="1"/>
           <p:nvPr>
             <p:ph idx="12" type="sldNum"/>
@@ -16520,6 +17749,10 @@
               <a:spcAft>
                 <a:spcPts val="0"/>
               </a:spcAft>
+              <a:buClr>
+                <a:srgbClr val="000000"/>
+              </a:buClr>
+              <a:buFont typeface="Arial"/>
               <a:buNone/>
             </a:pPr>
             <a:fld id="{00000000-1234-1234-1234-123412341234}" type="slidenum">
@@ -16530,6 +17763,784 @@
           </a:p>
         </p:txBody>
       </p:sp>
+      <p:graphicFrame>
+        <p:nvGraphicFramePr>
+          <p:cNvPr id="203" name="Google Shape;203;g369690b03c5_0_224"/>
+          <p:cNvGraphicFramePr/>
+          <p:nvPr/>
+        </p:nvGraphicFramePr>
+        <p:xfrm>
+          <a:off x="874575" y="1705825"/>
+          <a:ext cx="3000000" cy="3000000"/>
+        </p:xfrm>
+        <a:graphic>
+          <a:graphicData uri="http://schemas.openxmlformats.org/drawingml/2006/table">
+            <a:tbl>
+              <a:tblPr>
+                <a:noFill/>
+                <a:tableStyleId>{ABEECC2D-46B7-479A-9ED5-5D4BAB515CA6}</a:tableStyleId>
+              </a:tblPr>
+              <a:tblGrid>
+                <a:gridCol w="2413000"/>
+                <a:gridCol w="2413000"/>
+                <a:gridCol w="2413000"/>
+              </a:tblGrid>
+              <a:tr h="381000">
+                <a:tc>
+                  <a:txBody>
+                    <a:bodyPr/>
+                    <a:lstStyle/>
+                    <a:p>
+                      <a:pPr indent="0" lvl="0" marL="0" rtl="0" algn="ctr">
+                        <a:lnSpc>
+                          <a:spcPct val="115000"/>
+                        </a:lnSpc>
+                        <a:spcBef>
+                          <a:spcPts val="0"/>
+                        </a:spcBef>
+                        <a:spcAft>
+                          <a:spcPts val="0"/>
+                        </a:spcAft>
+                        <a:buNone/>
+                      </a:pPr>
+                      <a:r>
+                        <a:rPr b="1" lang="en-US" sz="1500">
+                          <a:latin typeface="Cambria"/>
+                          <a:ea typeface="Cambria"/>
+                          <a:cs typeface="Cambria"/>
+                          <a:sym typeface="Cambria"/>
+                        </a:rPr>
+                        <a:t>Feature</a:t>
+                      </a:r>
+                      <a:endParaRPr b="1" sz="1500">
+                        <a:latin typeface="Cambria"/>
+                        <a:ea typeface="Cambria"/>
+                        <a:cs typeface="Cambria"/>
+                        <a:sym typeface="Cambria"/>
+                      </a:endParaRPr>
+                    </a:p>
+                  </a:txBody>
+                  <a:tcPr marT="91425" marB="91425" marR="91425" marL="91425"/>
+                </a:tc>
+                <a:tc>
+                  <a:txBody>
+                    <a:bodyPr/>
+                    <a:lstStyle/>
+                    <a:p>
+                      <a:pPr indent="0" lvl="0" marL="0" rtl="0" algn="ctr">
+                        <a:lnSpc>
+                          <a:spcPct val="115000"/>
+                        </a:lnSpc>
+                        <a:spcBef>
+                          <a:spcPts val="0"/>
+                        </a:spcBef>
+                        <a:spcAft>
+                          <a:spcPts val="0"/>
+                        </a:spcAft>
+                        <a:buNone/>
+                      </a:pPr>
+                      <a:r>
+                        <a:rPr b="1" lang="en-US" sz="1500">
+                          <a:latin typeface="Cambria"/>
+                          <a:ea typeface="Cambria"/>
+                          <a:cs typeface="Cambria"/>
+                          <a:sym typeface="Cambria"/>
+                        </a:rPr>
+                        <a:t>Example</a:t>
+                      </a:r>
+                      <a:endParaRPr b="1" sz="1500">
+                        <a:latin typeface="Cambria"/>
+                        <a:ea typeface="Cambria"/>
+                        <a:cs typeface="Cambria"/>
+                        <a:sym typeface="Cambria"/>
+                      </a:endParaRPr>
+                    </a:p>
+                  </a:txBody>
+                  <a:tcPr marT="91425" marB="91425" marR="91425" marL="91425"/>
+                </a:tc>
+                <a:tc>
+                  <a:txBody>
+                    <a:bodyPr/>
+                    <a:lstStyle/>
+                    <a:p>
+                      <a:pPr indent="0" lvl="0" marL="0" rtl="0" algn="ctr">
+                        <a:lnSpc>
+                          <a:spcPct val="115000"/>
+                        </a:lnSpc>
+                        <a:spcBef>
+                          <a:spcPts val="0"/>
+                        </a:spcBef>
+                        <a:spcAft>
+                          <a:spcPts val="0"/>
+                        </a:spcAft>
+                        <a:buNone/>
+                      </a:pPr>
+                      <a:r>
+                        <a:rPr b="1" lang="en-US" sz="1500">
+                          <a:latin typeface="Cambria"/>
+                          <a:ea typeface="Cambria"/>
+                          <a:cs typeface="Cambria"/>
+                          <a:sym typeface="Cambria"/>
+                        </a:rPr>
+                        <a:t>Description</a:t>
+                      </a:r>
+                      <a:endParaRPr b="1" sz="1500">
+                        <a:latin typeface="Cambria"/>
+                        <a:ea typeface="Cambria"/>
+                        <a:cs typeface="Cambria"/>
+                        <a:sym typeface="Cambria"/>
+                      </a:endParaRPr>
+                    </a:p>
+                  </a:txBody>
+                  <a:tcPr marT="91425" marB="91425" marR="91425" marL="91425"/>
+                </a:tc>
+              </a:tr>
+              <a:tr h="381000">
+                <a:tc>
+                  <a:txBody>
+                    <a:bodyPr/>
+                    <a:lstStyle/>
+                    <a:p>
+                      <a:pPr indent="0" lvl="0" marL="0" rtl="0" algn="l">
+                        <a:spcBef>
+                          <a:spcPts val="0"/>
+                        </a:spcBef>
+                        <a:spcAft>
+                          <a:spcPts val="0"/>
+                        </a:spcAft>
+                        <a:buNone/>
+                      </a:pPr>
+                      <a:r>
+                        <a:rPr lang="en-US" sz="1500">
+                          <a:latin typeface="Cambria"/>
+                          <a:ea typeface="Cambria"/>
+                          <a:cs typeface="Cambria"/>
+                          <a:sym typeface="Cambria"/>
+                        </a:rPr>
+                        <a:t>Path Expression</a:t>
+                      </a:r>
+                      <a:endParaRPr sz="1500">
+                        <a:latin typeface="Cambria"/>
+                        <a:ea typeface="Cambria"/>
+                        <a:cs typeface="Cambria"/>
+                        <a:sym typeface="Cambria"/>
+                      </a:endParaRPr>
+                    </a:p>
+                  </a:txBody>
+                  <a:tcPr marT="91425" marB="91425" marR="91425" marL="91425"/>
+                </a:tc>
+                <a:tc>
+                  <a:txBody>
+                    <a:bodyPr/>
+                    <a:lstStyle/>
+                    <a:p>
+                      <a:pPr indent="0" lvl="0" marL="0" rtl="0" algn="l">
+                        <a:spcBef>
+                          <a:spcPts val="0"/>
+                        </a:spcBef>
+                        <a:spcAft>
+                          <a:spcPts val="0"/>
+                        </a:spcAft>
+                        <a:buNone/>
+                      </a:pPr>
+                      <a:r>
+                        <a:rPr lang="en-US" sz="1500">
+                          <a:solidFill>
+                            <a:srgbClr val="188038"/>
+                          </a:solidFill>
+                          <a:latin typeface="Cambria"/>
+                          <a:ea typeface="Cambria"/>
+                          <a:cs typeface="Cambria"/>
+                          <a:sym typeface="Cambria"/>
+                        </a:rPr>
+                        <a:t>student.address.city</a:t>
+                      </a:r>
+                      <a:endParaRPr sz="1500">
+                        <a:solidFill>
+                          <a:srgbClr val="188038"/>
+                        </a:solidFill>
+                        <a:latin typeface="Cambria"/>
+                        <a:ea typeface="Cambria"/>
+                        <a:cs typeface="Cambria"/>
+                        <a:sym typeface="Cambria"/>
+                      </a:endParaRPr>
+                    </a:p>
+                  </a:txBody>
+                  <a:tcPr marT="91425" marB="91425" marR="91425" marL="91425"/>
+                </a:tc>
+                <a:tc>
+                  <a:txBody>
+                    <a:bodyPr/>
+                    <a:lstStyle/>
+                    <a:p>
+                      <a:pPr indent="0" lvl="0" marL="0" rtl="0" algn="l">
+                        <a:spcBef>
+                          <a:spcPts val="0"/>
+                        </a:spcBef>
+                        <a:spcAft>
+                          <a:spcPts val="0"/>
+                        </a:spcAft>
+                        <a:buNone/>
+                      </a:pPr>
+                      <a:r>
+                        <a:rPr lang="en-US" sz="1500">
+                          <a:latin typeface="Cambria"/>
+                          <a:ea typeface="Cambria"/>
+                          <a:cs typeface="Cambria"/>
+                          <a:sym typeface="Cambria"/>
+                        </a:rPr>
+                        <a:t>Access nested fields</a:t>
+                      </a:r>
+                      <a:endParaRPr sz="1500">
+                        <a:latin typeface="Cambria"/>
+                        <a:ea typeface="Cambria"/>
+                        <a:cs typeface="Cambria"/>
+                        <a:sym typeface="Cambria"/>
+                      </a:endParaRPr>
+                    </a:p>
+                  </a:txBody>
+                  <a:tcPr marT="91425" marB="91425" marR="91425" marL="91425"/>
+                </a:tc>
+              </a:tr>
+              <a:tr h="381000">
+                <a:tc>
+                  <a:txBody>
+                    <a:bodyPr/>
+                    <a:lstStyle/>
+                    <a:p>
+                      <a:pPr indent="0" lvl="0" marL="0" rtl="0" algn="l">
+                        <a:spcBef>
+                          <a:spcPts val="0"/>
+                        </a:spcBef>
+                        <a:spcAft>
+                          <a:spcPts val="0"/>
+                        </a:spcAft>
+                        <a:buNone/>
+                      </a:pPr>
+                      <a:r>
+                        <a:rPr lang="en-US" sz="1500">
+                          <a:latin typeface="Cambria"/>
+                          <a:ea typeface="Cambria"/>
+                          <a:cs typeface="Cambria"/>
+                          <a:sym typeface="Cambria"/>
+                        </a:rPr>
+                        <a:t>Dereference Reference</a:t>
+                      </a:r>
+                      <a:endParaRPr sz="1500">
+                        <a:latin typeface="Cambria"/>
+                        <a:ea typeface="Cambria"/>
+                        <a:cs typeface="Cambria"/>
+                        <a:sym typeface="Cambria"/>
+                      </a:endParaRPr>
+                    </a:p>
+                  </a:txBody>
+                  <a:tcPr marT="91425" marB="91425" marR="91425" marL="91425"/>
+                </a:tc>
+                <a:tc>
+                  <a:txBody>
+                    <a:bodyPr/>
+                    <a:lstStyle/>
+                    <a:p>
+                      <a:pPr indent="0" lvl="0" marL="0" rtl="0" algn="l">
+                        <a:spcBef>
+                          <a:spcPts val="0"/>
+                        </a:spcBef>
+                        <a:spcAft>
+                          <a:spcPts val="0"/>
+                        </a:spcAft>
+                        <a:buNone/>
+                      </a:pPr>
+                      <a:r>
+                        <a:rPr lang="en-US" sz="1500">
+                          <a:solidFill>
+                            <a:srgbClr val="188038"/>
+                          </a:solidFill>
+                          <a:latin typeface="Cambria"/>
+                          <a:ea typeface="Cambria"/>
+                          <a:cs typeface="Cambria"/>
+                          <a:sym typeface="Cambria"/>
+                        </a:rPr>
+                        <a:t>student.advisor.name</a:t>
+                      </a:r>
+                      <a:endParaRPr sz="1500">
+                        <a:solidFill>
+                          <a:srgbClr val="188038"/>
+                        </a:solidFill>
+                        <a:latin typeface="Cambria"/>
+                        <a:ea typeface="Cambria"/>
+                        <a:cs typeface="Cambria"/>
+                        <a:sym typeface="Cambria"/>
+                      </a:endParaRPr>
+                    </a:p>
+                  </a:txBody>
+                  <a:tcPr marT="91425" marB="91425" marR="91425" marL="91425"/>
+                </a:tc>
+                <a:tc>
+                  <a:txBody>
+                    <a:bodyPr/>
+                    <a:lstStyle/>
+                    <a:p>
+                      <a:pPr indent="0" lvl="0" marL="0" rtl="0" algn="l">
+                        <a:spcBef>
+                          <a:spcPts val="0"/>
+                        </a:spcBef>
+                        <a:spcAft>
+                          <a:spcPts val="0"/>
+                        </a:spcAft>
+                        <a:buNone/>
+                      </a:pPr>
+                      <a:r>
+                        <a:rPr lang="en-US" sz="1500">
+                          <a:latin typeface="Cambria"/>
+                          <a:ea typeface="Cambria"/>
+                          <a:cs typeface="Cambria"/>
+                          <a:sym typeface="Cambria"/>
+                        </a:rPr>
+                        <a:t>Follow reference links</a:t>
+                      </a:r>
+                      <a:endParaRPr sz="1500">
+                        <a:latin typeface="Cambria"/>
+                        <a:ea typeface="Cambria"/>
+                        <a:cs typeface="Cambria"/>
+                        <a:sym typeface="Cambria"/>
+                      </a:endParaRPr>
+                    </a:p>
+                  </a:txBody>
+                  <a:tcPr marT="91425" marB="91425" marR="91425" marL="91425"/>
+                </a:tc>
+              </a:tr>
+              <a:tr h="381000">
+                <a:tc>
+                  <a:txBody>
+                    <a:bodyPr/>
+                    <a:lstStyle/>
+                    <a:p>
+                      <a:pPr indent="0" lvl="0" marL="0" rtl="0" algn="l">
+                        <a:spcBef>
+                          <a:spcPts val="0"/>
+                        </a:spcBef>
+                        <a:spcAft>
+                          <a:spcPts val="0"/>
+                        </a:spcAft>
+                        <a:buNone/>
+                      </a:pPr>
+                      <a:r>
+                        <a:rPr lang="en-US" sz="1500">
+                          <a:latin typeface="Cambria"/>
+                          <a:ea typeface="Cambria"/>
+                          <a:cs typeface="Cambria"/>
+                          <a:sym typeface="Cambria"/>
+                        </a:rPr>
+                        <a:t>Table Inheritance</a:t>
+                      </a:r>
+                      <a:endParaRPr sz="1500">
+                        <a:latin typeface="Cambria"/>
+                        <a:ea typeface="Cambria"/>
+                        <a:cs typeface="Cambria"/>
+                        <a:sym typeface="Cambria"/>
+                      </a:endParaRPr>
+                    </a:p>
+                  </a:txBody>
+                  <a:tcPr marT="91425" marB="91425" marR="91425" marL="91425"/>
+                </a:tc>
+                <a:tc>
+                  <a:txBody>
+                    <a:bodyPr/>
+                    <a:lstStyle/>
+                    <a:p>
+                      <a:pPr indent="0" lvl="0" marL="0" rtl="0" algn="l">
+                        <a:spcBef>
+                          <a:spcPts val="0"/>
+                        </a:spcBef>
+                        <a:spcAft>
+                          <a:spcPts val="0"/>
+                        </a:spcAft>
+                        <a:buNone/>
+                      </a:pPr>
+                      <a:r>
+                        <a:rPr lang="en-US" sz="1500">
+                          <a:solidFill>
+                            <a:srgbClr val="188038"/>
+                          </a:solidFill>
+                          <a:latin typeface="Cambria"/>
+                          <a:ea typeface="Cambria"/>
+                          <a:cs typeface="Cambria"/>
+                          <a:sym typeface="Cambria"/>
+                        </a:rPr>
+                        <a:t>SELECT * FROM Person</a:t>
+                      </a:r>
+                      <a:endParaRPr sz="1500">
+                        <a:solidFill>
+                          <a:srgbClr val="188038"/>
+                        </a:solidFill>
+                        <a:latin typeface="Cambria"/>
+                        <a:ea typeface="Cambria"/>
+                        <a:cs typeface="Cambria"/>
+                        <a:sym typeface="Cambria"/>
+                      </a:endParaRPr>
+                    </a:p>
+                  </a:txBody>
+                  <a:tcPr marT="91425" marB="91425" marR="91425" marL="91425"/>
+                </a:tc>
+                <a:tc>
+                  <a:txBody>
+                    <a:bodyPr/>
+                    <a:lstStyle/>
+                    <a:p>
+                      <a:pPr indent="0" lvl="0" marL="0" rtl="0" algn="l">
+                        <a:spcBef>
+                          <a:spcPts val="0"/>
+                        </a:spcBef>
+                        <a:spcAft>
+                          <a:spcPts val="0"/>
+                        </a:spcAft>
+                        <a:buNone/>
+                      </a:pPr>
+                      <a:r>
+                        <a:rPr lang="en-US" sz="1500">
+                          <a:latin typeface="Cambria"/>
+                          <a:ea typeface="Cambria"/>
+                          <a:cs typeface="Cambria"/>
+                          <a:sym typeface="Cambria"/>
+                        </a:rPr>
+                        <a:t>Retrieve rows from all subtypes</a:t>
+                      </a:r>
+                      <a:endParaRPr sz="1500">
+                        <a:latin typeface="Cambria"/>
+                        <a:ea typeface="Cambria"/>
+                        <a:cs typeface="Cambria"/>
+                        <a:sym typeface="Cambria"/>
+                      </a:endParaRPr>
+                    </a:p>
+                  </a:txBody>
+                  <a:tcPr marT="91425" marB="91425" marR="91425" marL="91425"/>
+                </a:tc>
+              </a:tr>
+              <a:tr h="381000">
+                <a:tc>
+                  <a:txBody>
+                    <a:bodyPr/>
+                    <a:lstStyle/>
+                    <a:p>
+                      <a:pPr indent="0" lvl="0" marL="0" rtl="0" algn="l">
+                        <a:spcBef>
+                          <a:spcPts val="0"/>
+                        </a:spcBef>
+                        <a:spcAft>
+                          <a:spcPts val="0"/>
+                        </a:spcAft>
+                        <a:buNone/>
+                      </a:pPr>
+                      <a:r>
+                        <a:rPr lang="en-US" sz="1500">
+                          <a:latin typeface="Cambria"/>
+                          <a:ea typeface="Cambria"/>
+                          <a:cs typeface="Cambria"/>
+                          <a:sym typeface="Cambria"/>
+                        </a:rPr>
+                        <a:t>Polymorphic Filter</a:t>
+                      </a:r>
+                      <a:endParaRPr sz="1500">
+                        <a:latin typeface="Cambria"/>
+                        <a:ea typeface="Cambria"/>
+                        <a:cs typeface="Cambria"/>
+                        <a:sym typeface="Cambria"/>
+                      </a:endParaRPr>
+                    </a:p>
+                  </a:txBody>
+                  <a:tcPr marT="91425" marB="91425" marR="91425" marL="91425"/>
+                </a:tc>
+                <a:tc>
+                  <a:txBody>
+                    <a:bodyPr/>
+                    <a:lstStyle/>
+                    <a:p>
+                      <a:pPr indent="0" lvl="0" marL="0" rtl="0" algn="l">
+                        <a:spcBef>
+                          <a:spcPts val="0"/>
+                        </a:spcBef>
+                        <a:spcAft>
+                          <a:spcPts val="0"/>
+                        </a:spcAft>
+                        <a:buNone/>
+                      </a:pPr>
+                      <a:r>
+                        <a:rPr lang="en-US" sz="1500">
+                          <a:solidFill>
+                            <a:srgbClr val="188038"/>
+                          </a:solidFill>
+                          <a:latin typeface="Cambria"/>
+                          <a:ea typeface="Cambria"/>
+                          <a:cs typeface="Cambria"/>
+                          <a:sym typeface="Cambria"/>
+                        </a:rPr>
+                        <a:t>WHERE typeOf(person) = 'Student'</a:t>
+                      </a:r>
+                      <a:endParaRPr sz="1500">
+                        <a:solidFill>
+                          <a:srgbClr val="188038"/>
+                        </a:solidFill>
+                        <a:latin typeface="Cambria"/>
+                        <a:ea typeface="Cambria"/>
+                        <a:cs typeface="Cambria"/>
+                        <a:sym typeface="Cambria"/>
+                      </a:endParaRPr>
+                    </a:p>
+                  </a:txBody>
+                  <a:tcPr marT="91425" marB="91425" marR="91425" marL="91425"/>
+                </a:tc>
+                <a:tc>
+                  <a:txBody>
+                    <a:bodyPr/>
+                    <a:lstStyle/>
+                    <a:p>
+                      <a:pPr indent="0" lvl="0" marL="0" rtl="0" algn="l">
+                        <a:spcBef>
+                          <a:spcPts val="0"/>
+                        </a:spcBef>
+                        <a:spcAft>
+                          <a:spcPts val="0"/>
+                        </a:spcAft>
+                        <a:buNone/>
+                      </a:pPr>
+                      <a:r>
+                        <a:rPr lang="en-US" sz="1500">
+                          <a:latin typeface="Cambria"/>
+                          <a:ea typeface="Cambria"/>
+                          <a:cs typeface="Cambria"/>
+                          <a:sym typeface="Cambria"/>
+                        </a:rPr>
+                        <a:t>Filter by subtype</a:t>
+                      </a:r>
+                      <a:endParaRPr sz="1500">
+                        <a:latin typeface="Cambria"/>
+                        <a:ea typeface="Cambria"/>
+                        <a:cs typeface="Cambria"/>
+                        <a:sym typeface="Cambria"/>
+                      </a:endParaRPr>
+                    </a:p>
+                  </a:txBody>
+                  <a:tcPr marT="91425" marB="91425" marR="91425" marL="91425"/>
+                </a:tc>
+              </a:tr>
+              <a:tr h="381000">
+                <a:tc>
+                  <a:txBody>
+                    <a:bodyPr/>
+                    <a:lstStyle/>
+                    <a:p>
+                      <a:pPr indent="0" lvl="0" marL="0" rtl="0" algn="l">
+                        <a:spcBef>
+                          <a:spcPts val="0"/>
+                        </a:spcBef>
+                        <a:spcAft>
+                          <a:spcPts val="0"/>
+                        </a:spcAft>
+                        <a:buNone/>
+                      </a:pPr>
+                      <a:r>
+                        <a:rPr lang="en-US" sz="1500">
+                          <a:latin typeface="Cambria"/>
+                          <a:ea typeface="Cambria"/>
+                          <a:cs typeface="Cambria"/>
+                          <a:sym typeface="Cambria"/>
+                        </a:rPr>
+                        <a:t>Method Call</a:t>
+                      </a:r>
+                      <a:endParaRPr sz="1500">
+                        <a:latin typeface="Cambria"/>
+                        <a:ea typeface="Cambria"/>
+                        <a:cs typeface="Cambria"/>
+                        <a:sym typeface="Cambria"/>
+                      </a:endParaRPr>
+                    </a:p>
+                  </a:txBody>
+                  <a:tcPr marT="91425" marB="91425" marR="91425" marL="91425"/>
+                </a:tc>
+                <a:tc>
+                  <a:txBody>
+                    <a:bodyPr/>
+                    <a:lstStyle/>
+                    <a:p>
+                      <a:pPr indent="0" lvl="0" marL="0" rtl="0" algn="l">
+                        <a:spcBef>
+                          <a:spcPts val="0"/>
+                        </a:spcBef>
+                        <a:spcAft>
+                          <a:spcPts val="0"/>
+                        </a:spcAft>
+                        <a:buNone/>
+                      </a:pPr>
+                      <a:r>
+                        <a:rPr lang="en-US" sz="1500">
+                          <a:solidFill>
+                            <a:srgbClr val="188038"/>
+                          </a:solidFill>
+                          <a:latin typeface="Cambria"/>
+                          <a:ea typeface="Cambria"/>
+                          <a:cs typeface="Cambria"/>
+                          <a:sym typeface="Cambria"/>
+                        </a:rPr>
+                        <a:t>student.getGPA()</a:t>
+                      </a:r>
+                      <a:endParaRPr sz="1500">
+                        <a:solidFill>
+                          <a:srgbClr val="188038"/>
+                        </a:solidFill>
+                        <a:latin typeface="Cambria"/>
+                        <a:ea typeface="Cambria"/>
+                        <a:cs typeface="Cambria"/>
+                        <a:sym typeface="Cambria"/>
+                      </a:endParaRPr>
+                    </a:p>
+                  </a:txBody>
+                  <a:tcPr marT="91425" marB="91425" marR="91425" marL="91425"/>
+                </a:tc>
+                <a:tc>
+                  <a:txBody>
+                    <a:bodyPr/>
+                    <a:lstStyle/>
+                    <a:p>
+                      <a:pPr indent="0" lvl="0" marL="0" rtl="0" algn="l">
+                        <a:spcBef>
+                          <a:spcPts val="0"/>
+                        </a:spcBef>
+                        <a:spcAft>
+                          <a:spcPts val="0"/>
+                        </a:spcAft>
+                        <a:buNone/>
+                      </a:pPr>
+                      <a:r>
+                        <a:rPr lang="en-US" sz="1500">
+                          <a:latin typeface="Cambria"/>
+                          <a:ea typeface="Cambria"/>
+                          <a:cs typeface="Cambria"/>
+                          <a:sym typeface="Cambria"/>
+                        </a:rPr>
+                        <a:t>Invoke methods on objects</a:t>
+                      </a:r>
+                      <a:endParaRPr sz="1500">
+                        <a:latin typeface="Cambria"/>
+                        <a:ea typeface="Cambria"/>
+                        <a:cs typeface="Cambria"/>
+                        <a:sym typeface="Cambria"/>
+                      </a:endParaRPr>
+                    </a:p>
+                  </a:txBody>
+                  <a:tcPr marT="91425" marB="91425" marR="91425" marL="91425"/>
+                </a:tc>
+              </a:tr>
+              <a:tr h="381000">
+                <a:tc>
+                  <a:txBody>
+                    <a:bodyPr/>
+                    <a:lstStyle/>
+                    <a:p>
+                      <a:pPr indent="0" lvl="0" marL="0" rtl="0" algn="l">
+                        <a:spcBef>
+                          <a:spcPts val="0"/>
+                        </a:spcBef>
+                        <a:spcAft>
+                          <a:spcPts val="0"/>
+                        </a:spcAft>
+                        <a:buNone/>
+                      </a:pPr>
+                      <a:r>
+                        <a:rPr lang="en-US" sz="1500">
+                          <a:latin typeface="Cambria"/>
+                          <a:ea typeface="Cambria"/>
+                          <a:cs typeface="Cambria"/>
+                          <a:sym typeface="Cambria"/>
+                        </a:rPr>
+                        <a:t>Collection Queries</a:t>
+                      </a:r>
+                      <a:endParaRPr sz="1500">
+                        <a:latin typeface="Cambria"/>
+                        <a:ea typeface="Cambria"/>
+                        <a:cs typeface="Cambria"/>
+                        <a:sym typeface="Cambria"/>
+                      </a:endParaRPr>
+                    </a:p>
+                  </a:txBody>
+                  <a:tcPr marT="91425" marB="91425" marR="91425" marL="91425"/>
+                </a:tc>
+                <a:tc>
+                  <a:txBody>
+                    <a:bodyPr/>
+                    <a:lstStyle/>
+                    <a:p>
+                      <a:pPr indent="0" lvl="0" marL="0" rtl="0" algn="l">
+                        <a:spcBef>
+                          <a:spcPts val="0"/>
+                        </a:spcBef>
+                        <a:spcAft>
+                          <a:spcPts val="0"/>
+                        </a:spcAft>
+                        <a:buNone/>
+                      </a:pPr>
+                      <a:r>
+                        <a:rPr lang="en-US" sz="1500">
+                          <a:solidFill>
+                            <a:srgbClr val="188038"/>
+                          </a:solidFill>
+                          <a:latin typeface="Cambria"/>
+                          <a:ea typeface="Cambria"/>
+                          <a:cs typeface="Cambria"/>
+                          <a:sym typeface="Cambria"/>
+                        </a:rPr>
+                        <a:t>SELECT s FROM course.enrolledStudents s</a:t>
+                      </a:r>
+                      <a:endParaRPr sz="1500">
+                        <a:solidFill>
+                          <a:srgbClr val="188038"/>
+                        </a:solidFill>
+                        <a:latin typeface="Cambria"/>
+                        <a:ea typeface="Cambria"/>
+                        <a:cs typeface="Cambria"/>
+                        <a:sym typeface="Cambria"/>
+                      </a:endParaRPr>
+                    </a:p>
+                  </a:txBody>
+                  <a:tcPr marT="91425" marB="91425" marR="91425" marL="91425"/>
+                </a:tc>
+                <a:tc>
+                  <a:txBody>
+                    <a:bodyPr/>
+                    <a:lstStyle/>
+                    <a:p>
+                      <a:pPr indent="0" lvl="0" marL="0" rtl="0" algn="l">
+                        <a:spcBef>
+                          <a:spcPts val="0"/>
+                        </a:spcBef>
+                        <a:spcAft>
+                          <a:spcPts val="0"/>
+                        </a:spcAft>
+                        <a:buNone/>
+                      </a:pPr>
+                      <a:r>
+                        <a:rPr lang="en-US" sz="1500">
+                          <a:latin typeface="Cambria"/>
+                          <a:ea typeface="Cambria"/>
+                          <a:cs typeface="Cambria"/>
+                          <a:sym typeface="Cambria"/>
+                        </a:rPr>
+                        <a:t>Query elements of collection attributes</a:t>
+                      </a:r>
+                      <a:endParaRPr sz="1500">
+                        <a:latin typeface="Cambria"/>
+                        <a:ea typeface="Cambria"/>
+                        <a:cs typeface="Cambria"/>
+                        <a:sym typeface="Cambria"/>
+                      </a:endParaRPr>
+                    </a:p>
+                  </a:txBody>
+                  <a:tcPr marT="91425" marB="91425" marR="91425" marL="91425"/>
+                </a:tc>
+              </a:tr>
+            </a:tbl>
+          </a:graphicData>
+        </a:graphic>
+      </p:graphicFrame>
     </p:spTree>
   </p:cSld>
   <p:clrMapOvr>
@@ -16543,7 +18554,7 @@
   <p:cSld>
     <p:spTree>
       <p:nvGrpSpPr>
-        <p:cNvPr id="202" name="Shape 202"/>
+        <p:cNvPr id="207" name="Shape 207"/>
         <p:cNvGrpSpPr/>
         <p:nvPr/>
       </p:nvGrpSpPr>
@@ -16557,7 +18568,7 @@
       </p:grpSpPr>
       <p:sp>
         <p:nvSpPr>
-          <p:cNvPr id="203" name="Google Shape;203;p7"/>
+          <p:cNvPr id="208" name="Google Shape;208;g369690b03c5_0_235"/>
           <p:cNvSpPr txBox="1"/>
           <p:nvPr>
             <p:ph type="title"/>
@@ -16565,16 +18576,12 @@
         </p:nvSpPr>
         <p:spPr>
           <a:xfrm>
-            <a:off x="457200" y="274638"/>
-            <a:ext cx="8229600" cy="1143000"/>
+            <a:off x="457200" y="66820"/>
+            <a:ext cx="8229600" cy="689100"/>
           </a:xfrm>
           <a:prstGeom prst="rect">
             <a:avLst/>
           </a:prstGeom>
-          <a:noFill/>
-          <a:ln>
-            <a:noFill/>
-          </a:ln>
         </p:spPr>
         <p:txBody>
           <a:bodyPr anchorCtr="0" anchor="ctr" bIns="45700" lIns="91425" spcFirstLastPara="1" rIns="91425" wrap="square" tIns="45700">
@@ -16589,24 +18596,11 @@
               <a:spcAft>
                 <a:spcPts val="0"/>
               </a:spcAft>
-              <a:buClr>
-                <a:schemeClr val="dk1"/>
-              </a:buClr>
-              <a:buSzPts val="4400"/>
-              <a:buFont typeface="Calibri"/>
               <a:buNone/>
             </a:pPr>
             <a:r>
-              <a:rPr lang="en-US" sz="4400">
-                <a:solidFill>
-                  <a:schemeClr val="dk1"/>
-                </a:solidFill>
-                <a:latin typeface="Calibri"/>
-                <a:ea typeface="Calibri"/>
-                <a:cs typeface="Calibri"/>
-                <a:sym typeface="Calibri"/>
-              </a:rPr>
-              <a:t>Object-Relational Queries</a:t>
+              <a:rPr lang="en-US"/>
+              <a:t>New Primitives for Object-Relational Queries</a:t>
             </a:r>
             <a:endParaRPr/>
           </a:p>
@@ -16614,147 +18608,7 @@
       </p:sp>
       <p:sp>
         <p:nvSpPr>
-          <p:cNvPr id="204" name="Google Shape;204;p7"/>
-          <p:cNvSpPr txBox="1"/>
-          <p:nvPr>
-            <p:ph idx="1" type="body"/>
-          </p:nvPr>
-        </p:nvSpPr>
-        <p:spPr>
-          <a:xfrm>
-            <a:off x="457200" y="1600200"/>
-            <a:ext cx="8229600" cy="4525963"/>
-          </a:xfrm>
-          <a:prstGeom prst="rect">
-            <a:avLst/>
-          </a:prstGeom>
-          <a:noFill/>
-          <a:ln>
-            <a:noFill/>
-          </a:ln>
-        </p:spPr>
-        <p:txBody>
-          <a:bodyPr anchorCtr="0" anchor="t" bIns="45700" lIns="91425" spcFirstLastPara="1" rIns="91425" wrap="square" tIns="45700">
-            <a:normAutofit/>
-          </a:bodyPr>
-          <a:lstStyle/>
-          <a:p>
-            <a:pPr indent="-342900" lvl="0" marL="342900" rtl="0" algn="l">
-              <a:spcBef>
-                <a:spcPts val="0"/>
-              </a:spcBef>
-              <a:spcAft>
-                <a:spcPts val="0"/>
-              </a:spcAft>
-              <a:buClr>
-                <a:schemeClr val="dk1"/>
-              </a:buClr>
-              <a:buSzPts val="3200"/>
-              <a:buChar char="•"/>
-            </a:pPr>
-            <a:r>
-              <a:rPr lang="en-US" sz="3200">
-                <a:solidFill>
-                  <a:schemeClr val="dk1"/>
-                </a:solidFill>
-                <a:latin typeface="Calibri"/>
-                <a:ea typeface="Calibri"/>
-                <a:cs typeface="Calibri"/>
-                <a:sym typeface="Calibri"/>
-              </a:rPr>
-              <a:t>• Dot notation and path expressions (e.g., student.advisor.name).</a:t>
-            </a:r>
-            <a:endParaRPr/>
-          </a:p>
-          <a:p>
-            <a:pPr indent="-342900" lvl="0" marL="342900" rtl="0" algn="l">
-              <a:spcBef>
-                <a:spcPts val="640"/>
-              </a:spcBef>
-              <a:spcAft>
-                <a:spcPts val="0"/>
-              </a:spcAft>
-              <a:buClr>
-                <a:schemeClr val="dk1"/>
-              </a:buClr>
-              <a:buSzPts val="3200"/>
-              <a:buChar char="•"/>
-            </a:pPr>
-            <a:r>
-              <a:rPr lang="en-US" sz="3200">
-                <a:solidFill>
-                  <a:schemeClr val="dk1"/>
-                </a:solidFill>
-                <a:latin typeface="Calibri"/>
-                <a:ea typeface="Calibri"/>
-                <a:cs typeface="Calibri"/>
-                <a:sym typeface="Calibri"/>
-              </a:rPr>
-              <a:t>• Dereferencing REF types.</a:t>
-            </a:r>
-            <a:endParaRPr/>
-          </a:p>
-          <a:p>
-            <a:pPr indent="-342900" lvl="0" marL="342900" rtl="0" algn="l">
-              <a:spcBef>
-                <a:spcPts val="640"/>
-              </a:spcBef>
-              <a:spcAft>
-                <a:spcPts val="0"/>
-              </a:spcAft>
-              <a:buClr>
-                <a:schemeClr val="dk1"/>
-              </a:buClr>
-              <a:buSzPts val="3200"/>
-              <a:buChar char="•"/>
-            </a:pPr>
-            <a:r>
-              <a:rPr lang="en-US" sz="3200">
-                <a:solidFill>
-                  <a:schemeClr val="dk1"/>
-                </a:solidFill>
-                <a:latin typeface="Calibri"/>
-                <a:ea typeface="Calibri"/>
-                <a:cs typeface="Calibri"/>
-                <a:sym typeface="Calibri"/>
-              </a:rPr>
-              <a:t>• Querying object methods (e.g., student.getAge()).</a:t>
-            </a:r>
-            <a:endParaRPr/>
-          </a:p>
-          <a:p>
-            <a:pPr indent="-342900" lvl="0" marL="342900" rtl="0" algn="l">
-              <a:spcBef>
-                <a:spcPts val="640"/>
-              </a:spcBef>
-              <a:spcAft>
-                <a:spcPts val="0"/>
-              </a:spcAft>
-              <a:buClr>
-                <a:schemeClr val="dk1"/>
-              </a:buClr>
-              <a:buSzPts val="3200"/>
-              <a:buChar char="•"/>
-            </a:pPr>
-            <a:r>
-              <a:rPr lang="en-US" sz="3200">
-                <a:solidFill>
-                  <a:schemeClr val="dk1"/>
-                </a:solidFill>
-                <a:latin typeface="Calibri"/>
-                <a:ea typeface="Calibri"/>
-                <a:cs typeface="Calibri"/>
-                <a:sym typeface="Calibri"/>
-              </a:rPr>
-              <a:t>• SQL Extensions: UNDER, TREAT, table inheritance.</a:t>
-            </a:r>
-            <a:endParaRPr/>
-          </a:p>
-        </p:txBody>
-      </p:sp>
-      <p:sp>
-        <p:nvSpPr>
-          <p:cNvPr id="205" name="Google Shape;205;p7"/>
+          <p:cNvPr id="209" name="Google Shape;209;g369690b03c5_0_235"/>
           <p:cNvSpPr txBox="1"/>
           <p:nvPr>
             <p:ph idx="12" type="sldNum"/>
@@ -16782,6 +18636,10 @@
               <a:spcAft>
                 <a:spcPts val="0"/>
               </a:spcAft>
+              <a:buClr>
+                <a:srgbClr val="000000"/>
+              </a:buClr>
+              <a:buFont typeface="Arial"/>
               <a:buNone/>
             </a:pPr>
             <a:fld id="{00000000-1234-1234-1234-123412341234}" type="slidenum">
@@ -16792,6 +18650,1027 @@
           </a:p>
         </p:txBody>
       </p:sp>
+      <p:graphicFrame>
+        <p:nvGraphicFramePr>
+          <p:cNvPr id="210" name="Google Shape;210;g369690b03c5_0_235"/>
+          <p:cNvGraphicFramePr/>
+          <p:nvPr/>
+        </p:nvGraphicFramePr>
+        <p:xfrm>
+          <a:off x="705725" y="884075"/>
+          <a:ext cx="3000000" cy="3000000"/>
+        </p:xfrm>
+        <a:graphic>
+          <a:graphicData uri="http://schemas.openxmlformats.org/drawingml/2006/table">
+            <a:tbl>
+              <a:tblPr>
+                <a:noFill/>
+                <a:tableStyleId>{ABEECC2D-46B7-479A-9ED5-5D4BAB515CA6}</a:tableStyleId>
+              </a:tblPr>
+              <a:tblGrid>
+                <a:gridCol w="382850"/>
+                <a:gridCol w="6856150"/>
+              </a:tblGrid>
+              <a:tr h="381000">
+                <a:tc>
+                  <a:txBody>
+                    <a:bodyPr/>
+                    <a:lstStyle/>
+                    <a:p>
+                      <a:pPr indent="0" lvl="0" marL="0" rtl="0" algn="l">
+                        <a:spcBef>
+                          <a:spcPts val="0"/>
+                        </a:spcBef>
+                        <a:spcAft>
+                          <a:spcPts val="0"/>
+                        </a:spcAft>
+                        <a:buNone/>
+                      </a:pPr>
+                      <a:r>
+                        <a:rPr lang="en-US" sz="1200">
+                          <a:latin typeface="Cambria"/>
+                          <a:ea typeface="Cambria"/>
+                          <a:cs typeface="Cambria"/>
+                          <a:sym typeface="Cambria"/>
+                        </a:rPr>
+                        <a:t>1</a:t>
+                      </a:r>
+                      <a:endParaRPr sz="1200">
+                        <a:latin typeface="Cambria"/>
+                        <a:ea typeface="Cambria"/>
+                        <a:cs typeface="Cambria"/>
+                        <a:sym typeface="Cambria"/>
+                      </a:endParaRPr>
+                    </a:p>
+                  </a:txBody>
+                  <a:tcPr marT="91425" marB="91425" marR="91425" marL="91425"/>
+                </a:tc>
+                <a:tc>
+                  <a:txBody>
+                    <a:bodyPr/>
+                    <a:lstStyle/>
+                    <a:p>
+                      <a:pPr indent="0" lvl="0" marL="0" rtl="0" algn="l">
+                        <a:spcBef>
+                          <a:spcPts val="0"/>
+                        </a:spcBef>
+                        <a:spcAft>
+                          <a:spcPts val="0"/>
+                        </a:spcAft>
+                        <a:buNone/>
+                      </a:pPr>
+                      <a:r>
+                        <a:rPr lang="en-US" sz="1200">
+                          <a:latin typeface="Cambria"/>
+                          <a:ea typeface="Cambria"/>
+                          <a:cs typeface="Cambria"/>
+                          <a:sym typeface="Cambria"/>
+                        </a:rPr>
+                        <a:t>User-Defined Types (UDTs)</a:t>
+                      </a:r>
+                      <a:endParaRPr sz="1200">
+                        <a:latin typeface="Cambria"/>
+                        <a:ea typeface="Cambria"/>
+                        <a:cs typeface="Cambria"/>
+                        <a:sym typeface="Cambria"/>
+                      </a:endParaRPr>
+                    </a:p>
+                  </a:txBody>
+                  <a:tcPr marT="91425" marB="91425" marR="91425" marL="91425"/>
+                </a:tc>
+              </a:tr>
+              <a:tr h="381000">
+                <a:tc>
+                  <a:txBody>
+                    <a:bodyPr/>
+                    <a:lstStyle/>
+                    <a:p>
+                      <a:pPr indent="0" lvl="0" marL="0" rtl="0" algn="l">
+                        <a:spcBef>
+                          <a:spcPts val="0"/>
+                        </a:spcBef>
+                        <a:spcAft>
+                          <a:spcPts val="0"/>
+                        </a:spcAft>
+                        <a:buNone/>
+                      </a:pPr>
+                      <a:r>
+                        <a:t/>
+                      </a:r>
+                      <a:endParaRPr sz="1200">
+                        <a:latin typeface="Cambria"/>
+                        <a:ea typeface="Cambria"/>
+                        <a:cs typeface="Cambria"/>
+                        <a:sym typeface="Cambria"/>
+                      </a:endParaRPr>
+                    </a:p>
+                  </a:txBody>
+                  <a:tcPr marT="91425" marB="91425" marR="91425" marL="91425"/>
+                </a:tc>
+                <a:tc>
+                  <a:txBody>
+                    <a:bodyPr/>
+                    <a:lstStyle/>
+                    <a:p>
+                      <a:pPr indent="0" lvl="0" marL="0" rtl="0" algn="l">
+                        <a:spcBef>
+                          <a:spcPts val="0"/>
+                        </a:spcBef>
+                        <a:spcAft>
+                          <a:spcPts val="0"/>
+                        </a:spcAft>
+                        <a:buClr>
+                          <a:schemeClr val="dk1"/>
+                        </a:buClr>
+                        <a:buSzPts val="1100"/>
+                        <a:buFont typeface="Arial"/>
+                        <a:buNone/>
+                      </a:pPr>
+                      <a:r>
+                        <a:rPr lang="en-US" sz="1200">
+                          <a:latin typeface="Cambria"/>
+                          <a:ea typeface="Cambria"/>
+                          <a:cs typeface="Cambria"/>
+                          <a:sym typeface="Cambria"/>
+                        </a:rPr>
+                        <a:t>CREATE TYPE address_type AS (</a:t>
+                      </a:r>
+                      <a:endParaRPr sz="1200">
+                        <a:latin typeface="Cambria"/>
+                        <a:ea typeface="Cambria"/>
+                        <a:cs typeface="Cambria"/>
+                        <a:sym typeface="Cambria"/>
+                      </a:endParaRPr>
+                    </a:p>
+                    <a:p>
+                      <a:pPr indent="0" lvl="0" marL="0" rtl="0" algn="l">
+                        <a:spcBef>
+                          <a:spcPts val="0"/>
+                        </a:spcBef>
+                        <a:spcAft>
+                          <a:spcPts val="0"/>
+                        </a:spcAft>
+                        <a:buClr>
+                          <a:schemeClr val="dk1"/>
+                        </a:buClr>
+                        <a:buSzPts val="1100"/>
+                        <a:buFont typeface="Arial"/>
+                        <a:buNone/>
+                      </a:pPr>
+                      <a:r>
+                        <a:rPr lang="en-US" sz="1200">
+                          <a:latin typeface="Cambria"/>
+                          <a:ea typeface="Cambria"/>
+                          <a:cs typeface="Cambria"/>
+                          <a:sym typeface="Cambria"/>
+                        </a:rPr>
+                        <a:t>  street VARCHAR,</a:t>
+                      </a:r>
+                      <a:endParaRPr sz="1200">
+                        <a:latin typeface="Cambria"/>
+                        <a:ea typeface="Cambria"/>
+                        <a:cs typeface="Cambria"/>
+                        <a:sym typeface="Cambria"/>
+                      </a:endParaRPr>
+                    </a:p>
+                    <a:p>
+                      <a:pPr indent="0" lvl="0" marL="0" rtl="0" algn="l">
+                        <a:spcBef>
+                          <a:spcPts val="0"/>
+                        </a:spcBef>
+                        <a:spcAft>
+                          <a:spcPts val="0"/>
+                        </a:spcAft>
+                        <a:buClr>
+                          <a:schemeClr val="dk1"/>
+                        </a:buClr>
+                        <a:buSzPts val="1100"/>
+                        <a:buFont typeface="Arial"/>
+                        <a:buNone/>
+                      </a:pPr>
+                      <a:r>
+                        <a:rPr lang="en-US" sz="1200">
+                          <a:latin typeface="Cambria"/>
+                          <a:ea typeface="Cambria"/>
+                          <a:cs typeface="Cambria"/>
+                          <a:sym typeface="Cambria"/>
+                        </a:rPr>
+                        <a:t>  city VARCHAR,</a:t>
+                      </a:r>
+                      <a:endParaRPr sz="1200">
+                        <a:latin typeface="Cambria"/>
+                        <a:ea typeface="Cambria"/>
+                        <a:cs typeface="Cambria"/>
+                        <a:sym typeface="Cambria"/>
+                      </a:endParaRPr>
+                    </a:p>
+                    <a:p>
+                      <a:pPr indent="0" lvl="0" marL="0" rtl="0" algn="l">
+                        <a:spcBef>
+                          <a:spcPts val="0"/>
+                        </a:spcBef>
+                        <a:spcAft>
+                          <a:spcPts val="0"/>
+                        </a:spcAft>
+                        <a:buClr>
+                          <a:schemeClr val="dk1"/>
+                        </a:buClr>
+                        <a:buSzPts val="1100"/>
+                        <a:buFont typeface="Arial"/>
+                        <a:buNone/>
+                      </a:pPr>
+                      <a:r>
+                        <a:rPr lang="en-US" sz="1200">
+                          <a:latin typeface="Cambria"/>
+                          <a:ea typeface="Cambria"/>
+                          <a:cs typeface="Cambria"/>
+                          <a:sym typeface="Cambria"/>
+                        </a:rPr>
+                        <a:t>  zip VARCHAR</a:t>
+                      </a:r>
+                      <a:endParaRPr sz="1200">
+                        <a:latin typeface="Cambria"/>
+                        <a:ea typeface="Cambria"/>
+                        <a:cs typeface="Cambria"/>
+                        <a:sym typeface="Cambria"/>
+                      </a:endParaRPr>
+                    </a:p>
+                    <a:p>
+                      <a:pPr indent="0" lvl="0" marL="0" rtl="0" algn="l">
+                        <a:spcBef>
+                          <a:spcPts val="0"/>
+                        </a:spcBef>
+                        <a:spcAft>
+                          <a:spcPts val="0"/>
+                        </a:spcAft>
+                        <a:buNone/>
+                      </a:pPr>
+                      <a:r>
+                        <a:rPr lang="en-US" sz="1200">
+                          <a:latin typeface="Cambria"/>
+                          <a:ea typeface="Cambria"/>
+                          <a:cs typeface="Cambria"/>
+                          <a:sym typeface="Cambria"/>
+                        </a:rPr>
+                        <a:t>);</a:t>
+                      </a:r>
+                      <a:endParaRPr sz="1200">
+                        <a:latin typeface="Cambria"/>
+                        <a:ea typeface="Cambria"/>
+                        <a:cs typeface="Cambria"/>
+                        <a:sym typeface="Cambria"/>
+                      </a:endParaRPr>
+                    </a:p>
+                  </a:txBody>
+                  <a:tcPr marT="91425" marB="91425" marR="91425" marL="91425"/>
+                </a:tc>
+              </a:tr>
+              <a:tr h="381000">
+                <a:tc>
+                  <a:txBody>
+                    <a:bodyPr/>
+                    <a:lstStyle/>
+                    <a:p>
+                      <a:pPr indent="0" lvl="0" marL="0" rtl="0" algn="l">
+                        <a:spcBef>
+                          <a:spcPts val="0"/>
+                        </a:spcBef>
+                        <a:spcAft>
+                          <a:spcPts val="0"/>
+                        </a:spcAft>
+                        <a:buNone/>
+                      </a:pPr>
+                      <a:r>
+                        <a:rPr lang="en-US" sz="1200">
+                          <a:latin typeface="Cambria"/>
+                          <a:ea typeface="Cambria"/>
+                          <a:cs typeface="Cambria"/>
+                          <a:sym typeface="Cambria"/>
+                        </a:rPr>
+                        <a:t>2</a:t>
+                      </a:r>
+                      <a:endParaRPr sz="1200">
+                        <a:latin typeface="Cambria"/>
+                        <a:ea typeface="Cambria"/>
+                        <a:cs typeface="Cambria"/>
+                        <a:sym typeface="Cambria"/>
+                      </a:endParaRPr>
+                    </a:p>
+                  </a:txBody>
+                  <a:tcPr marT="91425" marB="91425" marR="91425" marL="91425"/>
+                </a:tc>
+                <a:tc>
+                  <a:txBody>
+                    <a:bodyPr/>
+                    <a:lstStyle/>
+                    <a:p>
+                      <a:pPr indent="0" lvl="0" marL="0" rtl="0" algn="l">
+                        <a:spcBef>
+                          <a:spcPts val="0"/>
+                        </a:spcBef>
+                        <a:spcAft>
+                          <a:spcPts val="0"/>
+                        </a:spcAft>
+                        <a:buNone/>
+                      </a:pPr>
+                      <a:r>
+                        <a:rPr lang="en-US" sz="1200">
+                          <a:solidFill>
+                            <a:schemeClr val="dk1"/>
+                          </a:solidFill>
+                          <a:latin typeface="Cambria"/>
+                          <a:ea typeface="Cambria"/>
+                          <a:cs typeface="Cambria"/>
+                          <a:sym typeface="Cambria"/>
+                        </a:rPr>
+                        <a:t>References (</a:t>
+                      </a:r>
+                      <a:r>
+                        <a:rPr lang="en-US" sz="1200">
+                          <a:solidFill>
+                            <a:srgbClr val="188038"/>
+                          </a:solidFill>
+                          <a:latin typeface="Cambria"/>
+                          <a:ea typeface="Cambria"/>
+                          <a:cs typeface="Cambria"/>
+                          <a:sym typeface="Cambria"/>
+                        </a:rPr>
+                        <a:t>REF</a:t>
+                      </a:r>
+                      <a:r>
+                        <a:rPr lang="en-US" sz="1200">
+                          <a:solidFill>
+                            <a:schemeClr val="dk1"/>
+                          </a:solidFill>
+                          <a:latin typeface="Cambria"/>
+                          <a:ea typeface="Cambria"/>
+                          <a:cs typeface="Cambria"/>
+                          <a:sym typeface="Cambria"/>
+                        </a:rPr>
+                        <a:t>) and Object Identity (</a:t>
+                      </a:r>
+                      <a:r>
+                        <a:rPr lang="en-US" sz="1200">
+                          <a:solidFill>
+                            <a:srgbClr val="188038"/>
+                          </a:solidFill>
+                          <a:latin typeface="Cambria"/>
+                          <a:ea typeface="Cambria"/>
+                          <a:cs typeface="Cambria"/>
+                          <a:sym typeface="Cambria"/>
+                        </a:rPr>
+                        <a:t>OID</a:t>
+                      </a:r>
+                      <a:r>
+                        <a:rPr lang="en-US" sz="1200">
+                          <a:solidFill>
+                            <a:schemeClr val="dk1"/>
+                          </a:solidFill>
+                          <a:latin typeface="Cambria"/>
+                          <a:ea typeface="Cambria"/>
+                          <a:cs typeface="Cambria"/>
+                          <a:sym typeface="Cambria"/>
+                        </a:rPr>
+                        <a:t>)</a:t>
+                      </a:r>
+                      <a:br>
+                        <a:rPr lang="en-US" sz="1200">
+                          <a:solidFill>
+                            <a:schemeClr val="dk1"/>
+                          </a:solidFill>
+                          <a:latin typeface="Cambria"/>
+                          <a:ea typeface="Cambria"/>
+                          <a:cs typeface="Cambria"/>
+                          <a:sym typeface="Cambria"/>
+                        </a:rPr>
+                      </a:br>
+                      <a:r>
+                        <a:rPr lang="en-US" sz="1200">
+                          <a:solidFill>
+                            <a:schemeClr val="dk1"/>
+                          </a:solidFill>
+                          <a:latin typeface="Cambria"/>
+                          <a:ea typeface="Cambria"/>
+                          <a:cs typeface="Cambria"/>
+                          <a:sym typeface="Cambria"/>
+                        </a:rPr>
+                        <a:t>(</a:t>
+                      </a:r>
+                      <a:r>
+                        <a:rPr lang="en-US" sz="1200">
+                          <a:solidFill>
+                            <a:srgbClr val="188038"/>
+                          </a:solidFill>
+                          <a:latin typeface="Cambria"/>
+                          <a:ea typeface="Cambria"/>
+                          <a:cs typeface="Cambria"/>
+                          <a:sym typeface="Cambria"/>
+                        </a:rPr>
+                        <a:t>advisor</a:t>
+                      </a:r>
+                      <a:r>
+                        <a:rPr lang="en-US" sz="1200">
+                          <a:solidFill>
+                            <a:schemeClr val="dk1"/>
+                          </a:solidFill>
+                          <a:latin typeface="Cambria"/>
+                          <a:ea typeface="Cambria"/>
+                          <a:cs typeface="Cambria"/>
+                          <a:sym typeface="Cambria"/>
+                        </a:rPr>
+                        <a:t> is a </a:t>
+                      </a:r>
+                      <a:r>
+                        <a:rPr lang="en-US" sz="1200">
+                          <a:solidFill>
+                            <a:srgbClr val="188038"/>
+                          </a:solidFill>
+                          <a:latin typeface="Cambria"/>
+                          <a:ea typeface="Cambria"/>
+                          <a:cs typeface="Cambria"/>
+                          <a:sym typeface="Cambria"/>
+                        </a:rPr>
+                        <a:t>REF</a:t>
+                      </a:r>
+                      <a:r>
+                        <a:rPr lang="en-US" sz="1200">
+                          <a:solidFill>
+                            <a:schemeClr val="dk1"/>
+                          </a:solidFill>
+                          <a:latin typeface="Cambria"/>
+                          <a:ea typeface="Cambria"/>
+                          <a:cs typeface="Cambria"/>
+                          <a:sym typeface="Cambria"/>
+                        </a:rPr>
+                        <a:t> to an Instructor object)</a:t>
+                      </a:r>
+                      <a:endParaRPr sz="1200">
+                        <a:latin typeface="Cambria"/>
+                        <a:ea typeface="Cambria"/>
+                        <a:cs typeface="Cambria"/>
+                        <a:sym typeface="Cambria"/>
+                      </a:endParaRPr>
+                    </a:p>
+                  </a:txBody>
+                  <a:tcPr marT="91425" marB="91425" marR="91425" marL="91425"/>
+                </a:tc>
+              </a:tr>
+              <a:tr h="381000">
+                <a:tc>
+                  <a:txBody>
+                    <a:bodyPr/>
+                    <a:lstStyle/>
+                    <a:p>
+                      <a:pPr indent="0" lvl="0" marL="0" rtl="0" algn="l">
+                        <a:spcBef>
+                          <a:spcPts val="0"/>
+                        </a:spcBef>
+                        <a:spcAft>
+                          <a:spcPts val="0"/>
+                        </a:spcAft>
+                        <a:buNone/>
+                      </a:pPr>
+                      <a:r>
+                        <a:t/>
+                      </a:r>
+                      <a:endParaRPr sz="1200">
+                        <a:latin typeface="Cambria"/>
+                        <a:ea typeface="Cambria"/>
+                        <a:cs typeface="Cambria"/>
+                        <a:sym typeface="Cambria"/>
+                      </a:endParaRPr>
+                    </a:p>
+                  </a:txBody>
+                  <a:tcPr marT="91425" marB="91425" marR="91425" marL="91425"/>
+                </a:tc>
+                <a:tc>
+                  <a:txBody>
+                    <a:bodyPr/>
+                    <a:lstStyle/>
+                    <a:p>
+                      <a:pPr indent="0" lvl="0" marL="0" rtl="0" algn="l">
+                        <a:spcBef>
+                          <a:spcPts val="0"/>
+                        </a:spcBef>
+                        <a:spcAft>
+                          <a:spcPts val="0"/>
+                        </a:spcAft>
+                        <a:buClr>
+                          <a:schemeClr val="dk1"/>
+                        </a:buClr>
+                        <a:buSzPts val="1100"/>
+                        <a:buFont typeface="Arial"/>
+                        <a:buNone/>
+                      </a:pPr>
+                      <a:r>
+                        <a:rPr lang="en-US" sz="1200">
+                          <a:solidFill>
+                            <a:schemeClr val="dk1"/>
+                          </a:solidFill>
+                          <a:latin typeface="Cambria"/>
+                          <a:ea typeface="Cambria"/>
+                          <a:cs typeface="Cambria"/>
+                          <a:sym typeface="Cambria"/>
+                        </a:rPr>
+                        <a:t>SELECT s.name, s.advisor.name</a:t>
+                      </a:r>
+                      <a:endParaRPr sz="1200">
+                        <a:solidFill>
+                          <a:schemeClr val="dk1"/>
+                        </a:solidFill>
+                        <a:latin typeface="Cambria"/>
+                        <a:ea typeface="Cambria"/>
+                        <a:cs typeface="Cambria"/>
+                        <a:sym typeface="Cambria"/>
+                      </a:endParaRPr>
+                    </a:p>
+                    <a:p>
+                      <a:pPr indent="0" lvl="0" marL="0" rtl="0" algn="l">
+                        <a:spcBef>
+                          <a:spcPts val="0"/>
+                        </a:spcBef>
+                        <a:spcAft>
+                          <a:spcPts val="0"/>
+                        </a:spcAft>
+                        <a:buNone/>
+                      </a:pPr>
+                      <a:r>
+                        <a:rPr lang="en-US" sz="1200">
+                          <a:solidFill>
+                            <a:schemeClr val="dk1"/>
+                          </a:solidFill>
+                          <a:latin typeface="Cambria"/>
+                          <a:ea typeface="Cambria"/>
+                          <a:cs typeface="Cambria"/>
+                          <a:sym typeface="Cambria"/>
+                        </a:rPr>
+                        <a:t>FROM Student s;</a:t>
+                      </a:r>
+                      <a:endParaRPr sz="1200">
+                        <a:solidFill>
+                          <a:schemeClr val="dk1"/>
+                        </a:solidFill>
+                        <a:latin typeface="Cambria"/>
+                        <a:ea typeface="Cambria"/>
+                        <a:cs typeface="Cambria"/>
+                        <a:sym typeface="Cambria"/>
+                      </a:endParaRPr>
+                    </a:p>
+                  </a:txBody>
+                  <a:tcPr marT="91425" marB="91425" marR="91425" marL="91425"/>
+                </a:tc>
+              </a:tr>
+              <a:tr h="381000">
+                <a:tc>
+                  <a:txBody>
+                    <a:bodyPr/>
+                    <a:lstStyle/>
+                    <a:p>
+                      <a:pPr indent="0" lvl="0" marL="0" rtl="0" algn="l">
+                        <a:spcBef>
+                          <a:spcPts val="0"/>
+                        </a:spcBef>
+                        <a:spcAft>
+                          <a:spcPts val="0"/>
+                        </a:spcAft>
+                        <a:buNone/>
+                      </a:pPr>
+                      <a:r>
+                        <a:rPr lang="en-US" sz="1200">
+                          <a:latin typeface="Cambria"/>
+                          <a:ea typeface="Cambria"/>
+                          <a:cs typeface="Cambria"/>
+                          <a:sym typeface="Cambria"/>
+                        </a:rPr>
+                        <a:t>3</a:t>
+                      </a:r>
+                      <a:endParaRPr sz="1200">
+                        <a:latin typeface="Cambria"/>
+                        <a:ea typeface="Cambria"/>
+                        <a:cs typeface="Cambria"/>
+                        <a:sym typeface="Cambria"/>
+                      </a:endParaRPr>
+                    </a:p>
+                  </a:txBody>
+                  <a:tcPr marT="91425" marB="91425" marR="91425" marL="91425"/>
+                </a:tc>
+                <a:tc>
+                  <a:txBody>
+                    <a:bodyPr/>
+                    <a:lstStyle/>
+                    <a:p>
+                      <a:pPr indent="0" lvl="0" marL="0" rtl="0" algn="l">
+                        <a:spcBef>
+                          <a:spcPts val="0"/>
+                        </a:spcBef>
+                        <a:spcAft>
+                          <a:spcPts val="0"/>
+                        </a:spcAft>
+                        <a:buNone/>
+                      </a:pPr>
+                      <a:r>
+                        <a:rPr lang="en-US" sz="1200">
+                          <a:solidFill>
+                            <a:schemeClr val="dk1"/>
+                          </a:solidFill>
+                          <a:latin typeface="Cambria"/>
+                          <a:ea typeface="Cambria"/>
+                          <a:cs typeface="Cambria"/>
+                          <a:sym typeface="Cambria"/>
+                        </a:rPr>
+                        <a:t>Path Expressions</a:t>
+                      </a:r>
+                      <a:br>
+                        <a:rPr lang="en-US" sz="1200">
+                          <a:solidFill>
+                            <a:schemeClr val="dk1"/>
+                          </a:solidFill>
+                          <a:latin typeface="Cambria"/>
+                          <a:ea typeface="Cambria"/>
+                          <a:cs typeface="Cambria"/>
+                          <a:sym typeface="Cambria"/>
+                        </a:rPr>
+                      </a:br>
+                      <a:r>
+                        <a:rPr lang="en-US" sz="1200">
+                          <a:solidFill>
+                            <a:schemeClr val="dk1"/>
+                          </a:solidFill>
+                          <a:latin typeface="Cambria"/>
+                          <a:ea typeface="Cambria"/>
+                          <a:cs typeface="Cambria"/>
+                          <a:sym typeface="Cambria"/>
+                        </a:rPr>
+                        <a:t>Navigate nested attributes or referenced objects</a:t>
+                      </a:r>
+                      <a:endParaRPr sz="1200">
+                        <a:solidFill>
+                          <a:schemeClr val="dk1"/>
+                        </a:solidFill>
+                        <a:latin typeface="Cambria"/>
+                        <a:ea typeface="Cambria"/>
+                        <a:cs typeface="Cambria"/>
+                        <a:sym typeface="Cambria"/>
+                      </a:endParaRPr>
+                    </a:p>
+                  </a:txBody>
+                  <a:tcPr marT="91425" marB="91425" marR="91425" marL="91425"/>
+                </a:tc>
+              </a:tr>
+              <a:tr h="381000">
+                <a:tc>
+                  <a:txBody>
+                    <a:bodyPr/>
+                    <a:lstStyle/>
+                    <a:p>
+                      <a:pPr indent="0" lvl="0" marL="0" rtl="0" algn="l">
+                        <a:spcBef>
+                          <a:spcPts val="0"/>
+                        </a:spcBef>
+                        <a:spcAft>
+                          <a:spcPts val="0"/>
+                        </a:spcAft>
+                        <a:buNone/>
+                      </a:pPr>
+                      <a:r>
+                        <a:t/>
+                      </a:r>
+                      <a:endParaRPr sz="1200">
+                        <a:latin typeface="Cambria"/>
+                        <a:ea typeface="Cambria"/>
+                        <a:cs typeface="Cambria"/>
+                        <a:sym typeface="Cambria"/>
+                      </a:endParaRPr>
+                    </a:p>
+                  </a:txBody>
+                  <a:tcPr marT="91425" marB="91425" marR="91425" marL="91425"/>
+                </a:tc>
+                <a:tc>
+                  <a:txBody>
+                    <a:bodyPr/>
+                    <a:lstStyle/>
+                    <a:p>
+                      <a:pPr indent="0" lvl="0" marL="0" rtl="0" algn="l">
+                        <a:spcBef>
+                          <a:spcPts val="0"/>
+                        </a:spcBef>
+                        <a:spcAft>
+                          <a:spcPts val="0"/>
+                        </a:spcAft>
+                        <a:buClr>
+                          <a:schemeClr val="dk1"/>
+                        </a:buClr>
+                        <a:buSzPts val="1100"/>
+                        <a:buFont typeface="Arial"/>
+                        <a:buNone/>
+                      </a:pPr>
+                      <a:r>
+                        <a:rPr lang="en-US" sz="1200">
+                          <a:solidFill>
+                            <a:schemeClr val="dk1"/>
+                          </a:solidFill>
+                          <a:latin typeface="Cambria"/>
+                          <a:ea typeface="Cambria"/>
+                          <a:cs typeface="Cambria"/>
+                          <a:sym typeface="Cambria"/>
+                        </a:rPr>
+                        <a:t>SELECT c.instructor.department</a:t>
+                      </a:r>
+                      <a:endParaRPr sz="1200">
+                        <a:solidFill>
+                          <a:schemeClr val="dk1"/>
+                        </a:solidFill>
+                        <a:latin typeface="Cambria"/>
+                        <a:ea typeface="Cambria"/>
+                        <a:cs typeface="Cambria"/>
+                        <a:sym typeface="Cambria"/>
+                      </a:endParaRPr>
+                    </a:p>
+                    <a:p>
+                      <a:pPr indent="0" lvl="0" marL="0" rtl="0" algn="l">
+                        <a:spcBef>
+                          <a:spcPts val="0"/>
+                        </a:spcBef>
+                        <a:spcAft>
+                          <a:spcPts val="0"/>
+                        </a:spcAft>
+                        <a:buNone/>
+                      </a:pPr>
+                      <a:r>
+                        <a:rPr lang="en-US" sz="1200">
+                          <a:solidFill>
+                            <a:schemeClr val="dk1"/>
+                          </a:solidFill>
+                          <a:latin typeface="Cambria"/>
+                          <a:ea typeface="Cambria"/>
+                          <a:cs typeface="Cambria"/>
+                          <a:sym typeface="Cambria"/>
+                        </a:rPr>
+                        <a:t>FROM Course c;</a:t>
+                      </a:r>
+                      <a:endParaRPr sz="1200">
+                        <a:solidFill>
+                          <a:schemeClr val="dk1"/>
+                        </a:solidFill>
+                        <a:latin typeface="Cambria"/>
+                        <a:ea typeface="Cambria"/>
+                        <a:cs typeface="Cambria"/>
+                        <a:sym typeface="Cambria"/>
+                      </a:endParaRPr>
+                    </a:p>
+                  </a:txBody>
+                  <a:tcPr marT="91425" marB="91425" marR="91425" marL="91425"/>
+                </a:tc>
+              </a:tr>
+              <a:tr h="381000">
+                <a:tc>
+                  <a:txBody>
+                    <a:bodyPr/>
+                    <a:lstStyle/>
+                    <a:p>
+                      <a:pPr indent="0" lvl="0" marL="0" rtl="0" algn="l">
+                        <a:spcBef>
+                          <a:spcPts val="0"/>
+                        </a:spcBef>
+                        <a:spcAft>
+                          <a:spcPts val="0"/>
+                        </a:spcAft>
+                        <a:buNone/>
+                      </a:pPr>
+                      <a:r>
+                        <a:rPr lang="en-US" sz="1200">
+                          <a:latin typeface="Cambria"/>
+                          <a:ea typeface="Cambria"/>
+                          <a:cs typeface="Cambria"/>
+                          <a:sym typeface="Cambria"/>
+                        </a:rPr>
+                        <a:t>4</a:t>
+                      </a:r>
+                      <a:endParaRPr sz="1200">
+                        <a:latin typeface="Cambria"/>
+                        <a:ea typeface="Cambria"/>
+                        <a:cs typeface="Cambria"/>
+                        <a:sym typeface="Cambria"/>
+                      </a:endParaRPr>
+                    </a:p>
+                  </a:txBody>
+                  <a:tcPr marT="91425" marB="91425" marR="91425" marL="91425"/>
+                </a:tc>
+                <a:tc>
+                  <a:txBody>
+                    <a:bodyPr/>
+                    <a:lstStyle/>
+                    <a:p>
+                      <a:pPr indent="0" lvl="0" marL="0" rtl="0" algn="l">
+                        <a:spcBef>
+                          <a:spcPts val="0"/>
+                        </a:spcBef>
+                        <a:spcAft>
+                          <a:spcPts val="0"/>
+                        </a:spcAft>
+                        <a:buNone/>
+                      </a:pPr>
+                      <a:r>
+                        <a:rPr lang="en-US" sz="1200">
+                          <a:solidFill>
+                            <a:schemeClr val="dk1"/>
+                          </a:solidFill>
+                          <a:latin typeface="Cambria"/>
+                          <a:ea typeface="Cambria"/>
+                          <a:cs typeface="Cambria"/>
+                          <a:sym typeface="Cambria"/>
+                        </a:rPr>
+                        <a:t>Inheritance and Type Hierarchies</a:t>
+                      </a:r>
+                      <a:endParaRPr sz="1200">
+                        <a:solidFill>
+                          <a:schemeClr val="dk1"/>
+                        </a:solidFill>
+                        <a:latin typeface="Cambria"/>
+                        <a:ea typeface="Cambria"/>
+                        <a:cs typeface="Cambria"/>
+                        <a:sym typeface="Cambria"/>
+                      </a:endParaRPr>
+                    </a:p>
+                    <a:p>
+                      <a:pPr indent="0" lvl="0" marL="0" rtl="0" algn="l">
+                        <a:spcBef>
+                          <a:spcPts val="0"/>
+                        </a:spcBef>
+                        <a:spcAft>
+                          <a:spcPts val="0"/>
+                        </a:spcAft>
+                        <a:buNone/>
+                      </a:pPr>
+                      <a:br>
+                        <a:rPr lang="en-US" sz="1200">
+                          <a:solidFill>
+                            <a:schemeClr val="dk1"/>
+                          </a:solidFill>
+                          <a:latin typeface="Cambria"/>
+                          <a:ea typeface="Cambria"/>
+                          <a:cs typeface="Cambria"/>
+                          <a:sym typeface="Cambria"/>
+                        </a:rPr>
+                      </a:br>
+                      <a:r>
+                        <a:rPr lang="en-US" sz="1200">
+                          <a:solidFill>
+                            <a:schemeClr val="dk1"/>
+                          </a:solidFill>
+                          <a:latin typeface="Cambria"/>
+                          <a:ea typeface="Cambria"/>
+                          <a:cs typeface="Cambria"/>
+                          <a:sym typeface="Cambria"/>
+                        </a:rPr>
+                        <a:t>Tables can inherit from base tables</a:t>
+                      </a:r>
+                      <a:br>
+                        <a:rPr lang="en-US" sz="1200">
+                          <a:solidFill>
+                            <a:schemeClr val="dk1"/>
+                          </a:solidFill>
+                          <a:latin typeface="Cambria"/>
+                          <a:ea typeface="Cambria"/>
+                          <a:cs typeface="Cambria"/>
+                          <a:sym typeface="Cambria"/>
+                        </a:rPr>
+                      </a:br>
+                      <a:r>
+                        <a:rPr lang="en-US" sz="1200">
+                          <a:solidFill>
+                            <a:schemeClr val="dk1"/>
+                          </a:solidFill>
+                          <a:latin typeface="Cambria"/>
+                          <a:ea typeface="Cambria"/>
+                          <a:cs typeface="Cambria"/>
+                          <a:sym typeface="Cambria"/>
+                        </a:rPr>
+                        <a:t>Polymorphic queries on super- and subtypes</a:t>
+                      </a:r>
+                      <a:endParaRPr sz="1200">
+                        <a:solidFill>
+                          <a:schemeClr val="dk1"/>
+                        </a:solidFill>
+                        <a:latin typeface="Cambria"/>
+                        <a:ea typeface="Cambria"/>
+                        <a:cs typeface="Cambria"/>
+                        <a:sym typeface="Cambria"/>
+                      </a:endParaRPr>
+                    </a:p>
+                  </a:txBody>
+                  <a:tcPr marT="91425" marB="91425" marR="91425" marL="91425"/>
+                </a:tc>
+              </a:tr>
+              <a:tr h="381000">
+                <a:tc>
+                  <a:txBody>
+                    <a:bodyPr/>
+                    <a:lstStyle/>
+                    <a:p>
+                      <a:pPr indent="0" lvl="0" marL="0" rtl="0" algn="l">
+                        <a:spcBef>
+                          <a:spcPts val="0"/>
+                        </a:spcBef>
+                        <a:spcAft>
+                          <a:spcPts val="0"/>
+                        </a:spcAft>
+                        <a:buNone/>
+                      </a:pPr>
+                      <a:r>
+                        <a:t/>
+                      </a:r>
+                      <a:endParaRPr sz="1200">
+                        <a:latin typeface="Cambria"/>
+                        <a:ea typeface="Cambria"/>
+                        <a:cs typeface="Cambria"/>
+                        <a:sym typeface="Cambria"/>
+                      </a:endParaRPr>
+                    </a:p>
+                  </a:txBody>
+                  <a:tcPr marT="91425" marB="91425" marR="91425" marL="91425"/>
+                </a:tc>
+                <a:tc>
+                  <a:txBody>
+                    <a:bodyPr/>
+                    <a:lstStyle/>
+                    <a:p>
+                      <a:pPr indent="0" lvl="0" marL="0" rtl="0" algn="l">
+                        <a:spcBef>
+                          <a:spcPts val="0"/>
+                        </a:spcBef>
+                        <a:spcAft>
+                          <a:spcPts val="0"/>
+                        </a:spcAft>
+                        <a:buClr>
+                          <a:schemeClr val="dk1"/>
+                        </a:buClr>
+                        <a:buSzPts val="1100"/>
+                        <a:buFont typeface="Arial"/>
+                        <a:buNone/>
+                      </a:pPr>
+                      <a:r>
+                        <a:rPr lang="en-US" sz="1200">
+                          <a:solidFill>
+                            <a:schemeClr val="dk1"/>
+                          </a:solidFill>
+                          <a:latin typeface="Cambria"/>
+                          <a:ea typeface="Cambria"/>
+                          <a:cs typeface="Cambria"/>
+                          <a:sym typeface="Cambria"/>
+                        </a:rPr>
+                        <a:t>SELECT * FROM Person;</a:t>
+                      </a:r>
+                      <a:endParaRPr sz="1200">
+                        <a:solidFill>
+                          <a:schemeClr val="dk1"/>
+                        </a:solidFill>
+                        <a:latin typeface="Cambria"/>
+                        <a:ea typeface="Cambria"/>
+                        <a:cs typeface="Cambria"/>
+                        <a:sym typeface="Cambria"/>
+                      </a:endParaRPr>
+                    </a:p>
+                    <a:p>
+                      <a:pPr indent="0" lvl="0" marL="0" rtl="0" algn="l">
+                        <a:spcBef>
+                          <a:spcPts val="0"/>
+                        </a:spcBef>
+                        <a:spcAft>
+                          <a:spcPts val="0"/>
+                        </a:spcAft>
+                        <a:buNone/>
+                      </a:pPr>
+                      <a:r>
+                        <a:rPr lang="en-US" sz="1200">
+                          <a:solidFill>
+                            <a:schemeClr val="dk1"/>
+                          </a:solidFill>
+                          <a:latin typeface="Cambria"/>
+                          <a:ea typeface="Cambria"/>
+                          <a:cs typeface="Cambria"/>
+                          <a:sym typeface="Cambria"/>
+                        </a:rPr>
+                        <a:t>-- Returns Persons, Students, Instructors</a:t>
+                      </a:r>
+                      <a:endParaRPr sz="1200">
+                        <a:solidFill>
+                          <a:schemeClr val="dk1"/>
+                        </a:solidFill>
+                        <a:latin typeface="Cambria"/>
+                        <a:ea typeface="Cambria"/>
+                        <a:cs typeface="Cambria"/>
+                        <a:sym typeface="Cambria"/>
+                      </a:endParaRPr>
+                    </a:p>
+                  </a:txBody>
+                  <a:tcPr marT="91425" marB="91425" marR="91425" marL="91425"/>
+                </a:tc>
+              </a:tr>
+            </a:tbl>
+          </a:graphicData>
+        </a:graphic>
+      </p:graphicFrame>
     </p:spTree>
   </p:cSld>
   <p:clrMapOvr>
@@ -16805,7 +19684,7 @@
   <p:cSld>
     <p:spTree>
       <p:nvGrpSpPr>
-        <p:cNvPr id="209" name="Shape 209"/>
+        <p:cNvPr id="214" name="Shape 214"/>
         <p:cNvGrpSpPr/>
         <p:nvPr/>
       </p:nvGrpSpPr>
@@ -16819,7 +19698,7 @@
       </p:grpSpPr>
       <p:sp>
         <p:nvSpPr>
-          <p:cNvPr id="210" name="Google Shape;210;p8"/>
+          <p:cNvPr id="215" name="Google Shape;215;g369690b03c5_0_264"/>
           <p:cNvSpPr txBox="1"/>
           <p:nvPr>
             <p:ph type="title"/>
@@ -16827,16 +19706,12 @@
         </p:nvSpPr>
         <p:spPr>
           <a:xfrm>
-            <a:off x="457200" y="274638"/>
+            <a:off x="548125" y="-231912"/>
             <a:ext cx="8229600" cy="1143000"/>
           </a:xfrm>
           <a:prstGeom prst="rect">
             <a:avLst/>
           </a:prstGeom>
-          <a:noFill/>
-          <a:ln>
-            <a:noFill/>
-          </a:ln>
         </p:spPr>
         <p:txBody>
           <a:bodyPr anchorCtr="0" anchor="ctr" bIns="45700" lIns="91425" spcFirstLastPara="1" rIns="91425" wrap="square" tIns="45700">
@@ -16854,21 +19729,13 @@
               <a:buClr>
                 <a:schemeClr val="dk1"/>
               </a:buClr>
-              <a:buSzPts val="4400"/>
-              <a:buFont typeface="Calibri"/>
+              <a:buSzPts val="1100"/>
+              <a:buFont typeface="Arial"/>
               <a:buNone/>
             </a:pPr>
             <a:r>
-              <a:rPr lang="en-US" sz="4400">
-                <a:solidFill>
-                  <a:schemeClr val="dk1"/>
-                </a:solidFill>
-                <a:latin typeface="Calibri"/>
-                <a:ea typeface="Calibri"/>
-                <a:cs typeface="Calibri"/>
-                <a:sym typeface="Calibri"/>
-              </a:rPr>
-              <a:t>Persistent Programming Languages</a:t>
+              <a:rPr lang="en-US"/>
+              <a:t>New Primitives for Object-Relational Queries</a:t>
             </a:r>
             <a:endParaRPr/>
           </a:p>
@@ -16876,147 +19743,7 @@
       </p:sp>
       <p:sp>
         <p:nvSpPr>
-          <p:cNvPr id="211" name="Google Shape;211;p8"/>
-          <p:cNvSpPr txBox="1"/>
-          <p:nvPr>
-            <p:ph idx="1" type="body"/>
-          </p:nvPr>
-        </p:nvSpPr>
-        <p:spPr>
-          <a:xfrm>
-            <a:off x="457200" y="1600200"/>
-            <a:ext cx="8229600" cy="4525963"/>
-          </a:xfrm>
-          <a:prstGeom prst="rect">
-            <a:avLst/>
-          </a:prstGeom>
-          <a:noFill/>
-          <a:ln>
-            <a:noFill/>
-          </a:ln>
-        </p:spPr>
-        <p:txBody>
-          <a:bodyPr anchorCtr="0" anchor="t" bIns="45700" lIns="91425" spcFirstLastPara="1" rIns="91425" wrap="square" tIns="45700">
-            <a:normAutofit/>
-          </a:bodyPr>
-          <a:lstStyle/>
-          <a:p>
-            <a:pPr indent="-342900" lvl="0" marL="342900" rtl="0" algn="l">
-              <a:spcBef>
-                <a:spcPts val="0"/>
-              </a:spcBef>
-              <a:spcAft>
-                <a:spcPts val="0"/>
-              </a:spcAft>
-              <a:buClr>
-                <a:schemeClr val="dk1"/>
-              </a:buClr>
-              <a:buSzPts val="3200"/>
-              <a:buChar char="•"/>
-            </a:pPr>
-            <a:r>
-              <a:rPr lang="en-US" sz="3200">
-                <a:solidFill>
-                  <a:schemeClr val="dk1"/>
-                </a:solidFill>
-                <a:latin typeface="Calibri"/>
-                <a:ea typeface="Calibri"/>
-                <a:cs typeface="Calibri"/>
-                <a:sym typeface="Calibri"/>
-              </a:rPr>
-              <a:t>• Traditional DBs: Explicit data load/store.</a:t>
-            </a:r>
-            <a:endParaRPr/>
-          </a:p>
-          <a:p>
-            <a:pPr indent="-342900" lvl="0" marL="342900" rtl="0" algn="l">
-              <a:spcBef>
-                <a:spcPts val="640"/>
-              </a:spcBef>
-              <a:spcAft>
-                <a:spcPts val="0"/>
-              </a:spcAft>
-              <a:buClr>
-                <a:schemeClr val="dk1"/>
-              </a:buClr>
-              <a:buSzPts val="3200"/>
-              <a:buChar char="•"/>
-            </a:pPr>
-            <a:r>
-              <a:rPr lang="en-US" sz="3200">
-                <a:solidFill>
-                  <a:schemeClr val="dk1"/>
-                </a:solidFill>
-                <a:latin typeface="Calibri"/>
-                <a:ea typeface="Calibri"/>
-                <a:cs typeface="Calibri"/>
-                <a:sym typeface="Calibri"/>
-              </a:rPr>
-              <a:t>• Persistent languages: Objects persist across sessions.</a:t>
-            </a:r>
-            <a:endParaRPr/>
-          </a:p>
-          <a:p>
-            <a:pPr indent="-342900" lvl="0" marL="342900" rtl="0" algn="l">
-              <a:spcBef>
-                <a:spcPts val="640"/>
-              </a:spcBef>
-              <a:spcAft>
-                <a:spcPts val="0"/>
-              </a:spcAft>
-              <a:buClr>
-                <a:schemeClr val="dk1"/>
-              </a:buClr>
-              <a:buSzPts val="3200"/>
-              <a:buChar char="•"/>
-            </a:pPr>
-            <a:r>
-              <a:rPr lang="en-US" sz="3200">
-                <a:solidFill>
-                  <a:schemeClr val="dk1"/>
-                </a:solidFill>
-                <a:latin typeface="Calibri"/>
-                <a:ea typeface="Calibri"/>
-                <a:cs typeface="Calibri"/>
-                <a:sym typeface="Calibri"/>
-              </a:rPr>
-              <a:t>• Orthogonal persistence: Storage independence.</a:t>
-            </a:r>
-            <a:endParaRPr/>
-          </a:p>
-          <a:p>
-            <a:pPr indent="-342900" lvl="0" marL="342900" rtl="0" algn="l">
-              <a:spcBef>
-                <a:spcPts val="640"/>
-              </a:spcBef>
-              <a:spcAft>
-                <a:spcPts val="0"/>
-              </a:spcAft>
-              <a:buClr>
-                <a:schemeClr val="dk1"/>
-              </a:buClr>
-              <a:buSzPts val="3200"/>
-              <a:buChar char="•"/>
-            </a:pPr>
-            <a:r>
-              <a:rPr lang="en-US" sz="3200">
-                <a:solidFill>
-                  <a:schemeClr val="dk1"/>
-                </a:solidFill>
-                <a:latin typeface="Calibri"/>
-                <a:ea typeface="Calibri"/>
-                <a:cs typeface="Calibri"/>
-                <a:sym typeface="Calibri"/>
-              </a:rPr>
-              <a:t>• Examples: PJama, db4o, LINQ to SQL, Entity Framework.</a:t>
-            </a:r>
-            <a:endParaRPr/>
-          </a:p>
-        </p:txBody>
-      </p:sp>
-      <p:sp>
-        <p:nvSpPr>
-          <p:cNvPr id="212" name="Google Shape;212;p8"/>
+          <p:cNvPr id="216" name="Google Shape;216;g369690b03c5_0_264"/>
           <p:cNvSpPr txBox="1"/>
           <p:nvPr>
             <p:ph idx="12" type="sldNum"/>
@@ -17044,6 +19771,10 @@
               <a:spcAft>
                 <a:spcPts val="0"/>
               </a:spcAft>
+              <a:buClr>
+                <a:srgbClr val="000000"/>
+              </a:buClr>
+              <a:buFont typeface="Arial"/>
               <a:buNone/>
             </a:pPr>
             <a:fld id="{00000000-1234-1234-1234-123412341234}" type="slidenum">
@@ -17054,6 +19785,1057 @@
           </a:p>
         </p:txBody>
       </p:sp>
+      <p:graphicFrame>
+        <p:nvGraphicFramePr>
+          <p:cNvPr id="217" name="Google Shape;217;g369690b03c5_0_264"/>
+          <p:cNvGraphicFramePr/>
+          <p:nvPr/>
+        </p:nvGraphicFramePr>
+        <p:xfrm>
+          <a:off x="705725" y="884075"/>
+          <a:ext cx="3000000" cy="3000000"/>
+        </p:xfrm>
+        <a:graphic>
+          <a:graphicData uri="http://schemas.openxmlformats.org/drawingml/2006/table">
+            <a:tbl>
+              <a:tblPr>
+                <a:noFill/>
+                <a:tableStyleId>{ABEECC2D-46B7-479A-9ED5-5D4BAB515CA6}</a:tableStyleId>
+              </a:tblPr>
+              <a:tblGrid>
+                <a:gridCol w="382850"/>
+                <a:gridCol w="6856150"/>
+              </a:tblGrid>
+              <a:tr h="381000">
+                <a:tc>
+                  <a:txBody>
+                    <a:bodyPr/>
+                    <a:lstStyle/>
+                    <a:p>
+                      <a:pPr indent="0" lvl="0" marL="0" rtl="0" algn="l">
+                        <a:spcBef>
+                          <a:spcPts val="0"/>
+                        </a:spcBef>
+                        <a:spcAft>
+                          <a:spcPts val="0"/>
+                        </a:spcAft>
+                        <a:buNone/>
+                      </a:pPr>
+                      <a:r>
+                        <a:rPr lang="en-US" sz="1200">
+                          <a:latin typeface="Cambria"/>
+                          <a:ea typeface="Cambria"/>
+                          <a:cs typeface="Cambria"/>
+                          <a:sym typeface="Cambria"/>
+                        </a:rPr>
+                        <a:t>5</a:t>
+                      </a:r>
+                      <a:endParaRPr sz="1200">
+                        <a:latin typeface="Cambria"/>
+                        <a:ea typeface="Cambria"/>
+                        <a:cs typeface="Cambria"/>
+                        <a:sym typeface="Cambria"/>
+                      </a:endParaRPr>
+                    </a:p>
+                  </a:txBody>
+                  <a:tcPr marT="91425" marB="91425" marR="91425" marL="91425"/>
+                </a:tc>
+                <a:tc>
+                  <a:txBody>
+                    <a:bodyPr/>
+                    <a:lstStyle/>
+                    <a:p>
+                      <a:pPr indent="0" lvl="0" marL="0" rtl="0" algn="l">
+                        <a:spcBef>
+                          <a:spcPts val="0"/>
+                        </a:spcBef>
+                        <a:spcAft>
+                          <a:spcPts val="0"/>
+                        </a:spcAft>
+                        <a:buNone/>
+                      </a:pPr>
+                      <a:r>
+                        <a:rPr lang="en-US" sz="1200">
+                          <a:solidFill>
+                            <a:schemeClr val="dk1"/>
+                          </a:solidFill>
+                          <a:latin typeface="Cambria"/>
+                          <a:ea typeface="Cambria"/>
+                          <a:cs typeface="Cambria"/>
+                          <a:sym typeface="Cambria"/>
+                        </a:rPr>
+                        <a:t>Collection Types</a:t>
+                      </a:r>
+                      <a:br>
+                        <a:rPr lang="en-US" sz="1200">
+                          <a:solidFill>
+                            <a:schemeClr val="dk1"/>
+                          </a:solidFill>
+                          <a:latin typeface="Cambria"/>
+                          <a:ea typeface="Cambria"/>
+                          <a:cs typeface="Cambria"/>
+                          <a:sym typeface="Cambria"/>
+                        </a:rPr>
+                      </a:br>
+                      <a:r>
+                        <a:rPr lang="en-US" sz="1200">
+                          <a:solidFill>
+                            <a:schemeClr val="dk1"/>
+                          </a:solidFill>
+                          <a:latin typeface="Cambria"/>
+                          <a:ea typeface="Cambria"/>
+                          <a:cs typeface="Cambria"/>
+                          <a:sym typeface="Cambria"/>
+                        </a:rPr>
+                        <a:t>Attributes can be arrays, lists, multisets</a:t>
+                      </a:r>
+                      <a:br>
+                        <a:rPr lang="en-US" sz="1200">
+                          <a:solidFill>
+                            <a:schemeClr val="dk1"/>
+                          </a:solidFill>
+                          <a:latin typeface="Cambria"/>
+                          <a:ea typeface="Cambria"/>
+                          <a:cs typeface="Cambria"/>
+                          <a:sym typeface="Cambria"/>
+                        </a:rPr>
+                      </a:br>
+                      <a:r>
+                        <a:rPr lang="en-US" sz="1200">
+                          <a:solidFill>
+                            <a:schemeClr val="dk1"/>
+                          </a:solidFill>
+                          <a:latin typeface="Cambria"/>
+                          <a:ea typeface="Cambria"/>
+                          <a:cs typeface="Cambria"/>
+                          <a:sym typeface="Cambria"/>
+                        </a:rPr>
+                        <a:t>Query elements in collections</a:t>
+                      </a:r>
+                      <a:endParaRPr sz="1200">
+                        <a:solidFill>
+                          <a:schemeClr val="dk1"/>
+                        </a:solidFill>
+                        <a:latin typeface="Cambria"/>
+                        <a:ea typeface="Cambria"/>
+                        <a:cs typeface="Cambria"/>
+                        <a:sym typeface="Cambria"/>
+                      </a:endParaRPr>
+                    </a:p>
+                  </a:txBody>
+                  <a:tcPr marT="91425" marB="91425" marR="91425" marL="91425"/>
+                </a:tc>
+              </a:tr>
+              <a:tr h="381000">
+                <a:tc>
+                  <a:txBody>
+                    <a:bodyPr/>
+                    <a:lstStyle/>
+                    <a:p>
+                      <a:pPr indent="0" lvl="0" marL="0" rtl="0" algn="l">
+                        <a:spcBef>
+                          <a:spcPts val="0"/>
+                        </a:spcBef>
+                        <a:spcAft>
+                          <a:spcPts val="0"/>
+                        </a:spcAft>
+                        <a:buNone/>
+                      </a:pPr>
+                      <a:r>
+                        <a:t/>
+                      </a:r>
+                      <a:endParaRPr sz="1200">
+                        <a:latin typeface="Cambria"/>
+                        <a:ea typeface="Cambria"/>
+                        <a:cs typeface="Cambria"/>
+                        <a:sym typeface="Cambria"/>
+                      </a:endParaRPr>
+                    </a:p>
+                  </a:txBody>
+                  <a:tcPr marT="91425" marB="91425" marR="91425" marL="91425"/>
+                </a:tc>
+                <a:tc>
+                  <a:txBody>
+                    <a:bodyPr/>
+                    <a:lstStyle/>
+                    <a:p>
+                      <a:pPr indent="0" lvl="0" marL="0" rtl="0" algn="l">
+                        <a:spcBef>
+                          <a:spcPts val="0"/>
+                        </a:spcBef>
+                        <a:spcAft>
+                          <a:spcPts val="0"/>
+                        </a:spcAft>
+                        <a:buClr>
+                          <a:schemeClr val="dk1"/>
+                        </a:buClr>
+                        <a:buSzPts val="1100"/>
+                        <a:buFont typeface="Arial"/>
+                        <a:buNone/>
+                      </a:pPr>
+                      <a:r>
+                        <a:rPr lang="en-US" sz="1200">
+                          <a:solidFill>
+                            <a:schemeClr val="dk1"/>
+                          </a:solidFill>
+                          <a:latin typeface="Cambria"/>
+                          <a:ea typeface="Cambria"/>
+                          <a:cs typeface="Cambria"/>
+                          <a:sym typeface="Cambria"/>
+                        </a:rPr>
+                        <a:t>SELECT s.name</a:t>
+                      </a:r>
+                      <a:endParaRPr sz="1200">
+                        <a:solidFill>
+                          <a:schemeClr val="dk1"/>
+                        </a:solidFill>
+                        <a:latin typeface="Cambria"/>
+                        <a:ea typeface="Cambria"/>
+                        <a:cs typeface="Cambria"/>
+                        <a:sym typeface="Cambria"/>
+                      </a:endParaRPr>
+                    </a:p>
+                    <a:p>
+                      <a:pPr indent="0" lvl="0" marL="0" rtl="0" algn="l">
+                        <a:spcBef>
+                          <a:spcPts val="0"/>
+                        </a:spcBef>
+                        <a:spcAft>
+                          <a:spcPts val="0"/>
+                        </a:spcAft>
+                        <a:buNone/>
+                      </a:pPr>
+                      <a:r>
+                        <a:rPr lang="en-US" sz="1200">
+                          <a:solidFill>
+                            <a:schemeClr val="dk1"/>
+                          </a:solidFill>
+                          <a:latin typeface="Cambria"/>
+                          <a:ea typeface="Cambria"/>
+                          <a:cs typeface="Cambria"/>
+                          <a:sym typeface="Cambria"/>
+                        </a:rPr>
+                        <a:t>FROM Course c, UNNEST(c.enrolledStudents) AS s;</a:t>
+                      </a:r>
+                      <a:endParaRPr sz="1200">
+                        <a:solidFill>
+                          <a:schemeClr val="dk1"/>
+                        </a:solidFill>
+                        <a:latin typeface="Cambria"/>
+                        <a:ea typeface="Cambria"/>
+                        <a:cs typeface="Cambria"/>
+                        <a:sym typeface="Cambria"/>
+                      </a:endParaRPr>
+                    </a:p>
+                    <a:p>
+                      <a:pPr indent="0" lvl="0" marL="0" rtl="0" algn="l">
+                        <a:spcBef>
+                          <a:spcPts val="0"/>
+                        </a:spcBef>
+                        <a:spcAft>
+                          <a:spcPts val="0"/>
+                        </a:spcAft>
+                        <a:buNone/>
+                      </a:pPr>
+                      <a:r>
+                        <a:rPr lang="en-US" sz="1200">
+                          <a:solidFill>
+                            <a:schemeClr val="dk1"/>
+                          </a:solidFill>
+                          <a:latin typeface="Cambria"/>
+                          <a:ea typeface="Cambria"/>
+                          <a:cs typeface="Cambria"/>
+                          <a:sym typeface="Cambria"/>
+                        </a:rPr>
+                        <a:t>// </a:t>
+                      </a:r>
+                      <a:r>
+                        <a:rPr lang="en-US" sz="1200">
+                          <a:solidFill>
+                            <a:srgbClr val="188038"/>
+                          </a:solidFill>
+                          <a:latin typeface="Cambria"/>
+                          <a:ea typeface="Cambria"/>
+                          <a:cs typeface="Cambria"/>
+                          <a:sym typeface="Cambria"/>
+                        </a:rPr>
+                        <a:t>UNNEST()</a:t>
+                      </a:r>
+                      <a:r>
+                        <a:rPr lang="en-US" sz="1200">
+                          <a:solidFill>
+                            <a:schemeClr val="dk1"/>
+                          </a:solidFill>
+                          <a:latin typeface="Cambria"/>
+                          <a:ea typeface="Cambria"/>
+                          <a:cs typeface="Cambria"/>
+                          <a:sym typeface="Cambria"/>
+                        </a:rPr>
+                        <a:t> is used to flatten collection-type attributes (e.g., arrays, multisets, or lists) into individual rows, allowing relational-style querying over collections stored within tuples.</a:t>
+                      </a:r>
+                      <a:endParaRPr sz="1200">
+                        <a:solidFill>
+                          <a:schemeClr val="dk1"/>
+                        </a:solidFill>
+                        <a:latin typeface="Cambria"/>
+                        <a:ea typeface="Cambria"/>
+                        <a:cs typeface="Cambria"/>
+                        <a:sym typeface="Cambria"/>
+                      </a:endParaRPr>
+                    </a:p>
+                  </a:txBody>
+                  <a:tcPr marT="91425" marB="91425" marR="91425" marL="91425"/>
+                </a:tc>
+              </a:tr>
+              <a:tr h="381000">
+                <a:tc>
+                  <a:txBody>
+                    <a:bodyPr/>
+                    <a:lstStyle/>
+                    <a:p>
+                      <a:pPr indent="0" lvl="0" marL="0" rtl="0" algn="l">
+                        <a:spcBef>
+                          <a:spcPts val="0"/>
+                        </a:spcBef>
+                        <a:spcAft>
+                          <a:spcPts val="0"/>
+                        </a:spcAft>
+                        <a:buNone/>
+                      </a:pPr>
+                      <a:r>
+                        <a:rPr lang="en-US" sz="1200">
+                          <a:latin typeface="Cambria"/>
+                          <a:ea typeface="Cambria"/>
+                          <a:cs typeface="Cambria"/>
+                          <a:sym typeface="Cambria"/>
+                        </a:rPr>
+                        <a:t>6</a:t>
+                      </a:r>
+                      <a:endParaRPr sz="1200">
+                        <a:latin typeface="Cambria"/>
+                        <a:ea typeface="Cambria"/>
+                        <a:cs typeface="Cambria"/>
+                        <a:sym typeface="Cambria"/>
+                      </a:endParaRPr>
+                    </a:p>
+                  </a:txBody>
+                  <a:tcPr marT="91425" marB="91425" marR="91425" marL="91425"/>
+                </a:tc>
+                <a:tc>
+                  <a:txBody>
+                    <a:bodyPr/>
+                    <a:lstStyle/>
+                    <a:p>
+                      <a:pPr indent="0" lvl="0" marL="0" rtl="0" algn="l">
+                        <a:spcBef>
+                          <a:spcPts val="0"/>
+                        </a:spcBef>
+                        <a:spcAft>
+                          <a:spcPts val="0"/>
+                        </a:spcAft>
+                        <a:buNone/>
+                      </a:pPr>
+                      <a:r>
+                        <a:rPr lang="en-US" sz="1200">
+                          <a:solidFill>
+                            <a:schemeClr val="dk1"/>
+                          </a:solidFill>
+                          <a:latin typeface="Cambria"/>
+                          <a:ea typeface="Cambria"/>
+                          <a:cs typeface="Cambria"/>
+                          <a:sym typeface="Cambria"/>
+                        </a:rPr>
+                        <a:t>Methods / Member Functions</a:t>
+                      </a:r>
+                      <a:br>
+                        <a:rPr lang="en-US" sz="1200">
+                          <a:solidFill>
+                            <a:schemeClr val="dk1"/>
+                          </a:solidFill>
+                          <a:latin typeface="Cambria"/>
+                          <a:ea typeface="Cambria"/>
+                          <a:cs typeface="Cambria"/>
+                          <a:sym typeface="Cambria"/>
+                        </a:rPr>
+                      </a:br>
+                      <a:r>
+                        <a:rPr lang="en-US" sz="1200">
+                          <a:solidFill>
+                            <a:schemeClr val="dk1"/>
+                          </a:solidFill>
+                          <a:latin typeface="Cambria"/>
+                          <a:ea typeface="Cambria"/>
+                          <a:cs typeface="Cambria"/>
+                          <a:sym typeface="Cambria"/>
+                        </a:rPr>
+                        <a:t>Functions bound to types, invoked in queries</a:t>
+                      </a:r>
+                      <a:endParaRPr sz="1200">
+                        <a:solidFill>
+                          <a:schemeClr val="dk1"/>
+                        </a:solidFill>
+                        <a:latin typeface="Cambria"/>
+                        <a:ea typeface="Cambria"/>
+                        <a:cs typeface="Cambria"/>
+                        <a:sym typeface="Cambria"/>
+                      </a:endParaRPr>
+                    </a:p>
+                  </a:txBody>
+                  <a:tcPr marT="91425" marB="91425" marR="91425" marL="91425"/>
+                </a:tc>
+              </a:tr>
+              <a:tr h="381000">
+                <a:tc>
+                  <a:txBody>
+                    <a:bodyPr/>
+                    <a:lstStyle/>
+                    <a:p>
+                      <a:pPr indent="0" lvl="0" marL="0" rtl="0" algn="l">
+                        <a:spcBef>
+                          <a:spcPts val="0"/>
+                        </a:spcBef>
+                        <a:spcAft>
+                          <a:spcPts val="0"/>
+                        </a:spcAft>
+                        <a:buNone/>
+                      </a:pPr>
+                      <a:r>
+                        <a:t/>
+                      </a:r>
+                      <a:endParaRPr sz="1200">
+                        <a:latin typeface="Cambria"/>
+                        <a:ea typeface="Cambria"/>
+                        <a:cs typeface="Cambria"/>
+                        <a:sym typeface="Cambria"/>
+                      </a:endParaRPr>
+                    </a:p>
+                  </a:txBody>
+                  <a:tcPr marT="91425" marB="91425" marR="91425" marL="91425"/>
+                </a:tc>
+                <a:tc>
+                  <a:txBody>
+                    <a:bodyPr/>
+                    <a:lstStyle/>
+                    <a:p>
+                      <a:pPr indent="0" lvl="0" marL="0" rtl="0" algn="l">
+                        <a:spcBef>
+                          <a:spcPts val="0"/>
+                        </a:spcBef>
+                        <a:spcAft>
+                          <a:spcPts val="0"/>
+                        </a:spcAft>
+                        <a:buClr>
+                          <a:schemeClr val="dk1"/>
+                        </a:buClr>
+                        <a:buSzPts val="1100"/>
+                        <a:buFont typeface="Arial"/>
+                        <a:buNone/>
+                      </a:pPr>
+                      <a:r>
+                        <a:rPr lang="en-US" sz="1200">
+                          <a:solidFill>
+                            <a:schemeClr val="dk1"/>
+                          </a:solidFill>
+                          <a:latin typeface="Cambria"/>
+                          <a:ea typeface="Cambria"/>
+                          <a:cs typeface="Cambria"/>
+                          <a:sym typeface="Cambria"/>
+                        </a:rPr>
+                        <a:t>SELECT s.name, s.getGPA()</a:t>
+                      </a:r>
+                      <a:endParaRPr sz="1200">
+                        <a:solidFill>
+                          <a:schemeClr val="dk1"/>
+                        </a:solidFill>
+                        <a:latin typeface="Cambria"/>
+                        <a:ea typeface="Cambria"/>
+                        <a:cs typeface="Cambria"/>
+                        <a:sym typeface="Cambria"/>
+                      </a:endParaRPr>
+                    </a:p>
+                    <a:p>
+                      <a:pPr indent="0" lvl="0" marL="0" rtl="0" algn="l">
+                        <a:spcBef>
+                          <a:spcPts val="0"/>
+                        </a:spcBef>
+                        <a:spcAft>
+                          <a:spcPts val="0"/>
+                        </a:spcAft>
+                        <a:buClr>
+                          <a:schemeClr val="dk1"/>
+                        </a:buClr>
+                        <a:buSzPts val="1100"/>
+                        <a:buFont typeface="Arial"/>
+                        <a:buNone/>
+                      </a:pPr>
+                      <a:r>
+                        <a:rPr lang="en-US" sz="1200">
+                          <a:solidFill>
+                            <a:schemeClr val="dk1"/>
+                          </a:solidFill>
+                          <a:latin typeface="Cambria"/>
+                          <a:ea typeface="Cambria"/>
+                          <a:cs typeface="Cambria"/>
+                          <a:sym typeface="Cambria"/>
+                        </a:rPr>
+                        <a:t>FROM Student s</a:t>
+                      </a:r>
+                      <a:endParaRPr sz="1200">
+                        <a:solidFill>
+                          <a:schemeClr val="dk1"/>
+                        </a:solidFill>
+                        <a:latin typeface="Cambria"/>
+                        <a:ea typeface="Cambria"/>
+                        <a:cs typeface="Cambria"/>
+                        <a:sym typeface="Cambria"/>
+                      </a:endParaRPr>
+                    </a:p>
+                    <a:p>
+                      <a:pPr indent="0" lvl="0" marL="0" rtl="0" algn="l">
+                        <a:spcBef>
+                          <a:spcPts val="0"/>
+                        </a:spcBef>
+                        <a:spcAft>
+                          <a:spcPts val="0"/>
+                        </a:spcAft>
+                        <a:buNone/>
+                      </a:pPr>
+                      <a:r>
+                        <a:rPr lang="en-US" sz="1200">
+                          <a:solidFill>
+                            <a:schemeClr val="dk1"/>
+                          </a:solidFill>
+                          <a:latin typeface="Cambria"/>
+                          <a:ea typeface="Cambria"/>
+                          <a:cs typeface="Cambria"/>
+                          <a:sym typeface="Cambria"/>
+                        </a:rPr>
+                        <a:t>WHERE s.getGPA() &gt; 3.5;</a:t>
+                      </a:r>
+                      <a:endParaRPr sz="1200">
+                        <a:solidFill>
+                          <a:schemeClr val="dk1"/>
+                        </a:solidFill>
+                        <a:latin typeface="Cambria"/>
+                        <a:ea typeface="Cambria"/>
+                        <a:cs typeface="Cambria"/>
+                        <a:sym typeface="Cambria"/>
+                      </a:endParaRPr>
+                    </a:p>
+                  </a:txBody>
+                  <a:tcPr marT="91425" marB="91425" marR="91425" marL="91425"/>
+                </a:tc>
+              </a:tr>
+              <a:tr h="381000">
+                <a:tc>
+                  <a:txBody>
+                    <a:bodyPr/>
+                    <a:lstStyle/>
+                    <a:p>
+                      <a:pPr indent="0" lvl="0" marL="0" rtl="0" algn="l">
+                        <a:spcBef>
+                          <a:spcPts val="0"/>
+                        </a:spcBef>
+                        <a:spcAft>
+                          <a:spcPts val="0"/>
+                        </a:spcAft>
+                        <a:buNone/>
+                      </a:pPr>
+                      <a:r>
+                        <a:rPr lang="en-US" sz="1200">
+                          <a:latin typeface="Cambria"/>
+                          <a:ea typeface="Cambria"/>
+                          <a:cs typeface="Cambria"/>
+                          <a:sym typeface="Cambria"/>
+                        </a:rPr>
+                        <a:t>7</a:t>
+                      </a:r>
+                      <a:endParaRPr sz="1200">
+                        <a:latin typeface="Cambria"/>
+                        <a:ea typeface="Cambria"/>
+                        <a:cs typeface="Cambria"/>
+                        <a:sym typeface="Cambria"/>
+                      </a:endParaRPr>
+                    </a:p>
+                  </a:txBody>
+                  <a:tcPr marT="91425" marB="91425" marR="91425" marL="91425"/>
+                </a:tc>
+                <a:tc>
+                  <a:txBody>
+                    <a:bodyPr/>
+                    <a:lstStyle/>
+                    <a:p>
+                      <a:pPr indent="0" lvl="0" marL="0" rtl="0" algn="l">
+                        <a:spcBef>
+                          <a:spcPts val="0"/>
+                        </a:spcBef>
+                        <a:spcAft>
+                          <a:spcPts val="0"/>
+                        </a:spcAft>
+                        <a:buNone/>
+                      </a:pPr>
+                      <a:r>
+                        <a:rPr lang="en-US" sz="1200">
+                          <a:solidFill>
+                            <a:schemeClr val="dk1"/>
+                          </a:solidFill>
+                          <a:latin typeface="Cambria"/>
+                          <a:ea typeface="Cambria"/>
+                          <a:cs typeface="Cambria"/>
+                          <a:sym typeface="Cambria"/>
+                        </a:rPr>
+                        <a:t>Polymorphic Queries and Type Checking</a:t>
+                      </a:r>
+                      <a:endParaRPr sz="1200">
+                        <a:solidFill>
+                          <a:schemeClr val="dk1"/>
+                        </a:solidFill>
+                        <a:latin typeface="Cambria"/>
+                        <a:ea typeface="Cambria"/>
+                        <a:cs typeface="Cambria"/>
+                        <a:sym typeface="Cambria"/>
+                      </a:endParaRPr>
+                    </a:p>
+                  </a:txBody>
+                  <a:tcPr marT="91425" marB="91425" marR="91425" marL="91425"/>
+                </a:tc>
+              </a:tr>
+              <a:tr h="381000">
+                <a:tc>
+                  <a:txBody>
+                    <a:bodyPr/>
+                    <a:lstStyle/>
+                    <a:p>
+                      <a:pPr indent="0" lvl="0" marL="0" rtl="0" algn="l">
+                        <a:spcBef>
+                          <a:spcPts val="0"/>
+                        </a:spcBef>
+                        <a:spcAft>
+                          <a:spcPts val="0"/>
+                        </a:spcAft>
+                        <a:buNone/>
+                      </a:pPr>
+                      <a:r>
+                        <a:t/>
+                      </a:r>
+                      <a:endParaRPr sz="1200">
+                        <a:latin typeface="Cambria"/>
+                        <a:ea typeface="Cambria"/>
+                        <a:cs typeface="Cambria"/>
+                        <a:sym typeface="Cambria"/>
+                      </a:endParaRPr>
+                    </a:p>
+                  </a:txBody>
+                  <a:tcPr marT="91425" marB="91425" marR="91425" marL="91425"/>
+                </a:tc>
+                <a:tc>
+                  <a:txBody>
+                    <a:bodyPr/>
+                    <a:lstStyle/>
+                    <a:p>
+                      <a:pPr indent="0" lvl="0" marL="0" rtl="0" algn="l">
+                        <a:spcBef>
+                          <a:spcPts val="0"/>
+                        </a:spcBef>
+                        <a:spcAft>
+                          <a:spcPts val="0"/>
+                        </a:spcAft>
+                        <a:buClr>
+                          <a:schemeClr val="dk1"/>
+                        </a:buClr>
+                        <a:buSzPts val="1100"/>
+                        <a:buFont typeface="Arial"/>
+                        <a:buNone/>
+                      </a:pPr>
+                      <a:r>
+                        <a:rPr lang="en-US" sz="1200">
+                          <a:solidFill>
+                            <a:schemeClr val="dk1"/>
+                          </a:solidFill>
+                          <a:latin typeface="Cambria"/>
+                          <a:ea typeface="Cambria"/>
+                          <a:cs typeface="Cambria"/>
+                          <a:sym typeface="Cambria"/>
+                        </a:rPr>
+                        <a:t>SELECT p.name</a:t>
+                      </a:r>
+                      <a:endParaRPr sz="1200">
+                        <a:solidFill>
+                          <a:schemeClr val="dk1"/>
+                        </a:solidFill>
+                        <a:latin typeface="Cambria"/>
+                        <a:ea typeface="Cambria"/>
+                        <a:cs typeface="Cambria"/>
+                        <a:sym typeface="Cambria"/>
+                      </a:endParaRPr>
+                    </a:p>
+                    <a:p>
+                      <a:pPr indent="0" lvl="0" marL="0" rtl="0" algn="l">
+                        <a:spcBef>
+                          <a:spcPts val="0"/>
+                        </a:spcBef>
+                        <a:spcAft>
+                          <a:spcPts val="0"/>
+                        </a:spcAft>
+                        <a:buClr>
+                          <a:schemeClr val="dk1"/>
+                        </a:buClr>
+                        <a:buSzPts val="1100"/>
+                        <a:buFont typeface="Arial"/>
+                        <a:buNone/>
+                      </a:pPr>
+                      <a:r>
+                        <a:rPr lang="en-US" sz="1200">
+                          <a:solidFill>
+                            <a:schemeClr val="dk1"/>
+                          </a:solidFill>
+                          <a:latin typeface="Cambria"/>
+                          <a:ea typeface="Cambria"/>
+                          <a:cs typeface="Cambria"/>
+                          <a:sym typeface="Cambria"/>
+                        </a:rPr>
+                        <a:t>FROM Person p</a:t>
+                      </a:r>
+                      <a:endParaRPr sz="1200">
+                        <a:solidFill>
+                          <a:schemeClr val="dk1"/>
+                        </a:solidFill>
+                        <a:latin typeface="Cambria"/>
+                        <a:ea typeface="Cambria"/>
+                        <a:cs typeface="Cambria"/>
+                        <a:sym typeface="Cambria"/>
+                      </a:endParaRPr>
+                    </a:p>
+                    <a:p>
+                      <a:pPr indent="0" lvl="0" marL="0" rtl="0" algn="l">
+                        <a:spcBef>
+                          <a:spcPts val="0"/>
+                        </a:spcBef>
+                        <a:spcAft>
+                          <a:spcPts val="0"/>
+                        </a:spcAft>
+                        <a:buNone/>
+                      </a:pPr>
+                      <a:r>
+                        <a:rPr lang="en-US" sz="1200">
+                          <a:solidFill>
+                            <a:schemeClr val="dk1"/>
+                          </a:solidFill>
+                          <a:latin typeface="Cambria"/>
+                          <a:ea typeface="Cambria"/>
+                          <a:cs typeface="Cambria"/>
+                          <a:sym typeface="Cambria"/>
+                        </a:rPr>
+                        <a:t>WHERE TYPEOF(p) = 'Student';</a:t>
+                      </a:r>
+                      <a:endParaRPr sz="1200">
+                        <a:solidFill>
+                          <a:schemeClr val="dk1"/>
+                        </a:solidFill>
+                        <a:latin typeface="Cambria"/>
+                        <a:ea typeface="Cambria"/>
+                        <a:cs typeface="Cambria"/>
+                        <a:sym typeface="Cambria"/>
+                      </a:endParaRPr>
+                    </a:p>
+                  </a:txBody>
+                  <a:tcPr marT="91425" marB="91425" marR="91425" marL="91425"/>
+                </a:tc>
+              </a:tr>
+              <a:tr h="381000">
+                <a:tc>
+                  <a:txBody>
+                    <a:bodyPr/>
+                    <a:lstStyle/>
+                    <a:p>
+                      <a:pPr indent="0" lvl="0" marL="0" rtl="0" algn="l">
+                        <a:spcBef>
+                          <a:spcPts val="0"/>
+                        </a:spcBef>
+                        <a:spcAft>
+                          <a:spcPts val="0"/>
+                        </a:spcAft>
+                        <a:buNone/>
+                      </a:pPr>
+                      <a:r>
+                        <a:rPr lang="en-US" sz="1200">
+                          <a:latin typeface="Cambria"/>
+                          <a:ea typeface="Cambria"/>
+                          <a:cs typeface="Cambria"/>
+                          <a:sym typeface="Cambria"/>
+                        </a:rPr>
+                        <a:t>8</a:t>
+                      </a:r>
+                      <a:endParaRPr sz="1200">
+                        <a:latin typeface="Cambria"/>
+                        <a:ea typeface="Cambria"/>
+                        <a:cs typeface="Cambria"/>
+                        <a:sym typeface="Cambria"/>
+                      </a:endParaRPr>
+                    </a:p>
+                  </a:txBody>
+                  <a:tcPr marT="91425" marB="91425" marR="91425" marL="91425"/>
+                </a:tc>
+                <a:tc>
+                  <a:txBody>
+                    <a:bodyPr/>
+                    <a:lstStyle/>
+                    <a:p>
+                      <a:pPr indent="0" lvl="0" marL="0" rtl="0" algn="l">
+                        <a:spcBef>
+                          <a:spcPts val="0"/>
+                        </a:spcBef>
+                        <a:spcAft>
+                          <a:spcPts val="0"/>
+                        </a:spcAft>
+                        <a:buNone/>
+                      </a:pPr>
+                      <a:r>
+                        <a:rPr lang="en-US" sz="1200">
+                          <a:solidFill>
+                            <a:schemeClr val="dk1"/>
+                          </a:solidFill>
+                          <a:latin typeface="Cambria"/>
+                          <a:ea typeface="Cambria"/>
+                          <a:cs typeface="Cambria"/>
+                          <a:sym typeface="Cambria"/>
+                        </a:rPr>
+                        <a:t>Nested and Correlated Queries</a:t>
+                      </a:r>
+                      <a:endParaRPr sz="1200">
+                        <a:solidFill>
+                          <a:schemeClr val="dk1"/>
+                        </a:solidFill>
+                        <a:latin typeface="Cambria"/>
+                        <a:ea typeface="Cambria"/>
+                        <a:cs typeface="Cambria"/>
+                        <a:sym typeface="Cambria"/>
+                      </a:endParaRPr>
+                    </a:p>
+                  </a:txBody>
+                  <a:tcPr marT="91425" marB="91425" marR="91425" marL="91425"/>
+                </a:tc>
+              </a:tr>
+              <a:tr h="381000">
+                <a:tc>
+                  <a:txBody>
+                    <a:bodyPr/>
+                    <a:lstStyle/>
+                    <a:p>
+                      <a:pPr indent="0" lvl="0" marL="0" rtl="0" algn="l">
+                        <a:spcBef>
+                          <a:spcPts val="0"/>
+                        </a:spcBef>
+                        <a:spcAft>
+                          <a:spcPts val="0"/>
+                        </a:spcAft>
+                        <a:buNone/>
+                      </a:pPr>
+                      <a:r>
+                        <a:t/>
+                      </a:r>
+                      <a:endParaRPr sz="1200">
+                        <a:latin typeface="Cambria"/>
+                        <a:ea typeface="Cambria"/>
+                        <a:cs typeface="Cambria"/>
+                        <a:sym typeface="Cambria"/>
+                      </a:endParaRPr>
+                    </a:p>
+                  </a:txBody>
+                  <a:tcPr marT="91425" marB="91425" marR="91425" marL="91425"/>
+                </a:tc>
+                <a:tc>
+                  <a:txBody>
+                    <a:bodyPr/>
+                    <a:lstStyle/>
+                    <a:p>
+                      <a:pPr indent="0" lvl="0" marL="0" rtl="0" algn="l">
+                        <a:spcBef>
+                          <a:spcPts val="0"/>
+                        </a:spcBef>
+                        <a:spcAft>
+                          <a:spcPts val="0"/>
+                        </a:spcAft>
+                        <a:buClr>
+                          <a:schemeClr val="dk1"/>
+                        </a:buClr>
+                        <a:buSzPts val="1100"/>
+                        <a:buFont typeface="Arial"/>
+                        <a:buNone/>
+                      </a:pPr>
+                      <a:r>
+                        <a:rPr lang="en-US" sz="1200">
+                          <a:solidFill>
+                            <a:schemeClr val="dk1"/>
+                          </a:solidFill>
+                          <a:latin typeface="Cambria"/>
+                          <a:ea typeface="Cambria"/>
+                          <a:cs typeface="Cambria"/>
+                          <a:sym typeface="Cambria"/>
+                        </a:rPr>
+                        <a:t>SELECT c.title</a:t>
+                      </a:r>
+                      <a:endParaRPr sz="1200">
+                        <a:solidFill>
+                          <a:schemeClr val="dk1"/>
+                        </a:solidFill>
+                        <a:latin typeface="Cambria"/>
+                        <a:ea typeface="Cambria"/>
+                        <a:cs typeface="Cambria"/>
+                        <a:sym typeface="Cambria"/>
+                      </a:endParaRPr>
+                    </a:p>
+                    <a:p>
+                      <a:pPr indent="0" lvl="0" marL="0" rtl="0" algn="l">
+                        <a:spcBef>
+                          <a:spcPts val="0"/>
+                        </a:spcBef>
+                        <a:spcAft>
+                          <a:spcPts val="0"/>
+                        </a:spcAft>
+                        <a:buClr>
+                          <a:schemeClr val="dk1"/>
+                        </a:buClr>
+                        <a:buSzPts val="1100"/>
+                        <a:buFont typeface="Arial"/>
+                        <a:buNone/>
+                      </a:pPr>
+                      <a:r>
+                        <a:rPr lang="en-US" sz="1200">
+                          <a:solidFill>
+                            <a:schemeClr val="dk1"/>
+                          </a:solidFill>
+                          <a:latin typeface="Cambria"/>
+                          <a:ea typeface="Cambria"/>
+                          <a:cs typeface="Cambria"/>
+                          <a:sym typeface="Cambria"/>
+                        </a:rPr>
+                        <a:t>FROM Course c</a:t>
+                      </a:r>
+                      <a:endParaRPr sz="1200">
+                        <a:solidFill>
+                          <a:schemeClr val="dk1"/>
+                        </a:solidFill>
+                        <a:latin typeface="Cambria"/>
+                        <a:ea typeface="Cambria"/>
+                        <a:cs typeface="Cambria"/>
+                        <a:sym typeface="Cambria"/>
+                      </a:endParaRPr>
+                    </a:p>
+                    <a:p>
+                      <a:pPr indent="0" lvl="0" marL="0" rtl="0" algn="l">
+                        <a:spcBef>
+                          <a:spcPts val="0"/>
+                        </a:spcBef>
+                        <a:spcAft>
+                          <a:spcPts val="0"/>
+                        </a:spcAft>
+                        <a:buClr>
+                          <a:schemeClr val="dk1"/>
+                        </a:buClr>
+                        <a:buSzPts val="1100"/>
+                        <a:buFont typeface="Arial"/>
+                        <a:buNone/>
+                      </a:pPr>
+                      <a:r>
+                        <a:rPr lang="en-US" sz="1200">
+                          <a:solidFill>
+                            <a:schemeClr val="dk1"/>
+                          </a:solidFill>
+                          <a:latin typeface="Cambria"/>
+                          <a:ea typeface="Cambria"/>
+                          <a:cs typeface="Cambria"/>
+                          <a:sym typeface="Cambria"/>
+                        </a:rPr>
+                        <a:t>WHERE EXISTS (</a:t>
+                      </a:r>
+                      <a:endParaRPr sz="1200">
+                        <a:solidFill>
+                          <a:schemeClr val="dk1"/>
+                        </a:solidFill>
+                        <a:latin typeface="Cambria"/>
+                        <a:ea typeface="Cambria"/>
+                        <a:cs typeface="Cambria"/>
+                        <a:sym typeface="Cambria"/>
+                      </a:endParaRPr>
+                    </a:p>
+                    <a:p>
+                      <a:pPr indent="0" lvl="0" marL="0" rtl="0" algn="l">
+                        <a:spcBef>
+                          <a:spcPts val="0"/>
+                        </a:spcBef>
+                        <a:spcAft>
+                          <a:spcPts val="0"/>
+                        </a:spcAft>
+                        <a:buClr>
+                          <a:schemeClr val="dk1"/>
+                        </a:buClr>
+                        <a:buSzPts val="1100"/>
+                        <a:buFont typeface="Arial"/>
+                        <a:buNone/>
+                      </a:pPr>
+                      <a:r>
+                        <a:rPr lang="en-US" sz="1200">
+                          <a:solidFill>
+                            <a:schemeClr val="dk1"/>
+                          </a:solidFill>
+                          <a:latin typeface="Cambria"/>
+                          <a:ea typeface="Cambria"/>
+                          <a:cs typeface="Cambria"/>
+                          <a:sym typeface="Cambria"/>
+                        </a:rPr>
+                        <a:t>  SELECT 1 FROM UNNEST(c.enrolledStudents) s WHERE s.gpa &gt; 3.8</a:t>
+                      </a:r>
+                      <a:endParaRPr sz="1200">
+                        <a:solidFill>
+                          <a:schemeClr val="dk1"/>
+                        </a:solidFill>
+                        <a:latin typeface="Cambria"/>
+                        <a:ea typeface="Cambria"/>
+                        <a:cs typeface="Cambria"/>
+                        <a:sym typeface="Cambria"/>
+                      </a:endParaRPr>
+                    </a:p>
+                    <a:p>
+                      <a:pPr indent="0" lvl="0" marL="0" rtl="0" algn="l">
+                        <a:spcBef>
+                          <a:spcPts val="0"/>
+                        </a:spcBef>
+                        <a:spcAft>
+                          <a:spcPts val="0"/>
+                        </a:spcAft>
+                        <a:buNone/>
+                      </a:pPr>
+                      <a:r>
+                        <a:rPr lang="en-US" sz="1200">
+                          <a:solidFill>
+                            <a:schemeClr val="dk1"/>
+                          </a:solidFill>
+                          <a:latin typeface="Cambria"/>
+                          <a:ea typeface="Cambria"/>
+                          <a:cs typeface="Cambria"/>
+                          <a:sym typeface="Cambria"/>
+                        </a:rPr>
+                        <a:t>);</a:t>
+                      </a:r>
+                      <a:endParaRPr sz="1200">
+                        <a:solidFill>
+                          <a:schemeClr val="dk1"/>
+                        </a:solidFill>
+                        <a:latin typeface="Cambria"/>
+                        <a:ea typeface="Cambria"/>
+                        <a:cs typeface="Cambria"/>
+                        <a:sym typeface="Cambria"/>
+                      </a:endParaRPr>
+                    </a:p>
+                  </a:txBody>
+                  <a:tcPr marT="91425" marB="91425" marR="91425" marL="91425"/>
+                </a:tc>
+              </a:tr>
+            </a:tbl>
+          </a:graphicData>
+        </a:graphic>
+      </p:graphicFrame>
     </p:spTree>
   </p:cSld>
   <p:clrMapOvr>
@@ -17067,7 +20849,7 @@
   <p:cSld>
     <p:spTree>
       <p:nvGrpSpPr>
-        <p:cNvPr id="216" name="Shape 216"/>
+        <p:cNvPr id="221" name="Shape 221"/>
         <p:cNvGrpSpPr/>
         <p:nvPr/>
       </p:nvGrpSpPr>
@@ -17081,7 +20863,7 @@
       </p:grpSpPr>
       <p:sp>
         <p:nvSpPr>
-          <p:cNvPr id="217" name="Google Shape;217;p9"/>
+          <p:cNvPr id="222" name="Google Shape;222;g369690b03c5_0_286"/>
           <p:cNvSpPr txBox="1"/>
           <p:nvPr>
             <p:ph type="title"/>
@@ -17095,10 +20877,6 @@
           <a:prstGeom prst="rect">
             <a:avLst/>
           </a:prstGeom>
-          <a:noFill/>
-          <a:ln>
-            <a:noFill/>
-          </a:ln>
         </p:spPr>
         <p:txBody>
           <a:bodyPr anchorCtr="0" anchor="ctr" bIns="45700" lIns="91425" spcFirstLastPara="1" rIns="91425" wrap="square" tIns="45700">
@@ -17113,24 +20891,11 @@
               <a:spcAft>
                 <a:spcPts val="0"/>
               </a:spcAft>
-              <a:buClr>
-                <a:schemeClr val="dk1"/>
-              </a:buClr>
-              <a:buSzPts val="4400"/>
-              <a:buFont typeface="Calibri"/>
               <a:buNone/>
             </a:pPr>
             <a:r>
-              <a:rPr lang="en-US" sz="4400">
-                <a:solidFill>
-                  <a:schemeClr val="dk1"/>
-                </a:solidFill>
-                <a:latin typeface="Calibri"/>
-                <a:ea typeface="Calibri"/>
-                <a:cs typeface="Calibri"/>
-                <a:sym typeface="Calibri"/>
-              </a:rPr>
-              <a:t>Temporal Databases</a:t>
+              <a:rPr lang="en-US"/>
+              <a:t>New Primitives for Object-Relational Queries</a:t>
             </a:r>
             <a:endParaRPr/>
           </a:p>
@@ -17138,203 +20903,7 @@
       </p:sp>
       <p:sp>
         <p:nvSpPr>
-          <p:cNvPr id="218" name="Google Shape;218;p9"/>
-          <p:cNvSpPr txBox="1"/>
-          <p:nvPr>
-            <p:ph idx="1" type="body"/>
-          </p:nvPr>
-        </p:nvSpPr>
-        <p:spPr>
-          <a:xfrm>
-            <a:off x="457200" y="1600200"/>
-            <a:ext cx="8229600" cy="4525963"/>
-          </a:xfrm>
-          <a:prstGeom prst="rect">
-            <a:avLst/>
-          </a:prstGeom>
-          <a:noFill/>
-          <a:ln>
-            <a:noFill/>
-          </a:ln>
-        </p:spPr>
-        <p:txBody>
-          <a:bodyPr anchorCtr="0" anchor="t" bIns="45700" lIns="91425" spcFirstLastPara="1" rIns="91425" wrap="square" tIns="45700">
-            <a:normAutofit/>
-          </a:bodyPr>
-          <a:lstStyle/>
-          <a:p>
-            <a:pPr indent="-342900" lvl="0" marL="342900" rtl="0" algn="l">
-              <a:spcBef>
-                <a:spcPts val="0"/>
-              </a:spcBef>
-              <a:spcAft>
-                <a:spcPts val="0"/>
-              </a:spcAft>
-              <a:buClr>
-                <a:schemeClr val="dk1"/>
-              </a:buClr>
-              <a:buSzPts val="3200"/>
-              <a:buChar char="•"/>
-            </a:pPr>
-            <a:r>
-              <a:rPr lang="en-US" sz="3200">
-                <a:solidFill>
-                  <a:schemeClr val="dk1"/>
-                </a:solidFill>
-                <a:latin typeface="Calibri"/>
-                <a:ea typeface="Calibri"/>
-                <a:cs typeface="Calibri"/>
-                <a:sym typeface="Calibri"/>
-              </a:rPr>
-              <a:t>• Time-varying data support.</a:t>
-            </a:r>
-            <a:endParaRPr/>
-          </a:p>
-          <a:p>
-            <a:pPr indent="-342900" lvl="0" marL="342900" rtl="0" algn="l">
-              <a:spcBef>
-                <a:spcPts val="640"/>
-              </a:spcBef>
-              <a:spcAft>
-                <a:spcPts val="0"/>
-              </a:spcAft>
-              <a:buClr>
-                <a:schemeClr val="dk1"/>
-              </a:buClr>
-              <a:buSzPts val="3200"/>
-              <a:buChar char="•"/>
-            </a:pPr>
-            <a:r>
-              <a:rPr lang="en-US" sz="3200">
-                <a:solidFill>
-                  <a:schemeClr val="dk1"/>
-                </a:solidFill>
-                <a:latin typeface="Calibri"/>
-                <a:ea typeface="Calibri"/>
-                <a:cs typeface="Calibri"/>
-                <a:sym typeface="Calibri"/>
-              </a:rPr>
-              <a:t>• Time dimensions:</a:t>
-            </a:r>
-            <a:endParaRPr/>
-          </a:p>
-          <a:p>
-            <a:pPr indent="-342900" lvl="0" marL="342900" rtl="0" algn="l">
-              <a:spcBef>
-                <a:spcPts val="640"/>
-              </a:spcBef>
-              <a:spcAft>
-                <a:spcPts val="0"/>
-              </a:spcAft>
-              <a:buClr>
-                <a:schemeClr val="dk1"/>
-              </a:buClr>
-              <a:buSzPts val="3200"/>
-              <a:buChar char="•"/>
-            </a:pPr>
-            <a:r>
-              <a:rPr lang="en-US" sz="3200">
-                <a:solidFill>
-                  <a:schemeClr val="dk1"/>
-                </a:solidFill>
-                <a:latin typeface="Calibri"/>
-                <a:ea typeface="Calibri"/>
-                <a:cs typeface="Calibri"/>
-                <a:sym typeface="Calibri"/>
-              </a:rPr>
-              <a:t>  - Valid time: Real-world validity</a:t>
-            </a:r>
-            <a:endParaRPr/>
-          </a:p>
-          <a:p>
-            <a:pPr indent="-342900" lvl="0" marL="342900" rtl="0" algn="l">
-              <a:spcBef>
-                <a:spcPts val="640"/>
-              </a:spcBef>
-              <a:spcAft>
-                <a:spcPts val="0"/>
-              </a:spcAft>
-              <a:buClr>
-                <a:schemeClr val="dk1"/>
-              </a:buClr>
-              <a:buSzPts val="3200"/>
-              <a:buChar char="•"/>
-            </a:pPr>
-            <a:r>
-              <a:rPr lang="en-US" sz="3200">
-                <a:solidFill>
-                  <a:schemeClr val="dk1"/>
-                </a:solidFill>
-                <a:latin typeface="Calibri"/>
-                <a:ea typeface="Calibri"/>
-                <a:cs typeface="Calibri"/>
-                <a:sym typeface="Calibri"/>
-              </a:rPr>
-              <a:t>  - Transaction time: Stored in DB</a:t>
-            </a:r>
-            <a:endParaRPr/>
-          </a:p>
-          <a:p>
-            <a:pPr indent="-342900" lvl="0" marL="342900" rtl="0" algn="l">
-              <a:spcBef>
-                <a:spcPts val="640"/>
-              </a:spcBef>
-              <a:spcAft>
-                <a:spcPts val="0"/>
-              </a:spcAft>
-              <a:buClr>
-                <a:schemeClr val="dk1"/>
-              </a:buClr>
-              <a:buSzPts val="3200"/>
-              <a:buChar char="•"/>
-            </a:pPr>
-            <a:r>
-              <a:rPr lang="en-US" sz="3200">
-                <a:solidFill>
-                  <a:schemeClr val="dk1"/>
-                </a:solidFill>
-                <a:latin typeface="Calibri"/>
-                <a:ea typeface="Calibri"/>
-                <a:cs typeface="Calibri"/>
-                <a:sym typeface="Calibri"/>
-              </a:rPr>
-              <a:t>• SQL extensions: AS OF, VALID BETWEEN, TEMPORAL JOIN</a:t>
-            </a:r>
-            <a:endParaRPr/>
-          </a:p>
-          <a:p>
-            <a:pPr indent="-342900" lvl="0" marL="342900" rtl="0" algn="l">
-              <a:spcBef>
-                <a:spcPts val="640"/>
-              </a:spcBef>
-              <a:spcAft>
-                <a:spcPts val="0"/>
-              </a:spcAft>
-              <a:buClr>
-                <a:schemeClr val="dk1"/>
-              </a:buClr>
-              <a:buSzPts val="3200"/>
-              <a:buChar char="•"/>
-            </a:pPr>
-            <a:r>
-              <a:rPr lang="en-US" sz="3200">
-                <a:solidFill>
-                  <a:schemeClr val="dk1"/>
-                </a:solidFill>
-                <a:latin typeface="Calibri"/>
-                <a:ea typeface="Calibri"/>
-                <a:cs typeface="Calibri"/>
-                <a:sym typeface="Calibri"/>
-              </a:rPr>
-              <a:t>• Applications: Auditing, compliance, time-series analysis.</a:t>
-            </a:r>
-            <a:endParaRPr/>
-          </a:p>
-        </p:txBody>
-      </p:sp>
-      <p:sp>
-        <p:nvSpPr>
-          <p:cNvPr id="219" name="Google Shape;219;p9"/>
+          <p:cNvPr id="223" name="Google Shape;223;g369690b03c5_0_286"/>
           <p:cNvSpPr txBox="1"/>
           <p:nvPr>
             <p:ph idx="12" type="sldNum"/>
@@ -17362,6 +20931,10 @@
               <a:spcAft>
                 <a:spcPts val="0"/>
               </a:spcAft>
+              <a:buClr>
+                <a:srgbClr val="000000"/>
+              </a:buClr>
+              <a:buFont typeface="Arial"/>
               <a:buNone/>
             </a:pPr>
             <a:fld id="{00000000-1234-1234-1234-123412341234}" type="slidenum">
@@ -17372,6 +20945,426 @@
           </a:p>
         </p:txBody>
       </p:sp>
+      <p:graphicFrame>
+        <p:nvGraphicFramePr>
+          <p:cNvPr id="224" name="Google Shape;224;g369690b03c5_0_286"/>
+          <p:cNvGraphicFramePr/>
+          <p:nvPr/>
+        </p:nvGraphicFramePr>
+        <p:xfrm>
+          <a:off x="640775" y="1832250"/>
+          <a:ext cx="3000000" cy="3000000"/>
+        </p:xfrm>
+        <a:graphic>
+          <a:graphicData uri="http://schemas.openxmlformats.org/drawingml/2006/table">
+            <a:tbl>
+              <a:tblPr>
+                <a:noFill/>
+                <a:tableStyleId>{ABEECC2D-46B7-479A-9ED5-5D4BAB515CA6}</a:tableStyleId>
+              </a:tblPr>
+              <a:tblGrid>
+                <a:gridCol w="382850"/>
+                <a:gridCol w="6856150"/>
+              </a:tblGrid>
+              <a:tr h="381000">
+                <a:tc>
+                  <a:txBody>
+                    <a:bodyPr/>
+                    <a:lstStyle/>
+                    <a:p>
+                      <a:pPr indent="0" lvl="0" marL="0" rtl="0" algn="l">
+                        <a:spcBef>
+                          <a:spcPts val="0"/>
+                        </a:spcBef>
+                        <a:spcAft>
+                          <a:spcPts val="0"/>
+                        </a:spcAft>
+                        <a:buNone/>
+                      </a:pPr>
+                      <a:r>
+                        <a:rPr lang="en-US" sz="1200">
+                          <a:latin typeface="Cambria"/>
+                          <a:ea typeface="Cambria"/>
+                          <a:cs typeface="Cambria"/>
+                          <a:sym typeface="Cambria"/>
+                        </a:rPr>
+                        <a:t>9</a:t>
+                      </a:r>
+                      <a:endParaRPr sz="1200">
+                        <a:latin typeface="Cambria"/>
+                        <a:ea typeface="Cambria"/>
+                        <a:cs typeface="Cambria"/>
+                        <a:sym typeface="Cambria"/>
+                      </a:endParaRPr>
+                    </a:p>
+                  </a:txBody>
+                  <a:tcPr marT="91425" marB="91425" marR="91425" marL="91425"/>
+                </a:tc>
+                <a:tc>
+                  <a:txBody>
+                    <a:bodyPr/>
+                    <a:lstStyle/>
+                    <a:p>
+                      <a:pPr indent="0" lvl="0" marL="0" rtl="0" algn="l">
+                        <a:spcBef>
+                          <a:spcPts val="0"/>
+                        </a:spcBef>
+                        <a:spcAft>
+                          <a:spcPts val="0"/>
+                        </a:spcAft>
+                        <a:buNone/>
+                      </a:pPr>
+                      <a:r>
+                        <a:rPr lang="en-US" sz="1200">
+                          <a:solidFill>
+                            <a:schemeClr val="dk1"/>
+                          </a:solidFill>
+                          <a:latin typeface="Cambria"/>
+                          <a:ea typeface="Cambria"/>
+                          <a:cs typeface="Cambria"/>
+                          <a:sym typeface="Cambria"/>
+                        </a:rPr>
+                        <a:t>Extended Join Operations</a:t>
+                      </a:r>
+                      <a:endParaRPr sz="1200">
+                        <a:solidFill>
+                          <a:schemeClr val="dk1"/>
+                        </a:solidFill>
+                        <a:latin typeface="Cambria"/>
+                        <a:ea typeface="Cambria"/>
+                        <a:cs typeface="Cambria"/>
+                        <a:sym typeface="Cambria"/>
+                      </a:endParaRPr>
+                    </a:p>
+                  </a:txBody>
+                  <a:tcPr marT="91425" marB="91425" marR="91425" marL="91425"/>
+                </a:tc>
+              </a:tr>
+              <a:tr h="381000">
+                <a:tc>
+                  <a:txBody>
+                    <a:bodyPr/>
+                    <a:lstStyle/>
+                    <a:p>
+                      <a:pPr indent="0" lvl="0" marL="0" rtl="0" algn="l">
+                        <a:spcBef>
+                          <a:spcPts val="0"/>
+                        </a:spcBef>
+                        <a:spcAft>
+                          <a:spcPts val="0"/>
+                        </a:spcAft>
+                        <a:buNone/>
+                      </a:pPr>
+                      <a:r>
+                        <a:t/>
+                      </a:r>
+                      <a:endParaRPr sz="1200">
+                        <a:latin typeface="Cambria"/>
+                        <a:ea typeface="Cambria"/>
+                        <a:cs typeface="Cambria"/>
+                        <a:sym typeface="Cambria"/>
+                      </a:endParaRPr>
+                    </a:p>
+                  </a:txBody>
+                  <a:tcPr marT="91425" marB="91425" marR="91425" marL="91425"/>
+                </a:tc>
+                <a:tc>
+                  <a:txBody>
+                    <a:bodyPr/>
+                    <a:lstStyle/>
+                    <a:p>
+                      <a:pPr indent="0" lvl="0" marL="0" rtl="0" algn="l">
+                        <a:spcBef>
+                          <a:spcPts val="0"/>
+                        </a:spcBef>
+                        <a:spcAft>
+                          <a:spcPts val="0"/>
+                        </a:spcAft>
+                        <a:buClr>
+                          <a:schemeClr val="dk1"/>
+                        </a:buClr>
+                        <a:buSzPts val="1100"/>
+                        <a:buFont typeface="Arial"/>
+                        <a:buNone/>
+                      </a:pPr>
+                      <a:r>
+                        <a:rPr lang="en-US" sz="1200">
+                          <a:solidFill>
+                            <a:schemeClr val="dk1"/>
+                          </a:solidFill>
+                          <a:latin typeface="Cambria"/>
+                          <a:ea typeface="Cambria"/>
+                          <a:cs typeface="Cambria"/>
+                          <a:sym typeface="Cambria"/>
+                        </a:rPr>
+                        <a:t>SELECT s.name, c.title</a:t>
+                      </a:r>
+                      <a:endParaRPr sz="1200">
+                        <a:solidFill>
+                          <a:schemeClr val="dk1"/>
+                        </a:solidFill>
+                        <a:latin typeface="Cambria"/>
+                        <a:ea typeface="Cambria"/>
+                        <a:cs typeface="Cambria"/>
+                        <a:sym typeface="Cambria"/>
+                      </a:endParaRPr>
+                    </a:p>
+                    <a:p>
+                      <a:pPr indent="0" lvl="0" marL="0" rtl="0" algn="l">
+                        <a:spcBef>
+                          <a:spcPts val="0"/>
+                        </a:spcBef>
+                        <a:spcAft>
+                          <a:spcPts val="0"/>
+                        </a:spcAft>
+                        <a:buClr>
+                          <a:schemeClr val="dk1"/>
+                        </a:buClr>
+                        <a:buSzPts val="1100"/>
+                        <a:buFont typeface="Arial"/>
+                        <a:buNone/>
+                      </a:pPr>
+                      <a:r>
+                        <a:rPr lang="en-US" sz="1200">
+                          <a:solidFill>
+                            <a:schemeClr val="dk1"/>
+                          </a:solidFill>
+                          <a:latin typeface="Cambria"/>
+                          <a:ea typeface="Cambria"/>
+                          <a:cs typeface="Cambria"/>
+                          <a:sym typeface="Cambria"/>
+                        </a:rPr>
+                        <a:t>FROM Student s</a:t>
+                      </a:r>
+                      <a:endParaRPr sz="1200">
+                        <a:solidFill>
+                          <a:schemeClr val="dk1"/>
+                        </a:solidFill>
+                        <a:latin typeface="Cambria"/>
+                        <a:ea typeface="Cambria"/>
+                        <a:cs typeface="Cambria"/>
+                        <a:sym typeface="Cambria"/>
+                      </a:endParaRPr>
+                    </a:p>
+                    <a:p>
+                      <a:pPr indent="0" lvl="0" marL="0" rtl="0" algn="l">
+                        <a:spcBef>
+                          <a:spcPts val="0"/>
+                        </a:spcBef>
+                        <a:spcAft>
+                          <a:spcPts val="0"/>
+                        </a:spcAft>
+                        <a:buClr>
+                          <a:schemeClr val="dk1"/>
+                        </a:buClr>
+                        <a:buSzPts val="1100"/>
+                        <a:buFont typeface="Arial"/>
+                        <a:buNone/>
+                      </a:pPr>
+                      <a:r>
+                        <a:rPr lang="en-US" sz="1200">
+                          <a:solidFill>
+                            <a:schemeClr val="dk1"/>
+                          </a:solidFill>
+                          <a:latin typeface="Cambria"/>
+                          <a:ea typeface="Cambria"/>
+                          <a:cs typeface="Cambria"/>
+                          <a:sym typeface="Cambria"/>
+                        </a:rPr>
+                        <a:t>JOIN Enrollment e ON s.id = e.student_id</a:t>
+                      </a:r>
+                      <a:endParaRPr sz="1200">
+                        <a:solidFill>
+                          <a:schemeClr val="dk1"/>
+                        </a:solidFill>
+                        <a:latin typeface="Cambria"/>
+                        <a:ea typeface="Cambria"/>
+                        <a:cs typeface="Cambria"/>
+                        <a:sym typeface="Cambria"/>
+                      </a:endParaRPr>
+                    </a:p>
+                    <a:p>
+                      <a:pPr indent="0" lvl="0" marL="0" rtl="0" algn="l">
+                        <a:spcBef>
+                          <a:spcPts val="0"/>
+                        </a:spcBef>
+                        <a:spcAft>
+                          <a:spcPts val="0"/>
+                        </a:spcAft>
+                        <a:buNone/>
+                      </a:pPr>
+                      <a:r>
+                        <a:rPr lang="en-US" sz="1200">
+                          <a:solidFill>
+                            <a:schemeClr val="dk1"/>
+                          </a:solidFill>
+                          <a:latin typeface="Cambria"/>
+                          <a:ea typeface="Cambria"/>
+                          <a:cs typeface="Cambria"/>
+                          <a:sym typeface="Cambria"/>
+                        </a:rPr>
+                        <a:t>JOIN Course c ON e.course_id = c.course_id;</a:t>
+                      </a:r>
+                      <a:endParaRPr sz="1200">
+                        <a:solidFill>
+                          <a:schemeClr val="dk1"/>
+                        </a:solidFill>
+                        <a:latin typeface="Cambria"/>
+                        <a:ea typeface="Cambria"/>
+                        <a:cs typeface="Cambria"/>
+                        <a:sym typeface="Cambria"/>
+                      </a:endParaRPr>
+                    </a:p>
+                  </a:txBody>
+                  <a:tcPr marT="91425" marB="91425" marR="91425" marL="91425"/>
+                </a:tc>
+              </a:tr>
+              <a:tr h="381000">
+                <a:tc>
+                  <a:txBody>
+                    <a:bodyPr/>
+                    <a:lstStyle/>
+                    <a:p>
+                      <a:pPr indent="0" lvl="0" marL="0" rtl="0" algn="l">
+                        <a:spcBef>
+                          <a:spcPts val="0"/>
+                        </a:spcBef>
+                        <a:spcAft>
+                          <a:spcPts val="0"/>
+                        </a:spcAft>
+                        <a:buNone/>
+                      </a:pPr>
+                      <a:r>
+                        <a:rPr lang="en-US" sz="1200">
+                          <a:latin typeface="Cambria"/>
+                          <a:ea typeface="Cambria"/>
+                          <a:cs typeface="Cambria"/>
+                          <a:sym typeface="Cambria"/>
+                        </a:rPr>
+                        <a:t>10</a:t>
+                      </a:r>
+                      <a:endParaRPr sz="1200">
+                        <a:latin typeface="Cambria"/>
+                        <a:ea typeface="Cambria"/>
+                        <a:cs typeface="Cambria"/>
+                        <a:sym typeface="Cambria"/>
+                      </a:endParaRPr>
+                    </a:p>
+                  </a:txBody>
+                  <a:tcPr marT="91425" marB="91425" marR="91425" marL="91425"/>
+                </a:tc>
+                <a:tc>
+                  <a:txBody>
+                    <a:bodyPr/>
+                    <a:lstStyle/>
+                    <a:p>
+                      <a:pPr indent="0" lvl="0" marL="0" rtl="0" algn="l">
+                        <a:spcBef>
+                          <a:spcPts val="0"/>
+                        </a:spcBef>
+                        <a:spcAft>
+                          <a:spcPts val="0"/>
+                        </a:spcAft>
+                        <a:buNone/>
+                      </a:pPr>
+                      <a:r>
+                        <a:rPr lang="en-US" sz="1200">
+                          <a:solidFill>
+                            <a:schemeClr val="dk1"/>
+                          </a:solidFill>
+                          <a:latin typeface="Cambria"/>
+                          <a:ea typeface="Cambria"/>
+                          <a:cs typeface="Cambria"/>
+                          <a:sym typeface="Cambria"/>
+                        </a:rPr>
+                        <a:t>Object Creation and Manipulation</a:t>
+                      </a:r>
+                      <a:endParaRPr sz="1200">
+                        <a:solidFill>
+                          <a:schemeClr val="dk1"/>
+                        </a:solidFill>
+                        <a:latin typeface="Cambria"/>
+                        <a:ea typeface="Cambria"/>
+                        <a:cs typeface="Cambria"/>
+                        <a:sym typeface="Cambria"/>
+                      </a:endParaRPr>
+                    </a:p>
+                  </a:txBody>
+                  <a:tcPr marT="91425" marB="91425" marR="91425" marL="91425"/>
+                </a:tc>
+              </a:tr>
+              <a:tr h="381000">
+                <a:tc>
+                  <a:txBody>
+                    <a:bodyPr/>
+                    <a:lstStyle/>
+                    <a:p>
+                      <a:pPr indent="0" lvl="0" marL="0" rtl="0" algn="l">
+                        <a:spcBef>
+                          <a:spcPts val="0"/>
+                        </a:spcBef>
+                        <a:spcAft>
+                          <a:spcPts val="0"/>
+                        </a:spcAft>
+                        <a:buNone/>
+                      </a:pPr>
+                      <a:r>
+                        <a:t/>
+                      </a:r>
+                      <a:endParaRPr sz="1200">
+                        <a:latin typeface="Cambria"/>
+                        <a:ea typeface="Cambria"/>
+                        <a:cs typeface="Cambria"/>
+                        <a:sym typeface="Cambria"/>
+                      </a:endParaRPr>
+                    </a:p>
+                  </a:txBody>
+                  <a:tcPr marT="91425" marB="91425" marR="91425" marL="91425"/>
+                </a:tc>
+                <a:tc>
+                  <a:txBody>
+                    <a:bodyPr/>
+                    <a:lstStyle/>
+                    <a:p>
+                      <a:pPr indent="0" lvl="0" marL="0" rtl="0" algn="l">
+                        <a:spcBef>
+                          <a:spcPts val="0"/>
+                        </a:spcBef>
+                        <a:spcAft>
+                          <a:spcPts val="0"/>
+                        </a:spcAft>
+                        <a:buNone/>
+                      </a:pPr>
+                      <a:r>
+                        <a:rPr lang="en-US" sz="1200">
+                          <a:solidFill>
+                            <a:schemeClr val="dk1"/>
+                          </a:solidFill>
+                          <a:latin typeface="Cambria"/>
+                          <a:ea typeface="Cambria"/>
+                          <a:cs typeface="Cambria"/>
+                          <a:sym typeface="Cambria"/>
+                        </a:rPr>
+                        <a:t>INSERT INTO Student VALUES (NEW Student( ... ));</a:t>
+                      </a:r>
+                      <a:endParaRPr sz="1200">
+                        <a:solidFill>
+                          <a:schemeClr val="dk1"/>
+                        </a:solidFill>
+                        <a:latin typeface="Cambria"/>
+                        <a:ea typeface="Cambria"/>
+                        <a:cs typeface="Cambria"/>
+                        <a:sym typeface="Cambria"/>
+                      </a:endParaRPr>
+                    </a:p>
+                  </a:txBody>
+                  <a:tcPr marT="91425" marB="91425" marR="91425" marL="91425"/>
+                </a:tc>
+              </a:tr>
+            </a:tbl>
+          </a:graphicData>
+        </a:graphic>
+      </p:graphicFrame>
     </p:spTree>
   </p:cSld>
   <p:clrMapOvr>
@@ -17752,7 +21745,7 @@
   <p:cSld>
     <p:spTree>
       <p:nvGrpSpPr>
-        <p:cNvPr id="223" name="Shape 223"/>
+        <p:cNvPr id="228" name="Shape 228"/>
         <p:cNvGrpSpPr/>
         <p:nvPr/>
       </p:nvGrpSpPr>
@@ -17766,7 +21759,7 @@
       </p:grpSpPr>
       <p:sp>
         <p:nvSpPr>
-          <p:cNvPr id="224" name="Google Shape;224;p10"/>
+          <p:cNvPr id="229" name="Google Shape;229;p5"/>
           <p:cNvSpPr txBox="1"/>
           <p:nvPr>
             <p:ph type="title"/>
@@ -17815,7 +21808,7 @@
                 <a:cs typeface="Calibri"/>
                 <a:sym typeface="Calibri"/>
               </a:rPr>
-              <a:t>Spatial Databases</a:t>
+              <a:t>Complex Data Types</a:t>
             </a:r>
             <a:endParaRPr/>
           </a:p>
@@ -17823,7 +21816,7 @@
       </p:sp>
       <p:sp>
         <p:nvSpPr>
-          <p:cNvPr id="225" name="Google Shape;225;p10"/>
+          <p:cNvPr id="230" name="Google Shape;230;p5"/>
           <p:cNvSpPr txBox="1"/>
           <p:nvPr>
             <p:ph idx="1" type="body"/>
@@ -17871,7 +21864,7 @@
                 <a:cs typeface="Calibri"/>
                 <a:sym typeface="Calibri"/>
               </a:rPr>
-              <a:t>• Store geographic data.</a:t>
+              <a:t>• Structured Types: Nested records/tuples.</a:t>
             </a:r>
             <a:endParaRPr/>
           </a:p>
@@ -17899,7 +21892,7 @@
                 <a:cs typeface="Calibri"/>
                 <a:sym typeface="Calibri"/>
               </a:rPr>
-              <a:t>• Data types: Points, lines, polygons.</a:t>
+              <a:t>• Arrays: Indexed collections.</a:t>
             </a:r>
             <a:endParaRPr/>
           </a:p>
@@ -17927,7 +21920,7 @@
                 <a:cs typeface="Calibri"/>
                 <a:sym typeface="Calibri"/>
               </a:rPr>
-              <a:t>• Indexing: R-trees, Quadtrees.</a:t>
+              <a:t>• Multisets: Unordered collections with duplicates.</a:t>
             </a:r>
             <a:endParaRPr/>
           </a:p>
@@ -17955,35 +21948,7 @@
                 <a:cs typeface="Calibri"/>
                 <a:sym typeface="Calibri"/>
               </a:rPr>
-              <a:t>• Spatial Queries: ST_Contains(), ST_Intersects(), ST_Distance()</a:t>
-            </a:r>
-            <a:endParaRPr/>
-          </a:p>
-          <a:p>
-            <a:pPr indent="-342900" lvl="0" marL="342900" rtl="0" algn="l">
-              <a:spcBef>
-                <a:spcPts val="640"/>
-              </a:spcBef>
-              <a:spcAft>
-                <a:spcPts val="0"/>
-              </a:spcAft>
-              <a:buClr>
-                <a:schemeClr val="dk1"/>
-              </a:buClr>
-              <a:buSzPts val="3200"/>
-              <a:buChar char="•"/>
-            </a:pPr>
-            <a:r>
-              <a:rPr lang="en-US" sz="3200">
-                <a:solidFill>
-                  <a:schemeClr val="dk1"/>
-                </a:solidFill>
-                <a:latin typeface="Calibri"/>
-                <a:ea typeface="Calibri"/>
-                <a:cs typeface="Calibri"/>
-                <a:sym typeface="Calibri"/>
-              </a:rPr>
-              <a:t>• Applications: GIS, GPS, urban planning.</a:t>
+              <a:t>• Use cases: Scientific data, multimedia, e-commerce catalogs.</a:t>
             </a:r>
             <a:endParaRPr/>
           </a:p>
@@ -17991,7 +21956,7 @@
       </p:sp>
       <p:sp>
         <p:nvSpPr>
-          <p:cNvPr id="226" name="Google Shape;226;p10"/>
+          <p:cNvPr id="231" name="Google Shape;231;p5"/>
           <p:cNvSpPr txBox="1"/>
           <p:nvPr>
             <p:ph idx="12" type="sldNum"/>
@@ -18042,7 +22007,7 @@
   <p:cSld>
     <p:spTree>
       <p:nvGrpSpPr>
-        <p:cNvPr id="230" name="Shape 230"/>
+        <p:cNvPr id="235" name="Shape 235"/>
         <p:cNvGrpSpPr/>
         <p:nvPr/>
       </p:nvGrpSpPr>
@@ -18056,7 +22021,7 @@
       </p:grpSpPr>
       <p:sp>
         <p:nvSpPr>
-          <p:cNvPr id="231" name="Google Shape;231;p11"/>
+          <p:cNvPr id="236" name="Google Shape;236;p6"/>
           <p:cNvSpPr txBox="1"/>
           <p:nvPr>
             <p:ph type="title"/>
@@ -18105,7 +22070,7 @@
                 <a:cs typeface="Calibri"/>
                 <a:sym typeface="Calibri"/>
               </a:rPr>
-              <a:t>Multimedia Databases</a:t>
+              <a:t>Inheritance and Object Identity</a:t>
             </a:r>
             <a:endParaRPr/>
           </a:p>
@@ -18113,7 +22078,7 @@
       </p:sp>
       <p:sp>
         <p:nvSpPr>
-          <p:cNvPr id="232" name="Google Shape;232;p11"/>
+          <p:cNvPr id="237" name="Google Shape;237;p6"/>
           <p:cNvSpPr txBox="1"/>
           <p:nvPr>
             <p:ph idx="1" type="body"/>
@@ -18161,7 +22126,7 @@
                 <a:cs typeface="Calibri"/>
                 <a:sym typeface="Calibri"/>
               </a:rPr>
-              <a:t>• Store/retrieve multimedia: audio, video, image.</a:t>
+              <a:t>• Inheritance: Enables polymorphism in queries.</a:t>
             </a:r>
             <a:endParaRPr/>
           </a:p>
@@ -18189,7 +22154,7 @@
                 <a:cs typeface="Calibri"/>
                 <a:sym typeface="Calibri"/>
               </a:rPr>
-              <a:t>• Challenges: Size, compression, retrieval.</a:t>
+              <a:t>• Object Identity (OID): Unique ID for objects.</a:t>
             </a:r>
             <a:endParaRPr/>
           </a:p>
@@ -18217,35 +22182,7 @@
                 <a:cs typeface="Calibri"/>
                 <a:sym typeface="Calibri"/>
               </a:rPr>
-              <a:t>• Indexing: Feature-based (e.g., color histograms).</a:t>
-            </a:r>
-            <a:endParaRPr/>
-          </a:p>
-          <a:p>
-            <a:pPr indent="-342900" lvl="0" marL="342900" rtl="0" algn="l">
-              <a:spcBef>
-                <a:spcPts val="640"/>
-              </a:spcBef>
-              <a:spcAft>
-                <a:spcPts val="0"/>
-              </a:spcAft>
-              <a:buClr>
-                <a:schemeClr val="dk1"/>
-              </a:buClr>
-              <a:buSzPts val="3200"/>
-              <a:buChar char="•"/>
-            </a:pPr>
-            <a:r>
-              <a:rPr lang="en-US" sz="3200">
-                <a:solidFill>
-                  <a:schemeClr val="dk1"/>
-                </a:solidFill>
-                <a:latin typeface="Calibri"/>
-                <a:ea typeface="Calibri"/>
-                <a:cs typeface="Calibri"/>
-                <a:sym typeface="Calibri"/>
-              </a:rPr>
-              <a:t>• Use cases: Libraries, surveillance, entertainment.</a:t>
+              <a:t>• Reference Types: Objects pointing to others using REF types in SQL.</a:t>
             </a:r>
             <a:endParaRPr/>
           </a:p>
@@ -18253,7 +22190,7 @@
       </p:sp>
       <p:sp>
         <p:nvSpPr>
-          <p:cNvPr id="233" name="Google Shape;233;p11"/>
+          <p:cNvPr id="238" name="Google Shape;238;p6"/>
           <p:cNvSpPr txBox="1"/>
           <p:nvPr>
             <p:ph idx="12" type="sldNum"/>
@@ -18304,7 +22241,7 @@
   <p:cSld>
     <p:spTree>
       <p:nvGrpSpPr>
-        <p:cNvPr id="237" name="Shape 237"/>
+        <p:cNvPr id="242" name="Shape 242"/>
         <p:cNvGrpSpPr/>
         <p:nvPr/>
       </p:nvGrpSpPr>
@@ -18318,7 +22255,7 @@
       </p:grpSpPr>
       <p:sp>
         <p:nvSpPr>
-          <p:cNvPr id="238" name="Google Shape;238;p12"/>
+          <p:cNvPr id="243" name="Google Shape;243;p7"/>
           <p:cNvSpPr txBox="1"/>
           <p:nvPr>
             <p:ph type="title"/>
@@ -18367,7 +22304,7 @@
                 <a:cs typeface="Calibri"/>
                 <a:sym typeface="Calibri"/>
               </a:rPr>
-              <a:t>Mobile Databases</a:t>
+              <a:t>Object-Relational Queries</a:t>
             </a:r>
             <a:endParaRPr/>
           </a:p>
@@ -18375,7 +22312,7 @@
       </p:sp>
       <p:sp>
         <p:nvSpPr>
-          <p:cNvPr id="239" name="Google Shape;239;p12"/>
+          <p:cNvPr id="244" name="Google Shape;244;p7"/>
           <p:cNvSpPr txBox="1"/>
           <p:nvPr>
             <p:ph idx="1" type="body"/>
@@ -18423,7 +22360,7 @@
                 <a:cs typeface="Calibri"/>
                 <a:sym typeface="Calibri"/>
               </a:rPr>
-              <a:t>• Used on disconnected/mobile devices.</a:t>
+              <a:t>• Dot notation and path expressions (e.g., student.advisor.name).</a:t>
             </a:r>
             <a:endParaRPr/>
           </a:p>
@@ -18451,7 +22388,7 @@
                 <a:cs typeface="Calibri"/>
                 <a:sym typeface="Calibri"/>
               </a:rPr>
-              <a:t>• Challenges: Battery, memory, sync.</a:t>
+              <a:t>• Dereferencing REF types.</a:t>
             </a:r>
             <a:endParaRPr/>
           </a:p>
@@ -18479,7 +22416,7 @@
                 <a:cs typeface="Calibri"/>
                 <a:sym typeface="Calibri"/>
               </a:rPr>
-              <a:t>• Strategies: Caching, replication, adaptive queries.</a:t>
+              <a:t>• Querying object methods (e.g., student.getAge()).</a:t>
             </a:r>
             <a:endParaRPr/>
           </a:p>
@@ -18507,7 +22444,7 @@
                 <a:cs typeface="Calibri"/>
                 <a:sym typeface="Calibri"/>
               </a:rPr>
-              <a:t>• Applications: Field surveys, offline apps, location services.</a:t>
+              <a:t>• SQL Extensions: UNDER, TREAT, table inheritance.</a:t>
             </a:r>
             <a:endParaRPr/>
           </a:p>
@@ -18515,7 +22452,7 @@
       </p:sp>
       <p:sp>
         <p:nvSpPr>
-          <p:cNvPr id="240" name="Google Shape;240;p12"/>
+          <p:cNvPr id="245" name="Google Shape;245;p7"/>
           <p:cNvSpPr txBox="1"/>
           <p:nvPr>
             <p:ph idx="12" type="sldNum"/>
@@ -18566,7 +22503,7 @@
   <p:cSld>
     <p:spTree>
       <p:nvGrpSpPr>
-        <p:cNvPr id="244" name="Shape 244"/>
+        <p:cNvPr id="249" name="Shape 249"/>
         <p:cNvGrpSpPr/>
         <p:nvPr/>
       </p:nvGrpSpPr>
@@ -18580,7 +22517,7 @@
       </p:grpSpPr>
       <p:sp>
         <p:nvSpPr>
-          <p:cNvPr id="245" name="Google Shape;245;p13"/>
+          <p:cNvPr id="250" name="Google Shape;250;p8"/>
           <p:cNvSpPr txBox="1"/>
           <p:nvPr>
             <p:ph type="title"/>
@@ -18629,7 +22566,7 @@
                 <a:cs typeface="Calibri"/>
                 <a:sym typeface="Calibri"/>
               </a:rPr>
-              <a:t>Summary</a:t>
+              <a:t>Persistent Programming Languages</a:t>
             </a:r>
             <a:endParaRPr/>
           </a:p>
@@ -18637,7 +22574,7 @@
       </p:sp>
       <p:sp>
         <p:nvSpPr>
-          <p:cNvPr id="246" name="Google Shape;246;p13"/>
+          <p:cNvPr id="251" name="Google Shape;251;p8"/>
           <p:cNvSpPr txBox="1"/>
           <p:nvPr>
             <p:ph idx="1" type="body"/>
@@ -18685,7 +22622,7 @@
                 <a:cs typeface="Calibri"/>
                 <a:sym typeface="Calibri"/>
               </a:rPr>
-              <a:t>• Modern DBs extend beyond traditional models.</a:t>
+              <a:t>• Traditional DBs: Explicit data load/store.</a:t>
             </a:r>
             <a:endParaRPr/>
           </a:p>
@@ -18713,7 +22650,7 @@
                 <a:cs typeface="Calibri"/>
                 <a:sym typeface="Calibri"/>
               </a:rPr>
-              <a:t>• ORDB/OODB: Add structure and identity.</a:t>
+              <a:t>• Persistent languages: Objects persist across sessions.</a:t>
             </a:r>
             <a:endParaRPr/>
           </a:p>
@@ -18741,7 +22678,7 @@
                 <a:cs typeface="Calibri"/>
                 <a:sym typeface="Calibri"/>
               </a:rPr>
-              <a:t>• Support for temporal, spatial, multimedia data.</a:t>
+              <a:t>• Orthogonal persistence: Storage independence.</a:t>
             </a:r>
             <a:endParaRPr/>
           </a:p>
@@ -18769,7 +22706,7 @@
                 <a:cs typeface="Calibri"/>
                 <a:sym typeface="Calibri"/>
               </a:rPr>
-              <a:t>• Persistence and mobility are shaping DBMS evolution.</a:t>
+              <a:t>• Examples: PJama, db4o, LINQ to SQL, Entity Framework.</a:t>
             </a:r>
             <a:endParaRPr/>
           </a:p>
@@ -18777,7 +22714,7 @@
       </p:sp>
       <p:sp>
         <p:nvSpPr>
-          <p:cNvPr id="247" name="Google Shape;247;p13"/>
+          <p:cNvPr id="252" name="Google Shape;252;p8"/>
           <p:cNvSpPr txBox="1"/>
           <p:nvPr>
             <p:ph idx="12" type="sldNum"/>
@@ -18828,7 +22765,7 @@
   <p:cSld>
     <p:spTree>
       <p:nvGrpSpPr>
-        <p:cNvPr id="251" name="Shape 251"/>
+        <p:cNvPr id="256" name="Shape 256"/>
         <p:cNvGrpSpPr/>
         <p:nvPr/>
       </p:nvGrpSpPr>
@@ -18842,7 +22779,7 @@
       </p:grpSpPr>
       <p:sp>
         <p:nvSpPr>
-          <p:cNvPr id="252" name="Google Shape;252;p14"/>
+          <p:cNvPr id="257" name="Google Shape;257;p9"/>
           <p:cNvSpPr txBox="1"/>
           <p:nvPr>
             <p:ph type="title"/>
@@ -18891,7 +22828,7 @@
                 <a:cs typeface="Calibri"/>
                 <a:sym typeface="Calibri"/>
               </a:rPr>
-              <a:t>References</a:t>
+              <a:t>Temporal Databases</a:t>
             </a:r>
             <a:endParaRPr/>
           </a:p>
@@ -18899,7 +22836,7 @@
       </p:sp>
       <p:sp>
         <p:nvSpPr>
-          <p:cNvPr id="253" name="Google Shape;253;p14"/>
+          <p:cNvPr id="258" name="Google Shape;258;p9"/>
           <p:cNvSpPr txBox="1"/>
           <p:nvPr>
             <p:ph idx="1" type="body"/>
@@ -18947,6 +22884,1400 @@
                 <a:cs typeface="Calibri"/>
                 <a:sym typeface="Calibri"/>
               </a:rPr>
+              <a:t>• Time-varying data support.</a:t>
+            </a:r>
+            <a:endParaRPr/>
+          </a:p>
+          <a:p>
+            <a:pPr indent="-342900" lvl="0" marL="342900" rtl="0" algn="l">
+              <a:spcBef>
+                <a:spcPts val="640"/>
+              </a:spcBef>
+              <a:spcAft>
+                <a:spcPts val="0"/>
+              </a:spcAft>
+              <a:buClr>
+                <a:schemeClr val="dk1"/>
+              </a:buClr>
+              <a:buSzPts val="3200"/>
+              <a:buChar char="•"/>
+            </a:pPr>
+            <a:r>
+              <a:rPr lang="en-US" sz="3200">
+                <a:solidFill>
+                  <a:schemeClr val="dk1"/>
+                </a:solidFill>
+                <a:latin typeface="Calibri"/>
+                <a:ea typeface="Calibri"/>
+                <a:cs typeface="Calibri"/>
+                <a:sym typeface="Calibri"/>
+              </a:rPr>
+              <a:t>• Time dimensions:</a:t>
+            </a:r>
+            <a:endParaRPr/>
+          </a:p>
+          <a:p>
+            <a:pPr indent="-342900" lvl="0" marL="342900" rtl="0" algn="l">
+              <a:spcBef>
+                <a:spcPts val="640"/>
+              </a:spcBef>
+              <a:spcAft>
+                <a:spcPts val="0"/>
+              </a:spcAft>
+              <a:buClr>
+                <a:schemeClr val="dk1"/>
+              </a:buClr>
+              <a:buSzPts val="3200"/>
+              <a:buChar char="•"/>
+            </a:pPr>
+            <a:r>
+              <a:rPr lang="en-US" sz="3200">
+                <a:solidFill>
+                  <a:schemeClr val="dk1"/>
+                </a:solidFill>
+                <a:latin typeface="Calibri"/>
+                <a:ea typeface="Calibri"/>
+                <a:cs typeface="Calibri"/>
+                <a:sym typeface="Calibri"/>
+              </a:rPr>
+              <a:t>  - Valid time: Real-world validity</a:t>
+            </a:r>
+            <a:endParaRPr/>
+          </a:p>
+          <a:p>
+            <a:pPr indent="-342900" lvl="0" marL="342900" rtl="0" algn="l">
+              <a:spcBef>
+                <a:spcPts val="640"/>
+              </a:spcBef>
+              <a:spcAft>
+                <a:spcPts val="0"/>
+              </a:spcAft>
+              <a:buClr>
+                <a:schemeClr val="dk1"/>
+              </a:buClr>
+              <a:buSzPts val="3200"/>
+              <a:buChar char="•"/>
+            </a:pPr>
+            <a:r>
+              <a:rPr lang="en-US" sz="3200">
+                <a:solidFill>
+                  <a:schemeClr val="dk1"/>
+                </a:solidFill>
+                <a:latin typeface="Calibri"/>
+                <a:ea typeface="Calibri"/>
+                <a:cs typeface="Calibri"/>
+                <a:sym typeface="Calibri"/>
+              </a:rPr>
+              <a:t>  - Transaction time: Stored in DB</a:t>
+            </a:r>
+            <a:endParaRPr/>
+          </a:p>
+          <a:p>
+            <a:pPr indent="-342900" lvl="0" marL="342900" rtl="0" algn="l">
+              <a:spcBef>
+                <a:spcPts val="640"/>
+              </a:spcBef>
+              <a:spcAft>
+                <a:spcPts val="0"/>
+              </a:spcAft>
+              <a:buClr>
+                <a:schemeClr val="dk1"/>
+              </a:buClr>
+              <a:buSzPts val="3200"/>
+              <a:buChar char="•"/>
+            </a:pPr>
+            <a:r>
+              <a:rPr lang="en-US" sz="3200">
+                <a:solidFill>
+                  <a:schemeClr val="dk1"/>
+                </a:solidFill>
+                <a:latin typeface="Calibri"/>
+                <a:ea typeface="Calibri"/>
+                <a:cs typeface="Calibri"/>
+                <a:sym typeface="Calibri"/>
+              </a:rPr>
+              <a:t>• SQL extensions: AS OF, VALID BETWEEN, TEMPORAL JOIN</a:t>
+            </a:r>
+            <a:endParaRPr/>
+          </a:p>
+          <a:p>
+            <a:pPr indent="-342900" lvl="0" marL="342900" rtl="0" algn="l">
+              <a:spcBef>
+                <a:spcPts val="640"/>
+              </a:spcBef>
+              <a:spcAft>
+                <a:spcPts val="0"/>
+              </a:spcAft>
+              <a:buClr>
+                <a:schemeClr val="dk1"/>
+              </a:buClr>
+              <a:buSzPts val="3200"/>
+              <a:buChar char="•"/>
+            </a:pPr>
+            <a:r>
+              <a:rPr lang="en-US" sz="3200">
+                <a:solidFill>
+                  <a:schemeClr val="dk1"/>
+                </a:solidFill>
+                <a:latin typeface="Calibri"/>
+                <a:ea typeface="Calibri"/>
+                <a:cs typeface="Calibri"/>
+                <a:sym typeface="Calibri"/>
+              </a:rPr>
+              <a:t>• Applications: Auditing, compliance, time-series analysis.</a:t>
+            </a:r>
+            <a:endParaRPr/>
+          </a:p>
+        </p:txBody>
+      </p:sp>
+      <p:sp>
+        <p:nvSpPr>
+          <p:cNvPr id="259" name="Google Shape;259;p9"/>
+          <p:cNvSpPr txBox="1"/>
+          <p:nvPr>
+            <p:ph idx="12" type="sldNum"/>
+          </p:nvPr>
+        </p:nvSpPr>
+        <p:spPr>
+          <a:xfrm>
+            <a:off x="6553200" y="6356350"/>
+            <a:ext cx="2133600" cy="365100"/>
+          </a:xfrm>
+          <a:prstGeom prst="rect">
+            <a:avLst/>
+          </a:prstGeom>
+        </p:spPr>
+        <p:txBody>
+          <a:bodyPr anchorCtr="0" anchor="ctr" bIns="45700" lIns="91425" spcFirstLastPara="1" rIns="91425" wrap="square" tIns="45700">
+            <a:noAutofit/>
+          </a:bodyPr>
+          <a:lstStyle/>
+          <a:p>
+            <a:pPr indent="0" lvl="0" marL="0" rtl="0" algn="r">
+              <a:spcBef>
+                <a:spcPts val="0"/>
+              </a:spcBef>
+              <a:spcAft>
+                <a:spcPts val="0"/>
+              </a:spcAft>
+              <a:buNone/>
+            </a:pPr>
+            <a:fld id="{00000000-1234-1234-1234-123412341234}" type="slidenum">
+              <a:rPr lang="en-US"/>
+              <a:t>‹#›</a:t>
+            </a:fld>
+            <a:endParaRPr/>
+          </a:p>
+        </p:txBody>
+      </p:sp>
+    </p:spTree>
+  </p:cSld>
+  <p:clrMapOvr>
+    <a:masterClrMapping/>
+  </p:clrMapOvr>
+</p:sld>
+</file>
+
+<file path=ppt/slides/slide25.xml><?xml version="1.0" encoding="utf-8"?>
+<p:sld xmlns:a="http://schemas.openxmlformats.org/drawingml/2006/main" xmlns:r="http://schemas.openxmlformats.org/officeDocument/2006/relationships" xmlns:mc="http://schemas.openxmlformats.org/markup-compatibility/2006" xmlns:mv="urn:schemas-microsoft-com:mac:vml" xmlns:p="http://schemas.openxmlformats.org/presentationml/2006/main" xmlns:c="http://schemas.openxmlformats.org/drawingml/2006/chart" xmlns:dgm="http://schemas.openxmlformats.org/drawingml/2006/diagram" xmlns:o="urn:schemas-microsoft-com:office:office" xmlns:v="urn:schemas-microsoft-com:vml" xmlns:pvml="urn:schemas-microsoft-com:office:powerpoint" xmlns:com="http://schemas.openxmlformats.org/drawingml/2006/compatibility" xmlns:p14="http://schemas.microsoft.com/office/powerpoint/2010/main" xmlns:p15="http://schemas.microsoft.com/office/powerpoint/2012/main" xmlns:ahyp="http://schemas.microsoft.com/office/drawing/2018/hyperlinkcolor">
+  <p:cSld>
+    <p:spTree>
+      <p:nvGrpSpPr>
+        <p:cNvPr id="263" name="Shape 263"/>
+        <p:cNvGrpSpPr/>
+        <p:nvPr/>
+      </p:nvGrpSpPr>
+      <p:grpSpPr>
+        <a:xfrm>
+          <a:off x="0" y="0"/>
+          <a:ext cx="0" cy="0"/>
+          <a:chOff x="0" y="0"/>
+          <a:chExt cx="0" cy="0"/>
+        </a:xfrm>
+      </p:grpSpPr>
+      <p:sp>
+        <p:nvSpPr>
+          <p:cNvPr id="264" name="Google Shape;264;p10"/>
+          <p:cNvSpPr txBox="1"/>
+          <p:nvPr>
+            <p:ph type="title"/>
+          </p:nvPr>
+        </p:nvSpPr>
+        <p:spPr>
+          <a:xfrm>
+            <a:off x="457200" y="274638"/>
+            <a:ext cx="8229600" cy="1143000"/>
+          </a:xfrm>
+          <a:prstGeom prst="rect">
+            <a:avLst/>
+          </a:prstGeom>
+          <a:noFill/>
+          <a:ln>
+            <a:noFill/>
+          </a:ln>
+        </p:spPr>
+        <p:txBody>
+          <a:bodyPr anchorCtr="0" anchor="ctr" bIns="45700" lIns="91425" spcFirstLastPara="1" rIns="91425" wrap="square" tIns="45700">
+            <a:normAutofit/>
+          </a:bodyPr>
+          <a:lstStyle/>
+          <a:p>
+            <a:pPr indent="0" lvl="0" marL="0" rtl="0" algn="ctr">
+              <a:spcBef>
+                <a:spcPts val="0"/>
+              </a:spcBef>
+              <a:spcAft>
+                <a:spcPts val="0"/>
+              </a:spcAft>
+              <a:buClr>
+                <a:schemeClr val="dk1"/>
+              </a:buClr>
+              <a:buSzPts val="4400"/>
+              <a:buFont typeface="Calibri"/>
+              <a:buNone/>
+            </a:pPr>
+            <a:r>
+              <a:rPr lang="en-US" sz="4400">
+                <a:solidFill>
+                  <a:schemeClr val="dk1"/>
+                </a:solidFill>
+                <a:latin typeface="Calibri"/>
+                <a:ea typeface="Calibri"/>
+                <a:cs typeface="Calibri"/>
+                <a:sym typeface="Calibri"/>
+              </a:rPr>
+              <a:t>Spatial Databases</a:t>
+            </a:r>
+            <a:endParaRPr/>
+          </a:p>
+        </p:txBody>
+      </p:sp>
+      <p:sp>
+        <p:nvSpPr>
+          <p:cNvPr id="265" name="Google Shape;265;p10"/>
+          <p:cNvSpPr txBox="1"/>
+          <p:nvPr>
+            <p:ph idx="1" type="body"/>
+          </p:nvPr>
+        </p:nvSpPr>
+        <p:spPr>
+          <a:xfrm>
+            <a:off x="457200" y="1600200"/>
+            <a:ext cx="8229600" cy="4525963"/>
+          </a:xfrm>
+          <a:prstGeom prst="rect">
+            <a:avLst/>
+          </a:prstGeom>
+          <a:noFill/>
+          <a:ln>
+            <a:noFill/>
+          </a:ln>
+        </p:spPr>
+        <p:txBody>
+          <a:bodyPr anchorCtr="0" anchor="t" bIns="45700" lIns="91425" spcFirstLastPara="1" rIns="91425" wrap="square" tIns="45700">
+            <a:normAutofit/>
+          </a:bodyPr>
+          <a:lstStyle/>
+          <a:p>
+            <a:pPr indent="-342900" lvl="0" marL="342900" rtl="0" algn="l">
+              <a:spcBef>
+                <a:spcPts val="0"/>
+              </a:spcBef>
+              <a:spcAft>
+                <a:spcPts val="0"/>
+              </a:spcAft>
+              <a:buClr>
+                <a:schemeClr val="dk1"/>
+              </a:buClr>
+              <a:buSzPts val="3200"/>
+              <a:buChar char="•"/>
+            </a:pPr>
+            <a:r>
+              <a:rPr lang="en-US" sz="3200">
+                <a:solidFill>
+                  <a:schemeClr val="dk1"/>
+                </a:solidFill>
+                <a:latin typeface="Calibri"/>
+                <a:ea typeface="Calibri"/>
+                <a:cs typeface="Calibri"/>
+                <a:sym typeface="Calibri"/>
+              </a:rPr>
+              <a:t>• Store geographic data.</a:t>
+            </a:r>
+            <a:endParaRPr/>
+          </a:p>
+          <a:p>
+            <a:pPr indent="-342900" lvl="0" marL="342900" rtl="0" algn="l">
+              <a:spcBef>
+                <a:spcPts val="640"/>
+              </a:spcBef>
+              <a:spcAft>
+                <a:spcPts val="0"/>
+              </a:spcAft>
+              <a:buClr>
+                <a:schemeClr val="dk1"/>
+              </a:buClr>
+              <a:buSzPts val="3200"/>
+              <a:buChar char="•"/>
+            </a:pPr>
+            <a:r>
+              <a:rPr lang="en-US" sz="3200">
+                <a:solidFill>
+                  <a:schemeClr val="dk1"/>
+                </a:solidFill>
+                <a:latin typeface="Calibri"/>
+                <a:ea typeface="Calibri"/>
+                <a:cs typeface="Calibri"/>
+                <a:sym typeface="Calibri"/>
+              </a:rPr>
+              <a:t>• Data types: Points, lines, polygons.</a:t>
+            </a:r>
+            <a:endParaRPr/>
+          </a:p>
+          <a:p>
+            <a:pPr indent="-342900" lvl="0" marL="342900" rtl="0" algn="l">
+              <a:spcBef>
+                <a:spcPts val="640"/>
+              </a:spcBef>
+              <a:spcAft>
+                <a:spcPts val="0"/>
+              </a:spcAft>
+              <a:buClr>
+                <a:schemeClr val="dk1"/>
+              </a:buClr>
+              <a:buSzPts val="3200"/>
+              <a:buChar char="•"/>
+            </a:pPr>
+            <a:r>
+              <a:rPr lang="en-US" sz="3200">
+                <a:solidFill>
+                  <a:schemeClr val="dk1"/>
+                </a:solidFill>
+                <a:latin typeface="Calibri"/>
+                <a:ea typeface="Calibri"/>
+                <a:cs typeface="Calibri"/>
+                <a:sym typeface="Calibri"/>
+              </a:rPr>
+              <a:t>• Indexing: R-trees, Quadtrees.</a:t>
+            </a:r>
+            <a:endParaRPr/>
+          </a:p>
+          <a:p>
+            <a:pPr indent="-342900" lvl="0" marL="342900" rtl="0" algn="l">
+              <a:spcBef>
+                <a:spcPts val="640"/>
+              </a:spcBef>
+              <a:spcAft>
+                <a:spcPts val="0"/>
+              </a:spcAft>
+              <a:buClr>
+                <a:schemeClr val="dk1"/>
+              </a:buClr>
+              <a:buSzPts val="3200"/>
+              <a:buChar char="•"/>
+            </a:pPr>
+            <a:r>
+              <a:rPr lang="en-US" sz="3200">
+                <a:solidFill>
+                  <a:schemeClr val="dk1"/>
+                </a:solidFill>
+                <a:latin typeface="Calibri"/>
+                <a:ea typeface="Calibri"/>
+                <a:cs typeface="Calibri"/>
+                <a:sym typeface="Calibri"/>
+              </a:rPr>
+              <a:t>• Spatial Queries: ST_Contains(), ST_Intersects(), ST_Distance()</a:t>
+            </a:r>
+            <a:endParaRPr/>
+          </a:p>
+          <a:p>
+            <a:pPr indent="-342900" lvl="0" marL="342900" rtl="0" algn="l">
+              <a:spcBef>
+                <a:spcPts val="640"/>
+              </a:spcBef>
+              <a:spcAft>
+                <a:spcPts val="0"/>
+              </a:spcAft>
+              <a:buClr>
+                <a:schemeClr val="dk1"/>
+              </a:buClr>
+              <a:buSzPts val="3200"/>
+              <a:buChar char="•"/>
+            </a:pPr>
+            <a:r>
+              <a:rPr lang="en-US" sz="3200">
+                <a:solidFill>
+                  <a:schemeClr val="dk1"/>
+                </a:solidFill>
+                <a:latin typeface="Calibri"/>
+                <a:ea typeface="Calibri"/>
+                <a:cs typeface="Calibri"/>
+                <a:sym typeface="Calibri"/>
+              </a:rPr>
+              <a:t>• Applications: GIS, GPS, urban planning.</a:t>
+            </a:r>
+            <a:endParaRPr/>
+          </a:p>
+        </p:txBody>
+      </p:sp>
+      <p:sp>
+        <p:nvSpPr>
+          <p:cNvPr id="266" name="Google Shape;266;p10"/>
+          <p:cNvSpPr txBox="1"/>
+          <p:nvPr>
+            <p:ph idx="12" type="sldNum"/>
+          </p:nvPr>
+        </p:nvSpPr>
+        <p:spPr>
+          <a:xfrm>
+            <a:off x="6553200" y="6356350"/>
+            <a:ext cx="2133600" cy="365100"/>
+          </a:xfrm>
+          <a:prstGeom prst="rect">
+            <a:avLst/>
+          </a:prstGeom>
+        </p:spPr>
+        <p:txBody>
+          <a:bodyPr anchorCtr="0" anchor="ctr" bIns="45700" lIns="91425" spcFirstLastPara="1" rIns="91425" wrap="square" tIns="45700">
+            <a:noAutofit/>
+          </a:bodyPr>
+          <a:lstStyle/>
+          <a:p>
+            <a:pPr indent="0" lvl="0" marL="0" rtl="0" algn="r">
+              <a:spcBef>
+                <a:spcPts val="0"/>
+              </a:spcBef>
+              <a:spcAft>
+                <a:spcPts val="0"/>
+              </a:spcAft>
+              <a:buNone/>
+            </a:pPr>
+            <a:fld id="{00000000-1234-1234-1234-123412341234}" type="slidenum">
+              <a:rPr lang="en-US"/>
+              <a:t>‹#›</a:t>
+            </a:fld>
+            <a:endParaRPr/>
+          </a:p>
+        </p:txBody>
+      </p:sp>
+    </p:spTree>
+  </p:cSld>
+  <p:clrMapOvr>
+    <a:masterClrMapping/>
+  </p:clrMapOvr>
+</p:sld>
+</file>
+
+<file path=ppt/slides/slide26.xml><?xml version="1.0" encoding="utf-8"?>
+<p:sld xmlns:a="http://schemas.openxmlformats.org/drawingml/2006/main" xmlns:r="http://schemas.openxmlformats.org/officeDocument/2006/relationships" xmlns:mc="http://schemas.openxmlformats.org/markup-compatibility/2006" xmlns:mv="urn:schemas-microsoft-com:mac:vml" xmlns:p="http://schemas.openxmlformats.org/presentationml/2006/main" xmlns:c="http://schemas.openxmlformats.org/drawingml/2006/chart" xmlns:dgm="http://schemas.openxmlformats.org/drawingml/2006/diagram" xmlns:o="urn:schemas-microsoft-com:office:office" xmlns:v="urn:schemas-microsoft-com:vml" xmlns:pvml="urn:schemas-microsoft-com:office:powerpoint" xmlns:com="http://schemas.openxmlformats.org/drawingml/2006/compatibility" xmlns:p14="http://schemas.microsoft.com/office/powerpoint/2010/main" xmlns:p15="http://schemas.microsoft.com/office/powerpoint/2012/main" xmlns:ahyp="http://schemas.microsoft.com/office/drawing/2018/hyperlinkcolor">
+  <p:cSld>
+    <p:spTree>
+      <p:nvGrpSpPr>
+        <p:cNvPr id="270" name="Shape 270"/>
+        <p:cNvGrpSpPr/>
+        <p:nvPr/>
+      </p:nvGrpSpPr>
+      <p:grpSpPr>
+        <a:xfrm>
+          <a:off x="0" y="0"/>
+          <a:ext cx="0" cy="0"/>
+          <a:chOff x="0" y="0"/>
+          <a:chExt cx="0" cy="0"/>
+        </a:xfrm>
+      </p:grpSpPr>
+      <p:sp>
+        <p:nvSpPr>
+          <p:cNvPr id="271" name="Google Shape;271;p11"/>
+          <p:cNvSpPr txBox="1"/>
+          <p:nvPr>
+            <p:ph type="title"/>
+          </p:nvPr>
+        </p:nvSpPr>
+        <p:spPr>
+          <a:xfrm>
+            <a:off x="457200" y="274638"/>
+            <a:ext cx="8229600" cy="1143000"/>
+          </a:xfrm>
+          <a:prstGeom prst="rect">
+            <a:avLst/>
+          </a:prstGeom>
+          <a:noFill/>
+          <a:ln>
+            <a:noFill/>
+          </a:ln>
+        </p:spPr>
+        <p:txBody>
+          <a:bodyPr anchorCtr="0" anchor="ctr" bIns="45700" lIns="91425" spcFirstLastPara="1" rIns="91425" wrap="square" tIns="45700">
+            <a:normAutofit/>
+          </a:bodyPr>
+          <a:lstStyle/>
+          <a:p>
+            <a:pPr indent="0" lvl="0" marL="0" rtl="0" algn="ctr">
+              <a:spcBef>
+                <a:spcPts val="0"/>
+              </a:spcBef>
+              <a:spcAft>
+                <a:spcPts val="0"/>
+              </a:spcAft>
+              <a:buClr>
+                <a:schemeClr val="dk1"/>
+              </a:buClr>
+              <a:buSzPts val="4400"/>
+              <a:buFont typeface="Calibri"/>
+              <a:buNone/>
+            </a:pPr>
+            <a:r>
+              <a:rPr lang="en-US" sz="4400">
+                <a:solidFill>
+                  <a:schemeClr val="dk1"/>
+                </a:solidFill>
+                <a:latin typeface="Calibri"/>
+                <a:ea typeface="Calibri"/>
+                <a:cs typeface="Calibri"/>
+                <a:sym typeface="Calibri"/>
+              </a:rPr>
+              <a:t>Multimedia Databases</a:t>
+            </a:r>
+            <a:endParaRPr/>
+          </a:p>
+        </p:txBody>
+      </p:sp>
+      <p:sp>
+        <p:nvSpPr>
+          <p:cNvPr id="272" name="Google Shape;272;p11"/>
+          <p:cNvSpPr txBox="1"/>
+          <p:nvPr>
+            <p:ph idx="1" type="body"/>
+          </p:nvPr>
+        </p:nvSpPr>
+        <p:spPr>
+          <a:xfrm>
+            <a:off x="457200" y="1600200"/>
+            <a:ext cx="8229600" cy="4525963"/>
+          </a:xfrm>
+          <a:prstGeom prst="rect">
+            <a:avLst/>
+          </a:prstGeom>
+          <a:noFill/>
+          <a:ln>
+            <a:noFill/>
+          </a:ln>
+        </p:spPr>
+        <p:txBody>
+          <a:bodyPr anchorCtr="0" anchor="t" bIns="45700" lIns="91425" spcFirstLastPara="1" rIns="91425" wrap="square" tIns="45700">
+            <a:normAutofit/>
+          </a:bodyPr>
+          <a:lstStyle/>
+          <a:p>
+            <a:pPr indent="-342900" lvl="0" marL="342900" rtl="0" algn="l">
+              <a:spcBef>
+                <a:spcPts val="0"/>
+              </a:spcBef>
+              <a:spcAft>
+                <a:spcPts val="0"/>
+              </a:spcAft>
+              <a:buClr>
+                <a:schemeClr val="dk1"/>
+              </a:buClr>
+              <a:buSzPts val="3200"/>
+              <a:buChar char="•"/>
+            </a:pPr>
+            <a:r>
+              <a:rPr lang="en-US" sz="3200">
+                <a:solidFill>
+                  <a:schemeClr val="dk1"/>
+                </a:solidFill>
+                <a:latin typeface="Calibri"/>
+                <a:ea typeface="Calibri"/>
+                <a:cs typeface="Calibri"/>
+                <a:sym typeface="Calibri"/>
+              </a:rPr>
+              <a:t>• Store/retrieve multimedia: audio, video, image.</a:t>
+            </a:r>
+            <a:endParaRPr/>
+          </a:p>
+          <a:p>
+            <a:pPr indent="-342900" lvl="0" marL="342900" rtl="0" algn="l">
+              <a:spcBef>
+                <a:spcPts val="640"/>
+              </a:spcBef>
+              <a:spcAft>
+                <a:spcPts val="0"/>
+              </a:spcAft>
+              <a:buClr>
+                <a:schemeClr val="dk1"/>
+              </a:buClr>
+              <a:buSzPts val="3200"/>
+              <a:buChar char="•"/>
+            </a:pPr>
+            <a:r>
+              <a:rPr lang="en-US" sz="3200">
+                <a:solidFill>
+                  <a:schemeClr val="dk1"/>
+                </a:solidFill>
+                <a:latin typeface="Calibri"/>
+                <a:ea typeface="Calibri"/>
+                <a:cs typeface="Calibri"/>
+                <a:sym typeface="Calibri"/>
+              </a:rPr>
+              <a:t>• Challenges: Size, compression, retrieval.</a:t>
+            </a:r>
+            <a:endParaRPr/>
+          </a:p>
+          <a:p>
+            <a:pPr indent="-342900" lvl="0" marL="342900" rtl="0" algn="l">
+              <a:spcBef>
+                <a:spcPts val="640"/>
+              </a:spcBef>
+              <a:spcAft>
+                <a:spcPts val="0"/>
+              </a:spcAft>
+              <a:buClr>
+                <a:schemeClr val="dk1"/>
+              </a:buClr>
+              <a:buSzPts val="3200"/>
+              <a:buChar char="•"/>
+            </a:pPr>
+            <a:r>
+              <a:rPr lang="en-US" sz="3200">
+                <a:solidFill>
+                  <a:schemeClr val="dk1"/>
+                </a:solidFill>
+                <a:latin typeface="Calibri"/>
+                <a:ea typeface="Calibri"/>
+                <a:cs typeface="Calibri"/>
+                <a:sym typeface="Calibri"/>
+              </a:rPr>
+              <a:t>• Indexing: Feature-based (e.g., color histograms).</a:t>
+            </a:r>
+            <a:endParaRPr/>
+          </a:p>
+          <a:p>
+            <a:pPr indent="-342900" lvl="0" marL="342900" rtl="0" algn="l">
+              <a:spcBef>
+                <a:spcPts val="640"/>
+              </a:spcBef>
+              <a:spcAft>
+                <a:spcPts val="0"/>
+              </a:spcAft>
+              <a:buClr>
+                <a:schemeClr val="dk1"/>
+              </a:buClr>
+              <a:buSzPts val="3200"/>
+              <a:buChar char="•"/>
+            </a:pPr>
+            <a:r>
+              <a:rPr lang="en-US" sz="3200">
+                <a:solidFill>
+                  <a:schemeClr val="dk1"/>
+                </a:solidFill>
+                <a:latin typeface="Calibri"/>
+                <a:ea typeface="Calibri"/>
+                <a:cs typeface="Calibri"/>
+                <a:sym typeface="Calibri"/>
+              </a:rPr>
+              <a:t>• Use cases: Libraries, surveillance, entertainment.</a:t>
+            </a:r>
+            <a:endParaRPr/>
+          </a:p>
+        </p:txBody>
+      </p:sp>
+      <p:sp>
+        <p:nvSpPr>
+          <p:cNvPr id="273" name="Google Shape;273;p11"/>
+          <p:cNvSpPr txBox="1"/>
+          <p:nvPr>
+            <p:ph idx="12" type="sldNum"/>
+          </p:nvPr>
+        </p:nvSpPr>
+        <p:spPr>
+          <a:xfrm>
+            <a:off x="6553200" y="6356350"/>
+            <a:ext cx="2133600" cy="365100"/>
+          </a:xfrm>
+          <a:prstGeom prst="rect">
+            <a:avLst/>
+          </a:prstGeom>
+        </p:spPr>
+        <p:txBody>
+          <a:bodyPr anchorCtr="0" anchor="ctr" bIns="45700" lIns="91425" spcFirstLastPara="1" rIns="91425" wrap="square" tIns="45700">
+            <a:noAutofit/>
+          </a:bodyPr>
+          <a:lstStyle/>
+          <a:p>
+            <a:pPr indent="0" lvl="0" marL="0" rtl="0" algn="r">
+              <a:spcBef>
+                <a:spcPts val="0"/>
+              </a:spcBef>
+              <a:spcAft>
+                <a:spcPts val="0"/>
+              </a:spcAft>
+              <a:buNone/>
+            </a:pPr>
+            <a:fld id="{00000000-1234-1234-1234-123412341234}" type="slidenum">
+              <a:rPr lang="en-US"/>
+              <a:t>‹#›</a:t>
+            </a:fld>
+            <a:endParaRPr/>
+          </a:p>
+        </p:txBody>
+      </p:sp>
+    </p:spTree>
+  </p:cSld>
+  <p:clrMapOvr>
+    <a:masterClrMapping/>
+  </p:clrMapOvr>
+</p:sld>
+</file>
+
+<file path=ppt/slides/slide27.xml><?xml version="1.0" encoding="utf-8"?>
+<p:sld xmlns:a="http://schemas.openxmlformats.org/drawingml/2006/main" xmlns:r="http://schemas.openxmlformats.org/officeDocument/2006/relationships" xmlns:mc="http://schemas.openxmlformats.org/markup-compatibility/2006" xmlns:mv="urn:schemas-microsoft-com:mac:vml" xmlns:p="http://schemas.openxmlformats.org/presentationml/2006/main" xmlns:c="http://schemas.openxmlformats.org/drawingml/2006/chart" xmlns:dgm="http://schemas.openxmlformats.org/drawingml/2006/diagram" xmlns:o="urn:schemas-microsoft-com:office:office" xmlns:v="urn:schemas-microsoft-com:vml" xmlns:pvml="urn:schemas-microsoft-com:office:powerpoint" xmlns:com="http://schemas.openxmlformats.org/drawingml/2006/compatibility" xmlns:p14="http://schemas.microsoft.com/office/powerpoint/2010/main" xmlns:p15="http://schemas.microsoft.com/office/powerpoint/2012/main" xmlns:ahyp="http://schemas.microsoft.com/office/drawing/2018/hyperlinkcolor">
+  <p:cSld>
+    <p:spTree>
+      <p:nvGrpSpPr>
+        <p:cNvPr id="277" name="Shape 277"/>
+        <p:cNvGrpSpPr/>
+        <p:nvPr/>
+      </p:nvGrpSpPr>
+      <p:grpSpPr>
+        <a:xfrm>
+          <a:off x="0" y="0"/>
+          <a:ext cx="0" cy="0"/>
+          <a:chOff x="0" y="0"/>
+          <a:chExt cx="0" cy="0"/>
+        </a:xfrm>
+      </p:grpSpPr>
+      <p:sp>
+        <p:nvSpPr>
+          <p:cNvPr id="278" name="Google Shape;278;p12"/>
+          <p:cNvSpPr txBox="1"/>
+          <p:nvPr>
+            <p:ph type="title"/>
+          </p:nvPr>
+        </p:nvSpPr>
+        <p:spPr>
+          <a:xfrm>
+            <a:off x="457200" y="274638"/>
+            <a:ext cx="8229600" cy="1143000"/>
+          </a:xfrm>
+          <a:prstGeom prst="rect">
+            <a:avLst/>
+          </a:prstGeom>
+          <a:noFill/>
+          <a:ln>
+            <a:noFill/>
+          </a:ln>
+        </p:spPr>
+        <p:txBody>
+          <a:bodyPr anchorCtr="0" anchor="ctr" bIns="45700" lIns="91425" spcFirstLastPara="1" rIns="91425" wrap="square" tIns="45700">
+            <a:normAutofit/>
+          </a:bodyPr>
+          <a:lstStyle/>
+          <a:p>
+            <a:pPr indent="0" lvl="0" marL="0" rtl="0" algn="ctr">
+              <a:spcBef>
+                <a:spcPts val="0"/>
+              </a:spcBef>
+              <a:spcAft>
+                <a:spcPts val="0"/>
+              </a:spcAft>
+              <a:buClr>
+                <a:schemeClr val="dk1"/>
+              </a:buClr>
+              <a:buSzPts val="4400"/>
+              <a:buFont typeface="Calibri"/>
+              <a:buNone/>
+            </a:pPr>
+            <a:r>
+              <a:rPr lang="en-US" sz="4400">
+                <a:solidFill>
+                  <a:schemeClr val="dk1"/>
+                </a:solidFill>
+                <a:latin typeface="Calibri"/>
+                <a:ea typeface="Calibri"/>
+                <a:cs typeface="Calibri"/>
+                <a:sym typeface="Calibri"/>
+              </a:rPr>
+              <a:t>Mobile Databases</a:t>
+            </a:r>
+            <a:endParaRPr/>
+          </a:p>
+        </p:txBody>
+      </p:sp>
+      <p:sp>
+        <p:nvSpPr>
+          <p:cNvPr id="279" name="Google Shape;279;p12"/>
+          <p:cNvSpPr txBox="1"/>
+          <p:nvPr>
+            <p:ph idx="1" type="body"/>
+          </p:nvPr>
+        </p:nvSpPr>
+        <p:spPr>
+          <a:xfrm>
+            <a:off x="457200" y="1600200"/>
+            <a:ext cx="8229600" cy="4525963"/>
+          </a:xfrm>
+          <a:prstGeom prst="rect">
+            <a:avLst/>
+          </a:prstGeom>
+          <a:noFill/>
+          <a:ln>
+            <a:noFill/>
+          </a:ln>
+        </p:spPr>
+        <p:txBody>
+          <a:bodyPr anchorCtr="0" anchor="t" bIns="45700" lIns="91425" spcFirstLastPara="1" rIns="91425" wrap="square" tIns="45700">
+            <a:normAutofit/>
+          </a:bodyPr>
+          <a:lstStyle/>
+          <a:p>
+            <a:pPr indent="-342900" lvl="0" marL="342900" rtl="0" algn="l">
+              <a:spcBef>
+                <a:spcPts val="0"/>
+              </a:spcBef>
+              <a:spcAft>
+                <a:spcPts val="0"/>
+              </a:spcAft>
+              <a:buClr>
+                <a:schemeClr val="dk1"/>
+              </a:buClr>
+              <a:buSzPts val="3200"/>
+              <a:buChar char="•"/>
+            </a:pPr>
+            <a:r>
+              <a:rPr lang="en-US" sz="3200">
+                <a:solidFill>
+                  <a:schemeClr val="dk1"/>
+                </a:solidFill>
+                <a:latin typeface="Calibri"/>
+                <a:ea typeface="Calibri"/>
+                <a:cs typeface="Calibri"/>
+                <a:sym typeface="Calibri"/>
+              </a:rPr>
+              <a:t>• Used on disconnected/mobile devices.</a:t>
+            </a:r>
+            <a:endParaRPr/>
+          </a:p>
+          <a:p>
+            <a:pPr indent="-342900" lvl="0" marL="342900" rtl="0" algn="l">
+              <a:spcBef>
+                <a:spcPts val="640"/>
+              </a:spcBef>
+              <a:spcAft>
+                <a:spcPts val="0"/>
+              </a:spcAft>
+              <a:buClr>
+                <a:schemeClr val="dk1"/>
+              </a:buClr>
+              <a:buSzPts val="3200"/>
+              <a:buChar char="•"/>
+            </a:pPr>
+            <a:r>
+              <a:rPr lang="en-US" sz="3200">
+                <a:solidFill>
+                  <a:schemeClr val="dk1"/>
+                </a:solidFill>
+                <a:latin typeface="Calibri"/>
+                <a:ea typeface="Calibri"/>
+                <a:cs typeface="Calibri"/>
+                <a:sym typeface="Calibri"/>
+              </a:rPr>
+              <a:t>• Challenges: Battery, memory, sync.</a:t>
+            </a:r>
+            <a:endParaRPr/>
+          </a:p>
+          <a:p>
+            <a:pPr indent="-342900" lvl="0" marL="342900" rtl="0" algn="l">
+              <a:spcBef>
+                <a:spcPts val="640"/>
+              </a:spcBef>
+              <a:spcAft>
+                <a:spcPts val="0"/>
+              </a:spcAft>
+              <a:buClr>
+                <a:schemeClr val="dk1"/>
+              </a:buClr>
+              <a:buSzPts val="3200"/>
+              <a:buChar char="•"/>
+            </a:pPr>
+            <a:r>
+              <a:rPr lang="en-US" sz="3200">
+                <a:solidFill>
+                  <a:schemeClr val="dk1"/>
+                </a:solidFill>
+                <a:latin typeface="Calibri"/>
+                <a:ea typeface="Calibri"/>
+                <a:cs typeface="Calibri"/>
+                <a:sym typeface="Calibri"/>
+              </a:rPr>
+              <a:t>• Strategies: Caching, replication, adaptive queries.</a:t>
+            </a:r>
+            <a:endParaRPr/>
+          </a:p>
+          <a:p>
+            <a:pPr indent="-342900" lvl="0" marL="342900" rtl="0" algn="l">
+              <a:spcBef>
+                <a:spcPts val="640"/>
+              </a:spcBef>
+              <a:spcAft>
+                <a:spcPts val="0"/>
+              </a:spcAft>
+              <a:buClr>
+                <a:schemeClr val="dk1"/>
+              </a:buClr>
+              <a:buSzPts val="3200"/>
+              <a:buChar char="•"/>
+            </a:pPr>
+            <a:r>
+              <a:rPr lang="en-US" sz="3200">
+                <a:solidFill>
+                  <a:schemeClr val="dk1"/>
+                </a:solidFill>
+                <a:latin typeface="Calibri"/>
+                <a:ea typeface="Calibri"/>
+                <a:cs typeface="Calibri"/>
+                <a:sym typeface="Calibri"/>
+              </a:rPr>
+              <a:t>• Applications: Field surveys, offline apps, location services.</a:t>
+            </a:r>
+            <a:endParaRPr/>
+          </a:p>
+        </p:txBody>
+      </p:sp>
+      <p:sp>
+        <p:nvSpPr>
+          <p:cNvPr id="280" name="Google Shape;280;p12"/>
+          <p:cNvSpPr txBox="1"/>
+          <p:nvPr>
+            <p:ph idx="12" type="sldNum"/>
+          </p:nvPr>
+        </p:nvSpPr>
+        <p:spPr>
+          <a:xfrm>
+            <a:off x="6553200" y="6356350"/>
+            <a:ext cx="2133600" cy="365100"/>
+          </a:xfrm>
+          <a:prstGeom prst="rect">
+            <a:avLst/>
+          </a:prstGeom>
+        </p:spPr>
+        <p:txBody>
+          <a:bodyPr anchorCtr="0" anchor="ctr" bIns="45700" lIns="91425" spcFirstLastPara="1" rIns="91425" wrap="square" tIns="45700">
+            <a:noAutofit/>
+          </a:bodyPr>
+          <a:lstStyle/>
+          <a:p>
+            <a:pPr indent="0" lvl="0" marL="0" rtl="0" algn="r">
+              <a:spcBef>
+                <a:spcPts val="0"/>
+              </a:spcBef>
+              <a:spcAft>
+                <a:spcPts val="0"/>
+              </a:spcAft>
+              <a:buNone/>
+            </a:pPr>
+            <a:fld id="{00000000-1234-1234-1234-123412341234}" type="slidenum">
+              <a:rPr lang="en-US"/>
+              <a:t>‹#›</a:t>
+            </a:fld>
+            <a:endParaRPr/>
+          </a:p>
+        </p:txBody>
+      </p:sp>
+    </p:spTree>
+  </p:cSld>
+  <p:clrMapOvr>
+    <a:masterClrMapping/>
+  </p:clrMapOvr>
+</p:sld>
+</file>
+
+<file path=ppt/slides/slide28.xml><?xml version="1.0" encoding="utf-8"?>
+<p:sld xmlns:a="http://schemas.openxmlformats.org/drawingml/2006/main" xmlns:r="http://schemas.openxmlformats.org/officeDocument/2006/relationships" xmlns:mc="http://schemas.openxmlformats.org/markup-compatibility/2006" xmlns:mv="urn:schemas-microsoft-com:mac:vml" xmlns:p="http://schemas.openxmlformats.org/presentationml/2006/main" xmlns:c="http://schemas.openxmlformats.org/drawingml/2006/chart" xmlns:dgm="http://schemas.openxmlformats.org/drawingml/2006/diagram" xmlns:o="urn:schemas-microsoft-com:office:office" xmlns:v="urn:schemas-microsoft-com:vml" xmlns:pvml="urn:schemas-microsoft-com:office:powerpoint" xmlns:com="http://schemas.openxmlformats.org/drawingml/2006/compatibility" xmlns:p14="http://schemas.microsoft.com/office/powerpoint/2010/main" xmlns:p15="http://schemas.microsoft.com/office/powerpoint/2012/main" xmlns:ahyp="http://schemas.microsoft.com/office/drawing/2018/hyperlinkcolor">
+  <p:cSld>
+    <p:spTree>
+      <p:nvGrpSpPr>
+        <p:cNvPr id="284" name="Shape 284"/>
+        <p:cNvGrpSpPr/>
+        <p:nvPr/>
+      </p:nvGrpSpPr>
+      <p:grpSpPr>
+        <a:xfrm>
+          <a:off x="0" y="0"/>
+          <a:ext cx="0" cy="0"/>
+          <a:chOff x="0" y="0"/>
+          <a:chExt cx="0" cy="0"/>
+        </a:xfrm>
+      </p:grpSpPr>
+      <p:sp>
+        <p:nvSpPr>
+          <p:cNvPr id="285" name="Google Shape;285;p13"/>
+          <p:cNvSpPr txBox="1"/>
+          <p:nvPr>
+            <p:ph type="title"/>
+          </p:nvPr>
+        </p:nvSpPr>
+        <p:spPr>
+          <a:xfrm>
+            <a:off x="457200" y="274638"/>
+            <a:ext cx="8229600" cy="1143000"/>
+          </a:xfrm>
+          <a:prstGeom prst="rect">
+            <a:avLst/>
+          </a:prstGeom>
+          <a:noFill/>
+          <a:ln>
+            <a:noFill/>
+          </a:ln>
+        </p:spPr>
+        <p:txBody>
+          <a:bodyPr anchorCtr="0" anchor="ctr" bIns="45700" lIns="91425" spcFirstLastPara="1" rIns="91425" wrap="square" tIns="45700">
+            <a:normAutofit/>
+          </a:bodyPr>
+          <a:lstStyle/>
+          <a:p>
+            <a:pPr indent="0" lvl="0" marL="0" rtl="0" algn="ctr">
+              <a:spcBef>
+                <a:spcPts val="0"/>
+              </a:spcBef>
+              <a:spcAft>
+                <a:spcPts val="0"/>
+              </a:spcAft>
+              <a:buClr>
+                <a:schemeClr val="dk1"/>
+              </a:buClr>
+              <a:buSzPts val="4400"/>
+              <a:buFont typeface="Calibri"/>
+              <a:buNone/>
+            </a:pPr>
+            <a:r>
+              <a:rPr lang="en-US" sz="4400">
+                <a:solidFill>
+                  <a:schemeClr val="dk1"/>
+                </a:solidFill>
+                <a:latin typeface="Calibri"/>
+                <a:ea typeface="Calibri"/>
+                <a:cs typeface="Calibri"/>
+                <a:sym typeface="Calibri"/>
+              </a:rPr>
+              <a:t>Summary</a:t>
+            </a:r>
+            <a:endParaRPr/>
+          </a:p>
+        </p:txBody>
+      </p:sp>
+      <p:sp>
+        <p:nvSpPr>
+          <p:cNvPr id="286" name="Google Shape;286;p13"/>
+          <p:cNvSpPr txBox="1"/>
+          <p:nvPr>
+            <p:ph idx="1" type="body"/>
+          </p:nvPr>
+        </p:nvSpPr>
+        <p:spPr>
+          <a:xfrm>
+            <a:off x="457200" y="1600200"/>
+            <a:ext cx="8229600" cy="4525963"/>
+          </a:xfrm>
+          <a:prstGeom prst="rect">
+            <a:avLst/>
+          </a:prstGeom>
+          <a:noFill/>
+          <a:ln>
+            <a:noFill/>
+          </a:ln>
+        </p:spPr>
+        <p:txBody>
+          <a:bodyPr anchorCtr="0" anchor="t" bIns="45700" lIns="91425" spcFirstLastPara="1" rIns="91425" wrap="square" tIns="45700">
+            <a:normAutofit/>
+          </a:bodyPr>
+          <a:lstStyle/>
+          <a:p>
+            <a:pPr indent="-342900" lvl="0" marL="342900" rtl="0" algn="l">
+              <a:spcBef>
+                <a:spcPts val="0"/>
+              </a:spcBef>
+              <a:spcAft>
+                <a:spcPts val="0"/>
+              </a:spcAft>
+              <a:buClr>
+                <a:schemeClr val="dk1"/>
+              </a:buClr>
+              <a:buSzPts val="3200"/>
+              <a:buChar char="•"/>
+            </a:pPr>
+            <a:r>
+              <a:rPr lang="en-US" sz="3200">
+                <a:solidFill>
+                  <a:schemeClr val="dk1"/>
+                </a:solidFill>
+                <a:latin typeface="Calibri"/>
+                <a:ea typeface="Calibri"/>
+                <a:cs typeface="Calibri"/>
+                <a:sym typeface="Calibri"/>
+              </a:rPr>
+              <a:t>• Modern DBs extend beyond traditional models.</a:t>
+            </a:r>
+            <a:endParaRPr/>
+          </a:p>
+          <a:p>
+            <a:pPr indent="-342900" lvl="0" marL="342900" rtl="0" algn="l">
+              <a:spcBef>
+                <a:spcPts val="640"/>
+              </a:spcBef>
+              <a:spcAft>
+                <a:spcPts val="0"/>
+              </a:spcAft>
+              <a:buClr>
+                <a:schemeClr val="dk1"/>
+              </a:buClr>
+              <a:buSzPts val="3200"/>
+              <a:buChar char="•"/>
+            </a:pPr>
+            <a:r>
+              <a:rPr lang="en-US" sz="3200">
+                <a:solidFill>
+                  <a:schemeClr val="dk1"/>
+                </a:solidFill>
+                <a:latin typeface="Calibri"/>
+                <a:ea typeface="Calibri"/>
+                <a:cs typeface="Calibri"/>
+                <a:sym typeface="Calibri"/>
+              </a:rPr>
+              <a:t>• ORDB/OODB: Add structure and identity.</a:t>
+            </a:r>
+            <a:endParaRPr/>
+          </a:p>
+          <a:p>
+            <a:pPr indent="-342900" lvl="0" marL="342900" rtl="0" algn="l">
+              <a:spcBef>
+                <a:spcPts val="640"/>
+              </a:spcBef>
+              <a:spcAft>
+                <a:spcPts val="0"/>
+              </a:spcAft>
+              <a:buClr>
+                <a:schemeClr val="dk1"/>
+              </a:buClr>
+              <a:buSzPts val="3200"/>
+              <a:buChar char="•"/>
+            </a:pPr>
+            <a:r>
+              <a:rPr lang="en-US" sz="3200">
+                <a:solidFill>
+                  <a:schemeClr val="dk1"/>
+                </a:solidFill>
+                <a:latin typeface="Calibri"/>
+                <a:ea typeface="Calibri"/>
+                <a:cs typeface="Calibri"/>
+                <a:sym typeface="Calibri"/>
+              </a:rPr>
+              <a:t>• Support for temporal, spatial, multimedia data.</a:t>
+            </a:r>
+            <a:endParaRPr/>
+          </a:p>
+          <a:p>
+            <a:pPr indent="-342900" lvl="0" marL="342900" rtl="0" algn="l">
+              <a:spcBef>
+                <a:spcPts val="640"/>
+              </a:spcBef>
+              <a:spcAft>
+                <a:spcPts val="0"/>
+              </a:spcAft>
+              <a:buClr>
+                <a:schemeClr val="dk1"/>
+              </a:buClr>
+              <a:buSzPts val="3200"/>
+              <a:buChar char="•"/>
+            </a:pPr>
+            <a:r>
+              <a:rPr lang="en-US" sz="3200">
+                <a:solidFill>
+                  <a:schemeClr val="dk1"/>
+                </a:solidFill>
+                <a:latin typeface="Calibri"/>
+                <a:ea typeface="Calibri"/>
+                <a:cs typeface="Calibri"/>
+                <a:sym typeface="Calibri"/>
+              </a:rPr>
+              <a:t>• Persistence and mobility are shaping DBMS evolution.</a:t>
+            </a:r>
+            <a:endParaRPr/>
+          </a:p>
+        </p:txBody>
+      </p:sp>
+      <p:sp>
+        <p:nvSpPr>
+          <p:cNvPr id="287" name="Google Shape;287;p13"/>
+          <p:cNvSpPr txBox="1"/>
+          <p:nvPr>
+            <p:ph idx="12" type="sldNum"/>
+          </p:nvPr>
+        </p:nvSpPr>
+        <p:spPr>
+          <a:xfrm>
+            <a:off x="6553200" y="6356350"/>
+            <a:ext cx="2133600" cy="365100"/>
+          </a:xfrm>
+          <a:prstGeom prst="rect">
+            <a:avLst/>
+          </a:prstGeom>
+        </p:spPr>
+        <p:txBody>
+          <a:bodyPr anchorCtr="0" anchor="ctr" bIns="45700" lIns="91425" spcFirstLastPara="1" rIns="91425" wrap="square" tIns="45700">
+            <a:noAutofit/>
+          </a:bodyPr>
+          <a:lstStyle/>
+          <a:p>
+            <a:pPr indent="0" lvl="0" marL="0" rtl="0" algn="r">
+              <a:spcBef>
+                <a:spcPts val="0"/>
+              </a:spcBef>
+              <a:spcAft>
+                <a:spcPts val="0"/>
+              </a:spcAft>
+              <a:buNone/>
+            </a:pPr>
+            <a:fld id="{00000000-1234-1234-1234-123412341234}" type="slidenum">
+              <a:rPr lang="en-US"/>
+              <a:t>‹#›</a:t>
+            </a:fld>
+            <a:endParaRPr/>
+          </a:p>
+        </p:txBody>
+      </p:sp>
+    </p:spTree>
+  </p:cSld>
+  <p:clrMapOvr>
+    <a:masterClrMapping/>
+  </p:clrMapOvr>
+</p:sld>
+</file>
+
+<file path=ppt/slides/slide29.xml><?xml version="1.0" encoding="utf-8"?>
+<p:sld xmlns:a="http://schemas.openxmlformats.org/drawingml/2006/main" xmlns:r="http://schemas.openxmlformats.org/officeDocument/2006/relationships" xmlns:mc="http://schemas.openxmlformats.org/markup-compatibility/2006" xmlns:mv="urn:schemas-microsoft-com:mac:vml" xmlns:p="http://schemas.openxmlformats.org/presentationml/2006/main" xmlns:c="http://schemas.openxmlformats.org/drawingml/2006/chart" xmlns:dgm="http://schemas.openxmlformats.org/drawingml/2006/diagram" xmlns:o="urn:schemas-microsoft-com:office:office" xmlns:v="urn:schemas-microsoft-com:vml" xmlns:pvml="urn:schemas-microsoft-com:office:powerpoint" xmlns:com="http://schemas.openxmlformats.org/drawingml/2006/compatibility" xmlns:p14="http://schemas.microsoft.com/office/powerpoint/2010/main" xmlns:p15="http://schemas.microsoft.com/office/powerpoint/2012/main" xmlns:ahyp="http://schemas.microsoft.com/office/drawing/2018/hyperlinkcolor">
+  <p:cSld>
+    <p:spTree>
+      <p:nvGrpSpPr>
+        <p:cNvPr id="291" name="Shape 291"/>
+        <p:cNvGrpSpPr/>
+        <p:nvPr/>
+      </p:nvGrpSpPr>
+      <p:grpSpPr>
+        <a:xfrm>
+          <a:off x="0" y="0"/>
+          <a:ext cx="0" cy="0"/>
+          <a:chOff x="0" y="0"/>
+          <a:chExt cx="0" cy="0"/>
+        </a:xfrm>
+      </p:grpSpPr>
+      <p:sp>
+        <p:nvSpPr>
+          <p:cNvPr id="292" name="Google Shape;292;p14"/>
+          <p:cNvSpPr txBox="1"/>
+          <p:nvPr>
+            <p:ph type="title"/>
+          </p:nvPr>
+        </p:nvSpPr>
+        <p:spPr>
+          <a:xfrm>
+            <a:off x="457200" y="274638"/>
+            <a:ext cx="8229600" cy="1143000"/>
+          </a:xfrm>
+          <a:prstGeom prst="rect">
+            <a:avLst/>
+          </a:prstGeom>
+          <a:noFill/>
+          <a:ln>
+            <a:noFill/>
+          </a:ln>
+        </p:spPr>
+        <p:txBody>
+          <a:bodyPr anchorCtr="0" anchor="ctr" bIns="45700" lIns="91425" spcFirstLastPara="1" rIns="91425" wrap="square" tIns="45700">
+            <a:normAutofit/>
+          </a:bodyPr>
+          <a:lstStyle/>
+          <a:p>
+            <a:pPr indent="0" lvl="0" marL="0" rtl="0" algn="ctr">
+              <a:spcBef>
+                <a:spcPts val="0"/>
+              </a:spcBef>
+              <a:spcAft>
+                <a:spcPts val="0"/>
+              </a:spcAft>
+              <a:buClr>
+                <a:schemeClr val="dk1"/>
+              </a:buClr>
+              <a:buSzPts val="4400"/>
+              <a:buFont typeface="Calibri"/>
+              <a:buNone/>
+            </a:pPr>
+            <a:r>
+              <a:rPr lang="en-US" sz="4400">
+                <a:solidFill>
+                  <a:schemeClr val="dk1"/>
+                </a:solidFill>
+                <a:latin typeface="Calibri"/>
+                <a:ea typeface="Calibri"/>
+                <a:cs typeface="Calibri"/>
+                <a:sym typeface="Calibri"/>
+              </a:rPr>
+              <a:t>References</a:t>
+            </a:r>
+            <a:endParaRPr/>
+          </a:p>
+        </p:txBody>
+      </p:sp>
+      <p:sp>
+        <p:nvSpPr>
+          <p:cNvPr id="293" name="Google Shape;293;p14"/>
+          <p:cNvSpPr txBox="1"/>
+          <p:nvPr>
+            <p:ph idx="1" type="body"/>
+          </p:nvPr>
+        </p:nvSpPr>
+        <p:spPr>
+          <a:xfrm>
+            <a:off x="457200" y="1600200"/>
+            <a:ext cx="8229600" cy="4525963"/>
+          </a:xfrm>
+          <a:prstGeom prst="rect">
+            <a:avLst/>
+          </a:prstGeom>
+          <a:noFill/>
+          <a:ln>
+            <a:noFill/>
+          </a:ln>
+        </p:spPr>
+        <p:txBody>
+          <a:bodyPr anchorCtr="0" anchor="t" bIns="45700" lIns="91425" spcFirstLastPara="1" rIns="91425" wrap="square" tIns="45700">
+            <a:normAutofit/>
+          </a:bodyPr>
+          <a:lstStyle/>
+          <a:p>
+            <a:pPr indent="-342900" lvl="0" marL="342900" rtl="0" algn="l">
+              <a:spcBef>
+                <a:spcPts val="0"/>
+              </a:spcBef>
+              <a:spcAft>
+                <a:spcPts val="0"/>
+              </a:spcAft>
+              <a:buClr>
+                <a:schemeClr val="dk1"/>
+              </a:buClr>
+              <a:buSzPts val="3200"/>
+              <a:buChar char="•"/>
+            </a:pPr>
+            <a:r>
+              <a:rPr lang="en-US" sz="3200">
+                <a:solidFill>
+                  <a:schemeClr val="dk1"/>
+                </a:solidFill>
+                <a:latin typeface="Calibri"/>
+                <a:ea typeface="Calibri"/>
+                <a:cs typeface="Calibri"/>
+                <a:sym typeface="Calibri"/>
+              </a:rPr>
               <a:t>• Elmasri &amp; Navathe – Fundamentals of Database Systems</a:t>
             </a:r>
             <a:endParaRPr/>
@@ -19039,7 +24370,7 @@
       </p:sp>
       <p:sp>
         <p:nvSpPr>
-          <p:cNvPr id="254" name="Google Shape;254;p14"/>
+          <p:cNvPr id="294" name="Google Shape;294;p14"/>
           <p:cNvSpPr txBox="1"/>
           <p:nvPr>
             <p:ph idx="12" type="sldNum"/>
@@ -22223,6 +27554,285 @@
 </file>
 
 <file path=ppt/theme/theme1.xml><?xml version="1.0" encoding="utf-8"?>
+<a:theme xmlns:a="http://schemas.openxmlformats.org/drawingml/2006/main" xmlns:r="http://schemas.openxmlformats.org/officeDocument/2006/relationships" name="Office Theme">
+  <a:themeElements>
+    <a:clrScheme name="Office">
+      <a:dk1>
+        <a:srgbClr val="000000"/>
+      </a:dk1>
+      <a:lt1>
+        <a:srgbClr val="FFFFFF"/>
+      </a:lt1>
+      <a:dk2>
+        <a:srgbClr val="1F497D"/>
+      </a:dk2>
+      <a:lt2>
+        <a:srgbClr val="EEECE1"/>
+      </a:lt2>
+      <a:accent1>
+        <a:srgbClr val="4F81BD"/>
+      </a:accent1>
+      <a:accent2>
+        <a:srgbClr val="C0504D"/>
+      </a:accent2>
+      <a:accent3>
+        <a:srgbClr val="9BBB59"/>
+      </a:accent3>
+      <a:accent4>
+        <a:srgbClr val="8064A2"/>
+      </a:accent4>
+      <a:accent5>
+        <a:srgbClr val="4BACC6"/>
+      </a:accent5>
+      <a:accent6>
+        <a:srgbClr val="F79646"/>
+      </a:accent6>
+      <a:hlink>
+        <a:srgbClr val="0000FF"/>
+      </a:hlink>
+      <a:folHlink>
+        <a:srgbClr val="800080"/>
+      </a:folHlink>
+    </a:clrScheme>
+    <a:fontScheme name="Office">
+      <a:majorFont>
+        <a:latin typeface="Arial"/>
+        <a:ea typeface=""/>
+        <a:cs typeface=""/>
+        <a:font script="Jpan" typeface="ＭＳ Ｐゴシック"/>
+        <a:font script="Hang" typeface="맑은 고딕"/>
+        <a:font script="Hans" typeface="宋体"/>
+        <a:font script="Hant" typeface="新細明體"/>
+        <a:font script="Arab" typeface="Times New Roman"/>
+        <a:font script="Hebr" typeface="Times New Roman"/>
+        <a:font script="Thai" typeface="Angsana New"/>
+        <a:font script="Ethi" typeface="Nyala"/>
+        <a:font script="Beng" typeface="Vrinda"/>
+        <a:font script="Gujr" typeface="Shruti"/>
+        <a:font script="Khmr" typeface="MoolBoran"/>
+        <a:font script="Knda" typeface="Tunga"/>
+        <a:font script="Guru" typeface="Raavi"/>
+        <a:font script="Cans" typeface="Euphemia"/>
+        <a:font script="Cher" typeface="Plantagenet Cherokee"/>
+        <a:font script="Yiii" typeface="Microsoft Yi Baiti"/>
+        <a:font script="Tibt" typeface="Microsoft Himalaya"/>
+        <a:font script="Thaa" typeface="MV Boli"/>
+        <a:font script="Deva" typeface="Mangal"/>
+        <a:font script="Telu" typeface="Gautami"/>
+        <a:font script="Taml" typeface="Latha"/>
+        <a:font script="Syrc" typeface="Estrangelo Edessa"/>
+        <a:font script="Orya" typeface="Kalinga"/>
+        <a:font script="Mlym" typeface="Kartika"/>
+        <a:font script="Laoo" typeface="DokChampa"/>
+        <a:font script="Sinh" typeface="Iskoola Pota"/>
+        <a:font script="Mong" typeface="Mongolian Baiti"/>
+        <a:font script="Viet" typeface="Times New Roman"/>
+        <a:font script="Uigh" typeface="Microsoft Uighur"/>
+        <a:font script="Geor" typeface="Sylfaen"/>
+      </a:majorFont>
+      <a:minorFont>
+        <a:latin typeface="Arial"/>
+        <a:ea typeface=""/>
+        <a:cs typeface=""/>
+        <a:font script="Jpan" typeface="ＭＳ Ｐゴシック"/>
+        <a:font script="Hang" typeface="맑은 고딕"/>
+        <a:font script="Hans" typeface="宋体"/>
+        <a:font script="Hant" typeface="新細明體"/>
+        <a:font script="Arab" typeface="Arial"/>
+        <a:font script="Hebr" typeface="Arial"/>
+        <a:font script="Thai" typeface="Cordia New"/>
+        <a:font script="Ethi" typeface="Nyala"/>
+        <a:font script="Beng" typeface="Vrinda"/>
+        <a:font script="Gujr" typeface="Shruti"/>
+        <a:font script="Khmr" typeface="DaunPenh"/>
+        <a:font script="Knda" typeface="Tunga"/>
+        <a:font script="Guru" typeface="Raavi"/>
+        <a:font script="Cans" typeface="Euphemia"/>
+        <a:font script="Cher" typeface="Plantagenet Cherokee"/>
+        <a:font script="Yiii" typeface="Microsoft Yi Baiti"/>
+        <a:font script="Tibt" typeface="Microsoft Himalaya"/>
+        <a:font script="Thaa" typeface="MV Boli"/>
+        <a:font script="Deva" typeface="Mangal"/>
+        <a:font script="Telu" typeface="Gautami"/>
+        <a:font script="Taml" typeface="Latha"/>
+        <a:font script="Syrc" typeface="Estrangelo Edessa"/>
+        <a:font script="Orya" typeface="Kalinga"/>
+        <a:font script="Mlym" typeface="Kartika"/>
+        <a:font script="Laoo" typeface="DokChampa"/>
+        <a:font script="Sinh" typeface="Iskoola Pota"/>
+        <a:font script="Mong" typeface="Mongolian Baiti"/>
+        <a:font script="Viet" typeface="Arial"/>
+        <a:font script="Uigh" typeface="Microsoft Uighur"/>
+        <a:font script="Geor" typeface="Sylfaen"/>
+      </a:minorFont>
+    </a:fontScheme>
+    <a:fmtScheme name="Office">
+      <a:fillStyleLst>
+        <a:solidFill>
+          <a:schemeClr val="phClr"/>
+        </a:solidFill>
+        <a:gradFill rotWithShape="1">
+          <a:gsLst>
+            <a:gs pos="0">
+              <a:schemeClr val="phClr">
+                <a:tint val="50000"/>
+                <a:satMod val="300000"/>
+              </a:schemeClr>
+            </a:gs>
+            <a:gs pos="35000">
+              <a:schemeClr val="phClr">
+                <a:tint val="37000"/>
+                <a:satMod val="300000"/>
+              </a:schemeClr>
+            </a:gs>
+            <a:gs pos="100000">
+              <a:schemeClr val="phClr">
+                <a:tint val="15000"/>
+                <a:satMod val="350000"/>
+              </a:schemeClr>
+            </a:gs>
+          </a:gsLst>
+          <a:lin ang="16200000" scaled="1"/>
+        </a:gradFill>
+        <a:gradFill rotWithShape="1">
+          <a:gsLst>
+            <a:gs pos="0">
+              <a:schemeClr val="phClr">
+                <a:tint val="100000"/>
+                <a:shade val="100000"/>
+                <a:satMod val="130000"/>
+              </a:schemeClr>
+            </a:gs>
+            <a:gs pos="100000">
+              <a:schemeClr val="phClr">
+                <a:tint val="50000"/>
+                <a:shade val="100000"/>
+                <a:satMod val="350000"/>
+              </a:schemeClr>
+            </a:gs>
+          </a:gsLst>
+          <a:lin ang="16200000" scaled="0"/>
+        </a:gradFill>
+      </a:fillStyleLst>
+      <a:lnStyleLst>
+        <a:ln w="9525" cap="flat" cmpd="sng" algn="ctr">
+          <a:solidFill>
+            <a:schemeClr val="phClr">
+              <a:shade val="95000"/>
+              <a:satMod val="105000"/>
+            </a:schemeClr>
+          </a:solidFill>
+          <a:prstDash val="solid"/>
+        </a:ln>
+        <a:ln w="25400" cap="flat" cmpd="sng" algn="ctr">
+          <a:solidFill>
+            <a:schemeClr val="phClr"/>
+          </a:solidFill>
+          <a:prstDash val="solid"/>
+        </a:ln>
+        <a:ln w="38100" cap="flat" cmpd="sng" algn="ctr">
+          <a:solidFill>
+            <a:schemeClr val="phClr"/>
+          </a:solidFill>
+          <a:prstDash val="solid"/>
+        </a:ln>
+      </a:lnStyleLst>
+      <a:effectStyleLst>
+        <a:effectStyle>
+          <a:effectLst>
+            <a:outerShdw blurRad="40000" dist="20000" dir="5400000" rotWithShape="0">
+              <a:srgbClr val="000000">
+                <a:alpha val="38000"/>
+              </a:srgbClr>
+            </a:outerShdw>
+          </a:effectLst>
+        </a:effectStyle>
+        <a:effectStyle>
+          <a:effectLst>
+            <a:outerShdw blurRad="40000" dist="23000" dir="5400000" rotWithShape="0">
+              <a:srgbClr val="000000">
+                <a:alpha val="35000"/>
+              </a:srgbClr>
+            </a:outerShdw>
+          </a:effectLst>
+        </a:effectStyle>
+        <a:effectStyle>
+          <a:effectLst>
+            <a:outerShdw blurRad="40000" dist="23000" dir="5400000" rotWithShape="0">
+              <a:srgbClr val="000000">
+                <a:alpha val="35000"/>
+              </a:srgbClr>
+            </a:outerShdw>
+          </a:effectLst>
+          <a:scene3d>
+            <a:camera prst="orthographicFront">
+              <a:rot lat="0" lon="0" rev="0"/>
+            </a:camera>
+            <a:lightRig rig="threePt" dir="t">
+              <a:rot lat="0" lon="0" rev="1200000"/>
+            </a:lightRig>
+          </a:scene3d>
+          <a:sp3d>
+            <a:bevelT w="63500" h="25400"/>
+          </a:sp3d>
+        </a:effectStyle>
+      </a:effectStyleLst>
+      <a:bgFillStyleLst>
+        <a:solidFill>
+          <a:schemeClr val="phClr"/>
+        </a:solidFill>
+        <a:gradFill rotWithShape="1">
+          <a:gsLst>
+            <a:gs pos="0">
+              <a:schemeClr val="phClr">
+                <a:tint val="40000"/>
+                <a:satMod val="350000"/>
+              </a:schemeClr>
+            </a:gs>
+            <a:gs pos="40000">
+              <a:schemeClr val="phClr">
+                <a:tint val="45000"/>
+                <a:shade val="99000"/>
+                <a:satMod val="350000"/>
+              </a:schemeClr>
+            </a:gs>
+            <a:gs pos="100000">
+              <a:schemeClr val="phClr">
+                <a:shade val="20000"/>
+                <a:satMod val="255000"/>
+              </a:schemeClr>
+            </a:gs>
+          </a:gsLst>
+          <a:path path="circle">
+            <a:fillToRect l="50000" t="-80000" r="50000" b="180000"/>
+          </a:path>
+        </a:gradFill>
+        <a:gradFill rotWithShape="1">
+          <a:gsLst>
+            <a:gs pos="0">
+              <a:schemeClr val="phClr">
+                <a:tint val="80000"/>
+                <a:satMod val="300000"/>
+              </a:schemeClr>
+            </a:gs>
+            <a:gs pos="100000">
+              <a:schemeClr val="phClr">
+                <a:shade val="30000"/>
+                <a:satMod val="200000"/>
+              </a:schemeClr>
+            </a:gs>
+          </a:gsLst>
+          <a:path path="circle">
+            <a:fillToRect l="50000" t="50000" r="50000" b="50000"/>
+          </a:path>
+        </a:gradFill>
+      </a:bgFillStyleLst>
+    </a:fmtScheme>
+  </a:themeElements>
+</a:theme>
+</file>
+
+<file path=ppt/theme/theme2.xml><?xml version="1.0" encoding="utf-8"?>
 <a:theme xmlns:a="http://schemas.openxmlformats.org/drawingml/2006/main" xmlns:r="http://schemas.openxmlformats.org/officeDocument/2006/relationships">
   <a:themeElements>
     <a:clrScheme name="Default">
@@ -22499,283 +28109,4 @@
     </a:fmtScheme>
   </a:themeElements>
 </a:theme>
-</file>
-
-<file path=ppt/theme/theme2.xml><?xml version="1.0" encoding="utf-8"?>
-<a:theme xmlns:a="http://schemas.openxmlformats.org/drawingml/2006/main" xmlns:r="http://schemas.openxmlformats.org/officeDocument/2006/relationships" name="Office Theme">
-  <a:themeElements>
-    <a:clrScheme name="Office">
-      <a:dk1>
-        <a:srgbClr val="000000"/>
-      </a:dk1>
-      <a:lt1>
-        <a:srgbClr val="FFFFFF"/>
-      </a:lt1>
-      <a:dk2>
-        <a:srgbClr val="1F497D"/>
-      </a:dk2>
-      <a:lt2>
-        <a:srgbClr val="EEECE1"/>
-      </a:lt2>
-      <a:accent1>
-        <a:srgbClr val="4F81BD"/>
-      </a:accent1>
-      <a:accent2>
-        <a:srgbClr val="C0504D"/>
-      </a:accent2>
-      <a:accent3>
-        <a:srgbClr val="9BBB59"/>
-      </a:accent3>
-      <a:accent4>
-        <a:srgbClr val="8064A2"/>
-      </a:accent4>
-      <a:accent5>
-        <a:srgbClr val="4BACC6"/>
-      </a:accent5>
-      <a:accent6>
-        <a:srgbClr val="F79646"/>
-      </a:accent6>
-      <a:hlink>
-        <a:srgbClr val="0000FF"/>
-      </a:hlink>
-      <a:folHlink>
-        <a:srgbClr val="800080"/>
-      </a:folHlink>
-    </a:clrScheme>
-    <a:fontScheme name="Office">
-      <a:majorFont>
-        <a:latin typeface="Arial"/>
-        <a:ea typeface=""/>
-        <a:cs typeface=""/>
-        <a:font script="Jpan" typeface="ＭＳ Ｐゴシック"/>
-        <a:font script="Hang" typeface="맑은 고딕"/>
-        <a:font script="Hans" typeface="宋体"/>
-        <a:font script="Hant" typeface="新細明體"/>
-        <a:font script="Arab" typeface="Times New Roman"/>
-        <a:font script="Hebr" typeface="Times New Roman"/>
-        <a:font script="Thai" typeface="Angsana New"/>
-        <a:font script="Ethi" typeface="Nyala"/>
-        <a:font script="Beng" typeface="Vrinda"/>
-        <a:font script="Gujr" typeface="Shruti"/>
-        <a:font script="Khmr" typeface="MoolBoran"/>
-        <a:font script="Knda" typeface="Tunga"/>
-        <a:font script="Guru" typeface="Raavi"/>
-        <a:font script="Cans" typeface="Euphemia"/>
-        <a:font script="Cher" typeface="Plantagenet Cherokee"/>
-        <a:font script="Yiii" typeface="Microsoft Yi Baiti"/>
-        <a:font script="Tibt" typeface="Microsoft Himalaya"/>
-        <a:font script="Thaa" typeface="MV Boli"/>
-        <a:font script="Deva" typeface="Mangal"/>
-        <a:font script="Telu" typeface="Gautami"/>
-        <a:font script="Taml" typeface="Latha"/>
-        <a:font script="Syrc" typeface="Estrangelo Edessa"/>
-        <a:font script="Orya" typeface="Kalinga"/>
-        <a:font script="Mlym" typeface="Kartika"/>
-        <a:font script="Laoo" typeface="DokChampa"/>
-        <a:font script="Sinh" typeface="Iskoola Pota"/>
-        <a:font script="Mong" typeface="Mongolian Baiti"/>
-        <a:font script="Viet" typeface="Times New Roman"/>
-        <a:font script="Uigh" typeface="Microsoft Uighur"/>
-        <a:font script="Geor" typeface="Sylfaen"/>
-      </a:majorFont>
-      <a:minorFont>
-        <a:latin typeface="Arial"/>
-        <a:ea typeface=""/>
-        <a:cs typeface=""/>
-        <a:font script="Jpan" typeface="ＭＳ Ｐゴシック"/>
-        <a:font script="Hang" typeface="맑은 고딕"/>
-        <a:font script="Hans" typeface="宋体"/>
-        <a:font script="Hant" typeface="新細明體"/>
-        <a:font script="Arab" typeface="Arial"/>
-        <a:font script="Hebr" typeface="Arial"/>
-        <a:font script="Thai" typeface="Cordia New"/>
-        <a:font script="Ethi" typeface="Nyala"/>
-        <a:font script="Beng" typeface="Vrinda"/>
-        <a:font script="Gujr" typeface="Shruti"/>
-        <a:font script="Khmr" typeface="DaunPenh"/>
-        <a:font script="Knda" typeface="Tunga"/>
-        <a:font script="Guru" typeface="Raavi"/>
-        <a:font script="Cans" typeface="Euphemia"/>
-        <a:font script="Cher" typeface="Plantagenet Cherokee"/>
-        <a:font script="Yiii" typeface="Microsoft Yi Baiti"/>
-        <a:font script="Tibt" typeface="Microsoft Himalaya"/>
-        <a:font script="Thaa" typeface="MV Boli"/>
-        <a:font script="Deva" typeface="Mangal"/>
-        <a:font script="Telu" typeface="Gautami"/>
-        <a:font script="Taml" typeface="Latha"/>
-        <a:font script="Syrc" typeface="Estrangelo Edessa"/>
-        <a:font script="Orya" typeface="Kalinga"/>
-        <a:font script="Mlym" typeface="Kartika"/>
-        <a:font script="Laoo" typeface="DokChampa"/>
-        <a:font script="Sinh" typeface="Iskoola Pota"/>
-        <a:font script="Mong" typeface="Mongolian Baiti"/>
-        <a:font script="Viet" typeface="Arial"/>
-        <a:font script="Uigh" typeface="Microsoft Uighur"/>
-        <a:font script="Geor" typeface="Sylfaen"/>
-      </a:minorFont>
-    </a:fontScheme>
-    <a:fmtScheme name="Office">
-      <a:fillStyleLst>
-        <a:solidFill>
-          <a:schemeClr val="phClr"/>
-        </a:solidFill>
-        <a:gradFill rotWithShape="1">
-          <a:gsLst>
-            <a:gs pos="0">
-              <a:schemeClr val="phClr">
-                <a:tint val="50000"/>
-                <a:satMod val="300000"/>
-              </a:schemeClr>
-            </a:gs>
-            <a:gs pos="35000">
-              <a:schemeClr val="phClr">
-                <a:tint val="37000"/>
-                <a:satMod val="300000"/>
-              </a:schemeClr>
-            </a:gs>
-            <a:gs pos="100000">
-              <a:schemeClr val="phClr">
-                <a:tint val="15000"/>
-                <a:satMod val="350000"/>
-              </a:schemeClr>
-            </a:gs>
-          </a:gsLst>
-          <a:lin ang="16200000" scaled="1"/>
-        </a:gradFill>
-        <a:gradFill rotWithShape="1">
-          <a:gsLst>
-            <a:gs pos="0">
-              <a:schemeClr val="phClr">
-                <a:tint val="100000"/>
-                <a:shade val="100000"/>
-                <a:satMod val="130000"/>
-              </a:schemeClr>
-            </a:gs>
-            <a:gs pos="100000">
-              <a:schemeClr val="phClr">
-                <a:tint val="50000"/>
-                <a:shade val="100000"/>
-                <a:satMod val="350000"/>
-              </a:schemeClr>
-            </a:gs>
-          </a:gsLst>
-          <a:lin ang="16200000" scaled="0"/>
-        </a:gradFill>
-      </a:fillStyleLst>
-      <a:lnStyleLst>
-        <a:ln w="9525" cap="flat" cmpd="sng" algn="ctr">
-          <a:solidFill>
-            <a:schemeClr val="phClr">
-              <a:shade val="95000"/>
-              <a:satMod val="105000"/>
-            </a:schemeClr>
-          </a:solidFill>
-          <a:prstDash val="solid"/>
-        </a:ln>
-        <a:ln w="25400" cap="flat" cmpd="sng" algn="ctr">
-          <a:solidFill>
-            <a:schemeClr val="phClr"/>
-          </a:solidFill>
-          <a:prstDash val="solid"/>
-        </a:ln>
-        <a:ln w="38100" cap="flat" cmpd="sng" algn="ctr">
-          <a:solidFill>
-            <a:schemeClr val="phClr"/>
-          </a:solidFill>
-          <a:prstDash val="solid"/>
-        </a:ln>
-      </a:lnStyleLst>
-      <a:effectStyleLst>
-        <a:effectStyle>
-          <a:effectLst>
-            <a:outerShdw blurRad="40000" dist="20000" dir="5400000" rotWithShape="0">
-              <a:srgbClr val="000000">
-                <a:alpha val="38000"/>
-              </a:srgbClr>
-            </a:outerShdw>
-          </a:effectLst>
-        </a:effectStyle>
-        <a:effectStyle>
-          <a:effectLst>
-            <a:outerShdw blurRad="40000" dist="23000" dir="5400000" rotWithShape="0">
-              <a:srgbClr val="000000">
-                <a:alpha val="35000"/>
-              </a:srgbClr>
-            </a:outerShdw>
-          </a:effectLst>
-        </a:effectStyle>
-        <a:effectStyle>
-          <a:effectLst>
-            <a:outerShdw blurRad="40000" dist="23000" dir="5400000" rotWithShape="0">
-              <a:srgbClr val="000000">
-                <a:alpha val="35000"/>
-              </a:srgbClr>
-            </a:outerShdw>
-          </a:effectLst>
-          <a:scene3d>
-            <a:camera prst="orthographicFront">
-              <a:rot lat="0" lon="0" rev="0"/>
-            </a:camera>
-            <a:lightRig rig="threePt" dir="t">
-              <a:rot lat="0" lon="0" rev="1200000"/>
-            </a:lightRig>
-          </a:scene3d>
-          <a:sp3d>
-            <a:bevelT w="63500" h="25400"/>
-          </a:sp3d>
-        </a:effectStyle>
-      </a:effectStyleLst>
-      <a:bgFillStyleLst>
-        <a:solidFill>
-          <a:schemeClr val="phClr"/>
-        </a:solidFill>
-        <a:gradFill rotWithShape="1">
-          <a:gsLst>
-            <a:gs pos="0">
-              <a:schemeClr val="phClr">
-                <a:tint val="40000"/>
-                <a:satMod val="350000"/>
-              </a:schemeClr>
-            </a:gs>
-            <a:gs pos="40000">
-              <a:schemeClr val="phClr">
-                <a:tint val="45000"/>
-                <a:shade val="99000"/>
-                <a:satMod val="350000"/>
-              </a:schemeClr>
-            </a:gs>
-            <a:gs pos="100000">
-              <a:schemeClr val="phClr">
-                <a:shade val="20000"/>
-                <a:satMod val="255000"/>
-              </a:schemeClr>
-            </a:gs>
-          </a:gsLst>
-          <a:path path="circle">
-            <a:fillToRect l="50000" t="-80000" r="50000" b="180000"/>
-          </a:path>
-        </a:gradFill>
-        <a:gradFill rotWithShape="1">
-          <a:gsLst>
-            <a:gs pos="0">
-              <a:schemeClr val="phClr">
-                <a:tint val="80000"/>
-                <a:satMod val="300000"/>
-              </a:schemeClr>
-            </a:gs>
-            <a:gs pos="100000">
-              <a:schemeClr val="phClr">
-                <a:shade val="30000"/>
-                <a:satMod val="200000"/>
-              </a:schemeClr>
-            </a:gs>
-          </a:gsLst>
-          <a:path path="circle">
-            <a:fillToRect l="50000" t="50000" r="50000" b="50000"/>
-          </a:path>
-        </a:gradFill>
-      </a:bgFillStyleLst>
-    </a:fmtScheme>
-  </a:themeElements>
-</a:theme>
 </file>
--- a/CSE-3104/Slides/Introduction_to_modern_databases.pptx
+++ b/CSE-3104/Slides/Introduction_to_modern_databases.pptx
@@ -300,7 +300,7 @@
       </p15:sldGuideLst>
     </p:ext>
     <p:ext uri="GoogleSlidesCustomDataVersion2">
-      <go:slidesCustomData xmlns:go="http://customooxmlschemas.google.com/" r:id="rId46" roundtripDataSignature="AMtx7mgmBVq2Ct1xGoViKvK1BYtfuQ8Qww=="/>
+      <go:slidesCustomData xmlns:go="http://customooxmlschemas.google.com/" r:id="rId46" roundtripDataSignature="AMtx7miIK3VfbUU7snDkqKogbCvQJeSY6A=="/>
     </p:ext>
   </p:extLst>
 </p:presentation>
@@ -1232,7 +1232,7 @@
   <p:cSld>
     <p:spTree>
       <p:nvGrpSpPr>
-        <p:cNvPr id="179" name="Shape 179"/>
+        <p:cNvPr id="180" name="Shape 180"/>
         <p:cNvGrpSpPr/>
         <p:nvPr/>
       </p:nvGrpSpPr>
@@ -1246,7 +1246,7 @@
       </p:grpSpPr>
       <p:sp>
         <p:nvSpPr>
-          <p:cNvPr id="180" name="Google Shape;180;g369690b03c5_0_206:notes"/>
+          <p:cNvPr id="181" name="Google Shape;181;g369690b03c5_0_206:notes"/>
           <p:cNvSpPr/>
           <p:nvPr>
             <p:ph idx="2" type="sldImg"/>
@@ -1281,7 +1281,7 @@
       </p:sp>
       <p:sp>
         <p:nvSpPr>
-          <p:cNvPr id="181" name="Google Shape;181;g369690b03c5_0_206:notes"/>
+          <p:cNvPr id="182" name="Google Shape;182;g369690b03c5_0_206:notes"/>
           <p:cNvSpPr txBox="1"/>
           <p:nvPr>
             <p:ph idx="1" type="body"/>
@@ -1331,7 +1331,7 @@
   <p:cSld>
     <p:spTree>
       <p:nvGrpSpPr>
-        <p:cNvPr id="190" name="Shape 190"/>
+        <p:cNvPr id="191" name="Shape 191"/>
         <p:cNvGrpSpPr/>
         <p:nvPr/>
       </p:nvGrpSpPr>
@@ -1345,7 +1345,7 @@
       </p:grpSpPr>
       <p:sp>
         <p:nvSpPr>
-          <p:cNvPr id="191" name="Google Shape;191;g369690b03c5_0_217:notes"/>
+          <p:cNvPr id="192" name="Google Shape;192;g369690b03c5_0_217:notes"/>
           <p:cNvSpPr/>
           <p:nvPr>
             <p:ph idx="2" type="sldImg"/>
@@ -1380,7 +1380,7 @@
       </p:sp>
       <p:sp>
         <p:nvSpPr>
-          <p:cNvPr id="192" name="Google Shape;192;g369690b03c5_0_217:notes"/>
+          <p:cNvPr id="193" name="Google Shape;193;g369690b03c5_0_217:notes"/>
           <p:cNvSpPr txBox="1"/>
           <p:nvPr>
             <p:ph idx="1" type="body"/>
@@ -1430,7 +1430,7 @@
   <p:cSld>
     <p:spTree>
       <p:nvGrpSpPr>
-        <p:cNvPr id="197" name="Shape 197"/>
+        <p:cNvPr id="198" name="Shape 198"/>
         <p:cNvGrpSpPr/>
         <p:nvPr/>
       </p:nvGrpSpPr>
@@ -1444,7 +1444,7 @@
       </p:grpSpPr>
       <p:sp>
         <p:nvSpPr>
-          <p:cNvPr id="198" name="Google Shape;198;g369690b03c5_0_224:notes"/>
+          <p:cNvPr id="199" name="Google Shape;199;g369690b03c5_0_224:notes"/>
           <p:cNvSpPr/>
           <p:nvPr>
             <p:ph idx="2" type="sldImg"/>
@@ -1479,7 +1479,7 @@
       </p:sp>
       <p:sp>
         <p:nvSpPr>
-          <p:cNvPr id="199" name="Google Shape;199;g369690b03c5_0_224:notes"/>
+          <p:cNvPr id="200" name="Google Shape;200;g369690b03c5_0_224:notes"/>
           <p:cNvSpPr txBox="1"/>
           <p:nvPr>
             <p:ph idx="1" type="body"/>
@@ -1529,7 +1529,7 @@
   <p:cSld>
     <p:spTree>
       <p:nvGrpSpPr>
-        <p:cNvPr id="204" name="Shape 204"/>
+        <p:cNvPr id="205" name="Shape 205"/>
         <p:cNvGrpSpPr/>
         <p:nvPr/>
       </p:nvGrpSpPr>
@@ -1543,7 +1543,7 @@
       </p:grpSpPr>
       <p:sp>
         <p:nvSpPr>
-          <p:cNvPr id="205" name="Google Shape;205;g369690b03c5_0_235:notes"/>
+          <p:cNvPr id="206" name="Google Shape;206;g369690b03c5_0_235:notes"/>
           <p:cNvSpPr/>
           <p:nvPr>
             <p:ph idx="2" type="sldImg"/>
@@ -1578,7 +1578,7 @@
       </p:sp>
       <p:sp>
         <p:nvSpPr>
-          <p:cNvPr id="206" name="Google Shape;206;g369690b03c5_0_235:notes"/>
+          <p:cNvPr id="207" name="Google Shape;207;g369690b03c5_0_235:notes"/>
           <p:cNvSpPr txBox="1"/>
           <p:nvPr>
             <p:ph idx="1" type="body"/>
@@ -1628,7 +1628,7 @@
   <p:cSld>
     <p:spTree>
       <p:nvGrpSpPr>
-        <p:cNvPr id="211" name="Shape 211"/>
+        <p:cNvPr id="212" name="Shape 212"/>
         <p:cNvGrpSpPr/>
         <p:nvPr/>
       </p:nvGrpSpPr>
@@ -1642,7 +1642,7 @@
       </p:grpSpPr>
       <p:sp>
         <p:nvSpPr>
-          <p:cNvPr id="212" name="Google Shape;212;g369690b03c5_0_264:notes"/>
+          <p:cNvPr id="213" name="Google Shape;213;g369690b03c5_0_264:notes"/>
           <p:cNvSpPr/>
           <p:nvPr>
             <p:ph idx="2" type="sldImg"/>
@@ -1677,7 +1677,7 @@
       </p:sp>
       <p:sp>
         <p:nvSpPr>
-          <p:cNvPr id="213" name="Google Shape;213;g369690b03c5_0_264:notes"/>
+          <p:cNvPr id="214" name="Google Shape;214;g369690b03c5_0_264:notes"/>
           <p:cNvSpPr txBox="1"/>
           <p:nvPr>
             <p:ph idx="1" type="body"/>
@@ -1727,7 +1727,7 @@
   <p:cSld>
     <p:spTree>
       <p:nvGrpSpPr>
-        <p:cNvPr id="218" name="Shape 218"/>
+        <p:cNvPr id="219" name="Shape 219"/>
         <p:cNvGrpSpPr/>
         <p:nvPr/>
       </p:nvGrpSpPr>
@@ -1741,7 +1741,7 @@
       </p:grpSpPr>
       <p:sp>
         <p:nvSpPr>
-          <p:cNvPr id="219" name="Google Shape;219;g369690b03c5_0_286:notes"/>
+          <p:cNvPr id="220" name="Google Shape;220;g369690b03c5_0_286:notes"/>
           <p:cNvSpPr/>
           <p:nvPr>
             <p:ph idx="2" type="sldImg"/>
@@ -1776,7 +1776,7 @@
       </p:sp>
       <p:sp>
         <p:nvSpPr>
-          <p:cNvPr id="220" name="Google Shape;220;g369690b03c5_0_286:notes"/>
+          <p:cNvPr id="221" name="Google Shape;221;g369690b03c5_0_286:notes"/>
           <p:cNvSpPr txBox="1"/>
           <p:nvPr>
             <p:ph idx="1" type="body"/>
@@ -1925,7 +1925,7 @@
   <p:cSld>
     <p:spTree>
       <p:nvGrpSpPr>
-        <p:cNvPr id="225" name="Shape 225"/>
+        <p:cNvPr id="226" name="Shape 226"/>
         <p:cNvGrpSpPr/>
         <p:nvPr/>
       </p:nvGrpSpPr>
@@ -1939,7 +1939,7 @@
       </p:grpSpPr>
       <p:sp>
         <p:nvSpPr>
-          <p:cNvPr id="226" name="Google Shape;226;p5:notes"/>
+          <p:cNvPr id="227" name="Google Shape;227;p5:notes"/>
           <p:cNvSpPr txBox="1"/>
           <p:nvPr>
             <p:ph idx="1" type="body"/>
@@ -1978,7 +1978,7 @@
       </p:sp>
       <p:sp>
         <p:nvSpPr>
-          <p:cNvPr id="227" name="Google Shape;227;p5:notes"/>
+          <p:cNvPr id="228" name="Google Shape;228;p5:notes"/>
           <p:cNvSpPr/>
           <p:nvPr>
             <p:ph idx="2" type="sldImg"/>
@@ -2024,7 +2024,7 @@
   <p:cSld>
     <p:spTree>
       <p:nvGrpSpPr>
-        <p:cNvPr id="237" name="Shape 237"/>
+        <p:cNvPr id="238" name="Shape 238"/>
         <p:cNvGrpSpPr/>
         <p:nvPr/>
       </p:nvGrpSpPr>
@@ -2038,7 +2038,7 @@
       </p:grpSpPr>
       <p:sp>
         <p:nvSpPr>
-          <p:cNvPr id="238" name="Google Shape;238;p6:notes"/>
+          <p:cNvPr id="239" name="Google Shape;239;p6:notes"/>
           <p:cNvSpPr txBox="1"/>
           <p:nvPr>
             <p:ph idx="1" type="body"/>
@@ -2077,7 +2077,7 @@
       </p:sp>
       <p:sp>
         <p:nvSpPr>
-          <p:cNvPr id="239" name="Google Shape;239;p6:notes"/>
+          <p:cNvPr id="240" name="Google Shape;240;p6:notes"/>
           <p:cNvSpPr/>
           <p:nvPr>
             <p:ph idx="2" type="sldImg"/>
@@ -2123,7 +2123,7 @@
   <p:cSld>
     <p:spTree>
       <p:nvGrpSpPr>
-        <p:cNvPr id="248" name="Shape 248"/>
+        <p:cNvPr id="250" name="Shape 250"/>
         <p:cNvGrpSpPr/>
         <p:nvPr/>
       </p:nvGrpSpPr>
@@ -2137,7 +2137,7 @@
       </p:grpSpPr>
       <p:sp>
         <p:nvSpPr>
-          <p:cNvPr id="249" name="Google Shape;249;g36a36cb3e03_0_20:notes"/>
+          <p:cNvPr id="251" name="Google Shape;251;g36a36cb3e03_0_20:notes"/>
           <p:cNvSpPr/>
           <p:nvPr>
             <p:ph idx="2" type="sldImg"/>
@@ -2172,7 +2172,7 @@
       </p:sp>
       <p:sp>
         <p:nvSpPr>
-          <p:cNvPr id="250" name="Google Shape;250;g36a36cb3e03_0_20:notes"/>
+          <p:cNvPr id="252" name="Google Shape;252;g36a36cb3e03_0_20:notes"/>
           <p:cNvSpPr txBox="1"/>
           <p:nvPr>
             <p:ph idx="1" type="body"/>
@@ -2222,7 +2222,7 @@
   <p:cSld>
     <p:spTree>
       <p:nvGrpSpPr>
-        <p:cNvPr id="255" name="Shape 255"/>
+        <p:cNvPr id="257" name="Shape 257"/>
         <p:cNvGrpSpPr/>
         <p:nvPr/>
       </p:nvGrpSpPr>
@@ -2236,7 +2236,7 @@
       </p:grpSpPr>
       <p:sp>
         <p:nvSpPr>
-          <p:cNvPr id="256" name="Google Shape;256;g36a36cb3e03_0_39:notes"/>
+          <p:cNvPr id="258" name="Google Shape;258;g36a36cb3e03_0_39:notes"/>
           <p:cNvSpPr/>
           <p:nvPr>
             <p:ph idx="2" type="sldImg"/>
@@ -2271,7 +2271,7 @@
       </p:sp>
       <p:sp>
         <p:nvSpPr>
-          <p:cNvPr id="257" name="Google Shape;257;g36a36cb3e03_0_39:notes"/>
+          <p:cNvPr id="259" name="Google Shape;259;g36a36cb3e03_0_39:notes"/>
           <p:cNvSpPr txBox="1"/>
           <p:nvPr>
             <p:ph idx="1" type="body"/>
@@ -2321,7 +2321,7 @@
   <p:cSld>
     <p:spTree>
       <p:nvGrpSpPr>
-        <p:cNvPr id="262" name="Shape 262"/>
+        <p:cNvPr id="264" name="Shape 264"/>
         <p:cNvGrpSpPr/>
         <p:nvPr/>
       </p:nvGrpSpPr>
@@ -2335,7 +2335,7 @@
       </p:grpSpPr>
       <p:sp>
         <p:nvSpPr>
-          <p:cNvPr id="263" name="Google Shape;263;g36a36cb3e03_0_49:notes"/>
+          <p:cNvPr id="265" name="Google Shape;265;g36a36cb3e03_0_49:notes"/>
           <p:cNvSpPr/>
           <p:nvPr>
             <p:ph idx="2" type="sldImg"/>
@@ -2370,7 +2370,7 @@
       </p:sp>
       <p:sp>
         <p:nvSpPr>
-          <p:cNvPr id="264" name="Google Shape;264;g36a36cb3e03_0_49:notes"/>
+          <p:cNvPr id="266" name="Google Shape;266;g36a36cb3e03_0_49:notes"/>
           <p:cNvSpPr txBox="1"/>
           <p:nvPr>
             <p:ph idx="1" type="body"/>
@@ -2420,7 +2420,7 @@
   <p:cSld>
     <p:spTree>
       <p:nvGrpSpPr>
-        <p:cNvPr id="269" name="Shape 269"/>
+        <p:cNvPr id="271" name="Shape 271"/>
         <p:cNvGrpSpPr/>
         <p:nvPr/>
       </p:nvGrpSpPr>
@@ -2434,7 +2434,7 @@
       </p:grpSpPr>
       <p:sp>
         <p:nvSpPr>
-          <p:cNvPr id="270" name="Google Shape;270;g36a36cb3e03_0_57:notes"/>
+          <p:cNvPr id="272" name="Google Shape;272;g36a36cb3e03_0_57:notes"/>
           <p:cNvSpPr/>
           <p:nvPr>
             <p:ph idx="2" type="sldImg"/>
@@ -2469,7 +2469,7 @@
       </p:sp>
       <p:sp>
         <p:nvSpPr>
-          <p:cNvPr id="271" name="Google Shape;271;g36a36cb3e03_0_57:notes"/>
+          <p:cNvPr id="273" name="Google Shape;273;g36a36cb3e03_0_57:notes"/>
           <p:cNvSpPr txBox="1"/>
           <p:nvPr>
             <p:ph idx="1" type="body"/>
@@ -2519,7 +2519,7 @@
   <p:cSld>
     <p:spTree>
       <p:nvGrpSpPr>
-        <p:cNvPr id="276" name="Shape 276"/>
+        <p:cNvPr id="278" name="Shape 278"/>
         <p:cNvGrpSpPr/>
         <p:nvPr/>
       </p:nvGrpSpPr>
@@ -2533,7 +2533,7 @@
       </p:grpSpPr>
       <p:sp>
         <p:nvSpPr>
-          <p:cNvPr id="277" name="Google Shape;277;g36a36cb3e03_0_64:notes"/>
+          <p:cNvPr id="279" name="Google Shape;279;g36a36cb3e03_0_64:notes"/>
           <p:cNvSpPr/>
           <p:nvPr>
             <p:ph idx="2" type="sldImg"/>
@@ -2568,7 +2568,7 @@
       </p:sp>
       <p:sp>
         <p:nvSpPr>
-          <p:cNvPr id="278" name="Google Shape;278;g36a36cb3e03_0_64:notes"/>
+          <p:cNvPr id="280" name="Google Shape;280;g36a36cb3e03_0_64:notes"/>
           <p:cNvSpPr txBox="1"/>
           <p:nvPr>
             <p:ph idx="1" type="body"/>
@@ -2618,7 +2618,7 @@
   <p:cSld>
     <p:spTree>
       <p:nvGrpSpPr>
-        <p:cNvPr id="283" name="Shape 283"/>
+        <p:cNvPr id="285" name="Shape 285"/>
         <p:cNvGrpSpPr/>
         <p:nvPr/>
       </p:nvGrpSpPr>
@@ -2632,7 +2632,7 @@
       </p:grpSpPr>
       <p:sp>
         <p:nvSpPr>
-          <p:cNvPr id="284" name="Google Shape;284;g36a36cb3e03_0_73:notes"/>
+          <p:cNvPr id="286" name="Google Shape;286;g36a36cb3e03_0_73:notes"/>
           <p:cNvSpPr/>
           <p:nvPr>
             <p:ph idx="2" type="sldImg"/>
@@ -2667,7 +2667,7 @@
       </p:sp>
       <p:sp>
         <p:nvSpPr>
-          <p:cNvPr id="285" name="Google Shape;285;g36a36cb3e03_0_73:notes"/>
+          <p:cNvPr id="287" name="Google Shape;287;g36a36cb3e03_0_73:notes"/>
           <p:cNvSpPr txBox="1"/>
           <p:nvPr>
             <p:ph idx="1" type="body"/>
@@ -2717,7 +2717,7 @@
   <p:cSld>
     <p:spTree>
       <p:nvGrpSpPr>
-        <p:cNvPr id="290" name="Shape 290"/>
+        <p:cNvPr id="292" name="Shape 292"/>
         <p:cNvGrpSpPr/>
         <p:nvPr/>
       </p:nvGrpSpPr>
@@ -2731,7 +2731,7 @@
       </p:grpSpPr>
       <p:sp>
         <p:nvSpPr>
-          <p:cNvPr id="291" name="Google Shape;291;g36a36cb3e03_0_80:notes"/>
+          <p:cNvPr id="293" name="Google Shape;293;g36a36cb3e03_0_80:notes"/>
           <p:cNvSpPr/>
           <p:nvPr>
             <p:ph idx="2" type="sldImg"/>
@@ -2766,7 +2766,7 @@
       </p:sp>
       <p:sp>
         <p:nvSpPr>
-          <p:cNvPr id="292" name="Google Shape;292;g36a36cb3e03_0_80:notes"/>
+          <p:cNvPr id="294" name="Google Shape;294;g36a36cb3e03_0_80:notes"/>
           <p:cNvSpPr txBox="1"/>
           <p:nvPr>
             <p:ph idx="1" type="body"/>
@@ -2816,7 +2816,7 @@
   <p:cSld>
     <p:spTree>
       <p:nvGrpSpPr>
-        <p:cNvPr id="298" name="Shape 298"/>
+        <p:cNvPr id="300" name="Shape 300"/>
         <p:cNvGrpSpPr/>
         <p:nvPr/>
       </p:nvGrpSpPr>
@@ -2830,7 +2830,7 @@
       </p:grpSpPr>
       <p:sp>
         <p:nvSpPr>
-          <p:cNvPr id="299" name="Google Shape;299;g36a36cb3e03_0_90:notes"/>
+          <p:cNvPr id="301" name="Google Shape;301;g36a36cb3e03_0_90:notes"/>
           <p:cNvSpPr/>
           <p:nvPr>
             <p:ph idx="2" type="sldImg"/>
@@ -2865,7 +2865,7 @@
       </p:sp>
       <p:sp>
         <p:nvSpPr>
-          <p:cNvPr id="300" name="Google Shape;300;g36a36cb3e03_0_90:notes"/>
+          <p:cNvPr id="302" name="Google Shape;302;g36a36cb3e03_0_90:notes"/>
           <p:cNvSpPr txBox="1"/>
           <p:nvPr>
             <p:ph idx="1" type="body"/>
@@ -3014,7 +3014,7 @@
   <p:cSld>
     <p:spTree>
       <p:nvGrpSpPr>
-        <p:cNvPr id="309" name="Shape 309"/>
+        <p:cNvPr id="311" name="Shape 311"/>
         <p:cNvGrpSpPr/>
         <p:nvPr/>
       </p:nvGrpSpPr>
@@ -3028,7 +3028,7 @@
       </p:grpSpPr>
       <p:sp>
         <p:nvSpPr>
-          <p:cNvPr id="310" name="Google Shape;310;p9:notes"/>
+          <p:cNvPr id="312" name="Google Shape;312;p9:notes"/>
           <p:cNvSpPr txBox="1"/>
           <p:nvPr>
             <p:ph idx="1" type="body"/>
@@ -3067,7 +3067,7 @@
       </p:sp>
       <p:sp>
         <p:nvSpPr>
-          <p:cNvPr id="311" name="Google Shape;311;p9:notes"/>
+          <p:cNvPr id="313" name="Google Shape;313;p9:notes"/>
           <p:cNvSpPr/>
           <p:nvPr>
             <p:ph idx="2" type="sldImg"/>
@@ -3113,7 +3113,7 @@
   <p:cSld>
     <p:spTree>
       <p:nvGrpSpPr>
-        <p:cNvPr id="317" name="Shape 317"/>
+        <p:cNvPr id="319" name="Shape 319"/>
         <p:cNvGrpSpPr/>
         <p:nvPr/>
       </p:nvGrpSpPr>
@@ -3127,7 +3127,7 @@
       </p:grpSpPr>
       <p:sp>
         <p:nvSpPr>
-          <p:cNvPr id="318" name="Google Shape;318;p10:notes"/>
+          <p:cNvPr id="320" name="Google Shape;320;p10:notes"/>
           <p:cNvSpPr txBox="1"/>
           <p:nvPr>
             <p:ph idx="1" type="body"/>
@@ -3166,7 +3166,7 @@
       </p:sp>
       <p:sp>
         <p:nvSpPr>
-          <p:cNvPr id="319" name="Google Shape;319;p10:notes"/>
+          <p:cNvPr id="321" name="Google Shape;321;p10:notes"/>
           <p:cNvSpPr/>
           <p:nvPr>
             <p:ph idx="2" type="sldImg"/>
@@ -3212,7 +3212,7 @@
   <p:cSld>
     <p:spTree>
       <p:nvGrpSpPr>
-        <p:cNvPr id="324" name="Shape 324"/>
+        <p:cNvPr id="326" name="Shape 326"/>
         <p:cNvGrpSpPr/>
         <p:nvPr/>
       </p:nvGrpSpPr>
@@ -3226,7 +3226,7 @@
       </p:grpSpPr>
       <p:sp>
         <p:nvSpPr>
-          <p:cNvPr id="325" name="Google Shape;325;p11:notes"/>
+          <p:cNvPr id="327" name="Google Shape;327;p11:notes"/>
           <p:cNvSpPr txBox="1"/>
           <p:nvPr>
             <p:ph idx="1" type="body"/>
@@ -3265,7 +3265,7 @@
       </p:sp>
       <p:sp>
         <p:nvSpPr>
-          <p:cNvPr id="326" name="Google Shape;326;p11:notes"/>
+          <p:cNvPr id="328" name="Google Shape;328;p11:notes"/>
           <p:cNvSpPr/>
           <p:nvPr>
             <p:ph idx="2" type="sldImg"/>
@@ -3311,7 +3311,7 @@
   <p:cSld>
     <p:spTree>
       <p:nvGrpSpPr>
-        <p:cNvPr id="331" name="Shape 331"/>
+        <p:cNvPr id="333" name="Shape 333"/>
         <p:cNvGrpSpPr/>
         <p:nvPr/>
       </p:nvGrpSpPr>
@@ -3325,7 +3325,7 @@
       </p:grpSpPr>
       <p:sp>
         <p:nvSpPr>
-          <p:cNvPr id="332" name="Google Shape;332;g36a36cb3e03_0_115:notes"/>
+          <p:cNvPr id="334" name="Google Shape;334;g36a36cb3e03_0_115:notes"/>
           <p:cNvSpPr/>
           <p:nvPr>
             <p:ph idx="2" type="sldImg"/>
@@ -3360,7 +3360,7 @@
       </p:sp>
       <p:sp>
         <p:nvSpPr>
-          <p:cNvPr id="333" name="Google Shape;333;g36a36cb3e03_0_115:notes"/>
+          <p:cNvPr id="335" name="Google Shape;335;g36a36cb3e03_0_115:notes"/>
           <p:cNvSpPr txBox="1"/>
           <p:nvPr>
             <p:ph idx="1" type="body"/>
@@ -3410,7 +3410,7 @@
   <p:cSld>
     <p:spTree>
       <p:nvGrpSpPr>
-        <p:cNvPr id="338" name="Shape 338"/>
+        <p:cNvPr id="340" name="Shape 340"/>
         <p:cNvGrpSpPr/>
         <p:nvPr/>
       </p:nvGrpSpPr>
@@ -3424,7 +3424,7 @@
       </p:grpSpPr>
       <p:sp>
         <p:nvSpPr>
-          <p:cNvPr id="339" name="Google Shape;339;p13:notes"/>
+          <p:cNvPr id="341" name="Google Shape;341;p13:notes"/>
           <p:cNvSpPr txBox="1"/>
           <p:nvPr>
             <p:ph idx="1" type="body"/>
@@ -3463,7 +3463,7 @@
       </p:sp>
       <p:sp>
         <p:nvSpPr>
-          <p:cNvPr id="340" name="Google Shape;340;p13:notes"/>
+          <p:cNvPr id="342" name="Google Shape;342;p13:notes"/>
           <p:cNvSpPr/>
           <p:nvPr>
             <p:ph idx="2" type="sldImg"/>
@@ -3509,7 +3509,7 @@
   <p:cSld>
     <p:spTree>
       <p:nvGrpSpPr>
-        <p:cNvPr id="345" name="Shape 345"/>
+        <p:cNvPr id="347" name="Shape 347"/>
         <p:cNvGrpSpPr/>
         <p:nvPr/>
       </p:nvGrpSpPr>
@@ -3523,7 +3523,7 @@
       </p:grpSpPr>
       <p:sp>
         <p:nvSpPr>
-          <p:cNvPr id="346" name="Google Shape;346;p14:notes"/>
+          <p:cNvPr id="348" name="Google Shape;348;p14:notes"/>
           <p:cNvSpPr txBox="1"/>
           <p:nvPr>
             <p:ph idx="1" type="body"/>
@@ -3562,7 +3562,7 @@
       </p:sp>
       <p:sp>
         <p:nvSpPr>
-          <p:cNvPr id="347" name="Google Shape;347;p14:notes"/>
+          <p:cNvPr id="349" name="Google Shape;349;p14:notes"/>
           <p:cNvSpPr/>
           <p:nvPr>
             <p:ph idx="2" type="sldImg"/>
@@ -14449,7 +14449,7 @@
             <a:tbl>
               <a:tblPr>
                 <a:noFill/>
-                <a:tableStyleId>{612DB85B-09D3-4AB4-80B9-41EA9D3D7577}</a:tableStyleId>
+                <a:tableStyleId>{1A739EA9-C52D-4B98-B90B-9A33190725C9}</a:tableStyleId>
               </a:tblPr>
               <a:tblGrid>
                 <a:gridCol w="2413000"/>
@@ -16777,6 +16777,64 @@
           </a:p>
         </p:txBody>
       </p:sp>
+      <p:sp>
+        <p:nvSpPr>
+          <p:cNvPr id="179" name="Google Shape;179;g369690b03c5_0_189"/>
+          <p:cNvSpPr txBox="1"/>
+          <p:nvPr/>
+        </p:nvSpPr>
+        <p:spPr>
+          <a:xfrm>
+            <a:off x="270175" y="5704600"/>
+            <a:ext cx="5182500" cy="651900"/>
+          </a:xfrm>
+          <a:prstGeom prst="rect">
+            <a:avLst/>
+          </a:prstGeom>
+          <a:noFill/>
+          <a:ln>
+            <a:noFill/>
+          </a:ln>
+        </p:spPr>
+        <p:txBody>
+          <a:bodyPr anchorCtr="0" anchor="t" bIns="91425" lIns="91425" spcFirstLastPara="1" rIns="91425" wrap="square" tIns="91425">
+            <a:noAutofit/>
+          </a:bodyPr>
+          <a:lstStyle/>
+          <a:p>
+            <a:pPr indent="0" lvl="0" marL="0" rtl="0" algn="l">
+              <a:spcBef>
+                <a:spcPts val="0"/>
+              </a:spcBef>
+              <a:spcAft>
+                <a:spcPts val="0"/>
+              </a:spcAft>
+              <a:buNone/>
+            </a:pPr>
+            <a:r>
+              <a:rPr lang="en-US" sz="1800">
+                <a:solidFill>
+                  <a:schemeClr val="dk1"/>
+                </a:solidFill>
+                <a:latin typeface="Calibri"/>
+                <a:ea typeface="Calibri"/>
+                <a:cs typeface="Calibri"/>
+                <a:sym typeface="Calibri"/>
+              </a:rPr>
+              <a:t>Mainly PostGres Supports this, not all. </a:t>
+            </a:r>
+            <a:endParaRPr sz="1800">
+              <a:solidFill>
+                <a:schemeClr val="dk1"/>
+              </a:solidFill>
+              <a:latin typeface="Calibri"/>
+              <a:ea typeface="Calibri"/>
+              <a:cs typeface="Calibri"/>
+              <a:sym typeface="Calibri"/>
+            </a:endParaRPr>
+          </a:p>
+        </p:txBody>
+      </p:sp>
     </p:spTree>
   </p:cSld>
   <p:clrMapOvr>
@@ -16790,7 +16848,7 @@
   <p:cSld>
     <p:spTree>
       <p:nvGrpSpPr>
-        <p:cNvPr id="182" name="Shape 182"/>
+        <p:cNvPr id="183" name="Shape 183"/>
         <p:cNvGrpSpPr/>
         <p:nvPr/>
       </p:nvGrpSpPr>
@@ -16804,7 +16862,7 @@
       </p:grpSpPr>
       <p:sp>
         <p:nvSpPr>
-          <p:cNvPr id="183" name="Google Shape;183;g369690b03c5_0_206"/>
+          <p:cNvPr id="184" name="Google Shape;184;g369690b03c5_0_206"/>
           <p:cNvSpPr txBox="1"/>
           <p:nvPr>
             <p:ph type="title"/>
@@ -16844,7 +16902,7 @@
       </p:sp>
       <p:sp>
         <p:nvSpPr>
-          <p:cNvPr id="184" name="Google Shape;184;g369690b03c5_0_206"/>
+          <p:cNvPr id="185" name="Google Shape;185;g369690b03c5_0_206"/>
           <p:cNvSpPr txBox="1"/>
           <p:nvPr>
             <p:ph idx="1" type="body"/>
@@ -17236,7 +17294,7 @@
                 <a:cs typeface="Courier New"/>
                 <a:sym typeface="Courier New"/>
               </a:rPr>
-              <a:t>SELECT s.name, c.title</a:t>
+              <a:t>SELECT DEREF(s).name, c.title</a:t>
             </a:r>
             <a:endParaRPr sz="1600">
               <a:solidFill>
@@ -17349,7 +17407,7 @@
       </p:sp>
       <p:sp>
         <p:nvSpPr>
-          <p:cNvPr id="185" name="Google Shape;185;g369690b03c5_0_206"/>
+          <p:cNvPr id="186" name="Google Shape;186;g369690b03c5_0_206"/>
           <p:cNvSpPr txBox="1"/>
           <p:nvPr>
             <p:ph idx="12" type="sldNum"/>
@@ -17393,7 +17451,7 @@
       </p:sp>
       <p:sp>
         <p:nvSpPr>
-          <p:cNvPr id="186" name="Google Shape;186;g369690b03c5_0_206"/>
+          <p:cNvPr id="187" name="Google Shape;187;g369690b03c5_0_206"/>
           <p:cNvSpPr txBox="1"/>
           <p:nvPr/>
         </p:nvSpPr>
@@ -17435,9 +17493,9 @@
       </p:sp>
       <p:cxnSp>
         <p:nvCxnSpPr>
-          <p:cNvPr id="187" name="Google Shape;187;g369690b03c5_0_206"/>
+          <p:cNvPr id="188" name="Google Shape;188;g369690b03c5_0_206"/>
           <p:cNvCxnSpPr>
-            <a:stCxn id="186" idx="1"/>
+            <a:stCxn id="187" idx="1"/>
           </p:cNvCxnSpPr>
           <p:nvPr/>
         </p:nvCxnSpPr>
@@ -17463,7 +17521,7 @@
       </p:cxnSp>
       <p:sp>
         <p:nvSpPr>
-          <p:cNvPr id="188" name="Google Shape;188;g369690b03c5_0_206"/>
+          <p:cNvPr id="189" name="Google Shape;189;g369690b03c5_0_206"/>
           <p:cNvSpPr txBox="1"/>
           <p:nvPr/>
         </p:nvSpPr>
@@ -17505,9 +17563,9 @@
       </p:sp>
       <p:cxnSp>
         <p:nvCxnSpPr>
-          <p:cNvPr id="189" name="Google Shape;189;g369690b03c5_0_206"/>
+          <p:cNvPr id="190" name="Google Shape;190;g369690b03c5_0_206"/>
           <p:cNvCxnSpPr>
-            <a:stCxn id="188" idx="0"/>
+            <a:stCxn id="189" idx="0"/>
           </p:cNvCxnSpPr>
           <p:nvPr/>
         </p:nvCxnSpPr>
@@ -17544,7 +17602,7 @@
   <p:cSld>
     <p:spTree>
       <p:nvGrpSpPr>
-        <p:cNvPr id="193" name="Shape 193"/>
+        <p:cNvPr id="194" name="Shape 194"/>
         <p:cNvGrpSpPr/>
         <p:nvPr/>
       </p:nvGrpSpPr>
@@ -17558,7 +17616,7 @@
       </p:grpSpPr>
       <p:sp>
         <p:nvSpPr>
-          <p:cNvPr id="194" name="Google Shape;194;g369690b03c5_0_217"/>
+          <p:cNvPr id="195" name="Google Shape;195;g369690b03c5_0_217"/>
           <p:cNvSpPr txBox="1"/>
           <p:nvPr>
             <p:ph type="title"/>
@@ -17598,7 +17656,7 @@
       </p:sp>
       <p:sp>
         <p:nvSpPr>
-          <p:cNvPr id="195" name="Google Shape;195;g369690b03c5_0_217"/>
+          <p:cNvPr id="196" name="Google Shape;196;g369690b03c5_0_217"/>
           <p:cNvSpPr txBox="1"/>
           <p:nvPr>
             <p:ph idx="1" type="body"/>
@@ -18263,7 +18321,7 @@
       </p:sp>
       <p:sp>
         <p:nvSpPr>
-          <p:cNvPr id="196" name="Google Shape;196;g369690b03c5_0_217"/>
+          <p:cNvPr id="197" name="Google Shape;197;g369690b03c5_0_217"/>
           <p:cNvSpPr txBox="1"/>
           <p:nvPr>
             <p:ph idx="12" type="sldNum"/>
@@ -18318,7 +18376,7 @@
   <p:cSld>
     <p:spTree>
       <p:nvGrpSpPr>
-        <p:cNvPr id="200" name="Shape 200"/>
+        <p:cNvPr id="201" name="Shape 201"/>
         <p:cNvGrpSpPr/>
         <p:nvPr/>
       </p:nvGrpSpPr>
@@ -18332,7 +18390,7 @@
       </p:grpSpPr>
       <p:sp>
         <p:nvSpPr>
-          <p:cNvPr id="201" name="Google Shape;201;g369690b03c5_0_224"/>
+          <p:cNvPr id="202" name="Google Shape;202;g369690b03c5_0_224"/>
           <p:cNvSpPr txBox="1"/>
           <p:nvPr>
             <p:ph type="title"/>
@@ -18372,7 +18430,7 @@
       </p:sp>
       <p:sp>
         <p:nvSpPr>
-          <p:cNvPr id="202" name="Google Shape;202;g369690b03c5_0_224"/>
+          <p:cNvPr id="203" name="Google Shape;203;g369690b03c5_0_224"/>
           <p:cNvSpPr txBox="1"/>
           <p:nvPr>
             <p:ph idx="12" type="sldNum"/>
@@ -18416,7 +18474,7 @@
       </p:sp>
       <p:graphicFrame>
         <p:nvGraphicFramePr>
-          <p:cNvPr id="203" name="Google Shape;203;g369690b03c5_0_224"/>
+          <p:cNvPr id="204" name="Google Shape;204;g369690b03c5_0_224"/>
           <p:cNvGraphicFramePr/>
           <p:nvPr/>
         </p:nvGraphicFramePr>
@@ -18429,7 +18487,7 @@
             <a:tbl>
               <a:tblPr>
                 <a:noFill/>
-                <a:tableStyleId>{612DB85B-09D3-4AB4-80B9-41EA9D3D7577}</a:tableStyleId>
+                <a:tableStyleId>{1A739EA9-C52D-4B98-B90B-9A33190725C9}</a:tableStyleId>
               </a:tblPr>
               <a:tblGrid>
                 <a:gridCol w="2413000"/>
@@ -20017,7 +20075,7 @@
   <p:cSld>
     <p:spTree>
       <p:nvGrpSpPr>
-        <p:cNvPr id="207" name="Shape 207"/>
+        <p:cNvPr id="208" name="Shape 208"/>
         <p:cNvGrpSpPr/>
         <p:nvPr/>
       </p:nvGrpSpPr>
@@ -20031,7 +20089,7 @@
       </p:grpSpPr>
       <p:sp>
         <p:nvSpPr>
-          <p:cNvPr id="208" name="Google Shape;208;g369690b03c5_0_235"/>
+          <p:cNvPr id="209" name="Google Shape;209;g369690b03c5_0_235"/>
           <p:cNvSpPr txBox="1"/>
           <p:nvPr>
             <p:ph type="title"/>
@@ -20071,7 +20129,7 @@
       </p:sp>
       <p:sp>
         <p:nvSpPr>
-          <p:cNvPr id="209" name="Google Shape;209;g369690b03c5_0_235"/>
+          <p:cNvPr id="210" name="Google Shape;210;g369690b03c5_0_235"/>
           <p:cNvSpPr txBox="1"/>
           <p:nvPr>
             <p:ph idx="12" type="sldNum"/>
@@ -20115,7 +20173,7 @@
       </p:sp>
       <p:graphicFrame>
         <p:nvGraphicFramePr>
-          <p:cNvPr id="210" name="Google Shape;210;g369690b03c5_0_235"/>
+          <p:cNvPr id="211" name="Google Shape;211;g369690b03c5_0_235"/>
           <p:cNvGraphicFramePr/>
           <p:nvPr/>
         </p:nvGraphicFramePr>
@@ -20128,7 +20186,7 @@
             <a:tbl>
               <a:tblPr>
                 <a:noFill/>
-                <a:tableStyleId>{612DB85B-09D3-4AB4-80B9-41EA9D3D7577}</a:tableStyleId>
+                <a:tableStyleId>{1A739EA9-C52D-4B98-B90B-9A33190725C9}</a:tableStyleId>
               </a:tblPr>
               <a:tblGrid>
                 <a:gridCol w="382850"/>
@@ -20837,7 +20895,7 @@
                           <a:cs typeface="Cambria"/>
                           <a:sym typeface="Cambria"/>
                         </a:rPr>
-                        <a:t>SELECT c.instructor.department</a:t>
+                        <a:t>SELECT DEREF(c.instructor).department</a:t>
                       </a:r>
                       <a:endParaRPr sz="1200">
                         <a:solidFill>
@@ -21147,7 +21205,7 @@
   <p:cSld>
     <p:spTree>
       <p:nvGrpSpPr>
-        <p:cNvPr id="214" name="Shape 214"/>
+        <p:cNvPr id="215" name="Shape 215"/>
         <p:cNvGrpSpPr/>
         <p:nvPr/>
       </p:nvGrpSpPr>
@@ -21161,7 +21219,7 @@
       </p:grpSpPr>
       <p:sp>
         <p:nvSpPr>
-          <p:cNvPr id="215" name="Google Shape;215;g369690b03c5_0_264"/>
+          <p:cNvPr id="216" name="Google Shape;216;g369690b03c5_0_264"/>
           <p:cNvSpPr txBox="1"/>
           <p:nvPr>
             <p:ph type="title"/>
@@ -21206,7 +21264,7 @@
       </p:sp>
       <p:sp>
         <p:nvSpPr>
-          <p:cNvPr id="216" name="Google Shape;216;g369690b03c5_0_264"/>
+          <p:cNvPr id="217" name="Google Shape;217;g369690b03c5_0_264"/>
           <p:cNvSpPr txBox="1"/>
           <p:nvPr>
             <p:ph idx="12" type="sldNum"/>
@@ -21250,7 +21308,7 @@
       </p:sp>
       <p:graphicFrame>
         <p:nvGraphicFramePr>
-          <p:cNvPr id="217" name="Google Shape;217;g369690b03c5_0_264"/>
+          <p:cNvPr id="218" name="Google Shape;218;g369690b03c5_0_264"/>
           <p:cNvGraphicFramePr/>
           <p:nvPr/>
         </p:nvGraphicFramePr>
@@ -21263,7 +21321,7 @@
             <a:tbl>
               <a:tblPr>
                 <a:noFill/>
-                <a:tableStyleId>{612DB85B-09D3-4AB4-80B9-41EA9D3D7577}</a:tableStyleId>
+                <a:tableStyleId>{1A739EA9-C52D-4B98-B90B-9A33190725C9}</a:tableStyleId>
               </a:tblPr>
               <a:tblGrid>
                 <a:gridCol w="382850"/>
@@ -21446,7 +21504,7 @@
                           <a:cs typeface="Cambria"/>
                           <a:sym typeface="Cambria"/>
                         </a:rPr>
-                        <a:t>SELECT s.name</a:t>
+                        <a:t>SELECT DEREF(s).name</a:t>
                       </a:r>
                       <a:endParaRPr sz="1200">
                         <a:solidFill>
@@ -22312,7 +22370,7 @@
   <p:cSld>
     <p:spTree>
       <p:nvGrpSpPr>
-        <p:cNvPr id="221" name="Shape 221"/>
+        <p:cNvPr id="222" name="Shape 222"/>
         <p:cNvGrpSpPr/>
         <p:nvPr/>
       </p:nvGrpSpPr>
@@ -22326,7 +22384,7 @@
       </p:grpSpPr>
       <p:sp>
         <p:nvSpPr>
-          <p:cNvPr id="222" name="Google Shape;222;g369690b03c5_0_286"/>
+          <p:cNvPr id="223" name="Google Shape;223;g369690b03c5_0_286"/>
           <p:cNvSpPr txBox="1"/>
           <p:nvPr>
             <p:ph type="title"/>
@@ -22366,7 +22424,7 @@
       </p:sp>
       <p:sp>
         <p:nvSpPr>
-          <p:cNvPr id="223" name="Google Shape;223;g369690b03c5_0_286"/>
+          <p:cNvPr id="224" name="Google Shape;224;g369690b03c5_0_286"/>
           <p:cNvSpPr txBox="1"/>
           <p:nvPr>
             <p:ph idx="12" type="sldNum"/>
@@ -22410,7 +22468,7 @@
       </p:sp>
       <p:graphicFrame>
         <p:nvGraphicFramePr>
-          <p:cNvPr id="224" name="Google Shape;224;g369690b03c5_0_286"/>
+          <p:cNvPr id="225" name="Google Shape;225;g369690b03c5_0_286"/>
           <p:cNvGraphicFramePr/>
           <p:nvPr/>
         </p:nvGraphicFramePr>
@@ -22423,7 +22481,7 @@
             <a:tbl>
               <a:tblPr>
                 <a:noFill/>
-                <a:tableStyleId>{612DB85B-09D3-4AB4-80B9-41EA9D3D7577}</a:tableStyleId>
+                <a:tableStyleId>{1A739EA9-C52D-4B98-B90B-9A33190725C9}</a:tableStyleId>
               </a:tblPr>
               <a:tblGrid>
                 <a:gridCol w="382850"/>
@@ -23208,7 +23266,7 @@
   <p:cSld>
     <p:spTree>
       <p:nvGrpSpPr>
-        <p:cNvPr id="228" name="Shape 228"/>
+        <p:cNvPr id="229" name="Shape 229"/>
         <p:cNvGrpSpPr/>
         <p:nvPr/>
       </p:nvGrpSpPr>
@@ -23222,7 +23280,7 @@
       </p:grpSpPr>
       <p:sp>
         <p:nvSpPr>
-          <p:cNvPr id="229" name="Google Shape;229;p5"/>
+          <p:cNvPr id="230" name="Google Shape;230;p5"/>
           <p:cNvSpPr txBox="1"/>
           <p:nvPr>
             <p:ph type="title"/>
@@ -23284,7 +23342,7 @@
       </p:sp>
       <p:sp>
         <p:nvSpPr>
-          <p:cNvPr id="230" name="Google Shape;230;p5"/>
+          <p:cNvPr id="231" name="Google Shape;231;p5"/>
           <p:cNvSpPr txBox="1"/>
           <p:nvPr>
             <p:ph idx="12" type="sldNum"/>
@@ -23324,7 +23382,7 @@
       </p:sp>
       <p:sp>
         <p:nvSpPr>
-          <p:cNvPr id="231" name="Google Shape;231;p5"/>
+          <p:cNvPr id="232" name="Google Shape;232;p5"/>
           <p:cNvSpPr txBox="1"/>
           <p:nvPr/>
         </p:nvSpPr>
@@ -23636,7 +23694,7 @@
       </p:sp>
       <p:sp>
         <p:nvSpPr>
-          <p:cNvPr id="232" name="Google Shape;232;p5"/>
+          <p:cNvPr id="233" name="Google Shape;233;p5"/>
           <p:cNvSpPr txBox="1"/>
           <p:nvPr/>
         </p:nvSpPr>
@@ -23717,7 +23775,7 @@
       </p:sp>
       <p:sp>
         <p:nvSpPr>
-          <p:cNvPr id="233" name="Google Shape;233;p5"/>
+          <p:cNvPr id="234" name="Google Shape;234;p5"/>
           <p:cNvSpPr txBox="1"/>
           <p:nvPr/>
         </p:nvSpPr>
@@ -23879,7 +23937,7 @@
       </p:sp>
       <p:sp>
         <p:nvSpPr>
-          <p:cNvPr id="234" name="Google Shape;234;p5"/>
+          <p:cNvPr id="235" name="Google Shape;235;p5"/>
           <p:cNvSpPr txBox="1"/>
           <p:nvPr/>
         </p:nvSpPr>
@@ -23981,7 +24039,7 @@
       </p:sp>
       <p:sp>
         <p:nvSpPr>
-          <p:cNvPr id="235" name="Google Shape;235;p5"/>
+          <p:cNvPr id="236" name="Google Shape;236;p5"/>
           <p:cNvSpPr txBox="1"/>
           <p:nvPr/>
         </p:nvSpPr>
@@ -24039,7 +24097,7 @@
       </p:sp>
       <p:sp>
         <p:nvSpPr>
-          <p:cNvPr id="236" name="Google Shape;236;p5"/>
+          <p:cNvPr id="237" name="Google Shape;237;p5"/>
           <p:cNvSpPr txBox="1"/>
           <p:nvPr/>
         </p:nvSpPr>
@@ -24114,7 +24172,7 @@
   <p:cSld>
     <p:spTree>
       <p:nvGrpSpPr>
-        <p:cNvPr id="240" name="Shape 240"/>
+        <p:cNvPr id="241" name="Shape 241"/>
         <p:cNvGrpSpPr/>
         <p:nvPr/>
       </p:nvGrpSpPr>
@@ -24128,7 +24186,7 @@
       </p:grpSpPr>
       <p:sp>
         <p:nvSpPr>
-          <p:cNvPr id="241" name="Google Shape;241;p6"/>
+          <p:cNvPr id="242" name="Google Shape;242;p6"/>
           <p:cNvSpPr txBox="1"/>
           <p:nvPr>
             <p:ph type="title"/>
@@ -24190,7 +24248,7 @@
       </p:sp>
       <p:sp>
         <p:nvSpPr>
-          <p:cNvPr id="242" name="Google Shape;242;p6"/>
+          <p:cNvPr id="243" name="Google Shape;243;p6"/>
           <p:cNvSpPr txBox="1"/>
           <p:nvPr>
             <p:ph idx="1" type="body"/>
@@ -24267,7 +24325,7 @@
       </p:sp>
       <p:sp>
         <p:nvSpPr>
-          <p:cNvPr id="243" name="Google Shape;243;p6"/>
+          <p:cNvPr id="244" name="Google Shape;244;p6"/>
           <p:cNvSpPr txBox="1"/>
           <p:nvPr>
             <p:ph idx="12" type="sldNum"/>
@@ -24307,7 +24365,7 @@
       </p:sp>
       <p:sp>
         <p:nvSpPr>
-          <p:cNvPr id="244" name="Google Shape;244;p6"/>
+          <p:cNvPr id="245" name="Google Shape;245;p6"/>
           <p:cNvSpPr txBox="1"/>
           <p:nvPr/>
         </p:nvSpPr>
@@ -24697,14 +24755,14 @@
       </p:sp>
       <p:sp>
         <p:nvSpPr>
-          <p:cNvPr id="245" name="Google Shape;245;p6"/>
+          <p:cNvPr id="246" name="Google Shape;246;p6"/>
           <p:cNvSpPr txBox="1"/>
           <p:nvPr/>
         </p:nvSpPr>
         <p:spPr>
           <a:xfrm>
-            <a:off x="690125" y="3746088"/>
-            <a:ext cx="8076300" cy="400200"/>
+            <a:off x="600075" y="4202125"/>
+            <a:ext cx="8076300" cy="615600"/>
           </a:xfrm>
           <a:prstGeom prst="rect">
             <a:avLst/>
@@ -24730,6 +24788,38 @@
               <a:buNone/>
             </a:pPr>
             <a:r>
+              <a:rPr b="1" lang="en-US">
+                <a:solidFill>
+                  <a:schemeClr val="dk1"/>
+                </a:solidFill>
+                <a:latin typeface="Courier New"/>
+                <a:ea typeface="Courier New"/>
+                <a:cs typeface="Courier New"/>
+                <a:sym typeface="Courier New"/>
+              </a:rPr>
+              <a:t>Read Query</a:t>
+            </a:r>
+            <a:endParaRPr b="1">
+              <a:solidFill>
+                <a:schemeClr val="dk1"/>
+              </a:solidFill>
+              <a:latin typeface="Courier New"/>
+              <a:ea typeface="Courier New"/>
+              <a:cs typeface="Courier New"/>
+              <a:sym typeface="Courier New"/>
+            </a:endParaRPr>
+          </a:p>
+          <a:p>
+            <a:pPr indent="0" lvl="0" marL="0" rtl="0" algn="l">
+              <a:spcBef>
+                <a:spcPts val="0"/>
+              </a:spcBef>
+              <a:spcAft>
+                <a:spcPts val="0"/>
+              </a:spcAft>
+              <a:buNone/>
+            </a:pPr>
+            <a:r>
               <a:rPr lang="en-US">
                 <a:solidFill>
                   <a:srgbClr val="9900FF"/>
@@ -24755,7 +24845,7 @@
       </p:sp>
       <p:sp>
         <p:nvSpPr>
-          <p:cNvPr id="246" name="Google Shape;246;p6"/>
+          <p:cNvPr id="247" name="Google Shape;247;p6"/>
           <p:cNvSpPr txBox="1"/>
           <p:nvPr/>
         </p:nvSpPr>
@@ -24813,9 +24903,9 @@
       </p:sp>
       <p:cxnSp>
         <p:nvCxnSpPr>
-          <p:cNvPr id="247" name="Google Shape;247;p6"/>
+          <p:cNvPr id="248" name="Google Shape;248;p6"/>
           <p:cNvCxnSpPr>
-            <a:stCxn id="246" idx="1"/>
+            <a:stCxn id="247" idx="1"/>
           </p:cNvCxnSpPr>
           <p:nvPr/>
         </p:nvCxnSpPr>
@@ -24839,6 +24929,87 @@
           </a:ln>
         </p:spPr>
       </p:cxnSp>
+      <p:sp>
+        <p:nvSpPr>
+          <p:cNvPr id="249" name="Google Shape;249;p6"/>
+          <p:cNvSpPr txBox="1"/>
+          <p:nvPr/>
+        </p:nvSpPr>
+        <p:spPr>
+          <a:xfrm>
+            <a:off x="600075" y="3369413"/>
+            <a:ext cx="7529400" cy="615600"/>
+          </a:xfrm>
+          <a:prstGeom prst="rect">
+            <a:avLst/>
+          </a:prstGeom>
+          <a:noFill/>
+          <a:ln>
+            <a:noFill/>
+          </a:ln>
+        </p:spPr>
+        <p:txBody>
+          <a:bodyPr anchorCtr="0" anchor="t" bIns="91425" lIns="91425" spcFirstLastPara="1" rIns="91425" wrap="square" tIns="91425">
+            <a:spAutoFit/>
+          </a:bodyPr>
+          <a:lstStyle/>
+          <a:p>
+            <a:pPr indent="0" lvl="0" marL="0" rtl="0" algn="l">
+              <a:spcBef>
+                <a:spcPts val="0"/>
+              </a:spcBef>
+              <a:spcAft>
+                <a:spcPts val="0"/>
+              </a:spcAft>
+              <a:buNone/>
+            </a:pPr>
+            <a:r>
+              <a:rPr b="1" lang="en-US">
+                <a:solidFill>
+                  <a:schemeClr val="dk1"/>
+                </a:solidFill>
+                <a:latin typeface="Courier New"/>
+                <a:ea typeface="Courier New"/>
+                <a:cs typeface="Courier New"/>
+                <a:sym typeface="Courier New"/>
+              </a:rPr>
+              <a:t>Insertion Query</a:t>
+            </a:r>
+            <a:br>
+              <a:rPr lang="en-US">
+                <a:solidFill>
+                  <a:srgbClr val="188038"/>
+                </a:solidFill>
+                <a:latin typeface="Courier New"/>
+                <a:ea typeface="Courier New"/>
+                <a:cs typeface="Courier New"/>
+                <a:sym typeface="Courier New"/>
+              </a:rPr>
+            </a:br>
+            <a:r>
+              <a:rPr lang="en-US">
+                <a:solidFill>
+                  <a:srgbClr val="188038"/>
+                </a:solidFill>
+                <a:latin typeface="Courier New"/>
+                <a:ea typeface="Courier New"/>
+                <a:cs typeface="Courier New"/>
+                <a:sym typeface="Courier New"/>
+              </a:rPr>
+              <a:t>INSERT INTO People VALUES (Student('Alice', 'Computer Science'));</a:t>
+            </a:r>
+            <a:endParaRPr>
+              <a:solidFill>
+                <a:srgbClr val="188038"/>
+              </a:solidFill>
+              <a:latin typeface="Courier New"/>
+              <a:ea typeface="Courier New"/>
+              <a:cs typeface="Courier New"/>
+              <a:sym typeface="Courier New"/>
+            </a:endParaRPr>
+          </a:p>
+        </p:txBody>
+      </p:sp>
     </p:spTree>
   </p:cSld>
   <p:clrMapOvr>
@@ -24852,7 +25023,7 @@
   <p:cSld>
     <p:spTree>
       <p:nvGrpSpPr>
-        <p:cNvPr id="251" name="Shape 251"/>
+        <p:cNvPr id="253" name="Shape 253"/>
         <p:cNvGrpSpPr/>
         <p:nvPr/>
       </p:nvGrpSpPr>
@@ -24866,7 +25037,7 @@
       </p:grpSpPr>
       <p:sp>
         <p:nvSpPr>
-          <p:cNvPr id="252" name="Google Shape;252;g36a36cb3e03_0_20"/>
+          <p:cNvPr id="254" name="Google Shape;254;g36a36cb3e03_0_20"/>
           <p:cNvSpPr txBox="1"/>
           <p:nvPr>
             <p:ph type="title"/>
@@ -24911,7 +25082,7 @@
       </p:sp>
       <p:sp>
         <p:nvSpPr>
-          <p:cNvPr id="253" name="Google Shape;253;g36a36cb3e03_0_20"/>
+          <p:cNvPr id="255" name="Google Shape;255;g36a36cb3e03_0_20"/>
           <p:cNvSpPr txBox="1"/>
           <p:nvPr>
             <p:ph idx="1" type="body"/>
@@ -25161,7 +25332,7 @@
       </p:sp>
       <p:sp>
         <p:nvSpPr>
-          <p:cNvPr id="254" name="Google Shape;254;g36a36cb3e03_0_20"/>
+          <p:cNvPr id="256" name="Google Shape;256;g36a36cb3e03_0_20"/>
           <p:cNvSpPr txBox="1"/>
           <p:nvPr>
             <p:ph idx="12" type="sldNum"/>
@@ -25216,7 +25387,7 @@
   <p:cSld>
     <p:spTree>
       <p:nvGrpSpPr>
-        <p:cNvPr id="258" name="Shape 258"/>
+        <p:cNvPr id="260" name="Shape 260"/>
         <p:cNvGrpSpPr/>
         <p:nvPr/>
       </p:nvGrpSpPr>
@@ -25230,7 +25401,7 @@
       </p:grpSpPr>
       <p:sp>
         <p:nvSpPr>
-          <p:cNvPr id="259" name="Google Shape;259;g36a36cb3e03_0_39"/>
+          <p:cNvPr id="261" name="Google Shape;261;g36a36cb3e03_0_39"/>
           <p:cNvSpPr txBox="1"/>
           <p:nvPr>
             <p:ph type="title"/>
@@ -25275,7 +25446,7 @@
       </p:sp>
       <p:sp>
         <p:nvSpPr>
-          <p:cNvPr id="260" name="Google Shape;260;g36a36cb3e03_0_39"/>
+          <p:cNvPr id="262" name="Google Shape;262;g36a36cb3e03_0_39"/>
           <p:cNvSpPr txBox="1"/>
           <p:nvPr>
             <p:ph idx="1" type="body"/>
@@ -25619,7 +25790,7 @@
       </p:sp>
       <p:sp>
         <p:nvSpPr>
-          <p:cNvPr id="261" name="Google Shape;261;g36a36cb3e03_0_39"/>
+          <p:cNvPr id="263" name="Google Shape;263;g36a36cb3e03_0_39"/>
           <p:cNvSpPr txBox="1"/>
           <p:nvPr>
             <p:ph idx="12" type="sldNum"/>
@@ -25674,7 +25845,7 @@
   <p:cSld>
     <p:spTree>
       <p:nvGrpSpPr>
-        <p:cNvPr id="265" name="Shape 265"/>
+        <p:cNvPr id="267" name="Shape 267"/>
         <p:cNvGrpSpPr/>
         <p:nvPr/>
       </p:nvGrpSpPr>
@@ -25688,7 +25859,7 @@
       </p:grpSpPr>
       <p:sp>
         <p:nvSpPr>
-          <p:cNvPr id="266" name="Google Shape;266;g36a36cb3e03_0_49"/>
+          <p:cNvPr id="268" name="Google Shape;268;g36a36cb3e03_0_49"/>
           <p:cNvSpPr txBox="1"/>
           <p:nvPr>
             <p:ph type="title"/>
@@ -25733,7 +25904,7 @@
       </p:sp>
       <p:sp>
         <p:nvSpPr>
-          <p:cNvPr id="267" name="Google Shape;267;g36a36cb3e03_0_49"/>
+          <p:cNvPr id="269" name="Google Shape;269;g36a36cb3e03_0_49"/>
           <p:cNvSpPr txBox="1"/>
           <p:nvPr>
             <p:ph idx="1" type="body"/>
@@ -26099,7 +26270,7 @@
       </p:sp>
       <p:sp>
         <p:nvSpPr>
-          <p:cNvPr id="268" name="Google Shape;268;g36a36cb3e03_0_49"/>
+          <p:cNvPr id="270" name="Google Shape;270;g36a36cb3e03_0_49"/>
           <p:cNvSpPr txBox="1"/>
           <p:nvPr>
             <p:ph idx="12" type="sldNum"/>
@@ -26154,7 +26325,7 @@
   <p:cSld>
     <p:spTree>
       <p:nvGrpSpPr>
-        <p:cNvPr id="272" name="Shape 272"/>
+        <p:cNvPr id="274" name="Shape 274"/>
         <p:cNvGrpSpPr/>
         <p:nvPr/>
       </p:nvGrpSpPr>
@@ -26168,7 +26339,7 @@
       </p:grpSpPr>
       <p:sp>
         <p:nvSpPr>
-          <p:cNvPr id="273" name="Google Shape;273;g36a36cb3e03_0_57"/>
+          <p:cNvPr id="275" name="Google Shape;275;g36a36cb3e03_0_57"/>
           <p:cNvSpPr txBox="1"/>
           <p:nvPr>
             <p:ph type="title"/>
@@ -26208,7 +26379,7 @@
       </p:sp>
       <p:sp>
         <p:nvSpPr>
-          <p:cNvPr id="274" name="Google Shape;274;g36a36cb3e03_0_57"/>
+          <p:cNvPr id="276" name="Google Shape;276;g36a36cb3e03_0_57"/>
           <p:cNvSpPr txBox="1"/>
           <p:nvPr>
             <p:ph idx="1" type="body"/>
@@ -26546,7 +26717,7 @@
       </p:sp>
       <p:sp>
         <p:nvSpPr>
-          <p:cNvPr id="275" name="Google Shape;275;g36a36cb3e03_0_57"/>
+          <p:cNvPr id="277" name="Google Shape;277;g36a36cb3e03_0_57"/>
           <p:cNvSpPr txBox="1"/>
           <p:nvPr>
             <p:ph idx="12" type="sldNum"/>
@@ -26601,7 +26772,7 @@
   <p:cSld>
     <p:spTree>
       <p:nvGrpSpPr>
-        <p:cNvPr id="279" name="Shape 279"/>
+        <p:cNvPr id="281" name="Shape 281"/>
         <p:cNvGrpSpPr/>
         <p:nvPr/>
       </p:nvGrpSpPr>
@@ -26615,7 +26786,7 @@
       </p:grpSpPr>
       <p:sp>
         <p:nvSpPr>
-          <p:cNvPr id="280" name="Google Shape;280;g36a36cb3e03_0_64"/>
+          <p:cNvPr id="282" name="Google Shape;282;g36a36cb3e03_0_64"/>
           <p:cNvSpPr txBox="1"/>
           <p:nvPr>
             <p:ph type="title"/>
@@ -26655,7 +26826,7 @@
       </p:sp>
       <p:sp>
         <p:nvSpPr>
-          <p:cNvPr id="281" name="Google Shape;281;g36a36cb3e03_0_64"/>
+          <p:cNvPr id="283" name="Google Shape;283;g36a36cb3e03_0_64"/>
           <p:cNvSpPr txBox="1"/>
           <p:nvPr>
             <p:ph idx="1" type="body"/>
@@ -26902,7 +27073,7 @@
       </p:sp>
       <p:sp>
         <p:nvSpPr>
-          <p:cNvPr id="282" name="Google Shape;282;g36a36cb3e03_0_64"/>
+          <p:cNvPr id="284" name="Google Shape;284;g36a36cb3e03_0_64"/>
           <p:cNvSpPr txBox="1"/>
           <p:nvPr>
             <p:ph idx="12" type="sldNum"/>
@@ -26957,7 +27128,7 @@
   <p:cSld>
     <p:spTree>
       <p:nvGrpSpPr>
-        <p:cNvPr id="286" name="Shape 286"/>
+        <p:cNvPr id="288" name="Shape 288"/>
         <p:cNvGrpSpPr/>
         <p:nvPr/>
       </p:nvGrpSpPr>
@@ -26971,7 +27142,7 @@
       </p:grpSpPr>
       <p:sp>
         <p:nvSpPr>
-          <p:cNvPr id="287" name="Google Shape;287;g36a36cb3e03_0_73"/>
+          <p:cNvPr id="289" name="Google Shape;289;g36a36cb3e03_0_73"/>
           <p:cNvSpPr txBox="1"/>
           <p:nvPr>
             <p:ph type="title"/>
@@ -27011,7 +27182,7 @@
       </p:sp>
       <p:sp>
         <p:nvSpPr>
-          <p:cNvPr id="288" name="Google Shape;288;g36a36cb3e03_0_73"/>
+          <p:cNvPr id="290" name="Google Shape;290;g36a36cb3e03_0_73"/>
           <p:cNvSpPr txBox="1"/>
           <p:nvPr>
             <p:ph idx="1" type="body"/>
@@ -27232,7 +27403,7 @@
       </p:sp>
       <p:sp>
         <p:nvSpPr>
-          <p:cNvPr id="289" name="Google Shape;289;g36a36cb3e03_0_73"/>
+          <p:cNvPr id="291" name="Google Shape;291;g36a36cb3e03_0_73"/>
           <p:cNvSpPr txBox="1"/>
           <p:nvPr>
             <p:ph idx="12" type="sldNum"/>
@@ -27287,7 +27458,7 @@
   <p:cSld>
     <p:spTree>
       <p:nvGrpSpPr>
-        <p:cNvPr id="293" name="Shape 293"/>
+        <p:cNvPr id="295" name="Shape 295"/>
         <p:cNvGrpSpPr/>
         <p:nvPr/>
       </p:nvGrpSpPr>
@@ -27301,7 +27472,7 @@
       </p:grpSpPr>
       <p:sp>
         <p:nvSpPr>
-          <p:cNvPr id="294" name="Google Shape;294;g36a36cb3e03_0_80"/>
+          <p:cNvPr id="296" name="Google Shape;296;g36a36cb3e03_0_80"/>
           <p:cNvSpPr txBox="1"/>
           <p:nvPr>
             <p:ph type="title"/>
@@ -27341,7 +27512,7 @@
       </p:sp>
       <p:sp>
         <p:nvSpPr>
-          <p:cNvPr id="295" name="Google Shape;295;g36a36cb3e03_0_80"/>
+          <p:cNvPr id="297" name="Google Shape;297;g36a36cb3e03_0_80"/>
           <p:cNvSpPr txBox="1"/>
           <p:nvPr>
             <p:ph idx="1" type="body"/>
@@ -27745,7 +27916,7 @@
       </p:sp>
       <p:sp>
         <p:nvSpPr>
-          <p:cNvPr id="296" name="Google Shape;296;g36a36cb3e03_0_80"/>
+          <p:cNvPr id="298" name="Google Shape;298;g36a36cb3e03_0_80"/>
           <p:cNvSpPr txBox="1"/>
           <p:nvPr>
             <p:ph idx="12" type="sldNum"/>
@@ -27789,7 +27960,7 @@
       </p:sp>
       <p:sp>
         <p:nvSpPr>
-          <p:cNvPr id="297" name="Google Shape;297;g36a36cb3e03_0_80"/>
+          <p:cNvPr id="299" name="Google Shape;299;g36a36cb3e03_0_80"/>
           <p:cNvSpPr txBox="1"/>
           <p:nvPr/>
         </p:nvSpPr>
@@ -28311,7 +28482,7 @@
   <p:cSld>
     <p:spTree>
       <p:nvGrpSpPr>
-        <p:cNvPr id="301" name="Shape 301"/>
+        <p:cNvPr id="303" name="Shape 303"/>
         <p:cNvGrpSpPr/>
         <p:nvPr/>
       </p:nvGrpSpPr>
@@ -28325,7 +28496,7 @@
       </p:grpSpPr>
       <p:sp>
         <p:nvSpPr>
-          <p:cNvPr id="302" name="Google Shape;302;g36a36cb3e03_0_90"/>
+          <p:cNvPr id="304" name="Google Shape;304;g36a36cb3e03_0_90"/>
           <p:cNvSpPr txBox="1"/>
           <p:nvPr>
             <p:ph type="title"/>
@@ -28365,7 +28536,7 @@
       </p:sp>
       <p:sp>
         <p:nvSpPr>
-          <p:cNvPr id="303" name="Google Shape;303;g36a36cb3e03_0_90"/>
+          <p:cNvPr id="305" name="Google Shape;305;g36a36cb3e03_0_90"/>
           <p:cNvSpPr txBox="1"/>
           <p:nvPr>
             <p:ph idx="1" type="body"/>
@@ -28655,7 +28826,7 @@
       </p:sp>
       <p:sp>
         <p:nvSpPr>
-          <p:cNvPr id="304" name="Google Shape;304;g36a36cb3e03_0_90"/>
+          <p:cNvPr id="306" name="Google Shape;306;g36a36cb3e03_0_90"/>
           <p:cNvSpPr txBox="1"/>
           <p:nvPr>
             <p:ph idx="12" type="sldNum"/>
@@ -28699,7 +28870,7 @@
       </p:sp>
       <p:sp>
         <p:nvSpPr>
-          <p:cNvPr id="305" name="Google Shape;305;g36a36cb3e03_0_90"/>
+          <p:cNvPr id="307" name="Google Shape;307;g36a36cb3e03_0_90"/>
           <p:cNvSpPr/>
           <p:nvPr/>
         </p:nvSpPr>
@@ -28777,7 +28948,7 @@
       </p:sp>
       <p:sp>
         <p:nvSpPr>
-          <p:cNvPr id="306" name="Google Shape;306;g36a36cb3e03_0_90"/>
+          <p:cNvPr id="308" name="Google Shape;308;g36a36cb3e03_0_90"/>
           <p:cNvSpPr/>
           <p:nvPr/>
         </p:nvSpPr>
@@ -28855,7 +29026,7 @@
       </p:sp>
       <p:sp>
         <p:nvSpPr>
-          <p:cNvPr id="307" name="Google Shape;307;g36a36cb3e03_0_90"/>
+          <p:cNvPr id="309" name="Google Shape;309;g36a36cb3e03_0_90"/>
           <p:cNvSpPr/>
           <p:nvPr/>
         </p:nvSpPr>
@@ -28933,7 +29104,7 @@
       </p:sp>
       <p:sp>
         <p:nvSpPr>
-          <p:cNvPr id="308" name="Google Shape;308;g36a36cb3e03_0_90"/>
+          <p:cNvPr id="310" name="Google Shape;310;g36a36cb3e03_0_90"/>
           <p:cNvSpPr/>
           <p:nvPr/>
         </p:nvSpPr>
@@ -29281,7 +29452,7 @@
   <p:cSld>
     <p:spTree>
       <p:nvGrpSpPr>
-        <p:cNvPr id="312" name="Shape 312"/>
+        <p:cNvPr id="314" name="Shape 314"/>
         <p:cNvGrpSpPr/>
         <p:nvPr/>
       </p:nvGrpSpPr>
@@ -29295,7 +29466,7 @@
       </p:grpSpPr>
       <p:sp>
         <p:nvSpPr>
-          <p:cNvPr id="313" name="Google Shape;313;p9"/>
+          <p:cNvPr id="315" name="Google Shape;315;p9"/>
           <p:cNvSpPr txBox="1"/>
           <p:nvPr>
             <p:ph type="title"/>
@@ -29357,7 +29528,7 @@
       </p:sp>
       <p:sp>
         <p:nvSpPr>
-          <p:cNvPr id="314" name="Google Shape;314;p9"/>
+          <p:cNvPr id="316" name="Google Shape;316;p9"/>
           <p:cNvSpPr txBox="1"/>
           <p:nvPr>
             <p:ph idx="1" type="body"/>
@@ -29789,7 +29960,7 @@
       </p:sp>
       <p:sp>
         <p:nvSpPr>
-          <p:cNvPr id="315" name="Google Shape;315;p9"/>
+          <p:cNvPr id="317" name="Google Shape;317;p9"/>
           <p:cNvSpPr txBox="1"/>
           <p:nvPr>
             <p:ph idx="12" type="sldNum"/>
@@ -29829,7 +30000,7 @@
       </p:sp>
       <p:sp>
         <p:nvSpPr>
-          <p:cNvPr id="316" name="Google Shape;316;p9"/>
+          <p:cNvPr id="318" name="Google Shape;318;p9"/>
           <p:cNvSpPr txBox="1"/>
           <p:nvPr/>
         </p:nvSpPr>
@@ -29959,7 +30130,7 @@
   <p:cSld>
     <p:spTree>
       <p:nvGrpSpPr>
-        <p:cNvPr id="320" name="Shape 320"/>
+        <p:cNvPr id="322" name="Shape 322"/>
         <p:cNvGrpSpPr/>
         <p:nvPr/>
       </p:nvGrpSpPr>
@@ -29973,7 +30144,7 @@
       </p:grpSpPr>
       <p:sp>
         <p:nvSpPr>
-          <p:cNvPr id="321" name="Google Shape;321;p10"/>
+          <p:cNvPr id="323" name="Google Shape;323;p10"/>
           <p:cNvSpPr txBox="1"/>
           <p:nvPr>
             <p:ph type="title"/>
@@ -30035,7 +30206,7 @@
       </p:sp>
       <p:sp>
         <p:nvSpPr>
-          <p:cNvPr id="322" name="Google Shape;322;p10"/>
+          <p:cNvPr id="324" name="Google Shape;324;p10"/>
           <p:cNvSpPr txBox="1"/>
           <p:nvPr>
             <p:ph idx="12" type="sldNum"/>
@@ -30075,7 +30246,7 @@
       </p:sp>
       <p:sp>
         <p:nvSpPr>
-          <p:cNvPr id="323" name="Google Shape;323;p10"/>
+          <p:cNvPr id="325" name="Google Shape;325;p10"/>
           <p:cNvSpPr txBox="1"/>
           <p:nvPr/>
         </p:nvSpPr>
@@ -30521,7 +30692,7 @@
   <p:cSld>
     <p:spTree>
       <p:nvGrpSpPr>
-        <p:cNvPr id="327" name="Shape 327"/>
+        <p:cNvPr id="329" name="Shape 329"/>
         <p:cNvGrpSpPr/>
         <p:nvPr/>
       </p:nvGrpSpPr>
@@ -30535,7 +30706,7 @@
       </p:grpSpPr>
       <p:sp>
         <p:nvSpPr>
-          <p:cNvPr id="328" name="Google Shape;328;p11"/>
+          <p:cNvPr id="330" name="Google Shape;330;p11"/>
           <p:cNvSpPr txBox="1"/>
           <p:nvPr>
             <p:ph type="title"/>
@@ -30597,7 +30768,7 @@
       </p:sp>
       <p:sp>
         <p:nvSpPr>
-          <p:cNvPr id="329" name="Google Shape;329;p11"/>
+          <p:cNvPr id="331" name="Google Shape;331;p11"/>
           <p:cNvSpPr txBox="1"/>
           <p:nvPr>
             <p:ph idx="12" type="sldNum"/>
@@ -30637,7 +30808,7 @@
       </p:sp>
       <p:sp>
         <p:nvSpPr>
-          <p:cNvPr id="330" name="Google Shape;330;p11"/>
+          <p:cNvPr id="332" name="Google Shape;332;p11"/>
           <p:cNvSpPr txBox="1"/>
           <p:nvPr/>
         </p:nvSpPr>
@@ -31098,7 +31269,7 @@
   <p:cSld>
     <p:spTree>
       <p:nvGrpSpPr>
-        <p:cNvPr id="334" name="Shape 334"/>
+        <p:cNvPr id="336" name="Shape 336"/>
         <p:cNvGrpSpPr/>
         <p:nvPr/>
       </p:nvGrpSpPr>
@@ -31112,7 +31283,7 @@
       </p:grpSpPr>
       <p:sp>
         <p:nvSpPr>
-          <p:cNvPr id="335" name="Google Shape;335;g36a36cb3e03_0_115"/>
+          <p:cNvPr id="337" name="Google Shape;337;g36a36cb3e03_0_115"/>
           <p:cNvSpPr txBox="1"/>
           <p:nvPr>
             <p:ph type="title"/>
@@ -31162,7 +31333,7 @@
       </p:sp>
       <p:sp>
         <p:nvSpPr>
-          <p:cNvPr id="336" name="Google Shape;336;g36a36cb3e03_0_115"/>
+          <p:cNvPr id="338" name="Google Shape;338;g36a36cb3e03_0_115"/>
           <p:cNvSpPr txBox="1"/>
           <p:nvPr>
             <p:ph idx="1" type="body"/>
@@ -31471,7 +31642,7 @@
       </p:sp>
       <p:sp>
         <p:nvSpPr>
-          <p:cNvPr id="337" name="Google Shape;337;g36a36cb3e03_0_115"/>
+          <p:cNvPr id="339" name="Google Shape;339;g36a36cb3e03_0_115"/>
           <p:cNvSpPr txBox="1"/>
           <p:nvPr>
             <p:ph idx="12" type="sldNum"/>
@@ -31526,7 +31697,7 @@
   <p:cSld>
     <p:spTree>
       <p:nvGrpSpPr>
-        <p:cNvPr id="341" name="Shape 341"/>
+        <p:cNvPr id="343" name="Shape 343"/>
         <p:cNvGrpSpPr/>
         <p:nvPr/>
       </p:nvGrpSpPr>
@@ -31540,7 +31711,7 @@
       </p:grpSpPr>
       <p:sp>
         <p:nvSpPr>
-          <p:cNvPr id="342" name="Google Shape;342;p13"/>
+          <p:cNvPr id="344" name="Google Shape;344;p13"/>
           <p:cNvSpPr txBox="1"/>
           <p:nvPr>
             <p:ph type="title"/>
@@ -31602,7 +31773,7 @@
       </p:sp>
       <p:sp>
         <p:nvSpPr>
-          <p:cNvPr id="343" name="Google Shape;343;p13"/>
+          <p:cNvPr id="345" name="Google Shape;345;p13"/>
           <p:cNvSpPr txBox="1"/>
           <p:nvPr>
             <p:ph idx="1" type="body"/>
@@ -31766,7 +31937,7 @@
       </p:sp>
       <p:sp>
         <p:nvSpPr>
-          <p:cNvPr id="344" name="Google Shape;344;p13"/>
+          <p:cNvPr id="346" name="Google Shape;346;p13"/>
           <p:cNvSpPr txBox="1"/>
           <p:nvPr>
             <p:ph idx="12" type="sldNum"/>
@@ -31817,7 +31988,7 @@
   <p:cSld>
     <p:spTree>
       <p:nvGrpSpPr>
-        <p:cNvPr id="348" name="Shape 348"/>
+        <p:cNvPr id="350" name="Shape 350"/>
         <p:cNvGrpSpPr/>
         <p:nvPr/>
       </p:nvGrpSpPr>
@@ -31831,7 +32002,7 @@
       </p:grpSpPr>
       <p:sp>
         <p:nvSpPr>
-          <p:cNvPr id="349" name="Google Shape;349;p14"/>
+          <p:cNvPr id="351" name="Google Shape;351;p14"/>
           <p:cNvSpPr txBox="1"/>
           <p:nvPr>
             <p:ph type="title"/>
@@ -31893,7 +32064,7 @@
       </p:sp>
       <p:sp>
         <p:nvSpPr>
-          <p:cNvPr id="350" name="Google Shape;350;p14"/>
+          <p:cNvPr id="352" name="Google Shape;352;p14"/>
           <p:cNvSpPr txBox="1"/>
           <p:nvPr>
             <p:ph idx="1" type="body"/>
@@ -32057,7 +32228,7 @@
       </p:sp>
       <p:sp>
         <p:nvSpPr>
-          <p:cNvPr id="351" name="Google Shape;351;p14"/>
+          <p:cNvPr id="353" name="Google Shape;353;p14"/>
           <p:cNvSpPr txBox="1"/>
           <p:nvPr>
             <p:ph idx="12" type="sldNum"/>
